--- a/De La Riva, Bennett, Calhoun, Young; Tax_Boss.pptx
+++ b/De La Riva, Bennett, Calhoun, Young; Tax_Boss.pptx
@@ -109,6 +109,11 @@
       </a:defRPr>
     </a:lvl9pPr>
   </p:defaultTextStyle>
+  <p:extLst>
+    <p:ext uri="{EFAFB233-063F-42B5-8137-9DF3F51BA10A}">
+      <p15:sldGuideLst xmlns:p15="http://schemas.microsoft.com/office/powerpoint/2012/main"/>
+    </p:ext>
+  </p:extLst>
 </p:presentation>
 </file>
 
@@ -6640,7 +6645,10 @@
           <a:bodyPr/>
           <a:lstStyle/>
           <a:p>
-            <a:endParaRPr lang="en-US"/>
+            <a:r>
+              <a:rPr lang="en-US"/>
+              <a:t>Agenda</a:t>
+            </a:r>
           </a:p>
         </p:txBody>
       </p:sp>

--- a/De La Riva, Bennett, Calhoun, Young; Tax_Boss.pptx
+++ b/De La Riva, Bennett, Calhoun, Young; Tax_Boss.pptx
@@ -11,6 +11,7 @@
     <p:sldId id="259" r:id="rId5"/>
     <p:sldId id="260" r:id="rId6"/>
     <p:sldId id="261" r:id="rId7"/>
+    <p:sldId id="262" r:id="rId8"/>
   </p:sldIdLst>
   <p:sldSz cx="12192000" cy="6858000"/>
   <p:notesSz cx="6858000" cy="9144000"/>
@@ -6673,7 +6674,37 @@
           <a:bodyPr/>
           <a:lstStyle/>
           <a:p>
-            <a:endParaRPr lang="en-US"/>
+            <a:r>
+              <a:rPr lang="en-US" dirty="0"/>
+              <a:t>Summary of requirements</a:t>
+            </a:r>
+          </a:p>
+          <a:p>
+            <a:r>
+              <a:rPr lang="en-US" dirty="0"/>
+              <a:t>Calhoun- Billing</a:t>
+            </a:r>
+          </a:p>
+          <a:p>
+            <a:r>
+              <a:rPr lang="en-US" dirty="0"/>
+              <a:t>Dante-</a:t>
+            </a:r>
+          </a:p>
+          <a:p>
+            <a:r>
+              <a:rPr lang="en-US" dirty="0"/>
+              <a:t>Shaun-</a:t>
+            </a:r>
+          </a:p>
+          <a:p>
+            <a:r>
+              <a:rPr lang="en-US" dirty="0"/>
+              <a:t>Kincaid-</a:t>
+            </a:r>
+          </a:p>
+          <a:p>
+            <a:endParaRPr lang="en-US" dirty="0"/>
           </a:p>
         </p:txBody>
       </p:sp>
@@ -6808,7 +6839,10 @@
           <a:bodyPr/>
           <a:lstStyle/>
           <a:p>
-            <a:endParaRPr lang="en-US"/>
+            <a:r>
+              <a:rPr lang="en-US" dirty="0"/>
+              <a:t>Cost, almost last slide</a:t>
+            </a:r>
           </a:p>
         </p:txBody>
       </p:sp>
@@ -6841,6 +6875,89 @@
     <p:extLst>
       <p:ext uri="{BB962C8B-B14F-4D97-AF65-F5344CB8AC3E}">
         <p14:creationId xmlns:p14="http://schemas.microsoft.com/office/powerpoint/2010/main" val="625277202"/>
+      </p:ext>
+    </p:extLst>
+  </p:cSld>
+  <p:clrMapOvr>
+    <a:masterClrMapping/>
+  </p:clrMapOvr>
+</p:sld>
+</file>
+
+<file path=ppt/slides/slide7.xml><?xml version="1.0" encoding="utf-8"?>
+<p:sld xmlns:a="http://schemas.openxmlformats.org/drawingml/2006/main" xmlns:r="http://schemas.openxmlformats.org/officeDocument/2006/relationships" xmlns:p="http://schemas.openxmlformats.org/presentationml/2006/main">
+  <p:cSld>
+    <p:spTree>
+      <p:nvGrpSpPr>
+        <p:cNvPr id="1" name=""/>
+        <p:cNvGrpSpPr/>
+        <p:nvPr/>
+      </p:nvGrpSpPr>
+      <p:grpSpPr>
+        <a:xfrm>
+          <a:off x="0" y="0"/>
+          <a:ext cx="0" cy="0"/>
+          <a:chOff x="0" y="0"/>
+          <a:chExt cx="0" cy="0"/>
+        </a:xfrm>
+      </p:grpSpPr>
+      <p:sp>
+        <p:nvSpPr>
+          <p:cNvPr id="2" name="Title 1">
+            <a:extLst>
+              <a:ext uri="{FF2B5EF4-FFF2-40B4-BE49-F238E27FC236}">
+                <a16:creationId xmlns:a16="http://schemas.microsoft.com/office/drawing/2014/main" id="{F63F2CE9-287D-4D36-B359-CD02F2E6C9B3}"/>
+              </a:ext>
+            </a:extLst>
+          </p:cNvPr>
+          <p:cNvSpPr>
+            <a:spLocks noGrp="1"/>
+          </p:cNvSpPr>
+          <p:nvPr>
+            <p:ph type="title"/>
+          </p:nvPr>
+        </p:nvSpPr>
+        <p:spPr/>
+        <p:txBody>
+          <a:bodyPr/>
+          <a:lstStyle/>
+          <a:p>
+            <a:r>
+              <a:rPr lang="en-US" dirty="0"/>
+              <a:t>conclusion</a:t>
+            </a:r>
+          </a:p>
+        </p:txBody>
+      </p:sp>
+      <p:sp>
+        <p:nvSpPr>
+          <p:cNvPr id="3" name="Content Placeholder 2">
+            <a:extLst>
+              <a:ext uri="{FF2B5EF4-FFF2-40B4-BE49-F238E27FC236}">
+                <a16:creationId xmlns:a16="http://schemas.microsoft.com/office/drawing/2014/main" id="{E19053FB-A14B-4A08-B297-0D18C9170EEF}"/>
+              </a:ext>
+            </a:extLst>
+          </p:cNvPr>
+          <p:cNvSpPr>
+            <a:spLocks noGrp="1"/>
+          </p:cNvSpPr>
+          <p:nvPr>
+            <p:ph idx="1"/>
+          </p:nvPr>
+        </p:nvSpPr>
+        <p:spPr/>
+        <p:txBody>
+          <a:bodyPr/>
+          <a:lstStyle/>
+          <a:p>
+            <a:endParaRPr lang="en-US"/>
+          </a:p>
+        </p:txBody>
+      </p:sp>
+    </p:spTree>
+    <p:extLst>
+      <p:ext uri="{BB962C8B-B14F-4D97-AF65-F5344CB8AC3E}">
+        <p14:creationId xmlns:p14="http://schemas.microsoft.com/office/powerpoint/2010/main" val="3964379491"/>
       </p:ext>
     </p:extLst>
   </p:cSld>

--- a/De La Riva, Bennett, Calhoun, Young; Tax_Boss.pptx
+++ b/De La Riva, Bennett, Calhoun, Young; Tax_Boss.pptx
@@ -6759,7 +6759,14 @@
           <a:bodyPr/>
           <a:lstStyle/>
           <a:p>
-            <a:endParaRPr lang="en-US"/>
+            <a:r>
+              <a:rPr lang="en-US" dirty="0"/>
+              <a:t>Billing</a:t>
+            </a:r>
+            <a:br>
+              <a:rPr lang="en-US" dirty="0"/>
+            </a:br>
+            <a:endParaRPr lang="en-US" dirty="0"/>
           </a:p>
         </p:txBody>
       </p:sp>
@@ -6783,6 +6790,16 @@
         <p:txBody>
           <a:bodyPr/>
           <a:lstStyle/>
+          <a:p>
+            <a:r>
+              <a:rPr lang="en-US" dirty="0"/>
+              <a:t>Integrates </a:t>
+            </a:r>
+            <a:r>
+              <a:rPr lang="en-US"/>
+              <a:t>with outlook</a:t>
+            </a:r>
+          </a:p>
           <a:p>
             <a:endParaRPr lang="en-US"/>
           </a:p>

--- a/De La Riva, Bennett, Calhoun, Young; Tax_Boss.pptx
+++ b/De La Riva, Bennett, Calhoun, Young; Tax_Boss.pptx
@@ -9,9 +9,10 @@
     <p:sldId id="257" r:id="rId3"/>
     <p:sldId id="258" r:id="rId4"/>
     <p:sldId id="259" r:id="rId5"/>
-    <p:sldId id="260" r:id="rId6"/>
-    <p:sldId id="261" r:id="rId7"/>
-    <p:sldId id="262" r:id="rId8"/>
+    <p:sldId id="263" r:id="rId6"/>
+    <p:sldId id="260" r:id="rId7"/>
+    <p:sldId id="261" r:id="rId8"/>
+    <p:sldId id="262" r:id="rId9"/>
   </p:sldIdLst>
   <p:sldSz cx="12192000" cy="6858000"/>
   <p:notesSz cx="6858000" cy="9144000"/>
@@ -6166,7 +6167,7 @@
           <a:p>
             <a:r>
               <a:rPr lang="en-US" dirty="0"/>
-              <a:t>Name of company?</a:t>
+              <a:t>IT Solutions?</a:t>
             </a:r>
           </a:p>
         </p:txBody>
@@ -6286,6 +6287,18 @@
             <a:r>
               <a:rPr lang="en-US" dirty="0"/>
               <a:t>Small business, only 4 employees, combined 50 years experience</a:t>
+            </a:r>
+          </a:p>
+          <a:p>
+            <a:r>
+              <a:rPr lang="en-US" dirty="0"/>
+              <a:t>Previous projects</a:t>
+            </a:r>
+          </a:p>
+          <a:p>
+            <a:r>
+              <a:rPr lang="en-US" dirty="0"/>
+              <a:t>-implemented similar solutions for legal firms, and other tax offices</a:t>
             </a:r>
           </a:p>
           <a:p>
@@ -6412,146 +6425,27 @@
                       </p:childTnLst>
                     </p:cTn>
                   </p:par>
-                </p:childTnLst>
-              </p:cTn>
-              <p:prevCondLst>
-                <p:cond evt="onPrev" delay="0">
-                  <p:tgtEl>
-                    <p:sldTgt/>
-                  </p:tgtEl>
-                </p:cond>
-              </p:prevCondLst>
-              <p:nextCondLst>
-                <p:cond evt="onNext" delay="0">
-                  <p:tgtEl>
-                    <p:sldTgt/>
-                  </p:tgtEl>
-                </p:cond>
-              </p:nextCondLst>
-            </p:seq>
-          </p:childTnLst>
-        </p:cTn>
-      </p:par>
-    </p:tnLst>
-    <p:bldLst>
-      <p:bldP spid="3" grpId="0" build="p"/>
-    </p:bldLst>
-  </p:timing>
-</p:sld>
-</file>
-
-<file path=ppt/slides/slide3.xml><?xml version="1.0" encoding="utf-8"?>
-<p:sld xmlns:a="http://schemas.openxmlformats.org/drawingml/2006/main" xmlns:r="http://schemas.openxmlformats.org/officeDocument/2006/relationships" xmlns:p="http://schemas.openxmlformats.org/presentationml/2006/main">
-  <p:cSld>
-    <p:spTree>
-      <p:nvGrpSpPr>
-        <p:cNvPr id="1" name=""/>
-        <p:cNvGrpSpPr/>
-        <p:nvPr/>
-      </p:nvGrpSpPr>
-      <p:grpSpPr>
-        <a:xfrm>
-          <a:off x="0" y="0"/>
-          <a:ext cx="0" cy="0"/>
-          <a:chOff x="0" y="0"/>
-          <a:chExt cx="0" cy="0"/>
-        </a:xfrm>
-      </p:grpSpPr>
-      <p:sp>
-        <p:nvSpPr>
-          <p:cNvPr id="2" name="Title 1">
-            <a:extLst>
-              <a:ext uri="{FF2B5EF4-FFF2-40B4-BE49-F238E27FC236}">
-                <a16:creationId xmlns:a16="http://schemas.microsoft.com/office/drawing/2014/main" id="{727760D3-C68E-4B93-BDF9-E0576AB6D76E}"/>
-              </a:ext>
-            </a:extLst>
-          </p:cNvPr>
-          <p:cNvSpPr>
-            <a:spLocks noGrp="1"/>
-          </p:cNvSpPr>
-          <p:nvPr>
-            <p:ph type="title"/>
-          </p:nvPr>
-        </p:nvSpPr>
-        <p:spPr/>
-        <p:txBody>
-          <a:bodyPr/>
-          <a:lstStyle/>
-          <a:p>
-            <a:r>
-              <a:rPr lang="en-US" dirty="0"/>
-              <a:t>Quote</a:t>
-            </a:r>
-          </a:p>
-        </p:txBody>
-      </p:sp>
-      <p:sp>
-        <p:nvSpPr>
-          <p:cNvPr id="3" name="Content Placeholder 2">
-            <a:extLst>
-              <a:ext uri="{FF2B5EF4-FFF2-40B4-BE49-F238E27FC236}">
-                <a16:creationId xmlns:a16="http://schemas.microsoft.com/office/drawing/2014/main" id="{57ACA69E-8873-4C43-8384-393F26C116D7}"/>
-              </a:ext>
-            </a:extLst>
-          </p:cNvPr>
-          <p:cNvSpPr>
-            <a:spLocks noGrp="1"/>
-          </p:cNvSpPr>
-          <p:nvPr>
-            <p:ph idx="1"/>
-          </p:nvPr>
-        </p:nvSpPr>
-        <p:spPr/>
-        <p:txBody>
-          <a:bodyPr/>
-          <a:lstStyle/>
-          <a:p>
-            <a:r>
-              <a:rPr lang="en-US" dirty="0"/>
-              <a:t>“Build something that 100 people e love, not something  1 million people” like -</a:t>
-            </a:r>
-          </a:p>
-        </p:txBody>
-      </p:sp>
-    </p:spTree>
-    <p:extLst>
-      <p:ext uri="{BB962C8B-B14F-4D97-AF65-F5344CB8AC3E}">
-        <p14:creationId xmlns:p14="http://schemas.microsoft.com/office/powerpoint/2010/main" val="3278508"/>
-      </p:ext>
-    </p:extLst>
-  </p:cSld>
-  <p:clrMapOvr>
-    <a:masterClrMapping/>
-  </p:clrMapOvr>
-  <p:timing>
-    <p:tnLst>
-      <p:par>
-        <p:cTn id="1" dur="indefinite" restart="never" nodeType="tmRoot">
-          <p:childTnLst>
-            <p:seq concurrent="1" nextAc="seek">
-              <p:cTn id="2" dur="indefinite" nodeType="mainSeq">
-                <p:childTnLst>
                   <p:par>
-                    <p:cTn id="3" fill="hold">
+                    <p:cTn id="11" fill="hold">
                       <p:stCondLst>
                         <p:cond delay="indefinite"/>
                       </p:stCondLst>
                       <p:childTnLst>
                         <p:par>
-                          <p:cTn id="4" fill="hold">
+                          <p:cTn id="12" fill="hold">
                             <p:stCondLst>
                               <p:cond delay="0"/>
                             </p:stCondLst>
                             <p:childTnLst>
                               <p:par>
-                                <p:cTn id="5" presetID="1" presetClass="entr" presetSubtype="0" fill="hold" grpId="0" nodeType="clickEffect">
+                                <p:cTn id="13" presetID="1" presetClass="entr" presetSubtype="0" fill="hold" grpId="0" nodeType="clickEffect">
                                   <p:stCondLst>
                                     <p:cond delay="0"/>
                                   </p:stCondLst>
                                   <p:childTnLst>
                                     <p:set>
                                       <p:cBhvr>
-                                        <p:cTn id="6" dur="1" fill="hold">
+                                        <p:cTn id="14" dur="1" fill="hold">
                                           <p:stCondLst>
                                             <p:cond delay="0"/>
                                           </p:stCondLst>
@@ -6559,7 +6453,56 @@
                                         <p:tgtEl>
                                           <p:spTgt spid="3">
                                             <p:txEl>
-                                              <p:pRg st="0" end="0"/>
+                                              <p:pRg st="2" end="2"/>
+                                            </p:txEl>
+                                          </p:spTgt>
+                                        </p:tgtEl>
+                                        <p:attrNameLst>
+                                          <p:attrName>style.visibility</p:attrName>
+                                        </p:attrNameLst>
+                                      </p:cBhvr>
+                                      <p:to>
+                                        <p:strVal val="visible"/>
+                                      </p:to>
+                                    </p:set>
+                                  </p:childTnLst>
+                                </p:cTn>
+                              </p:par>
+                            </p:childTnLst>
+                          </p:cTn>
+                        </p:par>
+                      </p:childTnLst>
+                    </p:cTn>
+                  </p:par>
+                  <p:par>
+                    <p:cTn id="15" fill="hold">
+                      <p:stCondLst>
+                        <p:cond delay="indefinite"/>
+                      </p:stCondLst>
+                      <p:childTnLst>
+                        <p:par>
+                          <p:cTn id="16" fill="hold">
+                            <p:stCondLst>
+                              <p:cond delay="0"/>
+                            </p:stCondLst>
+                            <p:childTnLst>
+                              <p:par>
+                                <p:cTn id="17" presetID="1" presetClass="entr" presetSubtype="0" fill="hold" grpId="0" nodeType="clickEffect">
+                                  <p:stCondLst>
+                                    <p:cond delay="0"/>
+                                  </p:stCondLst>
+                                  <p:childTnLst>
+                                    <p:set>
+                                      <p:cBhvr>
+                                        <p:cTn id="18" dur="1" fill="hold">
+                                          <p:stCondLst>
+                                            <p:cond delay="0"/>
+                                          </p:stCondLst>
+                                        </p:cTn>
+                                        <p:tgtEl>
+                                          <p:spTgt spid="3">
+                                            <p:txEl>
+                                              <p:pRg st="3" end="3"/>
                                             </p:txEl>
                                           </p:spTgt>
                                         </p:tgtEl>
@@ -6608,6 +6551,1019 @@
 </p:sld>
 </file>
 
+<file path=ppt/slides/slide3.xml><?xml version="1.0" encoding="utf-8"?>
+<p:sld xmlns:a="http://schemas.openxmlformats.org/drawingml/2006/main" xmlns:r="http://schemas.openxmlformats.org/officeDocument/2006/relationships" xmlns:p="http://schemas.openxmlformats.org/presentationml/2006/main">
+  <p:cSld>
+    <p:bg>
+      <p:bgPr>
+        <a:blipFill rotWithShape="1">
+          <a:blip r:embed="rId2">
+            <a:duotone>
+              <a:schemeClr val="bg2">
+                <a:shade val="76000"/>
+                <a:satMod val="180000"/>
+              </a:schemeClr>
+              <a:schemeClr val="bg2">
+                <a:tint val="80000"/>
+                <a:satMod val="120000"/>
+                <a:lumMod val="180000"/>
+              </a:schemeClr>
+            </a:duotone>
+          </a:blip>
+          <a:stretch/>
+        </a:blipFill>
+        <a:effectLst/>
+      </p:bgPr>
+    </p:bg>
+    <p:spTree>
+      <p:nvGrpSpPr>
+        <p:cNvPr id="1" name=""/>
+        <p:cNvGrpSpPr/>
+        <p:nvPr/>
+      </p:nvGrpSpPr>
+      <p:grpSpPr>
+        <a:xfrm>
+          <a:off x="0" y="0"/>
+          <a:ext cx="0" cy="0"/>
+          <a:chOff x="0" y="0"/>
+          <a:chExt cx="0" cy="0"/>
+        </a:xfrm>
+      </p:grpSpPr>
+      <p:grpSp>
+        <p:nvGrpSpPr>
+          <p:cNvPr id="33" name="Group 32">
+            <a:extLst>
+              <a:ext uri="{FF2B5EF4-FFF2-40B4-BE49-F238E27FC236}">
+                <a16:creationId xmlns:a16="http://schemas.microsoft.com/office/drawing/2014/main" id="{6ADA8EC3-01C5-453C-91A6-D01B9E15BF0B}"/>
+              </a:ext>
+              <a:ext uri="{C183D7F6-B498-43B3-948B-1728B52AA6E4}">
+                <adec:decorative xmlns:adec="http://schemas.microsoft.com/office/drawing/2017/decorative" val="1"/>
+              </a:ext>
+            </a:extLst>
+          </p:cNvPr>
+          <p:cNvGrpSpPr>
+            <a:grpSpLocks noGrp="1" noUngrp="1" noRot="1" noChangeAspect="1" noMove="1" noResize="1"/>
+          </p:cNvGrpSpPr>
+          <p:nvPr>
+            <p:extLst>
+              <p:ext uri="{386F3935-93C4-4BCD-93E2-E3B085C9AB24}">
+                <p16:designElem xmlns:p16="http://schemas.microsoft.com/office/powerpoint/2015/main" val="1"/>
+              </p:ext>
+            </p:extLst>
+          </p:nvPr>
+        </p:nvGrpSpPr>
+        <p:grpSpPr>
+          <a:xfrm>
+            <a:off x="150812" y="0"/>
+            <a:ext cx="2436813" cy="6858001"/>
+            <a:chOff x="1320800" y="0"/>
+            <a:chExt cx="2436813" cy="6858001"/>
+          </a:xfrm>
+        </p:grpSpPr>
+        <p:sp>
+          <p:nvSpPr>
+            <p:cNvPr id="34" name="Freeform 6">
+              <a:extLst>
+                <a:ext uri="{FF2B5EF4-FFF2-40B4-BE49-F238E27FC236}">
+                  <a16:creationId xmlns:a16="http://schemas.microsoft.com/office/drawing/2014/main" id="{9A1D7546-68ED-4F66-AA8D-D04BEAD39382}"/>
+                </a:ext>
+                <a:ext uri="{C183D7F6-B498-43B3-948B-1728B52AA6E4}">
+                  <adec:decorative xmlns:adec="http://schemas.microsoft.com/office/drawing/2017/decorative" val="1"/>
+                </a:ext>
+              </a:extLst>
+            </p:cNvPr>
+            <p:cNvSpPr/>
+            <p:nvPr>
+              <p:extLst>
+                <p:ext uri="{386F3935-93C4-4BCD-93E2-E3B085C9AB24}">
+                  <p16:designElem xmlns:p16="http://schemas.microsoft.com/office/powerpoint/2015/main" val="1"/>
+                </p:ext>
+              </p:extLst>
+            </p:nvPr>
+          </p:nvSpPr>
+          <p:spPr bwMode="auto">
+            <a:xfrm>
+              <a:off x="1627188" y="0"/>
+              <a:ext cx="1122363" cy="5329238"/>
+            </a:xfrm>
+            <a:custGeom>
+              <a:avLst/>
+              <a:gdLst/>
+              <a:ahLst/>
+              <a:cxnLst/>
+              <a:rect l="0" t="0" r="r" b="b"/>
+              <a:pathLst>
+                <a:path w="707" h="3357">
+                  <a:moveTo>
+                    <a:pt x="0" y="3330"/>
+                  </a:moveTo>
+                  <a:lnTo>
+                    <a:pt x="156" y="3357"/>
+                  </a:lnTo>
+                  <a:lnTo>
+                    <a:pt x="707" y="0"/>
+                  </a:lnTo>
+                  <a:lnTo>
+                    <a:pt x="547" y="0"/>
+                  </a:lnTo>
+                  <a:lnTo>
+                    <a:pt x="0" y="3330"/>
+                  </a:lnTo>
+                  <a:close/>
+                </a:path>
+              </a:pathLst>
+            </a:custGeom>
+            <a:solidFill>
+              <a:schemeClr val="accent1"/>
+            </a:solidFill>
+            <a:ln>
+              <a:noFill/>
+            </a:ln>
+          </p:spPr>
+        </p:sp>
+        <p:sp>
+          <p:nvSpPr>
+            <p:cNvPr id="35" name="Freeform 7">
+              <a:extLst>
+                <a:ext uri="{FF2B5EF4-FFF2-40B4-BE49-F238E27FC236}">
+                  <a16:creationId xmlns:a16="http://schemas.microsoft.com/office/drawing/2014/main" id="{FCFE8A66-699D-4E05-B8FC-C31AE461D68A}"/>
+                </a:ext>
+                <a:ext uri="{C183D7F6-B498-43B3-948B-1728B52AA6E4}">
+                  <adec:decorative xmlns:adec="http://schemas.microsoft.com/office/drawing/2017/decorative" val="1"/>
+                </a:ext>
+              </a:extLst>
+            </p:cNvPr>
+            <p:cNvSpPr/>
+            <p:nvPr>
+              <p:extLst>
+                <p:ext uri="{386F3935-93C4-4BCD-93E2-E3B085C9AB24}">
+                  <p16:designElem xmlns:p16="http://schemas.microsoft.com/office/powerpoint/2015/main" val="1"/>
+                </p:ext>
+              </p:extLst>
+            </p:nvPr>
+          </p:nvSpPr>
+          <p:spPr bwMode="auto">
+            <a:xfrm>
+              <a:off x="1320800" y="0"/>
+              <a:ext cx="1117600" cy="5276850"/>
+            </a:xfrm>
+            <a:custGeom>
+              <a:avLst/>
+              <a:gdLst/>
+              <a:ahLst/>
+              <a:cxnLst/>
+              <a:rect l="0" t="0" r="r" b="b"/>
+              <a:pathLst>
+                <a:path w="704" h="3324">
+                  <a:moveTo>
+                    <a:pt x="704" y="0"/>
+                  </a:moveTo>
+                  <a:lnTo>
+                    <a:pt x="545" y="0"/>
+                  </a:lnTo>
+                  <a:lnTo>
+                    <a:pt x="0" y="3300"/>
+                  </a:lnTo>
+                  <a:lnTo>
+                    <a:pt x="157" y="3324"/>
+                  </a:lnTo>
+                  <a:lnTo>
+                    <a:pt x="704" y="0"/>
+                  </a:lnTo>
+                  <a:close/>
+                </a:path>
+              </a:pathLst>
+            </a:custGeom>
+            <a:solidFill>
+              <a:schemeClr val="tx1">
+                <a:lumMod val="65000"/>
+                <a:lumOff val="35000"/>
+              </a:schemeClr>
+            </a:solidFill>
+            <a:ln>
+              <a:noFill/>
+            </a:ln>
+          </p:spPr>
+        </p:sp>
+        <p:sp>
+          <p:nvSpPr>
+            <p:cNvPr id="36" name="Freeform 8">
+              <a:extLst>
+                <a:ext uri="{FF2B5EF4-FFF2-40B4-BE49-F238E27FC236}">
+                  <a16:creationId xmlns:a16="http://schemas.microsoft.com/office/drawing/2014/main" id="{A124234B-D5D1-45F9-9B32-264F699BCA58}"/>
+                </a:ext>
+                <a:ext uri="{C183D7F6-B498-43B3-948B-1728B52AA6E4}">
+                  <adec:decorative xmlns:adec="http://schemas.microsoft.com/office/drawing/2017/decorative" val="1"/>
+                </a:ext>
+              </a:extLst>
+            </p:cNvPr>
+            <p:cNvSpPr/>
+            <p:nvPr>
+              <p:extLst>
+                <p:ext uri="{386F3935-93C4-4BCD-93E2-E3B085C9AB24}">
+                  <p16:designElem xmlns:p16="http://schemas.microsoft.com/office/powerpoint/2015/main" val="1"/>
+                </p:ext>
+              </p:extLst>
+            </p:nvPr>
+          </p:nvSpPr>
+          <p:spPr bwMode="auto">
+            <a:xfrm>
+              <a:off x="1320800" y="5238750"/>
+              <a:ext cx="1228725" cy="1619250"/>
+            </a:xfrm>
+            <a:custGeom>
+              <a:avLst/>
+              <a:gdLst/>
+              <a:ahLst/>
+              <a:cxnLst/>
+              <a:rect l="0" t="0" r="r" b="b"/>
+              <a:pathLst>
+                <a:path w="774" h="1020">
+                  <a:moveTo>
+                    <a:pt x="0" y="0"/>
+                  </a:moveTo>
+                  <a:lnTo>
+                    <a:pt x="740" y="1020"/>
+                  </a:lnTo>
+                  <a:lnTo>
+                    <a:pt x="774" y="1020"/>
+                  </a:lnTo>
+                  <a:lnTo>
+                    <a:pt x="0" y="0"/>
+                  </a:lnTo>
+                  <a:close/>
+                </a:path>
+              </a:pathLst>
+            </a:custGeom>
+            <a:solidFill>
+              <a:schemeClr val="tx1">
+                <a:lumMod val="85000"/>
+                <a:lumOff val="15000"/>
+              </a:schemeClr>
+            </a:solidFill>
+            <a:ln>
+              <a:noFill/>
+            </a:ln>
+          </p:spPr>
+        </p:sp>
+        <p:sp>
+          <p:nvSpPr>
+            <p:cNvPr id="37" name="Freeform 9">
+              <a:extLst>
+                <a:ext uri="{FF2B5EF4-FFF2-40B4-BE49-F238E27FC236}">
+                  <a16:creationId xmlns:a16="http://schemas.microsoft.com/office/drawing/2014/main" id="{7A0B0249-AEB7-44A1-BEC3-A0C07E9E31D7}"/>
+                </a:ext>
+                <a:ext uri="{C183D7F6-B498-43B3-948B-1728B52AA6E4}">
+                  <adec:decorative xmlns:adec="http://schemas.microsoft.com/office/drawing/2017/decorative" val="1"/>
+                </a:ext>
+              </a:extLst>
+            </p:cNvPr>
+            <p:cNvSpPr/>
+            <p:nvPr>
+              <p:extLst>
+                <p:ext uri="{386F3935-93C4-4BCD-93E2-E3B085C9AB24}">
+                  <p16:designElem xmlns:p16="http://schemas.microsoft.com/office/powerpoint/2015/main" val="1"/>
+                </p:ext>
+              </p:extLst>
+            </p:nvPr>
+          </p:nvSpPr>
+          <p:spPr bwMode="auto">
+            <a:xfrm>
+              <a:off x="1627188" y="5291138"/>
+              <a:ext cx="1495425" cy="1566863"/>
+            </a:xfrm>
+            <a:custGeom>
+              <a:avLst/>
+              <a:gdLst/>
+              <a:ahLst/>
+              <a:cxnLst/>
+              <a:rect l="0" t="0" r="r" b="b"/>
+              <a:pathLst>
+                <a:path w="942" h="987">
+                  <a:moveTo>
+                    <a:pt x="0" y="0"/>
+                  </a:moveTo>
+                  <a:lnTo>
+                    <a:pt x="909" y="987"/>
+                  </a:lnTo>
+                  <a:lnTo>
+                    <a:pt x="942" y="987"/>
+                  </a:lnTo>
+                  <a:lnTo>
+                    <a:pt x="0" y="0"/>
+                  </a:lnTo>
+                  <a:close/>
+                </a:path>
+              </a:pathLst>
+            </a:custGeom>
+            <a:solidFill>
+              <a:schemeClr val="accent1">
+                <a:lumMod val="50000"/>
+              </a:schemeClr>
+            </a:solidFill>
+            <a:ln>
+              <a:noFill/>
+            </a:ln>
+          </p:spPr>
+        </p:sp>
+        <p:sp>
+          <p:nvSpPr>
+            <p:cNvPr id="38" name="Freeform 10">
+              <a:extLst>
+                <a:ext uri="{FF2B5EF4-FFF2-40B4-BE49-F238E27FC236}">
+                  <a16:creationId xmlns:a16="http://schemas.microsoft.com/office/drawing/2014/main" id="{251D4BF9-284D-4B99-922C-BAB91FB2D98E}"/>
+                </a:ext>
+                <a:ext uri="{C183D7F6-B498-43B3-948B-1728B52AA6E4}">
+                  <adec:decorative xmlns:adec="http://schemas.microsoft.com/office/drawing/2017/decorative" val="1"/>
+                </a:ext>
+              </a:extLst>
+            </p:cNvPr>
+            <p:cNvSpPr/>
+            <p:nvPr>
+              <p:extLst>
+                <p:ext uri="{386F3935-93C4-4BCD-93E2-E3B085C9AB24}">
+                  <p16:designElem xmlns:p16="http://schemas.microsoft.com/office/powerpoint/2015/main" val="1"/>
+                </p:ext>
+              </p:extLst>
+            </p:nvPr>
+          </p:nvSpPr>
+          <p:spPr bwMode="auto">
+            <a:xfrm>
+              <a:off x="1627188" y="5286375"/>
+              <a:ext cx="2130425" cy="1571625"/>
+            </a:xfrm>
+            <a:custGeom>
+              <a:avLst/>
+              <a:gdLst/>
+              <a:ahLst/>
+              <a:cxnLst/>
+              <a:rect l="0" t="0" r="r" b="b"/>
+              <a:pathLst>
+                <a:path w="1342" h="990">
+                  <a:moveTo>
+                    <a:pt x="0" y="3"/>
+                  </a:moveTo>
+                  <a:lnTo>
+                    <a:pt x="942" y="990"/>
+                  </a:lnTo>
+                  <a:lnTo>
+                    <a:pt x="1342" y="990"/>
+                  </a:lnTo>
+                  <a:lnTo>
+                    <a:pt x="156" y="27"/>
+                  </a:lnTo>
+                  <a:lnTo>
+                    <a:pt x="0" y="0"/>
+                  </a:lnTo>
+                  <a:lnTo>
+                    <a:pt x="0" y="3"/>
+                  </a:lnTo>
+                  <a:close/>
+                </a:path>
+              </a:pathLst>
+            </a:custGeom>
+            <a:solidFill>
+              <a:schemeClr val="accent1">
+                <a:lumMod val="75000"/>
+              </a:schemeClr>
+            </a:solidFill>
+            <a:ln>
+              <a:noFill/>
+            </a:ln>
+          </p:spPr>
+        </p:sp>
+        <p:sp>
+          <p:nvSpPr>
+            <p:cNvPr id="39" name="Freeform 11">
+              <a:extLst>
+                <a:ext uri="{FF2B5EF4-FFF2-40B4-BE49-F238E27FC236}">
+                  <a16:creationId xmlns:a16="http://schemas.microsoft.com/office/drawing/2014/main" id="{733E9BD1-CC4F-4B4B-A413-92D6B1F0B3CF}"/>
+                </a:ext>
+                <a:ext uri="{C183D7F6-B498-43B3-948B-1728B52AA6E4}">
+                  <adec:decorative xmlns:adec="http://schemas.microsoft.com/office/drawing/2017/decorative" val="1"/>
+                </a:ext>
+              </a:extLst>
+            </p:cNvPr>
+            <p:cNvSpPr/>
+            <p:nvPr>
+              <p:extLst>
+                <p:ext uri="{386F3935-93C4-4BCD-93E2-E3B085C9AB24}">
+                  <p16:designElem xmlns:p16="http://schemas.microsoft.com/office/powerpoint/2015/main" val="1"/>
+                </p:ext>
+              </p:extLst>
+            </p:nvPr>
+          </p:nvSpPr>
+          <p:spPr bwMode="auto">
+            <a:xfrm>
+              <a:off x="1320800" y="5238750"/>
+              <a:ext cx="1695450" cy="1619250"/>
+            </a:xfrm>
+            <a:custGeom>
+              <a:avLst/>
+              <a:gdLst/>
+              <a:ahLst/>
+              <a:cxnLst/>
+              <a:rect l="0" t="0" r="r" b="b"/>
+              <a:pathLst>
+                <a:path w="1068" h="1020">
+                  <a:moveTo>
+                    <a:pt x="1068" y="1020"/>
+                  </a:moveTo>
+                  <a:lnTo>
+                    <a:pt x="184" y="60"/>
+                  </a:lnTo>
+                  <a:lnTo>
+                    <a:pt x="154" y="27"/>
+                  </a:lnTo>
+                  <a:lnTo>
+                    <a:pt x="157" y="27"/>
+                  </a:lnTo>
+                  <a:lnTo>
+                    <a:pt x="157" y="24"/>
+                  </a:lnTo>
+                  <a:lnTo>
+                    <a:pt x="154" y="24"/>
+                  </a:lnTo>
+                  <a:lnTo>
+                    <a:pt x="0" y="0"/>
+                  </a:lnTo>
+                  <a:lnTo>
+                    <a:pt x="0" y="0"/>
+                  </a:lnTo>
+                  <a:lnTo>
+                    <a:pt x="774" y="1020"/>
+                  </a:lnTo>
+                  <a:lnTo>
+                    <a:pt x="1068" y="1020"/>
+                  </a:lnTo>
+                  <a:close/>
+                </a:path>
+              </a:pathLst>
+            </a:custGeom>
+            <a:solidFill>
+              <a:schemeClr val="tx1">
+                <a:lumMod val="75000"/>
+                <a:lumOff val="25000"/>
+              </a:schemeClr>
+            </a:solidFill>
+            <a:ln>
+              <a:noFill/>
+            </a:ln>
+          </p:spPr>
+        </p:sp>
+      </p:grpSp>
+      <p:grpSp>
+        <p:nvGrpSpPr>
+          <p:cNvPr id="41" name="Group 40">
+            <a:extLst>
+              <a:ext uri="{FF2B5EF4-FFF2-40B4-BE49-F238E27FC236}">
+                <a16:creationId xmlns:a16="http://schemas.microsoft.com/office/drawing/2014/main" id="{767D40C4-2A44-4792-AB9D-E769202A2750}"/>
+              </a:ext>
+              <a:ext uri="{C183D7F6-B498-43B3-948B-1728B52AA6E4}">
+                <adec:decorative xmlns:adec="http://schemas.microsoft.com/office/drawing/2017/decorative" val="1"/>
+              </a:ext>
+            </a:extLst>
+          </p:cNvPr>
+          <p:cNvGrpSpPr>
+            <a:grpSpLocks noGrp="1" noUngrp="1" noRot="1" noChangeAspect="1" noMove="1" noResize="1"/>
+          </p:cNvGrpSpPr>
+          <p:nvPr>
+            <p:extLst>
+              <p:ext uri="{386F3935-93C4-4BCD-93E2-E3B085C9AB24}">
+                <p16:designElem xmlns:p16="http://schemas.microsoft.com/office/powerpoint/2015/main" val="1"/>
+              </p:ext>
+            </p:extLst>
+          </p:nvPr>
+        </p:nvGrpSpPr>
+        <p:grpSpPr>
+          <a:xfrm>
+            <a:off x="150812" y="0"/>
+            <a:ext cx="2436813" cy="6858001"/>
+            <a:chOff x="1320800" y="0"/>
+            <a:chExt cx="2436813" cy="6858001"/>
+          </a:xfrm>
+        </p:grpSpPr>
+        <p:sp>
+          <p:nvSpPr>
+            <p:cNvPr id="42" name="Freeform 6">
+              <a:extLst>
+                <a:ext uri="{FF2B5EF4-FFF2-40B4-BE49-F238E27FC236}">
+                  <a16:creationId xmlns:a16="http://schemas.microsoft.com/office/drawing/2014/main" id="{3DBD6486-24CA-456B-9631-2911490A66A0}"/>
+                </a:ext>
+                <a:ext uri="{C183D7F6-B498-43B3-948B-1728B52AA6E4}">
+                  <adec:decorative xmlns:adec="http://schemas.microsoft.com/office/drawing/2017/decorative" val="1"/>
+                </a:ext>
+              </a:extLst>
+            </p:cNvPr>
+            <p:cNvSpPr/>
+            <p:nvPr>
+              <p:extLst>
+                <p:ext uri="{386F3935-93C4-4BCD-93E2-E3B085C9AB24}">
+                  <p16:designElem xmlns:p16="http://schemas.microsoft.com/office/powerpoint/2015/main" val="1"/>
+                </p:ext>
+              </p:extLst>
+            </p:nvPr>
+          </p:nvSpPr>
+          <p:spPr bwMode="auto">
+            <a:xfrm>
+              <a:off x="1627188" y="0"/>
+              <a:ext cx="1122363" cy="5329238"/>
+            </a:xfrm>
+            <a:custGeom>
+              <a:avLst/>
+              <a:gdLst/>
+              <a:ahLst/>
+              <a:cxnLst/>
+              <a:rect l="0" t="0" r="r" b="b"/>
+              <a:pathLst>
+                <a:path w="707" h="3357">
+                  <a:moveTo>
+                    <a:pt x="0" y="3330"/>
+                  </a:moveTo>
+                  <a:lnTo>
+                    <a:pt x="156" y="3357"/>
+                  </a:lnTo>
+                  <a:lnTo>
+                    <a:pt x="707" y="0"/>
+                  </a:lnTo>
+                  <a:lnTo>
+                    <a:pt x="547" y="0"/>
+                  </a:lnTo>
+                  <a:lnTo>
+                    <a:pt x="0" y="3330"/>
+                  </a:lnTo>
+                  <a:close/>
+                </a:path>
+              </a:pathLst>
+            </a:custGeom>
+            <a:solidFill>
+              <a:schemeClr val="accent1"/>
+            </a:solidFill>
+            <a:ln>
+              <a:noFill/>
+            </a:ln>
+          </p:spPr>
+        </p:sp>
+        <p:sp>
+          <p:nvSpPr>
+            <p:cNvPr id="43" name="Freeform 7">
+              <a:extLst>
+                <a:ext uri="{FF2B5EF4-FFF2-40B4-BE49-F238E27FC236}">
+                  <a16:creationId xmlns:a16="http://schemas.microsoft.com/office/drawing/2014/main" id="{A2FF2964-4832-450E-B85C-304F27113568}"/>
+                </a:ext>
+                <a:ext uri="{C183D7F6-B498-43B3-948B-1728B52AA6E4}">
+                  <adec:decorative xmlns:adec="http://schemas.microsoft.com/office/drawing/2017/decorative" val="1"/>
+                </a:ext>
+              </a:extLst>
+            </p:cNvPr>
+            <p:cNvSpPr/>
+            <p:nvPr>
+              <p:extLst>
+                <p:ext uri="{386F3935-93C4-4BCD-93E2-E3B085C9AB24}">
+                  <p16:designElem xmlns:p16="http://schemas.microsoft.com/office/powerpoint/2015/main" val="1"/>
+                </p:ext>
+              </p:extLst>
+            </p:nvPr>
+          </p:nvSpPr>
+          <p:spPr bwMode="auto">
+            <a:xfrm>
+              <a:off x="1320800" y="0"/>
+              <a:ext cx="1117600" cy="5276850"/>
+            </a:xfrm>
+            <a:custGeom>
+              <a:avLst/>
+              <a:gdLst/>
+              <a:ahLst/>
+              <a:cxnLst/>
+              <a:rect l="0" t="0" r="r" b="b"/>
+              <a:pathLst>
+                <a:path w="704" h="3324">
+                  <a:moveTo>
+                    <a:pt x="704" y="0"/>
+                  </a:moveTo>
+                  <a:lnTo>
+                    <a:pt x="545" y="0"/>
+                  </a:lnTo>
+                  <a:lnTo>
+                    <a:pt x="0" y="3300"/>
+                  </a:lnTo>
+                  <a:lnTo>
+                    <a:pt x="157" y="3324"/>
+                  </a:lnTo>
+                  <a:lnTo>
+                    <a:pt x="704" y="0"/>
+                  </a:lnTo>
+                  <a:close/>
+                </a:path>
+              </a:pathLst>
+            </a:custGeom>
+            <a:solidFill>
+              <a:schemeClr val="tx1">
+                <a:lumMod val="65000"/>
+                <a:lumOff val="35000"/>
+              </a:schemeClr>
+            </a:solidFill>
+            <a:ln>
+              <a:noFill/>
+            </a:ln>
+          </p:spPr>
+        </p:sp>
+        <p:sp>
+          <p:nvSpPr>
+            <p:cNvPr id="44" name="Freeform 8">
+              <a:extLst>
+                <a:ext uri="{FF2B5EF4-FFF2-40B4-BE49-F238E27FC236}">
+                  <a16:creationId xmlns:a16="http://schemas.microsoft.com/office/drawing/2014/main" id="{0B5C96AF-0E78-45E8-8B82-CF41BFB543A6}"/>
+                </a:ext>
+                <a:ext uri="{C183D7F6-B498-43B3-948B-1728B52AA6E4}">
+                  <adec:decorative xmlns:adec="http://schemas.microsoft.com/office/drawing/2017/decorative" val="1"/>
+                </a:ext>
+              </a:extLst>
+            </p:cNvPr>
+            <p:cNvSpPr/>
+            <p:nvPr>
+              <p:extLst>
+                <p:ext uri="{386F3935-93C4-4BCD-93E2-E3B085C9AB24}">
+                  <p16:designElem xmlns:p16="http://schemas.microsoft.com/office/powerpoint/2015/main" val="1"/>
+                </p:ext>
+              </p:extLst>
+            </p:nvPr>
+          </p:nvSpPr>
+          <p:spPr bwMode="auto">
+            <a:xfrm>
+              <a:off x="1320800" y="5238750"/>
+              <a:ext cx="1228725" cy="1619250"/>
+            </a:xfrm>
+            <a:custGeom>
+              <a:avLst/>
+              <a:gdLst/>
+              <a:ahLst/>
+              <a:cxnLst/>
+              <a:rect l="0" t="0" r="r" b="b"/>
+              <a:pathLst>
+                <a:path w="774" h="1020">
+                  <a:moveTo>
+                    <a:pt x="0" y="0"/>
+                  </a:moveTo>
+                  <a:lnTo>
+                    <a:pt x="740" y="1020"/>
+                  </a:lnTo>
+                  <a:lnTo>
+                    <a:pt x="774" y="1020"/>
+                  </a:lnTo>
+                  <a:lnTo>
+                    <a:pt x="0" y="0"/>
+                  </a:lnTo>
+                  <a:close/>
+                </a:path>
+              </a:pathLst>
+            </a:custGeom>
+            <a:solidFill>
+              <a:schemeClr val="tx1">
+                <a:lumMod val="85000"/>
+                <a:lumOff val="15000"/>
+              </a:schemeClr>
+            </a:solidFill>
+            <a:ln>
+              <a:noFill/>
+            </a:ln>
+          </p:spPr>
+        </p:sp>
+        <p:sp>
+          <p:nvSpPr>
+            <p:cNvPr id="45" name="Freeform 9">
+              <a:extLst>
+                <a:ext uri="{FF2B5EF4-FFF2-40B4-BE49-F238E27FC236}">
+                  <a16:creationId xmlns:a16="http://schemas.microsoft.com/office/drawing/2014/main" id="{A940CD75-9F08-4DF1-94CB-96A2C3A4311B}"/>
+                </a:ext>
+                <a:ext uri="{C183D7F6-B498-43B3-948B-1728B52AA6E4}">
+                  <adec:decorative xmlns:adec="http://schemas.microsoft.com/office/drawing/2017/decorative" val="1"/>
+                </a:ext>
+              </a:extLst>
+            </p:cNvPr>
+            <p:cNvSpPr/>
+            <p:nvPr>
+              <p:extLst>
+                <p:ext uri="{386F3935-93C4-4BCD-93E2-E3B085C9AB24}">
+                  <p16:designElem xmlns:p16="http://schemas.microsoft.com/office/powerpoint/2015/main" val="1"/>
+                </p:ext>
+              </p:extLst>
+            </p:nvPr>
+          </p:nvSpPr>
+          <p:spPr bwMode="auto">
+            <a:xfrm>
+              <a:off x="1627188" y="5291138"/>
+              <a:ext cx="1495425" cy="1566863"/>
+            </a:xfrm>
+            <a:custGeom>
+              <a:avLst/>
+              <a:gdLst/>
+              <a:ahLst/>
+              <a:cxnLst/>
+              <a:rect l="0" t="0" r="r" b="b"/>
+              <a:pathLst>
+                <a:path w="942" h="987">
+                  <a:moveTo>
+                    <a:pt x="0" y="0"/>
+                  </a:moveTo>
+                  <a:lnTo>
+                    <a:pt x="909" y="987"/>
+                  </a:lnTo>
+                  <a:lnTo>
+                    <a:pt x="942" y="987"/>
+                  </a:lnTo>
+                  <a:lnTo>
+                    <a:pt x="0" y="0"/>
+                  </a:lnTo>
+                  <a:close/>
+                </a:path>
+              </a:pathLst>
+            </a:custGeom>
+            <a:solidFill>
+              <a:schemeClr val="accent1">
+                <a:lumMod val="50000"/>
+              </a:schemeClr>
+            </a:solidFill>
+            <a:ln>
+              <a:noFill/>
+            </a:ln>
+          </p:spPr>
+        </p:sp>
+        <p:sp>
+          <p:nvSpPr>
+            <p:cNvPr id="46" name="Freeform 10">
+              <a:extLst>
+                <a:ext uri="{FF2B5EF4-FFF2-40B4-BE49-F238E27FC236}">
+                  <a16:creationId xmlns:a16="http://schemas.microsoft.com/office/drawing/2014/main" id="{1B35F757-0B0E-4DFC-81FA-935D070B733C}"/>
+                </a:ext>
+                <a:ext uri="{C183D7F6-B498-43B3-948B-1728B52AA6E4}">
+                  <adec:decorative xmlns:adec="http://schemas.microsoft.com/office/drawing/2017/decorative" val="1"/>
+                </a:ext>
+              </a:extLst>
+            </p:cNvPr>
+            <p:cNvSpPr/>
+            <p:nvPr>
+              <p:extLst>
+                <p:ext uri="{386F3935-93C4-4BCD-93E2-E3B085C9AB24}">
+                  <p16:designElem xmlns:p16="http://schemas.microsoft.com/office/powerpoint/2015/main" val="1"/>
+                </p:ext>
+              </p:extLst>
+            </p:nvPr>
+          </p:nvSpPr>
+          <p:spPr bwMode="auto">
+            <a:xfrm>
+              <a:off x="1627188" y="5286375"/>
+              <a:ext cx="2130425" cy="1571625"/>
+            </a:xfrm>
+            <a:custGeom>
+              <a:avLst/>
+              <a:gdLst/>
+              <a:ahLst/>
+              <a:cxnLst/>
+              <a:rect l="0" t="0" r="r" b="b"/>
+              <a:pathLst>
+                <a:path w="1342" h="990">
+                  <a:moveTo>
+                    <a:pt x="0" y="3"/>
+                  </a:moveTo>
+                  <a:lnTo>
+                    <a:pt x="942" y="990"/>
+                  </a:lnTo>
+                  <a:lnTo>
+                    <a:pt x="1342" y="990"/>
+                  </a:lnTo>
+                  <a:lnTo>
+                    <a:pt x="156" y="27"/>
+                  </a:lnTo>
+                  <a:lnTo>
+                    <a:pt x="0" y="0"/>
+                  </a:lnTo>
+                  <a:lnTo>
+                    <a:pt x="0" y="3"/>
+                  </a:lnTo>
+                  <a:close/>
+                </a:path>
+              </a:pathLst>
+            </a:custGeom>
+            <a:solidFill>
+              <a:schemeClr val="accent1">
+                <a:lumMod val="75000"/>
+              </a:schemeClr>
+            </a:solidFill>
+            <a:ln>
+              <a:noFill/>
+            </a:ln>
+          </p:spPr>
+        </p:sp>
+        <p:sp>
+          <p:nvSpPr>
+            <p:cNvPr id="47" name="Freeform 11">
+              <a:extLst>
+                <a:ext uri="{FF2B5EF4-FFF2-40B4-BE49-F238E27FC236}">
+                  <a16:creationId xmlns:a16="http://schemas.microsoft.com/office/drawing/2014/main" id="{4380E990-0E29-4861-8CE3-F6D6FF15DEAF}"/>
+                </a:ext>
+                <a:ext uri="{C183D7F6-B498-43B3-948B-1728B52AA6E4}">
+                  <adec:decorative xmlns:adec="http://schemas.microsoft.com/office/drawing/2017/decorative" val="1"/>
+                </a:ext>
+              </a:extLst>
+            </p:cNvPr>
+            <p:cNvSpPr/>
+            <p:nvPr>
+              <p:extLst>
+                <p:ext uri="{386F3935-93C4-4BCD-93E2-E3B085C9AB24}">
+                  <p16:designElem xmlns:p16="http://schemas.microsoft.com/office/powerpoint/2015/main" val="1"/>
+                </p:ext>
+              </p:extLst>
+            </p:nvPr>
+          </p:nvSpPr>
+          <p:spPr bwMode="auto">
+            <a:xfrm>
+              <a:off x="1320800" y="5238750"/>
+              <a:ext cx="1695450" cy="1619250"/>
+            </a:xfrm>
+            <a:custGeom>
+              <a:avLst/>
+              <a:gdLst/>
+              <a:ahLst/>
+              <a:cxnLst/>
+              <a:rect l="0" t="0" r="r" b="b"/>
+              <a:pathLst>
+                <a:path w="1068" h="1020">
+                  <a:moveTo>
+                    <a:pt x="1068" y="1020"/>
+                  </a:moveTo>
+                  <a:lnTo>
+                    <a:pt x="184" y="60"/>
+                  </a:lnTo>
+                  <a:lnTo>
+                    <a:pt x="154" y="27"/>
+                  </a:lnTo>
+                  <a:lnTo>
+                    <a:pt x="157" y="27"/>
+                  </a:lnTo>
+                  <a:lnTo>
+                    <a:pt x="157" y="24"/>
+                  </a:lnTo>
+                  <a:lnTo>
+                    <a:pt x="154" y="24"/>
+                  </a:lnTo>
+                  <a:lnTo>
+                    <a:pt x="0" y="0"/>
+                  </a:lnTo>
+                  <a:lnTo>
+                    <a:pt x="0" y="0"/>
+                  </a:lnTo>
+                  <a:lnTo>
+                    <a:pt x="774" y="1020"/>
+                  </a:lnTo>
+                  <a:lnTo>
+                    <a:pt x="1068" y="1020"/>
+                  </a:lnTo>
+                  <a:close/>
+                </a:path>
+              </a:pathLst>
+            </a:custGeom>
+            <a:solidFill>
+              <a:schemeClr val="tx1">
+                <a:lumMod val="75000"/>
+                <a:lumOff val="25000"/>
+              </a:schemeClr>
+            </a:solidFill>
+            <a:ln>
+              <a:noFill/>
+            </a:ln>
+          </p:spPr>
+        </p:sp>
+      </p:grpSp>
+      <p:sp>
+        <p:nvSpPr>
+          <p:cNvPr id="49" name="Rounded Rectangle 16">
+            <a:extLst>
+              <a:ext uri="{FF2B5EF4-FFF2-40B4-BE49-F238E27FC236}">
+                <a16:creationId xmlns:a16="http://schemas.microsoft.com/office/drawing/2014/main" id="{027FB951-A422-4463-8A01-05812E59CC9E}"/>
+              </a:ext>
+              <a:ext uri="{C183D7F6-B498-43B3-948B-1728B52AA6E4}">
+                <adec:decorative xmlns:adec="http://schemas.microsoft.com/office/drawing/2017/decorative" val="1"/>
+              </a:ext>
+            </a:extLst>
+          </p:cNvPr>
+          <p:cNvSpPr>
+            <a:spLocks noGrp="1" noRot="1" noChangeAspect="1" noMove="1" noResize="1" noEditPoints="1" noAdjustHandles="1" noChangeArrowheads="1" noChangeShapeType="1" noTextEdit="1"/>
+          </p:cNvSpPr>
+          <p:nvPr>
+            <p:extLst>
+              <p:ext uri="{386F3935-93C4-4BCD-93E2-E3B085C9AB24}">
+                <p16:designElem xmlns:p16="http://schemas.microsoft.com/office/powerpoint/2015/main" val="1"/>
+              </p:ext>
+            </p:extLst>
+          </p:nvPr>
+        </p:nvSpPr>
+        <p:spPr>
+          <a:xfrm>
+            <a:off x="2271045" y="648931"/>
+            <a:ext cx="9235440" cy="5212080"/>
+          </a:xfrm>
+          <a:prstGeom prst="roundRect">
+            <a:avLst>
+              <a:gd name="adj" fmla="val 4834"/>
+            </a:avLst>
+          </a:prstGeom>
+          <a:solidFill>
+            <a:schemeClr val="bg1"/>
+          </a:solidFill>
+          <a:ln w="38100">
+            <a:gradFill flip="none" rotWithShape="1">
+              <a:gsLst>
+                <a:gs pos="0">
+                  <a:schemeClr val="bg2"/>
+                </a:gs>
+                <a:gs pos="100000">
+                  <a:schemeClr val="bg2">
+                    <a:lumMod val="75000"/>
+                  </a:schemeClr>
+                </a:gs>
+              </a:gsLst>
+              <a:lin ang="5400000" scaled="0"/>
+              <a:tileRect/>
+            </a:gradFill>
+          </a:ln>
+          <a:effectLst>
+            <a:innerShdw blurRad="57150" dist="38100" dir="14460000">
+              <a:srgbClr val="000000">
+                <a:alpha val="70000"/>
+              </a:srgbClr>
+            </a:innerShdw>
+          </a:effectLst>
+        </p:spPr>
+        <p:style>
+          <a:lnRef idx="2">
+            <a:schemeClr val="accent1">
+              <a:shade val="50000"/>
+            </a:schemeClr>
+          </a:lnRef>
+          <a:fillRef idx="1">
+            <a:schemeClr val="accent1"/>
+          </a:fillRef>
+          <a:effectRef idx="0">
+            <a:schemeClr val="accent1"/>
+          </a:effectRef>
+          <a:fontRef idx="minor">
+            <a:schemeClr val="lt1"/>
+          </a:fontRef>
+        </p:style>
+        <p:txBody>
+          <a:bodyPr rtlCol="0" anchor="ctr"/>
+          <a:lstStyle/>
+          <a:p>
+            <a:pPr algn="ctr"/>
+            <a:endParaRPr lang="en-US"/>
+          </a:p>
+        </p:txBody>
+      </p:sp>
+      <p:pic>
+        <p:nvPicPr>
+          <p:cNvPr id="28" name="Content Placeholder 27">
+            <a:extLst>
+              <a:ext uri="{FF2B5EF4-FFF2-40B4-BE49-F238E27FC236}">
+                <a16:creationId xmlns:a16="http://schemas.microsoft.com/office/drawing/2014/main" id="{A3DE055C-76B3-4C3D-B77F-87FEA5A02716}"/>
+              </a:ext>
+            </a:extLst>
+          </p:cNvPr>
+          <p:cNvPicPr>
+            <a:picLocks noGrp="1" noChangeAspect="1"/>
+          </p:cNvPicPr>
+          <p:nvPr>
+            <p:ph idx="1"/>
+          </p:nvPr>
+        </p:nvPicPr>
+        <p:blipFill rotWithShape="1">
+          <a:blip r:embed="rId3"/>
+          <a:srcRect r="1298" b="-2"/>
+          <a:stretch/>
+        </p:blipFill>
+        <p:spPr>
+          <a:xfrm>
+            <a:off x="2591085" y="968971"/>
+            <a:ext cx="8595360" cy="4572000"/>
+          </a:xfrm>
+          <a:prstGeom prst="rect">
+            <a:avLst/>
+          </a:prstGeom>
+        </p:spPr>
+      </p:pic>
+    </p:spTree>
+    <p:extLst>
+      <p:ext uri="{BB962C8B-B14F-4D97-AF65-F5344CB8AC3E}">
+        <p14:creationId xmlns:p14="http://schemas.microsoft.com/office/powerpoint/2010/main" val="3278508"/>
+      </p:ext>
+    </p:extLst>
+  </p:cSld>
+  <p:clrMapOvr>
+    <a:masterClrMapping/>
+  </p:clrMapOvr>
+</p:sld>
+</file>
+
 <file path=ppt/slides/slide4.xml><?xml version="1.0" encoding="utf-8"?>
 <p:sld xmlns:a="http://schemas.openxmlformats.org/drawingml/2006/main" xmlns:r="http://schemas.openxmlformats.org/officeDocument/2006/relationships" xmlns:p="http://schemas.openxmlformats.org/presentationml/2006/main">
   <p:cSld>
@@ -6682,26 +7638,29 @@
           <a:p>
             <a:r>
               <a:rPr lang="en-US" dirty="0"/>
-              <a:t>Calhoun- Billing</a:t>
+              <a:t>Calhoun- Summary of Billing</a:t>
             </a:r>
           </a:p>
           <a:p>
             <a:r>
               <a:rPr lang="en-US" dirty="0"/>
-              <a:t>Dante-</a:t>
+              <a:t>Shaun- Summary of Document Transfer</a:t>
             </a:r>
           </a:p>
           <a:p>
             <a:r>
               <a:rPr lang="en-US" dirty="0"/>
-              <a:t>Shaun-</a:t>
+              <a:t>Kincaid- Summary of Advertisement</a:t>
             </a:r>
           </a:p>
           <a:p>
             <a:r>
               <a:rPr lang="en-US" dirty="0"/>
-              <a:t>Kincaid-</a:t>
-            </a:r>
+              <a:t>Dante- Summary of Cost and Timeline</a:t>
+            </a:r>
+          </a:p>
+          <a:p>
+            <a:endParaRPr lang="en-US" dirty="0"/>
           </a:p>
           <a:p>
             <a:endParaRPr lang="en-US" dirty="0"/>
@@ -6743,7 +7702,7 @@
           <p:cNvPr id="2" name="Title 1">
             <a:extLst>
               <a:ext uri="{FF2B5EF4-FFF2-40B4-BE49-F238E27FC236}">
-                <a16:creationId xmlns:a16="http://schemas.microsoft.com/office/drawing/2014/main" id="{E754B8EC-20F5-404D-B1D8-9320C9A1DF81}"/>
+                <a16:creationId xmlns:a16="http://schemas.microsoft.com/office/drawing/2014/main" id="{203414F9-8AE2-4FF2-B07C-D9061153F2A7}"/>
               </a:ext>
             </a:extLst>
           </p:cNvPr>
@@ -6761,12 +7720,8 @@
           <a:p>
             <a:r>
               <a:rPr lang="en-US" dirty="0"/>
-              <a:t>Billing</a:t>
-            </a:r>
-            <a:br>
-              <a:rPr lang="en-US" dirty="0"/>
-            </a:br>
-            <a:endParaRPr lang="en-US" dirty="0"/>
+              <a:t>Summary slide, what was covered in the meeting</a:t>
+            </a:r>
           </a:p>
         </p:txBody>
       </p:sp>
@@ -6775,7 +7730,7 @@
           <p:cNvPr id="3" name="Content Placeholder 2">
             <a:extLst>
               <a:ext uri="{FF2B5EF4-FFF2-40B4-BE49-F238E27FC236}">
-                <a16:creationId xmlns:a16="http://schemas.microsoft.com/office/drawing/2014/main" id="{252F9960-0495-42F3-89AD-84B6F19A23C7}"/>
+                <a16:creationId xmlns:a16="http://schemas.microsoft.com/office/drawing/2014/main" id="{B9E7CAD6-891A-4100-963D-882157F8AC90}"/>
               </a:ext>
             </a:extLst>
           </p:cNvPr>
@@ -6788,27 +7743,223 @@
         </p:nvSpPr>
         <p:spPr/>
         <p:txBody>
-          <a:bodyPr/>
+          <a:bodyPr>
+            <a:noAutofit/>
+          </a:bodyPr>
           <a:lstStyle/>
           <a:p>
-            <a:r>
-              <a:rPr lang="en-US" dirty="0"/>
-              <a:t>Integrates </a:t>
-            </a:r>
-            <a:r>
-              <a:rPr lang="en-US"/>
-              <a:t>with outlook</a:t>
-            </a:r>
-          </a:p>
-          <a:p>
-            <a:endParaRPr lang="en-US"/>
+            <a:pPr marL="342900" marR="0" lvl="0" indent="-342900">
+              <a:lnSpc>
+                <a:spcPct val="107000"/>
+              </a:lnSpc>
+              <a:spcBef>
+                <a:spcPts val="0"/>
+              </a:spcBef>
+              <a:spcAft>
+                <a:spcPts val="0"/>
+              </a:spcAft>
+              <a:buFont typeface="+mj-lt"/>
+              <a:buAutoNum type="arabicPeriod"/>
+            </a:pPr>
+            <a:r>
+              <a:rPr lang="en-US" sz="2200" dirty="0">
+                <a:effectLst/>
+                <a:latin typeface="Corbel" panose="020B0503020204020204" pitchFamily="34" charset="0"/>
+                <a:ea typeface="Calibri" panose="020F0502020204030204" pitchFamily="34" charset="0"/>
+                <a:cs typeface="Times New Roman" panose="02020603050405020304" pitchFamily="18" charset="0"/>
+              </a:rPr>
+              <a:t> Faster spread of the knowledge of Tax Boss and its services to new clientele.</a:t>
+            </a:r>
+          </a:p>
+          <a:p>
+            <a:pPr marL="342900" marR="0" lvl="0" indent="-342900">
+              <a:lnSpc>
+                <a:spcPct val="107000"/>
+              </a:lnSpc>
+              <a:spcBef>
+                <a:spcPts val="0"/>
+              </a:spcBef>
+              <a:spcAft>
+                <a:spcPts val="0"/>
+              </a:spcAft>
+              <a:buFont typeface="+mj-lt"/>
+              <a:buAutoNum type="arabicPeriod"/>
+            </a:pPr>
+            <a:endParaRPr lang="en-US" sz="2200" dirty="0">
+              <a:effectLst/>
+              <a:latin typeface="Corbel" panose="020B0503020204020204" pitchFamily="34" charset="0"/>
+              <a:ea typeface="Calibri" panose="020F0502020204030204" pitchFamily="34" charset="0"/>
+              <a:cs typeface="Times New Roman" panose="02020603050405020304" pitchFamily="18" charset="0"/>
+            </a:endParaRPr>
+          </a:p>
+          <a:p>
+            <a:pPr marL="342900" marR="0" lvl="0" indent="-342900">
+              <a:lnSpc>
+                <a:spcPct val="107000"/>
+              </a:lnSpc>
+              <a:spcBef>
+                <a:spcPts val="0"/>
+              </a:spcBef>
+              <a:spcAft>
+                <a:spcPts val="0"/>
+              </a:spcAft>
+              <a:buFont typeface="+mj-lt"/>
+              <a:buAutoNum type="arabicPeriod"/>
+            </a:pPr>
+            <a:r>
+              <a:rPr lang="en-US" sz="2200" dirty="0">
+                <a:effectLst/>
+                <a:latin typeface="Corbel" panose="020B0503020204020204" pitchFamily="34" charset="0"/>
+                <a:ea typeface="Calibri" panose="020F0502020204030204" pitchFamily="34" charset="0"/>
+                <a:cs typeface="Times New Roman" panose="02020603050405020304" pitchFamily="18" charset="0"/>
+              </a:rPr>
+              <a:t>  Secure transfer of sensitive documents between Tax Boss and its clientele.</a:t>
+            </a:r>
+          </a:p>
+          <a:p>
+            <a:pPr marL="342900" marR="0" lvl="0" indent="-342900">
+              <a:lnSpc>
+                <a:spcPct val="107000"/>
+              </a:lnSpc>
+              <a:spcBef>
+                <a:spcPts val="0"/>
+              </a:spcBef>
+              <a:spcAft>
+                <a:spcPts val="0"/>
+              </a:spcAft>
+              <a:buFont typeface="+mj-lt"/>
+              <a:buAutoNum type="arabicPeriod"/>
+            </a:pPr>
+            <a:endParaRPr lang="en-US" sz="2200" dirty="0">
+              <a:effectLst/>
+              <a:latin typeface="Corbel" panose="020B0503020204020204" pitchFamily="34" charset="0"/>
+              <a:ea typeface="Calibri" panose="020F0502020204030204" pitchFamily="34" charset="0"/>
+              <a:cs typeface="Times New Roman" panose="02020603050405020304" pitchFamily="18" charset="0"/>
+            </a:endParaRPr>
+          </a:p>
+          <a:p>
+            <a:pPr marL="342900" marR="0" lvl="0" indent="-342900">
+              <a:lnSpc>
+                <a:spcPct val="107000"/>
+              </a:lnSpc>
+              <a:spcBef>
+                <a:spcPts val="0"/>
+              </a:spcBef>
+              <a:spcAft>
+                <a:spcPts val="0"/>
+              </a:spcAft>
+              <a:buFont typeface="+mj-lt"/>
+              <a:buAutoNum type="arabicPeriod"/>
+            </a:pPr>
+            <a:r>
+              <a:rPr lang="en-US" sz="2200" dirty="0">
+                <a:effectLst/>
+                <a:latin typeface="Corbel" panose="020B0503020204020204" pitchFamily="34" charset="0"/>
+                <a:ea typeface="Calibri" panose="020F0502020204030204" pitchFamily="34" charset="0"/>
+                <a:cs typeface="Times New Roman" panose="02020603050405020304" pitchFamily="18" charset="0"/>
+              </a:rPr>
+              <a:t> An automated system to track time spent and bill clients for this time.</a:t>
+            </a:r>
+          </a:p>
+          <a:p>
+            <a:pPr marL="342900" marR="0" lvl="0" indent="-342900">
+              <a:lnSpc>
+                <a:spcPct val="107000"/>
+              </a:lnSpc>
+              <a:spcBef>
+                <a:spcPts val="0"/>
+              </a:spcBef>
+              <a:spcAft>
+                <a:spcPts val="0"/>
+              </a:spcAft>
+              <a:buFont typeface="+mj-lt"/>
+              <a:buAutoNum type="arabicPeriod"/>
+            </a:pPr>
+            <a:endParaRPr lang="en-US" sz="2200" dirty="0">
+              <a:effectLst/>
+              <a:latin typeface="Corbel" panose="020B0503020204020204" pitchFamily="34" charset="0"/>
+              <a:ea typeface="Calibri" panose="020F0502020204030204" pitchFamily="34" charset="0"/>
+              <a:cs typeface="Times New Roman" panose="02020603050405020304" pitchFamily="18" charset="0"/>
+            </a:endParaRPr>
+          </a:p>
+          <a:p>
+            <a:pPr marL="342900" marR="0" lvl="0" indent="-342900">
+              <a:lnSpc>
+                <a:spcPct val="107000"/>
+              </a:lnSpc>
+              <a:spcBef>
+                <a:spcPts val="0"/>
+              </a:spcBef>
+              <a:spcAft>
+                <a:spcPts val="0"/>
+              </a:spcAft>
+              <a:buFont typeface="+mj-lt"/>
+              <a:buAutoNum type="arabicPeriod"/>
+            </a:pPr>
+            <a:r>
+              <a:rPr lang="en-US" sz="2200" dirty="0">
+                <a:effectLst/>
+                <a:latin typeface="Corbel" panose="020B0503020204020204" pitchFamily="34" charset="0"/>
+                <a:ea typeface="Calibri" panose="020F0502020204030204" pitchFamily="34" charset="0"/>
+                <a:cs typeface="Times New Roman" panose="02020603050405020304" pitchFamily="18" charset="0"/>
+              </a:rPr>
+              <a:t>A system allowing clients to schedule meetings with Tax Boss.</a:t>
+            </a:r>
+          </a:p>
+          <a:p>
+            <a:pPr marL="342900" marR="0" lvl="0" indent="-342900">
+              <a:lnSpc>
+                <a:spcPct val="107000"/>
+              </a:lnSpc>
+              <a:spcBef>
+                <a:spcPts val="0"/>
+              </a:spcBef>
+              <a:spcAft>
+                <a:spcPts val="0"/>
+              </a:spcAft>
+              <a:buFont typeface="+mj-lt"/>
+              <a:buAutoNum type="arabicPeriod"/>
+            </a:pPr>
+            <a:endParaRPr lang="en-US" sz="2200" dirty="0">
+              <a:effectLst/>
+              <a:latin typeface="Corbel" panose="020B0503020204020204" pitchFamily="34" charset="0"/>
+              <a:ea typeface="Calibri" panose="020F0502020204030204" pitchFamily="34" charset="0"/>
+              <a:cs typeface="Times New Roman" panose="02020603050405020304" pitchFamily="18" charset="0"/>
+            </a:endParaRPr>
+          </a:p>
+          <a:p>
+            <a:pPr marL="342900" marR="0" lvl="0" indent="-342900">
+              <a:lnSpc>
+                <a:spcPct val="107000"/>
+              </a:lnSpc>
+              <a:spcBef>
+                <a:spcPts val="0"/>
+              </a:spcBef>
+              <a:spcAft>
+                <a:spcPts val="0"/>
+              </a:spcAft>
+              <a:buFont typeface="+mj-lt"/>
+              <a:buAutoNum type="arabicPeriod"/>
+            </a:pPr>
+            <a:r>
+              <a:rPr lang="en-US" sz="2200" dirty="0">
+                <a:effectLst/>
+                <a:latin typeface="Corbel" panose="020B0503020204020204" pitchFamily="34" charset="0"/>
+                <a:ea typeface="Calibri" panose="020F0502020204030204" pitchFamily="34" charset="0"/>
+                <a:cs typeface="Times New Roman" panose="02020603050405020304" pitchFamily="18" charset="0"/>
+              </a:rPr>
+              <a:t> A notification system alerting Tax Boss to upcoming events, such as meetings.</a:t>
+            </a:r>
+            <a:endParaRPr lang="en-US" sz="2200" dirty="0">
+              <a:latin typeface="Corbel" panose="020B0503020204020204" pitchFamily="34" charset="0"/>
+            </a:endParaRPr>
           </a:p>
         </p:txBody>
       </p:sp>
     </p:spTree>
     <p:extLst>
       <p:ext uri="{BB962C8B-B14F-4D97-AF65-F5344CB8AC3E}">
-        <p14:creationId xmlns:p14="http://schemas.microsoft.com/office/powerpoint/2010/main" val="3451380002"/>
+        <p14:creationId xmlns:p14="http://schemas.microsoft.com/office/powerpoint/2010/main" val="3023473338"/>
       </p:ext>
     </p:extLst>
   </p:cSld>
@@ -6840,6 +7991,105 @@
           <p:cNvPr id="2" name="Title 1">
             <a:extLst>
               <a:ext uri="{FF2B5EF4-FFF2-40B4-BE49-F238E27FC236}">
+                <a16:creationId xmlns:a16="http://schemas.microsoft.com/office/drawing/2014/main" id="{E754B8EC-20F5-404D-B1D8-9320C9A1DF81}"/>
+              </a:ext>
+            </a:extLst>
+          </p:cNvPr>
+          <p:cNvSpPr>
+            <a:spLocks noGrp="1"/>
+          </p:cNvSpPr>
+          <p:nvPr>
+            <p:ph type="title"/>
+          </p:nvPr>
+        </p:nvSpPr>
+        <p:spPr/>
+        <p:txBody>
+          <a:bodyPr/>
+          <a:lstStyle/>
+          <a:p>
+            <a:r>
+              <a:rPr lang="en-US" dirty="0"/>
+              <a:t>Billing</a:t>
+            </a:r>
+            <a:br>
+              <a:rPr lang="en-US" dirty="0"/>
+            </a:br>
+            <a:endParaRPr lang="en-US" dirty="0"/>
+          </a:p>
+        </p:txBody>
+      </p:sp>
+      <p:sp>
+        <p:nvSpPr>
+          <p:cNvPr id="3" name="Content Placeholder 2">
+            <a:extLst>
+              <a:ext uri="{FF2B5EF4-FFF2-40B4-BE49-F238E27FC236}">
+                <a16:creationId xmlns:a16="http://schemas.microsoft.com/office/drawing/2014/main" id="{252F9960-0495-42F3-89AD-84B6F19A23C7}"/>
+              </a:ext>
+            </a:extLst>
+          </p:cNvPr>
+          <p:cNvSpPr>
+            <a:spLocks noGrp="1"/>
+          </p:cNvSpPr>
+          <p:nvPr>
+            <p:ph idx="1"/>
+          </p:nvPr>
+        </p:nvSpPr>
+        <p:spPr/>
+        <p:txBody>
+          <a:bodyPr/>
+          <a:lstStyle/>
+          <a:p>
+            <a:r>
+              <a:rPr lang="en-US" dirty="0"/>
+              <a:t>Integrates with google</a:t>
+            </a:r>
+          </a:p>
+          <a:p>
+            <a:r>
+              <a:rPr lang="en-US" dirty="0"/>
+              <a:t>Gmail. Meeting, schedule automatically added to the calendar</a:t>
+            </a:r>
+          </a:p>
+          <a:p>
+            <a:endParaRPr lang="en-US" dirty="0"/>
+          </a:p>
+        </p:txBody>
+      </p:sp>
+    </p:spTree>
+    <p:extLst>
+      <p:ext uri="{BB962C8B-B14F-4D97-AF65-F5344CB8AC3E}">
+        <p14:creationId xmlns:p14="http://schemas.microsoft.com/office/powerpoint/2010/main" val="3451380002"/>
+      </p:ext>
+    </p:extLst>
+  </p:cSld>
+  <p:clrMapOvr>
+    <a:masterClrMapping/>
+  </p:clrMapOvr>
+</p:sld>
+</file>
+
+<file path=ppt/slides/slide7.xml><?xml version="1.0" encoding="utf-8"?>
+<p:sld xmlns:a="http://schemas.openxmlformats.org/drawingml/2006/main" xmlns:r="http://schemas.openxmlformats.org/officeDocument/2006/relationships" xmlns:p="http://schemas.openxmlformats.org/presentationml/2006/main">
+  <p:cSld>
+    <p:spTree>
+      <p:nvGrpSpPr>
+        <p:cNvPr id="1" name=""/>
+        <p:cNvGrpSpPr/>
+        <p:nvPr/>
+      </p:nvGrpSpPr>
+      <p:grpSpPr>
+        <a:xfrm>
+          <a:off x="0" y="0"/>
+          <a:ext cx="0" cy="0"/>
+          <a:chOff x="0" y="0"/>
+          <a:chExt cx="0" cy="0"/>
+        </a:xfrm>
+      </p:grpSpPr>
+      <p:sp>
+        <p:nvSpPr>
+          <p:cNvPr id="2" name="Title 1">
+            <a:extLst>
+              <a:ext uri="{FF2B5EF4-FFF2-40B4-BE49-F238E27FC236}">
                 <a16:creationId xmlns:a16="http://schemas.microsoft.com/office/drawing/2014/main" id="{8E57C0AE-340B-4DEF-A2AB-3C6195B79004}"/>
               </a:ext>
             </a:extLst>
@@ -6884,7 +8134,10 @@
           <a:bodyPr/>
           <a:lstStyle/>
           <a:p>
-            <a:endParaRPr lang="en-US"/>
+            <a:r>
+              <a:rPr lang="en-US" dirty="0"/>
+              <a:t>timeline</a:t>
+            </a:r>
           </a:p>
         </p:txBody>
       </p:sp>
@@ -6901,7 +8154,7 @@
 </p:sld>
 </file>
 
-<file path=ppt/slides/slide7.xml><?xml version="1.0" encoding="utf-8"?>
+<file path=ppt/slides/slide8.xml><?xml version="1.0" encoding="utf-8"?>
 <p:sld xmlns:a="http://schemas.openxmlformats.org/drawingml/2006/main" xmlns:r="http://schemas.openxmlformats.org/officeDocument/2006/relationships" xmlns:p="http://schemas.openxmlformats.org/presentationml/2006/main">
   <p:cSld>
     <p:spTree>

--- a/De La Riva, Bennett, Calhoun, Young; Tax_Boss.pptx
+++ b/De La Riva, Bennett, Calhoun, Young; Tax_Boss.pptx
@@ -11,9 +11,10 @@
     <p:sldId id="259" r:id="rId5"/>
     <p:sldId id="263" r:id="rId6"/>
     <p:sldId id="260" r:id="rId7"/>
-    <p:sldId id="264" r:id="rId8"/>
-    <p:sldId id="261" r:id="rId9"/>
-    <p:sldId id="262" r:id="rId10"/>
+    <p:sldId id="269" r:id="rId8"/>
+    <p:sldId id="265" r:id="rId9"/>
+    <p:sldId id="261" r:id="rId10"/>
+    <p:sldId id="262" r:id="rId11"/>
   </p:sldIdLst>
   <p:sldSz cx="12192000" cy="6858000"/>
   <p:notesSz cx="6858000" cy="9144000"/>
@@ -3669,7 +3670,7 @@
 <dgm:dataModel xmlns:dgm="http://schemas.openxmlformats.org/drawingml/2006/diagram" xmlns:a="http://schemas.openxmlformats.org/drawingml/2006/main">
   <dgm:ptLst>
     <dgm:pt modelId="{DC1C4E35-8D72-4C92-A98D-7A70CDD9B379}" type="doc">
-      <dgm:prSet loTypeId="urn:microsoft.com/office/officeart/2005/8/layout/vList2" loCatId="list" qsTypeId="urn:microsoft.com/office/officeart/2005/8/quickstyle/simple1" qsCatId="simple" csTypeId="urn:microsoft.com/office/officeart/2005/8/colors/colorful2" csCatId="colorful"/>
+      <dgm:prSet loTypeId="urn:microsoft.com/office/officeart/2005/8/layout/vList2" loCatId="list" qsTypeId="urn:microsoft.com/office/officeart/2005/8/quickstyle/simple1" qsCatId="simple" csTypeId="urn:microsoft.com/office/officeart/2005/8/colors/colorful2" csCatId="colorful" phldr="1"/>
       <dgm:spPr/>
       <dgm:t>
         <a:bodyPr/>
@@ -3687,8 +3688,8 @@
         <a:lstStyle/>
         <a:p>
           <a:r>
-            <a:rPr lang="en-US"/>
-            <a:t>Allows flawless scheduling</a:t>
+            <a:rPr lang="en-US" dirty="0"/>
+            <a:t>Safe Transfer of Files</a:t>
           </a:r>
         </a:p>
       </dgm:t>
@@ -3715,7 +3716,7 @@
         </a:p>
       </dgm:t>
     </dgm:pt>
-    <dgm:pt modelId="{485658D8-AE72-4C7F-AD9A-4A734C5F64FF}">
+    <dgm:pt modelId="{1922F19B-F68F-466D-92E7-B2748E7B729C}">
       <dgm:prSet/>
       <dgm:spPr/>
       <dgm:t>
@@ -3724,79 +3725,7 @@
         <a:p>
           <a:r>
             <a:rPr lang="en-US" dirty="0"/>
-            <a:t>Online meeting</a:t>
-          </a:r>
-        </a:p>
-      </dgm:t>
-    </dgm:pt>
-    <dgm:pt modelId="{032F6F87-EA2A-428F-9EBA-F2A05647C5C1}" type="parTrans" cxnId="{D908A94F-595A-45AB-9968-3A74492FB8B5}">
-      <dgm:prSet/>
-      <dgm:spPr/>
-      <dgm:t>
-        <a:bodyPr/>
-        <a:lstStyle/>
-        <a:p>
-          <a:endParaRPr lang="en-US"/>
-        </a:p>
-      </dgm:t>
-    </dgm:pt>
-    <dgm:pt modelId="{7BBA50F1-9EB4-41D2-AA02-13E620AEBE23}" type="sibTrans" cxnId="{D908A94F-595A-45AB-9968-3A74492FB8B5}">
-      <dgm:prSet/>
-      <dgm:spPr/>
-      <dgm:t>
-        <a:bodyPr/>
-        <a:lstStyle/>
-        <a:p>
-          <a:endParaRPr lang="en-US"/>
-        </a:p>
-      </dgm:t>
-    </dgm:pt>
-    <dgm:pt modelId="{FDDB8925-E7EE-435A-A9EA-BCB5E8D6304E}">
-      <dgm:prSet/>
-      <dgm:spPr/>
-      <dgm:t>
-        <a:bodyPr/>
-        <a:lstStyle/>
-        <a:p>
-          <a:r>
-            <a:rPr lang="en-US" dirty="0"/>
-            <a:t>Automatic Reminders</a:t>
-          </a:r>
-        </a:p>
-      </dgm:t>
-    </dgm:pt>
-    <dgm:pt modelId="{9F1771CE-7CA8-4887-BB26-A4264FE8686C}" type="parTrans" cxnId="{A8811983-4813-4120-9048-2E1FD20E8E90}">
-      <dgm:prSet/>
-      <dgm:spPr/>
-      <dgm:t>
-        <a:bodyPr/>
-        <a:lstStyle/>
-        <a:p>
-          <a:endParaRPr lang="en-US"/>
-        </a:p>
-      </dgm:t>
-    </dgm:pt>
-    <dgm:pt modelId="{1F39F6B9-14C7-4CF4-9A56-2AD053E2F953}" type="sibTrans" cxnId="{A8811983-4813-4120-9048-2E1FD20E8E90}">
-      <dgm:prSet/>
-      <dgm:spPr/>
-      <dgm:t>
-        <a:bodyPr/>
-        <a:lstStyle/>
-        <a:p>
-          <a:endParaRPr lang="en-US"/>
-        </a:p>
-      </dgm:t>
-    </dgm:pt>
-    <dgm:pt modelId="{1922F19B-F68F-466D-92E7-B2748E7B729C}">
-      <dgm:prSet/>
-      <dgm:spPr/>
-      <dgm:t>
-        <a:bodyPr/>
-        <a:lstStyle/>
-        <a:p>
-          <a:r>
-            <a:rPr lang="en-US"/>
-            <a:t>Add notes on an individual basis</a:t>
+            <a:t>Creation of forms</a:t>
           </a:r>
         </a:p>
       </dgm:t>
@@ -3823,6 +3752,78 @@
         </a:p>
       </dgm:t>
     </dgm:pt>
+    <dgm:pt modelId="{AAA101F9-88BD-4CE4-A0B4-8B5AF92D6EF9}">
+      <dgm:prSet/>
+      <dgm:spPr/>
+      <dgm:t>
+        <a:bodyPr/>
+        <a:lstStyle/>
+        <a:p>
+          <a:r>
+            <a:rPr lang="en-US" dirty="0"/>
+            <a:t>Google Drive</a:t>
+          </a:r>
+        </a:p>
+      </dgm:t>
+    </dgm:pt>
+    <dgm:pt modelId="{2ED2CDB4-3D32-488A-B16A-D7CBB6A8DAD9}" type="parTrans" cxnId="{8A75B5C8-44A8-4C8F-8EB4-5ADB7628D093}">
+      <dgm:prSet/>
+      <dgm:spPr/>
+      <dgm:t>
+        <a:bodyPr/>
+        <a:lstStyle/>
+        <a:p>
+          <a:endParaRPr lang="en-US"/>
+        </a:p>
+      </dgm:t>
+    </dgm:pt>
+    <dgm:pt modelId="{74313F41-9086-4CDF-AA71-FE3ECB2E0003}" type="sibTrans" cxnId="{8A75B5C8-44A8-4C8F-8EB4-5ADB7628D093}">
+      <dgm:prSet/>
+      <dgm:spPr/>
+      <dgm:t>
+        <a:bodyPr/>
+        <a:lstStyle/>
+        <a:p>
+          <a:endParaRPr lang="en-US"/>
+        </a:p>
+      </dgm:t>
+    </dgm:pt>
+    <dgm:pt modelId="{0E04D3E3-E7BF-4D34-AEC0-5BE34FE5C608}">
+      <dgm:prSet/>
+      <dgm:spPr/>
+      <dgm:t>
+        <a:bodyPr/>
+        <a:lstStyle/>
+        <a:p>
+          <a:r>
+            <a:rPr lang="en-US" dirty="0"/>
+            <a:t>Business Email</a:t>
+          </a:r>
+        </a:p>
+      </dgm:t>
+    </dgm:pt>
+    <dgm:pt modelId="{4731C538-41D3-4FE8-97E0-C764935A0748}" type="parTrans" cxnId="{06ECBC60-C0D9-4F4C-8F70-9D15DA6038AF}">
+      <dgm:prSet/>
+      <dgm:spPr/>
+      <dgm:t>
+        <a:bodyPr/>
+        <a:lstStyle/>
+        <a:p>
+          <a:endParaRPr lang="en-US"/>
+        </a:p>
+      </dgm:t>
+    </dgm:pt>
+    <dgm:pt modelId="{E2447590-330F-492E-B3A7-225E8ED57FCF}" type="sibTrans" cxnId="{06ECBC60-C0D9-4F4C-8F70-9D15DA6038AF}">
+      <dgm:prSet/>
+      <dgm:spPr/>
+      <dgm:t>
+        <a:bodyPr/>
+        <a:lstStyle/>
+        <a:p>
+          <a:endParaRPr lang="en-US"/>
+        </a:p>
+      </dgm:t>
+    </dgm:pt>
     <dgm:pt modelId="{96675AC7-1ABD-48B3-809B-C711E54A378D}" type="pres">
       <dgm:prSet presAssocID="{DC1C4E35-8D72-4C92-A98D-7A70CDD9B379}" presName="linear" presStyleCnt="0">
         <dgm:presLayoutVars>
@@ -3833,7 +3834,7 @@
       <dgm:spPr/>
     </dgm:pt>
     <dgm:pt modelId="{200F43B6-B6E7-4764-9F86-2D2961F98AAD}" type="pres">
-      <dgm:prSet presAssocID="{3113BC48-C7AE-4C18-9EB7-4D9E9FA51FEE}" presName="parentText" presStyleLbl="node1" presStyleIdx="0" presStyleCnt="4">
+      <dgm:prSet presAssocID="{3113BC48-C7AE-4C18-9EB7-4D9E9FA51FEE}" presName="parentText" presStyleLbl="node1" presStyleIdx="0" presStyleCnt="4" custLinFactNeighborX="9" custLinFactNeighborY="-7776">
         <dgm:presLayoutVars>
           <dgm:chMax val="0"/>
           <dgm:bulletEnabled val="1"/>
@@ -3845,8 +3846,8 @@
       <dgm:prSet presAssocID="{C9C377E3-FAB8-438E-BBFA-7C2C7A5CE765}" presName="spacer" presStyleCnt="0"/>
       <dgm:spPr/>
     </dgm:pt>
-    <dgm:pt modelId="{C070D7AA-F61C-4A80-852F-2D5B4B0F7329}" type="pres">
-      <dgm:prSet presAssocID="{485658D8-AE72-4C7F-AD9A-4A734C5F64FF}" presName="parentText" presStyleLbl="node1" presStyleIdx="1" presStyleCnt="4">
+    <dgm:pt modelId="{550141BF-F580-4FBF-A804-8D5EB61B33E3}" type="pres">
+      <dgm:prSet presAssocID="{1922F19B-F68F-466D-92E7-B2748E7B729C}" presName="parentText" presStyleLbl="node1" presStyleIdx="1" presStyleCnt="4">
         <dgm:presLayoutVars>
           <dgm:chMax val="0"/>
           <dgm:bulletEnabled val="1"/>
@@ -3854,12 +3855,12 @@
       </dgm:prSet>
       <dgm:spPr/>
     </dgm:pt>
-    <dgm:pt modelId="{0800A0E2-CAF0-4D18-A3B2-D7230E687B7C}" type="pres">
-      <dgm:prSet presAssocID="{7BBA50F1-9EB4-41D2-AA02-13E620AEBE23}" presName="spacer" presStyleCnt="0"/>
+    <dgm:pt modelId="{80A30BCA-5E5A-487D-8F1C-5DB1B353976D}" type="pres">
+      <dgm:prSet presAssocID="{AE6373D5-824C-46F9-9E9D-650EBDB8898F}" presName="spacer" presStyleCnt="0"/>
       <dgm:spPr/>
     </dgm:pt>
-    <dgm:pt modelId="{F4B240EC-2BF4-4C36-B225-CE1D6916F86D}" type="pres">
-      <dgm:prSet presAssocID="{FDDB8925-E7EE-435A-A9EA-BCB5E8D6304E}" presName="parentText" presStyleLbl="node1" presStyleIdx="2" presStyleCnt="4">
+    <dgm:pt modelId="{02B64D36-0E76-47DD-B394-180997527181}" type="pres">
+      <dgm:prSet presAssocID="{0E04D3E3-E7BF-4D34-AEC0-5BE34FE5C608}" presName="parentText" presStyleLbl="node1" presStyleIdx="2" presStyleCnt="4">
         <dgm:presLayoutVars>
           <dgm:chMax val="0"/>
           <dgm:bulletEnabled val="1"/>
@@ -3867,12 +3868,12 @@
       </dgm:prSet>
       <dgm:spPr/>
     </dgm:pt>
-    <dgm:pt modelId="{0672E077-6394-4D98-9586-D2E0132A4E4F}" type="pres">
-      <dgm:prSet presAssocID="{1F39F6B9-14C7-4CF4-9A56-2AD053E2F953}" presName="spacer" presStyleCnt="0"/>
+    <dgm:pt modelId="{0240EF72-0522-4EAF-9B87-5956707A0369}" type="pres">
+      <dgm:prSet presAssocID="{E2447590-330F-492E-B3A7-225E8ED57FCF}" presName="spacer" presStyleCnt="0"/>
       <dgm:spPr/>
     </dgm:pt>
-    <dgm:pt modelId="{550141BF-F580-4FBF-A804-8D5EB61B33E3}" type="pres">
-      <dgm:prSet presAssocID="{1922F19B-F68F-466D-92E7-B2748E7B729C}" presName="parentText" presStyleLbl="node1" presStyleIdx="3" presStyleCnt="4">
+    <dgm:pt modelId="{830A274D-F2DE-4B2A-A5B7-6A24780525FD}" type="pres">
+      <dgm:prSet presAssocID="{AAA101F9-88BD-4CE4-A0B4-8B5AF92D6EF9}" presName="parentText" presStyleLbl="node1" presStyleIdx="3" presStyleCnt="4">
         <dgm:presLayoutVars>
           <dgm:chMax val="0"/>
           <dgm:bulletEnabled val="1"/>
@@ -3882,22 +3883,22 @@
     </dgm:pt>
   </dgm:ptLst>
   <dgm:cxnLst>
-    <dgm:cxn modelId="{542FBE25-1072-44B3-AF52-B605D2CEE674}" type="presOf" srcId="{485658D8-AE72-4C7F-AD9A-4A734C5F64FF}" destId="{C070D7AA-F61C-4A80-852F-2D5B4B0F7329}" srcOrd="0" destOrd="0" presId="urn:microsoft.com/office/officeart/2005/8/layout/vList2"/>
     <dgm:cxn modelId="{1E10C028-2B62-49AD-9B66-664352924C21}" type="presOf" srcId="{DC1C4E35-8D72-4C92-A98D-7A70CDD9B379}" destId="{96675AC7-1ABD-48B3-809B-C711E54A378D}" srcOrd="0" destOrd="0" presId="urn:microsoft.com/office/officeart/2005/8/layout/vList2"/>
-    <dgm:cxn modelId="{D908A94F-595A-45AB-9968-3A74492FB8B5}" srcId="{DC1C4E35-8D72-4C92-A98D-7A70CDD9B379}" destId="{485658D8-AE72-4C7F-AD9A-4A734C5F64FF}" srcOrd="1" destOrd="0" parTransId="{032F6F87-EA2A-428F-9EBA-F2A05647C5C1}" sibTransId="{7BBA50F1-9EB4-41D2-AA02-13E620AEBE23}"/>
-    <dgm:cxn modelId="{19866E51-B214-4E12-B5C2-851EA4BCDAD4}" srcId="{DC1C4E35-8D72-4C92-A98D-7A70CDD9B379}" destId="{1922F19B-F68F-466D-92E7-B2748E7B729C}" srcOrd="3" destOrd="0" parTransId="{11D5920F-CFFF-499E-80B8-EF4603C4801A}" sibTransId="{AE6373D5-824C-46F9-9E9D-650EBDB8898F}"/>
-    <dgm:cxn modelId="{3F0A0A79-5118-458B-9180-D462F753E2CF}" type="presOf" srcId="{FDDB8925-E7EE-435A-A9EA-BCB5E8D6304E}" destId="{F4B240EC-2BF4-4C36-B225-CE1D6916F86D}" srcOrd="0" destOrd="0" presId="urn:microsoft.com/office/officeart/2005/8/layout/vList2"/>
-    <dgm:cxn modelId="{A8811983-4813-4120-9048-2E1FD20E8E90}" srcId="{DC1C4E35-8D72-4C92-A98D-7A70CDD9B379}" destId="{FDDB8925-E7EE-435A-A9EA-BCB5E8D6304E}" srcOrd="2" destOrd="0" parTransId="{9F1771CE-7CA8-4887-BB26-A4264FE8686C}" sibTransId="{1F39F6B9-14C7-4CF4-9A56-2AD053E2F953}"/>
+    <dgm:cxn modelId="{3135652B-0A4A-400D-BEDC-BAF67DA1A52F}" type="presOf" srcId="{0E04D3E3-E7BF-4D34-AEC0-5BE34FE5C608}" destId="{02B64D36-0E76-47DD-B394-180997527181}" srcOrd="0" destOrd="0" presId="urn:microsoft.com/office/officeart/2005/8/layout/vList2"/>
+    <dgm:cxn modelId="{919EDF37-0A3F-4DDD-8659-A51821527C18}" type="presOf" srcId="{AAA101F9-88BD-4CE4-A0B4-8B5AF92D6EF9}" destId="{830A274D-F2DE-4B2A-A5B7-6A24780525FD}" srcOrd="0" destOrd="0" presId="urn:microsoft.com/office/officeart/2005/8/layout/vList2"/>
+    <dgm:cxn modelId="{06ECBC60-C0D9-4F4C-8F70-9D15DA6038AF}" srcId="{DC1C4E35-8D72-4C92-A98D-7A70CDD9B379}" destId="{0E04D3E3-E7BF-4D34-AEC0-5BE34FE5C608}" srcOrd="2" destOrd="0" parTransId="{4731C538-41D3-4FE8-97E0-C764935A0748}" sibTransId="{E2447590-330F-492E-B3A7-225E8ED57FCF}"/>
+    <dgm:cxn modelId="{19866E51-B214-4E12-B5C2-851EA4BCDAD4}" srcId="{DC1C4E35-8D72-4C92-A98D-7A70CDD9B379}" destId="{1922F19B-F68F-466D-92E7-B2748E7B729C}" srcOrd="1" destOrd="0" parTransId="{11D5920F-CFFF-499E-80B8-EF4603C4801A}" sibTransId="{AE6373D5-824C-46F9-9E9D-650EBDB8898F}"/>
     <dgm:cxn modelId="{3E10EBC2-91D1-4851-8D43-68392EAA04C1}" type="presOf" srcId="{3113BC48-C7AE-4C18-9EB7-4D9E9FA51FEE}" destId="{200F43B6-B6E7-4764-9F86-2D2961F98AAD}" srcOrd="0" destOrd="0" presId="urn:microsoft.com/office/officeart/2005/8/layout/vList2"/>
     <dgm:cxn modelId="{017FCBC5-899B-4948-B5BF-B8BEC2AE06A1}" srcId="{DC1C4E35-8D72-4C92-A98D-7A70CDD9B379}" destId="{3113BC48-C7AE-4C18-9EB7-4D9E9FA51FEE}" srcOrd="0" destOrd="0" parTransId="{7CFB425F-81CF-4EDF-86A5-C3EAD03DC8A7}" sibTransId="{C9C377E3-FAB8-438E-BBFA-7C2C7A5CE765}"/>
+    <dgm:cxn modelId="{8A75B5C8-44A8-4C8F-8EB4-5ADB7628D093}" srcId="{DC1C4E35-8D72-4C92-A98D-7A70CDD9B379}" destId="{AAA101F9-88BD-4CE4-A0B4-8B5AF92D6EF9}" srcOrd="3" destOrd="0" parTransId="{2ED2CDB4-3D32-488A-B16A-D7CBB6A8DAD9}" sibTransId="{74313F41-9086-4CDF-AA71-FE3ECB2E0003}"/>
     <dgm:cxn modelId="{555106E3-26C5-45A3-9581-D95AEC8683B8}" type="presOf" srcId="{1922F19B-F68F-466D-92E7-B2748E7B729C}" destId="{550141BF-F580-4FBF-A804-8D5EB61B33E3}" srcOrd="0" destOrd="0" presId="urn:microsoft.com/office/officeart/2005/8/layout/vList2"/>
     <dgm:cxn modelId="{316D337C-2D1E-4E4E-8082-146031624C9A}" type="presParOf" srcId="{96675AC7-1ABD-48B3-809B-C711E54A378D}" destId="{200F43B6-B6E7-4764-9F86-2D2961F98AAD}" srcOrd="0" destOrd="0" presId="urn:microsoft.com/office/officeart/2005/8/layout/vList2"/>
     <dgm:cxn modelId="{7CB02E64-6193-48E0-A0BE-7A7EF919D15F}" type="presParOf" srcId="{96675AC7-1ABD-48B3-809B-C711E54A378D}" destId="{C1D4DFEC-F201-40EA-B1C3-B7C78BC74EE1}" srcOrd="1" destOrd="0" presId="urn:microsoft.com/office/officeart/2005/8/layout/vList2"/>
-    <dgm:cxn modelId="{0FF65DAA-877F-4AD2-B606-897DB2C6D94B}" type="presParOf" srcId="{96675AC7-1ABD-48B3-809B-C711E54A378D}" destId="{C070D7AA-F61C-4A80-852F-2D5B4B0F7329}" srcOrd="2" destOrd="0" presId="urn:microsoft.com/office/officeart/2005/8/layout/vList2"/>
-    <dgm:cxn modelId="{38D6F34C-60CC-40F2-AC13-9FF204165706}" type="presParOf" srcId="{96675AC7-1ABD-48B3-809B-C711E54A378D}" destId="{0800A0E2-CAF0-4D18-A3B2-D7230E687B7C}" srcOrd="3" destOrd="0" presId="urn:microsoft.com/office/officeart/2005/8/layout/vList2"/>
-    <dgm:cxn modelId="{9B4402D9-92BE-4DE1-9A3B-A02899C28976}" type="presParOf" srcId="{96675AC7-1ABD-48B3-809B-C711E54A378D}" destId="{F4B240EC-2BF4-4C36-B225-CE1D6916F86D}" srcOrd="4" destOrd="0" presId="urn:microsoft.com/office/officeart/2005/8/layout/vList2"/>
-    <dgm:cxn modelId="{5CFAEC1D-08CF-4291-993D-7053AB952BCC}" type="presParOf" srcId="{96675AC7-1ABD-48B3-809B-C711E54A378D}" destId="{0672E077-6394-4D98-9586-D2E0132A4E4F}" srcOrd="5" destOrd="0" presId="urn:microsoft.com/office/officeart/2005/8/layout/vList2"/>
-    <dgm:cxn modelId="{94A32B98-2A34-4034-A22D-B6689BB0680B}" type="presParOf" srcId="{96675AC7-1ABD-48B3-809B-C711E54A378D}" destId="{550141BF-F580-4FBF-A804-8D5EB61B33E3}" srcOrd="6" destOrd="0" presId="urn:microsoft.com/office/officeart/2005/8/layout/vList2"/>
+    <dgm:cxn modelId="{94A32B98-2A34-4034-A22D-B6689BB0680B}" type="presParOf" srcId="{96675AC7-1ABD-48B3-809B-C711E54A378D}" destId="{550141BF-F580-4FBF-A804-8D5EB61B33E3}" srcOrd="2" destOrd="0" presId="urn:microsoft.com/office/officeart/2005/8/layout/vList2"/>
+    <dgm:cxn modelId="{C984E2E2-D735-4AAE-A689-5CF4F5AE5BBF}" type="presParOf" srcId="{96675AC7-1ABD-48B3-809B-C711E54A378D}" destId="{80A30BCA-5E5A-487D-8F1C-5DB1B353976D}" srcOrd="3" destOrd="0" presId="urn:microsoft.com/office/officeart/2005/8/layout/vList2"/>
+    <dgm:cxn modelId="{5BDF5A11-1543-4BF0-9C77-1CDEF24C1C17}" type="presParOf" srcId="{96675AC7-1ABD-48B3-809B-C711E54A378D}" destId="{02B64D36-0E76-47DD-B394-180997527181}" srcOrd="4" destOrd="0" presId="urn:microsoft.com/office/officeart/2005/8/layout/vList2"/>
+    <dgm:cxn modelId="{1A69D168-E354-4AB3-8424-9ED695377B88}" type="presParOf" srcId="{96675AC7-1ABD-48B3-809B-C711E54A378D}" destId="{0240EF72-0522-4EAF-9B87-5956707A0369}" srcOrd="5" destOrd="0" presId="urn:microsoft.com/office/officeart/2005/8/layout/vList2"/>
+    <dgm:cxn modelId="{BA406748-8B8E-412E-82E5-981E24F3B7A3}" type="presParOf" srcId="{96675AC7-1ABD-48B3-809B-C711E54A378D}" destId="{830A274D-F2DE-4B2A-A5B7-6A24780525FD}" srcOrd="6" destOrd="0" presId="urn:microsoft.com/office/officeart/2005/8/layout/vList2"/>
   </dgm:cxnLst>
   <dgm:bg/>
   <dgm:whole/>
@@ -5499,8 +5500,8 @@
       </dsp:nvSpPr>
       <dsp:spPr>
         <a:xfrm>
-          <a:off x="0" y="670260"/>
-          <a:ext cx="6492875" cy="863460"/>
+          <a:off x="0" y="24937"/>
+          <a:ext cx="6492875" cy="1079325"/>
         </a:xfrm>
         <a:prstGeom prst="roundRect">
           <a:avLst/>
@@ -5541,12 +5542,12 @@
         </a:fontRef>
       </dsp:style>
       <dsp:txBody>
-        <a:bodyPr spcFirstLastPara="0" vert="horz" wrap="square" lIns="137160" tIns="137160" rIns="137160" bIns="137160" numCol="1" spcCol="1270" anchor="ctr" anchorCtr="0">
+        <a:bodyPr spcFirstLastPara="0" vert="horz" wrap="square" lIns="171450" tIns="171450" rIns="171450" bIns="171450" numCol="1" spcCol="1270" anchor="ctr" anchorCtr="0">
           <a:noAutofit/>
         </a:bodyPr>
         <a:lstStyle/>
         <a:p>
-          <a:pPr marL="0" lvl="0" indent="0" algn="l" defTabSz="1600200">
+          <a:pPr marL="0" lvl="0" indent="0" algn="l" defTabSz="2000250">
             <a:lnSpc>
               <a:spcPct val="90000"/>
             </a:lnSpc>
@@ -5559,25 +5560,25 @@
             <a:buNone/>
           </a:pPr>
           <a:r>
-            <a:rPr lang="en-US" sz="3600" kern="1200"/>
-            <a:t>Allows flawless scheduling</a:t>
+            <a:rPr lang="en-US" sz="4500" kern="1200" dirty="0"/>
+            <a:t>Safe Transfer of Files</a:t>
           </a:r>
         </a:p>
       </dsp:txBody>
       <dsp:txXfrm>
-        <a:off x="42151" y="712411"/>
-        <a:ext cx="6408573" cy="779158"/>
+        <a:off x="52688" y="77625"/>
+        <a:ext cx="6387499" cy="973949"/>
       </dsp:txXfrm>
     </dsp:sp>
-    <dsp:sp modelId="{C070D7AA-F61C-4A80-852F-2D5B4B0F7329}">
+    <dsp:sp modelId="{550141BF-F580-4FBF-A804-8D5EB61B33E3}">
       <dsp:nvSpPr>
         <dsp:cNvPr id="0" name=""/>
         <dsp:cNvSpPr/>
       </dsp:nvSpPr>
       <dsp:spPr>
         <a:xfrm>
-          <a:off x="0" y="1637400"/>
-          <a:ext cx="6492875" cy="863460"/>
+          <a:off x="0" y="1243940"/>
+          <a:ext cx="6492875" cy="1079325"/>
         </a:xfrm>
         <a:prstGeom prst="roundRect">
           <a:avLst/>
@@ -5618,12 +5619,12 @@
         </a:fontRef>
       </dsp:style>
       <dsp:txBody>
-        <a:bodyPr spcFirstLastPara="0" vert="horz" wrap="square" lIns="137160" tIns="137160" rIns="137160" bIns="137160" numCol="1" spcCol="1270" anchor="ctr" anchorCtr="0">
+        <a:bodyPr spcFirstLastPara="0" vert="horz" wrap="square" lIns="171450" tIns="171450" rIns="171450" bIns="171450" numCol="1" spcCol="1270" anchor="ctr" anchorCtr="0">
           <a:noAutofit/>
         </a:bodyPr>
         <a:lstStyle/>
         <a:p>
-          <a:pPr marL="0" lvl="0" indent="0" algn="l" defTabSz="1600200">
+          <a:pPr marL="0" lvl="0" indent="0" algn="l" defTabSz="2000250">
             <a:lnSpc>
               <a:spcPct val="90000"/>
             </a:lnSpc>
@@ -5636,25 +5637,25 @@
             <a:buNone/>
           </a:pPr>
           <a:r>
-            <a:rPr lang="en-US" sz="3600" kern="1200" dirty="0"/>
-            <a:t>Online meeting</a:t>
+            <a:rPr lang="en-US" sz="4500" kern="1200" dirty="0"/>
+            <a:t>Creation of forms</a:t>
           </a:r>
         </a:p>
       </dsp:txBody>
       <dsp:txXfrm>
-        <a:off x="42151" y="1679551"/>
-        <a:ext cx="6408573" cy="779158"/>
+        <a:off x="52688" y="1296628"/>
+        <a:ext cx="6387499" cy="973949"/>
       </dsp:txXfrm>
     </dsp:sp>
-    <dsp:sp modelId="{F4B240EC-2BF4-4C36-B225-CE1D6916F86D}">
+    <dsp:sp modelId="{02B64D36-0E76-47DD-B394-180997527181}">
       <dsp:nvSpPr>
         <dsp:cNvPr id="0" name=""/>
         <dsp:cNvSpPr/>
       </dsp:nvSpPr>
       <dsp:spPr>
         <a:xfrm>
-          <a:off x="0" y="2604540"/>
-          <a:ext cx="6492875" cy="863460"/>
+          <a:off x="0" y="2452865"/>
+          <a:ext cx="6492875" cy="1079325"/>
         </a:xfrm>
         <a:prstGeom prst="roundRect">
           <a:avLst/>
@@ -5695,12 +5696,12 @@
         </a:fontRef>
       </dsp:style>
       <dsp:txBody>
-        <a:bodyPr spcFirstLastPara="0" vert="horz" wrap="square" lIns="137160" tIns="137160" rIns="137160" bIns="137160" numCol="1" spcCol="1270" anchor="ctr" anchorCtr="0">
+        <a:bodyPr spcFirstLastPara="0" vert="horz" wrap="square" lIns="171450" tIns="171450" rIns="171450" bIns="171450" numCol="1" spcCol="1270" anchor="ctr" anchorCtr="0">
           <a:noAutofit/>
         </a:bodyPr>
         <a:lstStyle/>
         <a:p>
-          <a:pPr marL="0" lvl="0" indent="0" algn="l" defTabSz="1600200">
+          <a:pPr marL="0" lvl="0" indent="0" algn="l" defTabSz="2000250">
             <a:lnSpc>
               <a:spcPct val="90000"/>
             </a:lnSpc>
@@ -5713,25 +5714,25 @@
             <a:buNone/>
           </a:pPr>
           <a:r>
-            <a:rPr lang="en-US" sz="3600" kern="1200" dirty="0"/>
-            <a:t>Automatic Reminders</a:t>
+            <a:rPr lang="en-US" sz="4500" kern="1200" dirty="0"/>
+            <a:t>Business Email</a:t>
           </a:r>
         </a:p>
       </dsp:txBody>
       <dsp:txXfrm>
-        <a:off x="42151" y="2646691"/>
-        <a:ext cx="6408573" cy="779158"/>
+        <a:off x="52688" y="2505553"/>
+        <a:ext cx="6387499" cy="973949"/>
       </dsp:txXfrm>
     </dsp:sp>
-    <dsp:sp modelId="{550141BF-F580-4FBF-A804-8D5EB61B33E3}">
+    <dsp:sp modelId="{830A274D-F2DE-4B2A-A5B7-6A24780525FD}">
       <dsp:nvSpPr>
         <dsp:cNvPr id="0" name=""/>
         <dsp:cNvSpPr/>
       </dsp:nvSpPr>
       <dsp:spPr>
         <a:xfrm>
-          <a:off x="0" y="3571680"/>
-          <a:ext cx="6492875" cy="863460"/>
+          <a:off x="0" y="3661790"/>
+          <a:ext cx="6492875" cy="1079325"/>
         </a:xfrm>
         <a:prstGeom prst="roundRect">
           <a:avLst/>
@@ -5772,12 +5773,12 @@
         </a:fontRef>
       </dsp:style>
       <dsp:txBody>
-        <a:bodyPr spcFirstLastPara="0" vert="horz" wrap="square" lIns="137160" tIns="137160" rIns="137160" bIns="137160" numCol="1" spcCol="1270" anchor="ctr" anchorCtr="0">
+        <a:bodyPr spcFirstLastPara="0" vert="horz" wrap="square" lIns="171450" tIns="171450" rIns="171450" bIns="171450" numCol="1" spcCol="1270" anchor="ctr" anchorCtr="0">
           <a:noAutofit/>
         </a:bodyPr>
         <a:lstStyle/>
         <a:p>
-          <a:pPr marL="0" lvl="0" indent="0" algn="l" defTabSz="1600200">
+          <a:pPr marL="0" lvl="0" indent="0" algn="l" defTabSz="2000250">
             <a:lnSpc>
               <a:spcPct val="90000"/>
             </a:lnSpc>
@@ -5790,14 +5791,14 @@
             <a:buNone/>
           </a:pPr>
           <a:r>
-            <a:rPr lang="en-US" sz="3600" kern="1200"/>
-            <a:t>Add notes on an individual basis</a:t>
+            <a:rPr lang="en-US" sz="4500" kern="1200" dirty="0"/>
+            <a:t>Google Drive</a:t>
           </a:r>
         </a:p>
       </dsp:txBody>
       <dsp:txXfrm>
-        <a:off x="42151" y="3613831"/>
-        <a:ext cx="6408573" cy="779158"/>
+        <a:off x="52688" y="3714478"/>
+        <a:ext cx="6387499" cy="973949"/>
       </dsp:txXfrm>
     </dsp:sp>
   </dsp:spTree>
@@ -10096,7 +10097,7 @@
           <a:p>
             <a:fld id="{63C8E96C-C792-471B-AF1A-21A2407ECB1C}" type="datetimeFigureOut">
               <a:rPr lang="en-US" smtClean="0"/>
-              <a:t>4/8/2022</a:t>
+              <a:t>4/10/2022</a:t>
             </a:fld>
             <a:endParaRPr lang="en-US"/>
           </a:p>
@@ -10392,7 +10393,7 @@
           <a:p>
             <a:fld id="{63C8E96C-C792-471B-AF1A-21A2407ECB1C}" type="datetimeFigureOut">
               <a:rPr lang="en-US" smtClean="0"/>
-              <a:t>4/8/2022</a:t>
+              <a:t>4/10/2022</a:t>
             </a:fld>
             <a:endParaRPr lang="en-US"/>
           </a:p>
@@ -10640,7 +10641,7 @@
           <a:p>
             <a:fld id="{63C8E96C-C792-471B-AF1A-21A2407ECB1C}" type="datetimeFigureOut">
               <a:rPr lang="en-US" smtClean="0"/>
-              <a:t>4/8/2022</a:t>
+              <a:t>4/10/2022</a:t>
             </a:fld>
             <a:endParaRPr lang="en-US"/>
           </a:p>
@@ -11180,7 +11181,7 @@
           <a:p>
             <a:fld id="{63C8E96C-C792-471B-AF1A-21A2407ECB1C}" type="datetimeFigureOut">
               <a:rPr lang="en-US" smtClean="0"/>
-              <a:t>4/8/2022</a:t>
+              <a:t>4/10/2022</a:t>
             </a:fld>
             <a:endParaRPr lang="en-US"/>
           </a:p>
@@ -11428,7 +11429,7 @@
           <a:p>
             <a:fld id="{63C8E96C-C792-471B-AF1A-21A2407ECB1C}" type="datetimeFigureOut">
               <a:rPr lang="en-US" smtClean="0"/>
-              <a:t>4/8/2022</a:t>
+              <a:t>4/10/2022</a:t>
             </a:fld>
             <a:endParaRPr lang="en-US"/>
           </a:p>
@@ -11960,7 +11961,7 @@
           <a:p>
             <a:fld id="{63C8E96C-C792-471B-AF1A-21A2407ECB1C}" type="datetimeFigureOut">
               <a:rPr lang="en-US" smtClean="0"/>
-              <a:t>4/8/2022</a:t>
+              <a:t>4/10/2022</a:t>
             </a:fld>
             <a:endParaRPr lang="en-US"/>
           </a:p>
@@ -12257,7 +12258,7 @@
           <a:p>
             <a:fld id="{63C8E96C-C792-471B-AF1A-21A2407ECB1C}" type="datetimeFigureOut">
               <a:rPr lang="en-US" smtClean="0"/>
-              <a:t>4/8/2022</a:t>
+              <a:t>4/10/2022</a:t>
             </a:fld>
             <a:endParaRPr lang="en-US"/>
           </a:p>
@@ -12431,7 +12432,7 @@
           <a:p>
             <a:fld id="{63C8E96C-C792-471B-AF1A-21A2407ECB1C}" type="datetimeFigureOut">
               <a:rPr lang="en-US" smtClean="0"/>
-              <a:t>4/8/2022</a:t>
+              <a:t>4/10/2022</a:t>
             </a:fld>
             <a:endParaRPr lang="en-US"/>
           </a:p>
@@ -12611,7 +12612,7 @@
           <a:p>
             <a:fld id="{63C8E96C-C792-471B-AF1A-21A2407ECB1C}" type="datetimeFigureOut">
               <a:rPr lang="en-US" smtClean="0"/>
-              <a:t>4/8/2022</a:t>
+              <a:t>4/10/2022</a:t>
             </a:fld>
             <a:endParaRPr lang="en-US"/>
           </a:p>
@@ -12781,7 +12782,7 @@
           <a:p>
             <a:fld id="{63C8E96C-C792-471B-AF1A-21A2407ECB1C}" type="datetimeFigureOut">
               <a:rPr lang="en-US" smtClean="0"/>
-              <a:t>4/8/2022</a:t>
+              <a:t>4/10/2022</a:t>
             </a:fld>
             <a:endParaRPr lang="en-US"/>
           </a:p>
@@ -13032,7 +13033,7 @@
           <a:p>
             <a:fld id="{63C8E96C-C792-471B-AF1A-21A2407ECB1C}" type="datetimeFigureOut">
               <a:rPr lang="en-US" smtClean="0"/>
-              <a:t>4/8/2022</a:t>
+              <a:t>4/10/2022</a:t>
             </a:fld>
             <a:endParaRPr lang="en-US"/>
           </a:p>
@@ -13329,7 +13330,7 @@
           <a:p>
             <a:fld id="{63C8E96C-C792-471B-AF1A-21A2407ECB1C}" type="datetimeFigureOut">
               <a:rPr lang="en-US" smtClean="0"/>
-              <a:t>4/8/2022</a:t>
+              <a:t>4/10/2022</a:t>
             </a:fld>
             <a:endParaRPr lang="en-US"/>
           </a:p>
@@ -13771,7 +13772,7 @@
           <a:p>
             <a:fld id="{63C8E96C-C792-471B-AF1A-21A2407ECB1C}" type="datetimeFigureOut">
               <a:rPr lang="en-US" smtClean="0"/>
-              <a:t>4/8/2022</a:t>
+              <a:t>4/10/2022</a:t>
             </a:fld>
             <a:endParaRPr lang="en-US"/>
           </a:p>
@@ -13889,7 +13890,7 @@
           <a:p>
             <a:fld id="{63C8E96C-C792-471B-AF1A-21A2407ECB1C}" type="datetimeFigureOut">
               <a:rPr lang="en-US" smtClean="0"/>
-              <a:t>4/8/2022</a:t>
+              <a:t>4/10/2022</a:t>
             </a:fld>
             <a:endParaRPr lang="en-US"/>
           </a:p>
@@ -13984,7 +13985,7 @@
           <a:p>
             <a:fld id="{63C8E96C-C792-471B-AF1A-21A2407ECB1C}" type="datetimeFigureOut">
               <a:rPr lang="en-US" smtClean="0"/>
-              <a:t>4/8/2022</a:t>
+              <a:t>4/10/2022</a:t>
             </a:fld>
             <a:endParaRPr lang="en-US"/>
           </a:p>
@@ -14267,7 +14268,7 @@
           <a:p>
             <a:fld id="{63C8E96C-C792-471B-AF1A-21A2407ECB1C}" type="datetimeFigureOut">
               <a:rPr lang="en-US" smtClean="0"/>
-              <a:t>4/8/2022</a:t>
+              <a:t>4/10/2022</a:t>
             </a:fld>
             <a:endParaRPr lang="en-US"/>
           </a:p>
@@ -14558,7 +14559,7 @@
           <a:p>
             <a:fld id="{63C8E96C-C792-471B-AF1A-21A2407ECB1C}" type="datetimeFigureOut">
               <a:rPr lang="en-US" smtClean="0"/>
-              <a:t>4/8/2022</a:t>
+              <a:t>4/10/2022</a:t>
             </a:fld>
             <a:endParaRPr lang="en-US"/>
           </a:p>
@@ -15088,7 +15089,7 @@
           <a:p>
             <a:fld id="{63C8E96C-C792-471B-AF1A-21A2407ECB1C}" type="datetimeFigureOut">
               <a:rPr lang="en-US" smtClean="0"/>
-              <a:t>4/8/2022</a:t>
+              <a:t>4/10/2022</a:t>
             </a:fld>
             <a:endParaRPr lang="en-US"/>
           </a:p>
@@ -15684,6 +15685,89 @@
     <p:extLst>
       <p:ext uri="{BB962C8B-B14F-4D97-AF65-F5344CB8AC3E}">
         <p14:creationId xmlns:p14="http://schemas.microsoft.com/office/powerpoint/2010/main" val="1286943994"/>
+      </p:ext>
+    </p:extLst>
+  </p:cSld>
+  <p:clrMapOvr>
+    <a:masterClrMapping/>
+  </p:clrMapOvr>
+</p:sld>
+</file>
+
+<file path=ppt/slides/slide10.xml><?xml version="1.0" encoding="utf-8"?>
+<p:sld xmlns:a="http://schemas.openxmlformats.org/drawingml/2006/main" xmlns:r="http://schemas.openxmlformats.org/officeDocument/2006/relationships" xmlns:p="http://schemas.openxmlformats.org/presentationml/2006/main">
+  <p:cSld>
+    <p:spTree>
+      <p:nvGrpSpPr>
+        <p:cNvPr id="1" name=""/>
+        <p:cNvGrpSpPr/>
+        <p:nvPr/>
+      </p:nvGrpSpPr>
+      <p:grpSpPr>
+        <a:xfrm>
+          <a:off x="0" y="0"/>
+          <a:ext cx="0" cy="0"/>
+          <a:chOff x="0" y="0"/>
+          <a:chExt cx="0" cy="0"/>
+        </a:xfrm>
+      </p:grpSpPr>
+      <p:sp>
+        <p:nvSpPr>
+          <p:cNvPr id="2" name="Title 1">
+            <a:extLst>
+              <a:ext uri="{FF2B5EF4-FFF2-40B4-BE49-F238E27FC236}">
+                <a16:creationId xmlns:a16="http://schemas.microsoft.com/office/drawing/2014/main" id="{F63F2CE9-287D-4D36-B359-CD02F2E6C9B3}"/>
+              </a:ext>
+            </a:extLst>
+          </p:cNvPr>
+          <p:cNvSpPr>
+            <a:spLocks noGrp="1"/>
+          </p:cNvSpPr>
+          <p:nvPr>
+            <p:ph type="title"/>
+          </p:nvPr>
+        </p:nvSpPr>
+        <p:spPr/>
+        <p:txBody>
+          <a:bodyPr/>
+          <a:lstStyle/>
+          <a:p>
+            <a:r>
+              <a:rPr lang="en-US" dirty="0"/>
+              <a:t>conclusion</a:t>
+            </a:r>
+          </a:p>
+        </p:txBody>
+      </p:sp>
+      <p:sp>
+        <p:nvSpPr>
+          <p:cNvPr id="3" name="Content Placeholder 2">
+            <a:extLst>
+              <a:ext uri="{FF2B5EF4-FFF2-40B4-BE49-F238E27FC236}">
+                <a16:creationId xmlns:a16="http://schemas.microsoft.com/office/drawing/2014/main" id="{E19053FB-A14B-4A08-B297-0D18C9170EEF}"/>
+              </a:ext>
+            </a:extLst>
+          </p:cNvPr>
+          <p:cNvSpPr>
+            <a:spLocks noGrp="1"/>
+          </p:cNvSpPr>
+          <p:nvPr>
+            <p:ph idx="1"/>
+          </p:nvPr>
+        </p:nvSpPr>
+        <p:spPr/>
+        <p:txBody>
+          <a:bodyPr/>
+          <a:lstStyle/>
+          <a:p>
+            <a:endParaRPr lang="en-US"/>
+          </a:p>
+        </p:txBody>
+      </p:sp>
+    </p:spTree>
+    <p:extLst>
+      <p:ext uri="{BB962C8B-B14F-4D97-AF65-F5344CB8AC3E}">
+        <p14:creationId xmlns:p14="http://schemas.microsoft.com/office/powerpoint/2010/main" val="3964379491"/>
       </p:ext>
     </p:extLst>
   </p:cSld>
@@ -20104,8 +20188,37 @@
           <a:bodyPr rtlCol="0" anchor="ctr"/>
           <a:lstStyle/>
           <a:p>
-            <a:pPr algn="ctr"/>
-            <a:endParaRPr lang="en-US"/>
+            <a:pPr marL="0" marR="0" lvl="0" indent="0" algn="ctr" defTabSz="457200" rtl="0" eaLnBrk="1" fontAlgn="auto" latinLnBrk="0" hangingPunct="1">
+              <a:lnSpc>
+                <a:spcPct val="100000"/>
+              </a:lnSpc>
+              <a:spcBef>
+                <a:spcPts val="0"/>
+              </a:spcBef>
+              <a:spcAft>
+                <a:spcPts val="0"/>
+              </a:spcAft>
+              <a:buClrTx/>
+              <a:buSzTx/>
+              <a:buFontTx/>
+              <a:buNone/>
+              <a:tabLst/>
+              <a:defRPr/>
+            </a:pPr>
+            <a:endParaRPr kumimoji="0" lang="en-US" sz="1800" b="0" i="0" u="none" strike="noStrike" kern="1200" cap="none" spc="0" normalizeH="0" baseline="0" noProof="0">
+              <a:ln>
+                <a:noFill/>
+              </a:ln>
+              <a:solidFill>
+                <a:prstClr val="white"/>
+              </a:solidFill>
+              <a:effectLst/>
+              <a:uLnTx/>
+              <a:uFillTx/>
+              <a:latin typeface="Corbel" panose="020B0503020204020204"/>
+              <a:ea typeface="+mn-ea"/>
+              <a:cs typeface="+mn-cs"/>
+            </a:endParaRPr>
           </a:p>
         </p:txBody>
       </p:sp>
@@ -20255,11 +20368,36 @@
           <a:bodyPr rtlCol="0" anchor="ctr"/>
           <a:lstStyle/>
           <a:p>
-            <a:pPr algn="ctr"/>
-            <a:endParaRPr lang="en-US">
+            <a:pPr marL="0" marR="0" lvl="0" indent="0" algn="ctr" defTabSz="457200" rtl="0" eaLnBrk="1" fontAlgn="auto" latinLnBrk="0" hangingPunct="1">
+              <a:lnSpc>
+                <a:spcPct val="100000"/>
+              </a:lnSpc>
+              <a:spcBef>
+                <a:spcPts val="0"/>
+              </a:spcBef>
+              <a:spcAft>
+                <a:spcPts val="0"/>
+              </a:spcAft>
+              <a:buClrTx/>
+              <a:buSzTx/>
+              <a:buFontTx/>
+              <a:buNone/>
+              <a:tabLst/>
+              <a:defRPr/>
+            </a:pPr>
+            <a:endParaRPr kumimoji="0" lang="en-US" sz="1800" b="0" i="0" u="none" strike="noStrike" kern="1200" cap="none" spc="0" normalizeH="0" baseline="0" noProof="0">
+              <a:ln>
+                <a:noFill/>
+              </a:ln>
               <a:solidFill>
-                <a:schemeClr val="tx1"/>
+                <a:prstClr val="black"/>
               </a:solidFill>
+              <a:effectLst/>
+              <a:uLnTx/>
+              <a:uFillTx/>
+              <a:latin typeface="Corbel" panose="020B0503020204020204"/>
+              <a:ea typeface="+mn-ea"/>
+              <a:cs typeface="+mn-cs"/>
             </a:endParaRPr>
           </a:p>
         </p:txBody>
@@ -20740,16 +20878,11 @@
           </p:cNvGraphicFramePr>
           <p:nvPr>
             <p:ph idx="1"/>
-            <p:extLst>
-              <p:ext uri="{D42A27DB-BD31-4B8C-83A1-F6EECF244321}">
-                <p14:modId xmlns:p14="http://schemas.microsoft.com/office/powerpoint/2010/main" val="749316118"/>
-              </p:ext>
-            </p:extLst>
           </p:nvPr>
         </p:nvGraphicFramePr>
         <p:xfrm>
-          <a:off x="5010150" y="685800"/>
-          <a:ext cx="6492875" cy="5105400"/>
+          <a:off x="5010150" y="1015068"/>
+          <a:ext cx="6492875" cy="4776131"/>
         </p:xfrm>
         <a:graphic>
           <a:graphicData uri="http://schemas.openxmlformats.org/drawingml/2006/diagram">
@@ -20790,7 +20923,7 @@
     </p:spTree>
     <p:extLst>
       <p:ext uri="{BB962C8B-B14F-4D97-AF65-F5344CB8AC3E}">
-        <p14:creationId xmlns:p14="http://schemas.microsoft.com/office/powerpoint/2010/main" val="1325931581"/>
+        <p14:creationId xmlns:p14="http://schemas.microsoft.com/office/powerpoint/2010/main" val="1043821046"/>
       </p:ext>
     </p:extLst>
   </p:cSld>
@@ -20891,6 +21024,276 @@
 <file path=ppt/slides/slide8.xml><?xml version="1.0" encoding="utf-8"?>
 <p:sld xmlns:a="http://schemas.openxmlformats.org/drawingml/2006/main" xmlns:r="http://schemas.openxmlformats.org/officeDocument/2006/relationships" xmlns:p="http://schemas.openxmlformats.org/presentationml/2006/main">
   <p:cSld>
+    <p:bg>
+      <p:bgPr>
+        <a:blipFill rotWithShape="1">
+          <a:blip r:embed="rId2">
+            <a:duotone>
+              <a:schemeClr val="bg2">
+                <a:shade val="76000"/>
+                <a:satMod val="180000"/>
+              </a:schemeClr>
+              <a:schemeClr val="bg2">
+                <a:tint val="80000"/>
+                <a:satMod val="120000"/>
+                <a:lumMod val="180000"/>
+              </a:schemeClr>
+            </a:duotone>
+          </a:blip>
+          <a:stretch/>
+        </a:blipFill>
+        <a:effectLst/>
+      </p:bgPr>
+    </p:bg>
+    <p:spTree>
+      <p:nvGrpSpPr>
+        <p:cNvPr id="1" name=""/>
+        <p:cNvGrpSpPr/>
+        <p:nvPr/>
+      </p:nvGrpSpPr>
+      <p:grpSpPr>
+        <a:xfrm>
+          <a:off x="0" y="0"/>
+          <a:ext cx="0" cy="0"/>
+          <a:chOff x="0" y="0"/>
+          <a:chExt cx="0" cy="0"/>
+        </a:xfrm>
+      </p:grpSpPr>
+      <p:sp>
+        <p:nvSpPr>
+          <p:cNvPr id="2" name="Title 1">
+            <a:extLst>
+              <a:ext uri="{FF2B5EF4-FFF2-40B4-BE49-F238E27FC236}">
+                <a16:creationId xmlns:a16="http://schemas.microsoft.com/office/drawing/2014/main" id="{662E8D25-F704-44E9-A89A-39C379F770ED}"/>
+              </a:ext>
+            </a:extLst>
+          </p:cNvPr>
+          <p:cNvSpPr>
+            <a:spLocks noGrp="1"/>
+          </p:cNvSpPr>
+          <p:nvPr>
+            <p:ph type="title"/>
+          </p:nvPr>
+        </p:nvSpPr>
+        <p:spPr>
+          <a:xfrm>
+            <a:off x="1484311" y="1081548"/>
+            <a:ext cx="3333495" cy="1504335"/>
+          </a:xfrm>
+        </p:spPr>
+        <p:txBody>
+          <a:bodyPr>
+            <a:normAutofit/>
+          </a:bodyPr>
+          <a:lstStyle/>
+          <a:p>
+            <a:r>
+              <a:rPr lang="en-US" sz="2400"/>
+              <a:t>Advertising-</a:t>
+            </a:r>
+            <a:br>
+              <a:rPr lang="en-US" sz="2400"/>
+            </a:br>
+            <a:r>
+              <a:rPr lang="en-US" sz="2400"/>
+              <a:t>	Social Media</a:t>
+            </a:r>
+          </a:p>
+        </p:txBody>
+      </p:sp>
+      <p:sp>
+        <p:nvSpPr>
+          <p:cNvPr id="3" name="Content Placeholder 2">
+            <a:extLst>
+              <a:ext uri="{FF2B5EF4-FFF2-40B4-BE49-F238E27FC236}">
+                <a16:creationId xmlns:a16="http://schemas.microsoft.com/office/drawing/2014/main" id="{C19CC8A6-3862-45CB-A2EC-416BCFC8FCE9}"/>
+              </a:ext>
+            </a:extLst>
+          </p:cNvPr>
+          <p:cNvSpPr>
+            <a:spLocks noGrp="1"/>
+          </p:cNvSpPr>
+          <p:nvPr>
+            <p:ph idx="1"/>
+          </p:nvPr>
+        </p:nvSpPr>
+        <p:spPr>
+          <a:xfrm>
+            <a:off x="1484311" y="2666999"/>
+            <a:ext cx="3333496" cy="3124201"/>
+          </a:xfrm>
+        </p:spPr>
+        <p:txBody>
+          <a:bodyPr anchor="t">
+            <a:normAutofit/>
+          </a:bodyPr>
+          <a:lstStyle/>
+          <a:p>
+            <a:pPr>
+              <a:lnSpc>
+                <a:spcPct val="90000"/>
+              </a:lnSpc>
+            </a:pPr>
+            <a:r>
+              <a:rPr lang="en-US" sz="1500"/>
+              <a:t>Instagram – </a:t>
+            </a:r>
+          </a:p>
+          <a:p>
+            <a:pPr lvl="1">
+              <a:lnSpc>
+                <a:spcPct val="90000"/>
+              </a:lnSpc>
+            </a:pPr>
+            <a:r>
+              <a:rPr lang="en-US" sz="1500"/>
+              <a:t>More personal </a:t>
+            </a:r>
+          </a:p>
+          <a:p>
+            <a:pPr lvl="1">
+              <a:lnSpc>
+                <a:spcPct val="90000"/>
+              </a:lnSpc>
+            </a:pPr>
+            <a:r>
+              <a:rPr lang="en-US" sz="1500"/>
+              <a:t>Multiple ways to post – stories, regular posts, reels , etc. </a:t>
+            </a:r>
+          </a:p>
+          <a:p>
+            <a:pPr lvl="1">
+              <a:lnSpc>
+                <a:spcPct val="90000"/>
+              </a:lnSpc>
+            </a:pPr>
+            <a:endParaRPr lang="en-US" sz="1500"/>
+          </a:p>
+          <a:p>
+            <a:pPr>
+              <a:lnSpc>
+                <a:spcPct val="90000"/>
+              </a:lnSpc>
+            </a:pPr>
+            <a:r>
+              <a:rPr lang="en-US" sz="1500"/>
+              <a:t>Facebook – </a:t>
+            </a:r>
+          </a:p>
+          <a:p>
+            <a:pPr lvl="1">
+              <a:lnSpc>
+                <a:spcPct val="90000"/>
+              </a:lnSpc>
+            </a:pPr>
+            <a:r>
+              <a:rPr lang="en-US" sz="1500"/>
+              <a:t>Better target audience</a:t>
+            </a:r>
+          </a:p>
+          <a:p>
+            <a:pPr lvl="1">
+              <a:lnSpc>
+                <a:spcPct val="90000"/>
+              </a:lnSpc>
+            </a:pPr>
+            <a:r>
+              <a:rPr lang="en-US" sz="1500"/>
+              <a:t>Better algorithms </a:t>
+            </a:r>
+          </a:p>
+          <a:p>
+            <a:pPr lvl="1">
+              <a:lnSpc>
+                <a:spcPct val="90000"/>
+              </a:lnSpc>
+            </a:pPr>
+            <a:r>
+              <a:rPr lang="en-US" sz="1500"/>
+              <a:t>Less expensive ads</a:t>
+            </a:r>
+          </a:p>
+          <a:p>
+            <a:pPr>
+              <a:lnSpc>
+                <a:spcPct val="90000"/>
+              </a:lnSpc>
+            </a:pPr>
+            <a:endParaRPr lang="en-US" sz="1500"/>
+          </a:p>
+        </p:txBody>
+      </p:sp>
+      <p:pic>
+        <p:nvPicPr>
+          <p:cNvPr id="4" name="Picture 3" descr="Graphical user interface, application&#10;&#10;Description automatically generated">
+            <a:extLst>
+              <a:ext uri="{FF2B5EF4-FFF2-40B4-BE49-F238E27FC236}">
+                <a16:creationId xmlns:a16="http://schemas.microsoft.com/office/drawing/2014/main" id="{C14CC0AF-13C2-4EB7-A1BD-B3D6156D6E83}"/>
+              </a:ext>
+            </a:extLst>
+          </p:cNvPr>
+          <p:cNvPicPr>
+            <a:picLocks noChangeAspect="1"/>
+          </p:cNvPicPr>
+          <p:nvPr/>
+        </p:nvPicPr>
+        <p:blipFill>
+          <a:blip r:embed="rId3"/>
+          <a:stretch>
+            <a:fillRect/>
+          </a:stretch>
+        </p:blipFill>
+        <p:spPr>
+          <a:xfrm>
+            <a:off x="5262033" y="1223008"/>
+            <a:ext cx="6240990" cy="3978631"/>
+          </a:xfrm>
+          <a:prstGeom prst="roundRect">
+            <a:avLst>
+              <a:gd name="adj" fmla="val 4380"/>
+            </a:avLst>
+          </a:prstGeom>
+          <a:ln w="38100">
+            <a:gradFill flip="none" rotWithShape="1">
+              <a:gsLst>
+                <a:gs pos="0">
+                  <a:schemeClr val="bg2"/>
+                </a:gs>
+                <a:gs pos="100000">
+                  <a:schemeClr val="bg2">
+                    <a:lumMod val="75000"/>
+                  </a:schemeClr>
+                </a:gs>
+              </a:gsLst>
+              <a:lin ang="5400000" scaled="0"/>
+              <a:tileRect/>
+            </a:gradFill>
+          </a:ln>
+          <a:effectLst>
+            <a:innerShdw blurRad="57150" dist="38100" dir="14460000">
+              <a:srgbClr val="000000">
+                <a:alpha val="70000"/>
+              </a:srgbClr>
+            </a:innerShdw>
+          </a:effectLst>
+        </p:spPr>
+      </p:pic>
+    </p:spTree>
+    <p:extLst>
+      <p:ext uri="{BB962C8B-B14F-4D97-AF65-F5344CB8AC3E}">
+        <p14:creationId xmlns:p14="http://schemas.microsoft.com/office/powerpoint/2010/main" val="633742410"/>
+      </p:ext>
+    </p:extLst>
+  </p:cSld>
+  <p:clrMapOvr>
+    <a:masterClrMapping/>
+  </p:clrMapOvr>
+</p:sld>
+</file>
+
+<file path=ppt/slides/slide9.xml><?xml version="1.0" encoding="utf-8"?>
+<p:sld xmlns:a="http://schemas.openxmlformats.org/drawingml/2006/main" xmlns:r="http://schemas.openxmlformats.org/officeDocument/2006/relationships" xmlns:p="http://schemas.openxmlformats.org/presentationml/2006/main">
+  <p:cSld>
     <p:spTree>
       <p:nvGrpSpPr>
         <p:cNvPr id="1" name=""/>
@@ -20965,89 +21368,6 @@
     <p:extLst>
       <p:ext uri="{BB962C8B-B14F-4D97-AF65-F5344CB8AC3E}">
         <p14:creationId xmlns:p14="http://schemas.microsoft.com/office/powerpoint/2010/main" val="625277202"/>
-      </p:ext>
-    </p:extLst>
-  </p:cSld>
-  <p:clrMapOvr>
-    <a:masterClrMapping/>
-  </p:clrMapOvr>
-</p:sld>
-</file>
-
-<file path=ppt/slides/slide9.xml><?xml version="1.0" encoding="utf-8"?>
-<p:sld xmlns:a="http://schemas.openxmlformats.org/drawingml/2006/main" xmlns:r="http://schemas.openxmlformats.org/officeDocument/2006/relationships" xmlns:p="http://schemas.openxmlformats.org/presentationml/2006/main">
-  <p:cSld>
-    <p:spTree>
-      <p:nvGrpSpPr>
-        <p:cNvPr id="1" name=""/>
-        <p:cNvGrpSpPr/>
-        <p:nvPr/>
-      </p:nvGrpSpPr>
-      <p:grpSpPr>
-        <a:xfrm>
-          <a:off x="0" y="0"/>
-          <a:ext cx="0" cy="0"/>
-          <a:chOff x="0" y="0"/>
-          <a:chExt cx="0" cy="0"/>
-        </a:xfrm>
-      </p:grpSpPr>
-      <p:sp>
-        <p:nvSpPr>
-          <p:cNvPr id="2" name="Title 1">
-            <a:extLst>
-              <a:ext uri="{FF2B5EF4-FFF2-40B4-BE49-F238E27FC236}">
-                <a16:creationId xmlns:a16="http://schemas.microsoft.com/office/drawing/2014/main" id="{F63F2CE9-287D-4D36-B359-CD02F2E6C9B3}"/>
-              </a:ext>
-            </a:extLst>
-          </p:cNvPr>
-          <p:cNvSpPr>
-            <a:spLocks noGrp="1"/>
-          </p:cNvSpPr>
-          <p:nvPr>
-            <p:ph type="title"/>
-          </p:nvPr>
-        </p:nvSpPr>
-        <p:spPr/>
-        <p:txBody>
-          <a:bodyPr/>
-          <a:lstStyle/>
-          <a:p>
-            <a:r>
-              <a:rPr lang="en-US" dirty="0"/>
-              <a:t>conclusion</a:t>
-            </a:r>
-          </a:p>
-        </p:txBody>
-      </p:sp>
-      <p:sp>
-        <p:nvSpPr>
-          <p:cNvPr id="3" name="Content Placeholder 2">
-            <a:extLst>
-              <a:ext uri="{FF2B5EF4-FFF2-40B4-BE49-F238E27FC236}">
-                <a16:creationId xmlns:a16="http://schemas.microsoft.com/office/drawing/2014/main" id="{E19053FB-A14B-4A08-B297-0D18C9170EEF}"/>
-              </a:ext>
-            </a:extLst>
-          </p:cNvPr>
-          <p:cNvSpPr>
-            <a:spLocks noGrp="1"/>
-          </p:cNvSpPr>
-          <p:nvPr>
-            <p:ph idx="1"/>
-          </p:nvPr>
-        </p:nvSpPr>
-        <p:spPr/>
-        <p:txBody>
-          <a:bodyPr/>
-          <a:lstStyle/>
-          <a:p>
-            <a:endParaRPr lang="en-US"/>
-          </a:p>
-        </p:txBody>
-      </p:sp>
-    </p:spTree>
-    <p:extLst>
-      <p:ext uri="{BB962C8B-B14F-4D97-AF65-F5344CB8AC3E}">
-        <p14:creationId xmlns:p14="http://schemas.microsoft.com/office/powerpoint/2010/main" val="3964379491"/>
       </p:ext>
     </p:extLst>
   </p:cSld>

--- a/De La Riva, Bennett, Calhoun, Young; Tax_Boss.pptx
+++ b/De La Riva, Bennett, Calhoun, Young; Tax_Boss.pptx
@@ -13,8 +13,10 @@
     <p:sldId id="260" r:id="rId7"/>
     <p:sldId id="269" r:id="rId8"/>
     <p:sldId id="265" r:id="rId9"/>
-    <p:sldId id="261" r:id="rId10"/>
-    <p:sldId id="262" r:id="rId11"/>
+    <p:sldId id="270" r:id="rId10"/>
+    <p:sldId id="261" r:id="rId11"/>
+    <p:sldId id="271" r:id="rId12"/>
+    <p:sldId id="262" r:id="rId13"/>
   </p:sldIdLst>
   <p:sldSz cx="12192000" cy="6858000"/>
   <p:notesSz cx="6858000" cy="9144000"/>
@@ -15716,6 +15718,1855 @@
           <p:cNvPr id="2" name="Title 1">
             <a:extLst>
               <a:ext uri="{FF2B5EF4-FFF2-40B4-BE49-F238E27FC236}">
+                <a16:creationId xmlns:a16="http://schemas.microsoft.com/office/drawing/2014/main" id="{8E57C0AE-340B-4DEF-A2AB-3C6195B79004}"/>
+              </a:ext>
+            </a:extLst>
+          </p:cNvPr>
+          <p:cNvSpPr>
+            <a:spLocks noGrp="1"/>
+          </p:cNvSpPr>
+          <p:nvPr>
+            <p:ph type="title"/>
+          </p:nvPr>
+        </p:nvSpPr>
+        <p:spPr/>
+        <p:txBody>
+          <a:bodyPr/>
+          <a:lstStyle/>
+          <a:p>
+            <a:r>
+              <a:rPr lang="en-US" dirty="0"/>
+              <a:t>Cost</a:t>
+            </a:r>
+          </a:p>
+        </p:txBody>
+      </p:sp>
+      <p:graphicFrame>
+        <p:nvGraphicFramePr>
+          <p:cNvPr id="4" name="Table 4">
+            <a:extLst>
+              <a:ext uri="{FF2B5EF4-FFF2-40B4-BE49-F238E27FC236}">
+                <a16:creationId xmlns:a16="http://schemas.microsoft.com/office/drawing/2014/main" id="{9C6889DD-01A3-489A-9773-26A6933CCA6B}"/>
+              </a:ext>
+            </a:extLst>
+          </p:cNvPr>
+          <p:cNvGraphicFramePr>
+            <a:graphicFrameLocks noGrp="1"/>
+          </p:cNvGraphicFramePr>
+          <p:nvPr>
+            <p:ph idx="1"/>
+            <p:extLst>
+              <p:ext uri="{D42A27DB-BD31-4B8C-83A1-F6EECF244321}">
+                <p14:modId xmlns:p14="http://schemas.microsoft.com/office/powerpoint/2010/main" val="2576805687"/>
+              </p:ext>
+            </p:extLst>
+          </p:nvPr>
+        </p:nvGraphicFramePr>
+        <p:xfrm>
+          <a:off x="1484313" y="2183920"/>
+          <a:ext cx="10018708" cy="3708400"/>
+        </p:xfrm>
+        <a:graphic>
+          <a:graphicData uri="http://schemas.openxmlformats.org/drawingml/2006/table">
+            <a:tbl>
+              <a:tblPr firstRow="1" bandRow="1">
+                <a:tableStyleId>{9D7B26C5-4107-4FEC-AEDC-1716B250A1EF}</a:tableStyleId>
+              </a:tblPr>
+              <a:tblGrid>
+                <a:gridCol w="2003742">
+                  <a:extLst>
+                    <a:ext uri="{9D8B030D-6E8A-4147-A177-3AD203B41FA5}">
+                      <a16:colId xmlns:a16="http://schemas.microsoft.com/office/drawing/2014/main" val="1769105935"/>
+                    </a:ext>
+                  </a:extLst>
+                </a:gridCol>
+                <a:gridCol w="3870277">
+                  <a:extLst>
+                    <a:ext uri="{9D8B030D-6E8A-4147-A177-3AD203B41FA5}">
+                      <a16:colId xmlns:a16="http://schemas.microsoft.com/office/drawing/2014/main" val="2208315416"/>
+                    </a:ext>
+                  </a:extLst>
+                </a:gridCol>
+                <a:gridCol w="1381563">
+                  <a:extLst>
+                    <a:ext uri="{9D8B030D-6E8A-4147-A177-3AD203B41FA5}">
+                      <a16:colId xmlns:a16="http://schemas.microsoft.com/office/drawing/2014/main" val="992169908"/>
+                    </a:ext>
+                  </a:extLst>
+                </a:gridCol>
+                <a:gridCol w="1381563">
+                  <a:extLst>
+                    <a:ext uri="{9D8B030D-6E8A-4147-A177-3AD203B41FA5}">
+                      <a16:colId xmlns:a16="http://schemas.microsoft.com/office/drawing/2014/main" val="1588478479"/>
+                    </a:ext>
+                  </a:extLst>
+                </a:gridCol>
+                <a:gridCol w="1381563">
+                  <a:extLst>
+                    <a:ext uri="{9D8B030D-6E8A-4147-A177-3AD203B41FA5}">
+                      <a16:colId xmlns:a16="http://schemas.microsoft.com/office/drawing/2014/main" val="3658203024"/>
+                    </a:ext>
+                  </a:extLst>
+                </a:gridCol>
+              </a:tblGrid>
+              <a:tr h="370840">
+                <a:tc>
+                  <a:txBody>
+                    <a:bodyPr/>
+                    <a:lstStyle/>
+                    <a:p>
+                      <a:r>
+                        <a:rPr lang="en-US" dirty="0"/>
+                        <a:t>External Cost</a:t>
+                      </a:r>
+                    </a:p>
+                  </a:txBody>
+                  <a:tcPr>
+                    <a:lnL w="12700" cap="flat" cmpd="sng" algn="ctr">
+                      <a:solidFill>
+                        <a:schemeClr val="tx1"/>
+                      </a:solidFill>
+                      <a:prstDash val="solid"/>
+                      <a:round/>
+                      <a:headEnd type="none" w="med" len="med"/>
+                      <a:tailEnd type="none" w="med" len="med"/>
+                    </a:lnL>
+                  </a:tcPr>
+                </a:tc>
+                <a:tc>
+                  <a:txBody>
+                    <a:bodyPr/>
+                    <a:lstStyle/>
+                    <a:p>
+                      <a:r>
+                        <a:rPr lang="en-US" dirty="0"/>
+                        <a:t>Purpose</a:t>
+                      </a:r>
+                    </a:p>
+                  </a:txBody>
+                  <a:tcPr/>
+                </a:tc>
+                <a:tc>
+                  <a:txBody>
+                    <a:bodyPr/>
+                    <a:lstStyle/>
+                    <a:p>
+                      <a:r>
+                        <a:rPr lang="en-US" dirty="0"/>
+                        <a:t>Price Year 1</a:t>
+                      </a:r>
+                    </a:p>
+                  </a:txBody>
+                  <a:tcPr/>
+                </a:tc>
+                <a:tc>
+                  <a:txBody>
+                    <a:bodyPr/>
+                    <a:lstStyle/>
+                    <a:p>
+                      <a:r>
+                        <a:rPr lang="en-US" dirty="0"/>
+                        <a:t>Price Year 2</a:t>
+                      </a:r>
+                    </a:p>
+                  </a:txBody>
+                  <a:tcPr/>
+                </a:tc>
+                <a:tc>
+                  <a:txBody>
+                    <a:bodyPr/>
+                    <a:lstStyle/>
+                    <a:p>
+                      <a:r>
+                        <a:rPr lang="en-US" dirty="0"/>
+                        <a:t>Price Year 3</a:t>
+                      </a:r>
+                    </a:p>
+                  </a:txBody>
+                  <a:tcPr>
+                    <a:lnR w="12700" cap="flat" cmpd="sng" algn="ctr">
+                      <a:solidFill>
+                        <a:schemeClr val="tx1"/>
+                      </a:solidFill>
+                      <a:prstDash val="solid"/>
+                      <a:round/>
+                      <a:headEnd type="none" w="med" len="med"/>
+                      <a:tailEnd type="none" w="med" len="med"/>
+                    </a:lnR>
+                  </a:tcPr>
+                </a:tc>
+                <a:extLst>
+                  <a:ext uri="{0D108BD9-81ED-4DB2-BD59-A6C34878D82A}">
+                    <a16:rowId xmlns:a16="http://schemas.microsoft.com/office/drawing/2014/main" val="3966015360"/>
+                  </a:ext>
+                </a:extLst>
+              </a:tr>
+              <a:tr h="370840">
+                <a:tc>
+                  <a:txBody>
+                    <a:bodyPr/>
+                    <a:lstStyle/>
+                    <a:p>
+                      <a:r>
+                        <a:rPr lang="en-US" dirty="0"/>
+                        <a:t>Google Workspace</a:t>
+                      </a:r>
+                    </a:p>
+                  </a:txBody>
+                  <a:tcPr>
+                    <a:lnL w="12700" cap="flat" cmpd="sng" algn="ctr">
+                      <a:solidFill>
+                        <a:schemeClr val="tx1"/>
+                      </a:solidFill>
+                      <a:prstDash val="solid"/>
+                      <a:round/>
+                      <a:headEnd type="none" w="med" len="med"/>
+                      <a:tailEnd type="none" w="med" len="med"/>
+                    </a:lnL>
+                  </a:tcPr>
+                </a:tc>
+                <a:tc>
+                  <a:txBody>
+                    <a:bodyPr/>
+                    <a:lstStyle/>
+                    <a:p>
+                      <a:r>
+                        <a:rPr lang="en-US" dirty="0"/>
+                        <a:t>Document Transfer</a:t>
+                      </a:r>
+                    </a:p>
+                  </a:txBody>
+                  <a:tcPr/>
+                </a:tc>
+                <a:tc>
+                  <a:txBody>
+                    <a:bodyPr/>
+                    <a:lstStyle/>
+                    <a:p>
+                      <a:pPr algn="r" rtl="0" fontAlgn="b"/>
+                      <a:r>
+                        <a:rPr lang="en-US">
+                          <a:effectLst/>
+                        </a:rPr>
+                        <a:t>$144</a:t>
+                      </a:r>
+                    </a:p>
+                  </a:txBody>
+                  <a:tcPr marL="28575" marR="28575" marT="19050" marB="19050" anchor="b"/>
+                </a:tc>
+                <a:tc>
+                  <a:txBody>
+                    <a:bodyPr/>
+                    <a:lstStyle/>
+                    <a:p>
+                      <a:pPr algn="r" rtl="0" fontAlgn="b"/>
+                      <a:r>
+                        <a:rPr lang="en-US">
+                          <a:effectLst/>
+                        </a:rPr>
+                        <a:t>$144</a:t>
+                      </a:r>
+                    </a:p>
+                  </a:txBody>
+                  <a:tcPr marL="28575" marR="28575" marT="19050" marB="19050" anchor="b"/>
+                </a:tc>
+                <a:tc>
+                  <a:txBody>
+                    <a:bodyPr/>
+                    <a:lstStyle/>
+                    <a:p>
+                      <a:pPr algn="r" rtl="0" fontAlgn="b"/>
+                      <a:r>
+                        <a:rPr lang="en-US" dirty="0">
+                          <a:effectLst/>
+                        </a:rPr>
+                        <a:t>$144</a:t>
+                      </a:r>
+                    </a:p>
+                  </a:txBody>
+                  <a:tcPr marL="28575" marR="28575" marT="19050" marB="19050" anchor="b">
+                    <a:lnR w="12700" cap="flat" cmpd="sng" algn="ctr">
+                      <a:solidFill>
+                        <a:schemeClr val="tx1"/>
+                      </a:solidFill>
+                      <a:prstDash val="solid"/>
+                      <a:round/>
+                      <a:headEnd type="none" w="med" len="med"/>
+                      <a:tailEnd type="none" w="med" len="med"/>
+                    </a:lnR>
+                  </a:tcPr>
+                </a:tc>
+                <a:extLst>
+                  <a:ext uri="{0D108BD9-81ED-4DB2-BD59-A6C34878D82A}">
+                    <a16:rowId xmlns:a16="http://schemas.microsoft.com/office/drawing/2014/main" val="2072116671"/>
+                  </a:ext>
+                </a:extLst>
+              </a:tr>
+              <a:tr h="370840">
+                <a:tc>
+                  <a:txBody>
+                    <a:bodyPr/>
+                    <a:lstStyle/>
+                    <a:p>
+                      <a:pPr rtl="0" fontAlgn="b"/>
+                      <a:r>
+                        <a:rPr lang="en-US" dirty="0" err="1">
+                          <a:effectLst/>
+                        </a:rPr>
+                        <a:t>BigTime</a:t>
+                      </a:r>
+                      <a:r>
+                        <a:rPr lang="en-US" dirty="0">
+                          <a:effectLst/>
+                        </a:rPr>
+                        <a:t> (Pro)</a:t>
+                      </a:r>
+                    </a:p>
+                  </a:txBody>
+                  <a:tcPr marL="28575" marR="28575" marT="19050" marB="19050" anchor="b">
+                    <a:lnL w="12700" cap="flat" cmpd="sng" algn="ctr">
+                      <a:solidFill>
+                        <a:schemeClr val="tx1"/>
+                      </a:solidFill>
+                      <a:prstDash val="solid"/>
+                      <a:round/>
+                      <a:headEnd type="none" w="med" len="med"/>
+                      <a:tailEnd type="none" w="med" len="med"/>
+                    </a:lnL>
+                  </a:tcPr>
+                </a:tc>
+                <a:tc>
+                  <a:txBody>
+                    <a:bodyPr/>
+                    <a:lstStyle/>
+                    <a:p>
+                      <a:pPr rtl="0" fontAlgn="b"/>
+                      <a:r>
+                        <a:rPr lang="en-US">
+                          <a:effectLst/>
+                        </a:rPr>
+                        <a:t>Time Keeping, Billing, Notifications</a:t>
+                      </a:r>
+                    </a:p>
+                  </a:txBody>
+                  <a:tcPr marL="28575" marR="28575" marT="19050" marB="19050" anchor="b"/>
+                </a:tc>
+                <a:tc>
+                  <a:txBody>
+                    <a:bodyPr/>
+                    <a:lstStyle/>
+                    <a:p>
+                      <a:pPr algn="r" rtl="0" fontAlgn="b"/>
+                      <a:r>
+                        <a:rPr lang="en-US">
+                          <a:effectLst/>
+                        </a:rPr>
+                        <a:t>$1,800</a:t>
+                      </a:r>
+                    </a:p>
+                  </a:txBody>
+                  <a:tcPr marL="28575" marR="28575" marT="19050" marB="19050" anchor="b"/>
+                </a:tc>
+                <a:tc>
+                  <a:txBody>
+                    <a:bodyPr/>
+                    <a:lstStyle/>
+                    <a:p>
+                      <a:pPr algn="r" rtl="0" fontAlgn="b"/>
+                      <a:r>
+                        <a:rPr lang="en-US" dirty="0">
+                          <a:effectLst/>
+                        </a:rPr>
+                        <a:t>$1,800</a:t>
+                      </a:r>
+                    </a:p>
+                  </a:txBody>
+                  <a:tcPr marL="28575" marR="28575" marT="19050" marB="19050" anchor="b"/>
+                </a:tc>
+                <a:tc>
+                  <a:txBody>
+                    <a:bodyPr/>
+                    <a:lstStyle/>
+                    <a:p>
+                      <a:pPr algn="r" rtl="0" fontAlgn="b"/>
+                      <a:r>
+                        <a:rPr lang="en-US" dirty="0">
+                          <a:effectLst/>
+                        </a:rPr>
+                        <a:t>$1,800</a:t>
+                      </a:r>
+                    </a:p>
+                  </a:txBody>
+                  <a:tcPr marL="28575" marR="28575" marT="19050" marB="19050" anchor="b">
+                    <a:lnR w="12700" cap="flat" cmpd="sng" algn="ctr">
+                      <a:solidFill>
+                        <a:schemeClr val="tx1"/>
+                      </a:solidFill>
+                      <a:prstDash val="solid"/>
+                      <a:round/>
+                      <a:headEnd type="none" w="med" len="med"/>
+                      <a:tailEnd type="none" w="med" len="med"/>
+                    </a:lnR>
+                  </a:tcPr>
+                </a:tc>
+                <a:extLst>
+                  <a:ext uri="{0D108BD9-81ED-4DB2-BD59-A6C34878D82A}">
+                    <a16:rowId xmlns:a16="http://schemas.microsoft.com/office/drawing/2014/main" val="2320253476"/>
+                  </a:ext>
+                </a:extLst>
+              </a:tr>
+              <a:tr h="370840">
+                <a:tc>
+                  <a:txBody>
+                    <a:bodyPr/>
+                    <a:lstStyle/>
+                    <a:p>
+                      <a:pPr rtl="0" fontAlgn="b"/>
+                      <a:r>
+                        <a:rPr lang="en-US" dirty="0" err="1">
+                          <a:effectLst/>
+                        </a:rPr>
+                        <a:t>Shookum</a:t>
+                      </a:r>
+                      <a:endParaRPr lang="en-US" dirty="0">
+                        <a:effectLst/>
+                      </a:endParaRPr>
+                    </a:p>
+                  </a:txBody>
+                  <a:tcPr marL="28575" marR="28575" marT="19050" marB="19050" anchor="b">
+                    <a:lnL w="12700" cap="flat" cmpd="sng" algn="ctr">
+                      <a:solidFill>
+                        <a:schemeClr val="tx1"/>
+                      </a:solidFill>
+                      <a:prstDash val="solid"/>
+                      <a:round/>
+                      <a:headEnd type="none" w="med" len="med"/>
+                      <a:tailEnd type="none" w="med" len="med"/>
+                    </a:lnL>
+                  </a:tcPr>
+                </a:tc>
+                <a:tc>
+                  <a:txBody>
+                    <a:bodyPr/>
+                    <a:lstStyle/>
+                    <a:p>
+                      <a:pPr rtl="0" fontAlgn="b"/>
+                      <a:r>
+                        <a:rPr lang="en-US">
+                          <a:effectLst/>
+                        </a:rPr>
+                        <a:t>Advertisement Creation</a:t>
+                      </a:r>
+                    </a:p>
+                  </a:txBody>
+                  <a:tcPr marL="28575" marR="28575" marT="19050" marB="19050" anchor="b"/>
+                </a:tc>
+                <a:tc>
+                  <a:txBody>
+                    <a:bodyPr/>
+                    <a:lstStyle/>
+                    <a:p>
+                      <a:pPr algn="r" rtl="0" fontAlgn="b"/>
+                      <a:r>
+                        <a:rPr lang="en-US">
+                          <a:effectLst/>
+                        </a:rPr>
+                        <a:t>$3,000</a:t>
+                      </a:r>
+                    </a:p>
+                  </a:txBody>
+                  <a:tcPr marL="28575" marR="28575" marT="19050" marB="19050" anchor="b"/>
+                </a:tc>
+                <a:tc>
+                  <a:txBody>
+                    <a:bodyPr/>
+                    <a:lstStyle/>
+                    <a:p>
+                      <a:pPr algn="r" rtl="0" fontAlgn="b"/>
+                      <a:r>
+                        <a:rPr lang="en-US" dirty="0">
+                          <a:effectLst/>
+                        </a:rPr>
+                        <a:t>$2,000</a:t>
+                      </a:r>
+                    </a:p>
+                  </a:txBody>
+                  <a:tcPr marL="28575" marR="28575" marT="19050" marB="19050" anchor="b"/>
+                </a:tc>
+                <a:tc>
+                  <a:txBody>
+                    <a:bodyPr/>
+                    <a:lstStyle/>
+                    <a:p>
+                      <a:pPr algn="r" rtl="0" fontAlgn="b"/>
+                      <a:r>
+                        <a:rPr lang="en-US" dirty="0">
+                          <a:effectLst/>
+                        </a:rPr>
+                        <a:t>$2,000</a:t>
+                      </a:r>
+                    </a:p>
+                  </a:txBody>
+                  <a:tcPr marL="28575" marR="28575" marT="19050" marB="19050" anchor="b">
+                    <a:lnR w="12700" cap="flat" cmpd="sng" algn="ctr">
+                      <a:solidFill>
+                        <a:schemeClr val="tx1"/>
+                      </a:solidFill>
+                      <a:prstDash val="solid"/>
+                      <a:round/>
+                      <a:headEnd type="none" w="med" len="med"/>
+                      <a:tailEnd type="none" w="med" len="med"/>
+                    </a:lnR>
+                  </a:tcPr>
+                </a:tc>
+                <a:extLst>
+                  <a:ext uri="{0D108BD9-81ED-4DB2-BD59-A6C34878D82A}">
+                    <a16:rowId xmlns:a16="http://schemas.microsoft.com/office/drawing/2014/main" val="2618246687"/>
+                  </a:ext>
+                </a:extLst>
+              </a:tr>
+              <a:tr h="370840">
+                <a:tc>
+                  <a:txBody>
+                    <a:bodyPr/>
+                    <a:lstStyle/>
+                    <a:p>
+                      <a:pPr rtl="0" fontAlgn="b"/>
+                      <a:r>
+                        <a:rPr lang="en-US" dirty="0">
+                          <a:effectLst/>
+                        </a:rPr>
+                        <a:t>Meta Advertising</a:t>
+                      </a:r>
+                    </a:p>
+                  </a:txBody>
+                  <a:tcPr marL="28575" marR="28575" marT="19050" marB="19050" anchor="b">
+                    <a:lnL w="12700" cap="flat" cmpd="sng" algn="ctr">
+                      <a:solidFill>
+                        <a:schemeClr val="tx1"/>
+                      </a:solidFill>
+                      <a:prstDash val="solid"/>
+                      <a:round/>
+                      <a:headEnd type="none" w="med" len="med"/>
+                      <a:tailEnd type="none" w="med" len="med"/>
+                    </a:lnL>
+                    <a:lnB w="12700" cap="flat" cmpd="sng" algn="ctr">
+                      <a:solidFill>
+                        <a:schemeClr val="tx1"/>
+                      </a:solidFill>
+                      <a:prstDash val="solid"/>
+                      <a:round/>
+                      <a:headEnd type="none" w="med" len="med"/>
+                      <a:tailEnd type="none" w="med" len="med"/>
+                    </a:lnB>
+                  </a:tcPr>
+                </a:tc>
+                <a:tc>
+                  <a:txBody>
+                    <a:bodyPr/>
+                    <a:lstStyle/>
+                    <a:p>
+                      <a:pPr rtl="0" fontAlgn="b"/>
+                      <a:r>
+                        <a:rPr lang="en-US" dirty="0">
+                          <a:effectLst/>
+                        </a:rPr>
+                        <a:t>Advertisement Display</a:t>
+                      </a:r>
+                    </a:p>
+                  </a:txBody>
+                  <a:tcPr marL="28575" marR="28575" marT="19050" marB="19050" anchor="b">
+                    <a:lnB w="12700" cap="flat" cmpd="sng" algn="ctr">
+                      <a:solidFill>
+                        <a:schemeClr val="tx1"/>
+                      </a:solidFill>
+                      <a:prstDash val="solid"/>
+                      <a:round/>
+                      <a:headEnd type="none" w="med" len="med"/>
+                      <a:tailEnd type="none" w="med" len="med"/>
+                    </a:lnB>
+                  </a:tcPr>
+                </a:tc>
+                <a:tc>
+                  <a:txBody>
+                    <a:bodyPr/>
+                    <a:lstStyle/>
+                    <a:p>
+                      <a:pPr algn="r" rtl="0" fontAlgn="b"/>
+                      <a:r>
+                        <a:rPr lang="en-US" dirty="0">
+                          <a:effectLst/>
+                        </a:rPr>
+                        <a:t>$2,000</a:t>
+                      </a:r>
+                    </a:p>
+                  </a:txBody>
+                  <a:tcPr marL="28575" marR="28575" marT="19050" marB="19050" anchor="b">
+                    <a:lnB w="12700" cap="flat" cmpd="sng" algn="ctr">
+                      <a:solidFill>
+                        <a:schemeClr val="tx1"/>
+                      </a:solidFill>
+                      <a:prstDash val="solid"/>
+                      <a:round/>
+                      <a:headEnd type="none" w="med" len="med"/>
+                      <a:tailEnd type="none" w="med" len="med"/>
+                    </a:lnB>
+                  </a:tcPr>
+                </a:tc>
+                <a:tc>
+                  <a:txBody>
+                    <a:bodyPr/>
+                    <a:lstStyle/>
+                    <a:p>
+                      <a:pPr algn="r" rtl="0" fontAlgn="b"/>
+                      <a:r>
+                        <a:rPr lang="en-US" dirty="0">
+                          <a:effectLst/>
+                        </a:rPr>
+                        <a:t>$2,000</a:t>
+                      </a:r>
+                    </a:p>
+                  </a:txBody>
+                  <a:tcPr marL="28575" marR="28575" marT="19050" marB="19050" anchor="b">
+                    <a:lnB w="12700" cap="flat" cmpd="sng" algn="ctr">
+                      <a:solidFill>
+                        <a:schemeClr val="tx1"/>
+                      </a:solidFill>
+                      <a:prstDash val="solid"/>
+                      <a:round/>
+                      <a:headEnd type="none" w="med" len="med"/>
+                      <a:tailEnd type="none" w="med" len="med"/>
+                    </a:lnB>
+                  </a:tcPr>
+                </a:tc>
+                <a:tc>
+                  <a:txBody>
+                    <a:bodyPr/>
+                    <a:lstStyle/>
+                    <a:p>
+                      <a:pPr algn="r" rtl="0" fontAlgn="b"/>
+                      <a:r>
+                        <a:rPr lang="en-US" dirty="0">
+                          <a:effectLst/>
+                        </a:rPr>
+                        <a:t>$2,000</a:t>
+                      </a:r>
+                    </a:p>
+                  </a:txBody>
+                  <a:tcPr marL="28575" marR="28575" marT="19050" marB="19050" anchor="b">
+                    <a:lnR w="12700" cap="flat" cmpd="sng" algn="ctr">
+                      <a:solidFill>
+                        <a:schemeClr val="tx1"/>
+                      </a:solidFill>
+                      <a:prstDash val="solid"/>
+                      <a:round/>
+                      <a:headEnd type="none" w="med" len="med"/>
+                      <a:tailEnd type="none" w="med" len="med"/>
+                    </a:lnR>
+                    <a:lnB w="12700" cap="flat" cmpd="sng" algn="ctr">
+                      <a:solidFill>
+                        <a:schemeClr val="tx1"/>
+                      </a:solidFill>
+                      <a:prstDash val="solid"/>
+                      <a:round/>
+                      <a:headEnd type="none" w="med" len="med"/>
+                      <a:tailEnd type="none" w="med" len="med"/>
+                    </a:lnB>
+                  </a:tcPr>
+                </a:tc>
+                <a:extLst>
+                  <a:ext uri="{0D108BD9-81ED-4DB2-BD59-A6C34878D82A}">
+                    <a16:rowId xmlns:a16="http://schemas.microsoft.com/office/drawing/2014/main" val="744082753"/>
+                  </a:ext>
+                </a:extLst>
+              </a:tr>
+              <a:tr h="370840">
+                <a:tc>
+                  <a:txBody>
+                    <a:bodyPr/>
+                    <a:lstStyle/>
+                    <a:p>
+                      <a:pPr rtl="0" fontAlgn="b"/>
+                      <a:endParaRPr lang="en-US" dirty="0">
+                        <a:effectLst/>
+                      </a:endParaRPr>
+                    </a:p>
+                  </a:txBody>
+                  <a:tcPr marL="28575" marR="28575" marT="19050" marB="19050" anchor="b">
+                    <a:lnL w="12700" cap="flat" cmpd="sng" algn="ctr">
+                      <a:noFill/>
+                      <a:prstDash val="solid"/>
+                      <a:round/>
+                      <a:headEnd type="none" w="med" len="med"/>
+                      <a:tailEnd type="none" w="med" len="med"/>
+                    </a:lnL>
+                    <a:lnR>
+                      <a:noFill/>
+                    </a:lnR>
+                    <a:lnT w="12700" cap="flat" cmpd="sng" algn="ctr">
+                      <a:solidFill>
+                        <a:schemeClr val="tx1"/>
+                      </a:solidFill>
+                      <a:prstDash val="solid"/>
+                      <a:round/>
+                      <a:headEnd type="none" w="med" len="med"/>
+                      <a:tailEnd type="none" w="med" len="med"/>
+                    </a:lnT>
+                    <a:lnB w="12700" cap="flat" cmpd="sng" algn="ctr">
+                      <a:solidFill>
+                        <a:schemeClr val="tx1"/>
+                      </a:solidFill>
+                      <a:prstDash val="solid"/>
+                      <a:round/>
+                      <a:headEnd type="none" w="med" len="med"/>
+                      <a:tailEnd type="none" w="med" len="med"/>
+                    </a:lnB>
+                    <a:lnTlToBr w="12700" cmpd="sng">
+                      <a:noFill/>
+                      <a:prstDash val="solid"/>
+                    </a:lnTlToBr>
+                    <a:lnBlToTr w="12700" cmpd="sng">
+                      <a:noFill/>
+                      <a:prstDash val="solid"/>
+                    </a:lnBlToTr>
+                    <a:noFill/>
+                  </a:tcPr>
+                </a:tc>
+                <a:tc>
+                  <a:txBody>
+                    <a:bodyPr/>
+                    <a:lstStyle/>
+                    <a:p>
+                      <a:pPr rtl="0" fontAlgn="b"/>
+                      <a:endParaRPr lang="en-US" dirty="0">
+                        <a:effectLst/>
+                      </a:endParaRPr>
+                    </a:p>
+                  </a:txBody>
+                  <a:tcPr marL="28575" marR="28575" marT="19050" marB="19050" anchor="b">
+                    <a:lnL>
+                      <a:noFill/>
+                    </a:lnL>
+                    <a:lnR>
+                      <a:noFill/>
+                    </a:lnR>
+                    <a:lnT w="12700" cap="flat" cmpd="sng" algn="ctr">
+                      <a:solidFill>
+                        <a:schemeClr val="tx1"/>
+                      </a:solidFill>
+                      <a:prstDash val="solid"/>
+                      <a:round/>
+                      <a:headEnd type="none" w="med" len="med"/>
+                      <a:tailEnd type="none" w="med" len="med"/>
+                    </a:lnT>
+                    <a:lnB w="12700" cap="flat" cmpd="sng" algn="ctr">
+                      <a:solidFill>
+                        <a:schemeClr val="tx1"/>
+                      </a:solidFill>
+                      <a:prstDash val="solid"/>
+                      <a:round/>
+                      <a:headEnd type="none" w="med" len="med"/>
+                      <a:tailEnd type="none" w="med" len="med"/>
+                    </a:lnB>
+                    <a:lnTlToBr w="12700" cmpd="sng">
+                      <a:noFill/>
+                      <a:prstDash val="solid"/>
+                    </a:lnTlToBr>
+                    <a:lnBlToTr w="12700" cmpd="sng">
+                      <a:noFill/>
+                      <a:prstDash val="solid"/>
+                    </a:lnBlToTr>
+                    <a:noFill/>
+                  </a:tcPr>
+                </a:tc>
+                <a:tc>
+                  <a:txBody>
+                    <a:bodyPr/>
+                    <a:lstStyle/>
+                    <a:p>
+                      <a:pPr algn="r" rtl="0" fontAlgn="b"/>
+                      <a:endParaRPr lang="en-US" dirty="0">
+                        <a:effectLst/>
+                      </a:endParaRPr>
+                    </a:p>
+                  </a:txBody>
+                  <a:tcPr marL="28575" marR="28575" marT="19050" marB="19050" anchor="b">
+                    <a:lnL>
+                      <a:noFill/>
+                    </a:lnL>
+                    <a:lnR>
+                      <a:noFill/>
+                    </a:lnR>
+                    <a:lnT w="12700" cap="flat" cmpd="sng" algn="ctr">
+                      <a:solidFill>
+                        <a:schemeClr val="tx1"/>
+                      </a:solidFill>
+                      <a:prstDash val="solid"/>
+                      <a:round/>
+                      <a:headEnd type="none" w="med" len="med"/>
+                      <a:tailEnd type="none" w="med" len="med"/>
+                    </a:lnT>
+                    <a:lnB w="12700" cap="flat" cmpd="sng" algn="ctr">
+                      <a:solidFill>
+                        <a:schemeClr val="tx1"/>
+                      </a:solidFill>
+                      <a:prstDash val="solid"/>
+                      <a:round/>
+                      <a:headEnd type="none" w="med" len="med"/>
+                      <a:tailEnd type="none" w="med" len="med"/>
+                    </a:lnB>
+                    <a:lnTlToBr w="12700" cmpd="sng">
+                      <a:noFill/>
+                      <a:prstDash val="solid"/>
+                    </a:lnTlToBr>
+                    <a:lnBlToTr w="12700" cmpd="sng">
+                      <a:noFill/>
+                      <a:prstDash val="solid"/>
+                    </a:lnBlToTr>
+                    <a:noFill/>
+                  </a:tcPr>
+                </a:tc>
+                <a:tc>
+                  <a:txBody>
+                    <a:bodyPr/>
+                    <a:lstStyle/>
+                    <a:p>
+                      <a:pPr algn="r" rtl="0" fontAlgn="b"/>
+                      <a:endParaRPr lang="en-US" dirty="0">
+                        <a:effectLst/>
+                      </a:endParaRPr>
+                    </a:p>
+                  </a:txBody>
+                  <a:tcPr marL="28575" marR="28575" marT="19050" marB="19050" anchor="b">
+                    <a:lnL>
+                      <a:noFill/>
+                    </a:lnL>
+                    <a:lnR>
+                      <a:noFill/>
+                    </a:lnR>
+                    <a:lnT w="12700" cap="flat" cmpd="sng" algn="ctr">
+                      <a:solidFill>
+                        <a:schemeClr val="tx1"/>
+                      </a:solidFill>
+                      <a:prstDash val="solid"/>
+                      <a:round/>
+                      <a:headEnd type="none" w="med" len="med"/>
+                      <a:tailEnd type="none" w="med" len="med"/>
+                    </a:lnT>
+                    <a:lnB w="12700" cap="flat" cmpd="sng" algn="ctr">
+                      <a:solidFill>
+                        <a:schemeClr val="tx1"/>
+                      </a:solidFill>
+                      <a:prstDash val="solid"/>
+                      <a:round/>
+                      <a:headEnd type="none" w="med" len="med"/>
+                      <a:tailEnd type="none" w="med" len="med"/>
+                    </a:lnB>
+                    <a:lnTlToBr w="12700" cmpd="sng">
+                      <a:noFill/>
+                      <a:prstDash val="solid"/>
+                    </a:lnTlToBr>
+                    <a:lnBlToTr w="12700" cmpd="sng">
+                      <a:noFill/>
+                      <a:prstDash val="solid"/>
+                    </a:lnBlToTr>
+                    <a:noFill/>
+                  </a:tcPr>
+                </a:tc>
+                <a:tc>
+                  <a:txBody>
+                    <a:bodyPr/>
+                    <a:lstStyle/>
+                    <a:p>
+                      <a:pPr algn="r" rtl="0" fontAlgn="b"/>
+                      <a:endParaRPr lang="en-US" dirty="0">
+                        <a:effectLst/>
+                      </a:endParaRPr>
+                    </a:p>
+                  </a:txBody>
+                  <a:tcPr marL="28575" marR="28575" marT="19050" marB="19050" anchor="b">
+                    <a:lnL>
+                      <a:noFill/>
+                    </a:lnL>
+                    <a:lnR w="12700" cap="flat" cmpd="sng" algn="ctr">
+                      <a:noFill/>
+                      <a:prstDash val="solid"/>
+                      <a:round/>
+                      <a:headEnd type="none" w="med" len="med"/>
+                      <a:tailEnd type="none" w="med" len="med"/>
+                    </a:lnR>
+                    <a:lnT w="12700" cap="flat" cmpd="sng" algn="ctr">
+                      <a:solidFill>
+                        <a:schemeClr val="tx1"/>
+                      </a:solidFill>
+                      <a:prstDash val="solid"/>
+                      <a:round/>
+                      <a:headEnd type="none" w="med" len="med"/>
+                      <a:tailEnd type="none" w="med" len="med"/>
+                    </a:lnT>
+                    <a:lnB w="12700" cap="flat" cmpd="sng" algn="ctr">
+                      <a:solidFill>
+                        <a:schemeClr val="tx1"/>
+                      </a:solidFill>
+                      <a:prstDash val="solid"/>
+                      <a:round/>
+                      <a:headEnd type="none" w="med" len="med"/>
+                      <a:tailEnd type="none" w="med" len="med"/>
+                    </a:lnB>
+                    <a:lnTlToBr w="12700" cmpd="sng">
+                      <a:noFill/>
+                      <a:prstDash val="solid"/>
+                    </a:lnTlToBr>
+                    <a:lnBlToTr w="12700" cmpd="sng">
+                      <a:noFill/>
+                      <a:prstDash val="solid"/>
+                    </a:lnBlToTr>
+                    <a:noFill/>
+                  </a:tcPr>
+                </a:tc>
+                <a:extLst>
+                  <a:ext uri="{0D108BD9-81ED-4DB2-BD59-A6C34878D82A}">
+                    <a16:rowId xmlns:a16="http://schemas.microsoft.com/office/drawing/2014/main" val="2721063106"/>
+                  </a:ext>
+                </a:extLst>
+              </a:tr>
+              <a:tr h="370840">
+                <a:tc>
+                  <a:txBody>
+                    <a:bodyPr/>
+                    <a:lstStyle/>
+                    <a:p>
+                      <a:pPr rtl="0" fontAlgn="b"/>
+                      <a:r>
+                        <a:rPr lang="en-US" b="1" dirty="0">
+                          <a:effectLst/>
+                        </a:rPr>
+                        <a:t>Internal Cost</a:t>
+                      </a:r>
+                    </a:p>
+                  </a:txBody>
+                  <a:tcPr marL="28575" marR="28575" marT="19050" marB="19050" anchor="b">
+                    <a:lnL w="12700" cap="flat" cmpd="sng" algn="ctr">
+                      <a:solidFill>
+                        <a:schemeClr val="tx1"/>
+                      </a:solidFill>
+                      <a:prstDash val="solid"/>
+                      <a:round/>
+                      <a:headEnd type="none" w="med" len="med"/>
+                      <a:tailEnd type="none" w="med" len="med"/>
+                    </a:lnL>
+                    <a:lnT w="12700" cap="flat" cmpd="sng" algn="ctr">
+                      <a:solidFill>
+                        <a:schemeClr val="tx1"/>
+                      </a:solidFill>
+                      <a:prstDash val="solid"/>
+                      <a:round/>
+                      <a:headEnd type="none" w="med" len="med"/>
+                      <a:tailEnd type="none" w="med" len="med"/>
+                    </a:lnT>
+                    <a:lnB w="12700" cap="flat" cmpd="sng" algn="ctr">
+                      <a:solidFill>
+                        <a:schemeClr val="tx1"/>
+                      </a:solidFill>
+                      <a:prstDash val="solid"/>
+                      <a:round/>
+                      <a:headEnd type="none" w="med" len="med"/>
+                      <a:tailEnd type="none" w="med" len="med"/>
+                    </a:lnB>
+                    <a:solidFill>
+                      <a:schemeClr val="bg1">
+                        <a:alpha val="20000"/>
+                      </a:schemeClr>
+                    </a:solidFill>
+                  </a:tcPr>
+                </a:tc>
+                <a:tc>
+                  <a:txBody>
+                    <a:bodyPr/>
+                    <a:lstStyle/>
+                    <a:p>
+                      <a:pPr rtl="0" fontAlgn="b"/>
+                      <a:endParaRPr lang="en-US" dirty="0">
+                        <a:effectLst/>
+                      </a:endParaRPr>
+                    </a:p>
+                  </a:txBody>
+                  <a:tcPr marL="28575" marR="28575" marT="19050" marB="19050" anchor="b">
+                    <a:lnT w="12700" cap="flat" cmpd="sng" algn="ctr">
+                      <a:solidFill>
+                        <a:schemeClr val="tx1"/>
+                      </a:solidFill>
+                      <a:prstDash val="solid"/>
+                      <a:round/>
+                      <a:headEnd type="none" w="med" len="med"/>
+                      <a:tailEnd type="none" w="med" len="med"/>
+                    </a:lnT>
+                    <a:lnB w="12700" cap="flat" cmpd="sng" algn="ctr">
+                      <a:solidFill>
+                        <a:schemeClr val="tx1"/>
+                      </a:solidFill>
+                      <a:prstDash val="solid"/>
+                      <a:round/>
+                      <a:headEnd type="none" w="med" len="med"/>
+                      <a:tailEnd type="none" w="med" len="med"/>
+                    </a:lnB>
+                    <a:solidFill>
+                      <a:schemeClr val="bg1">
+                        <a:alpha val="20000"/>
+                      </a:schemeClr>
+                    </a:solidFill>
+                  </a:tcPr>
+                </a:tc>
+                <a:tc>
+                  <a:txBody>
+                    <a:bodyPr/>
+                    <a:lstStyle/>
+                    <a:p>
+                      <a:pPr rtl="0" fontAlgn="b"/>
+                      <a:endParaRPr lang="en-US" dirty="0">
+                        <a:effectLst/>
+                      </a:endParaRPr>
+                    </a:p>
+                  </a:txBody>
+                  <a:tcPr marL="28575" marR="28575" marT="19050" marB="19050" anchor="b">
+                    <a:lnT w="12700" cap="flat" cmpd="sng" algn="ctr">
+                      <a:solidFill>
+                        <a:schemeClr val="tx1"/>
+                      </a:solidFill>
+                      <a:prstDash val="solid"/>
+                      <a:round/>
+                      <a:headEnd type="none" w="med" len="med"/>
+                      <a:tailEnd type="none" w="med" len="med"/>
+                    </a:lnT>
+                    <a:lnB w="12700" cap="flat" cmpd="sng" algn="ctr">
+                      <a:solidFill>
+                        <a:schemeClr val="tx1"/>
+                      </a:solidFill>
+                      <a:prstDash val="solid"/>
+                      <a:round/>
+                      <a:headEnd type="none" w="med" len="med"/>
+                      <a:tailEnd type="none" w="med" len="med"/>
+                    </a:lnB>
+                    <a:solidFill>
+                      <a:schemeClr val="bg1">
+                        <a:alpha val="20000"/>
+                      </a:schemeClr>
+                    </a:solidFill>
+                  </a:tcPr>
+                </a:tc>
+                <a:tc>
+                  <a:txBody>
+                    <a:bodyPr/>
+                    <a:lstStyle/>
+                    <a:p>
+                      <a:pPr rtl="0" fontAlgn="b"/>
+                      <a:endParaRPr lang="en-US" dirty="0">
+                        <a:effectLst/>
+                      </a:endParaRPr>
+                    </a:p>
+                  </a:txBody>
+                  <a:tcPr marL="28575" marR="28575" marT="19050" marB="19050" anchor="b">
+                    <a:lnT w="12700" cap="flat" cmpd="sng" algn="ctr">
+                      <a:solidFill>
+                        <a:schemeClr val="tx1"/>
+                      </a:solidFill>
+                      <a:prstDash val="solid"/>
+                      <a:round/>
+                      <a:headEnd type="none" w="med" len="med"/>
+                      <a:tailEnd type="none" w="med" len="med"/>
+                    </a:lnT>
+                    <a:lnB w="12700" cap="flat" cmpd="sng" algn="ctr">
+                      <a:solidFill>
+                        <a:schemeClr val="tx1"/>
+                      </a:solidFill>
+                      <a:prstDash val="solid"/>
+                      <a:round/>
+                      <a:headEnd type="none" w="med" len="med"/>
+                      <a:tailEnd type="none" w="med" len="med"/>
+                    </a:lnB>
+                    <a:solidFill>
+                      <a:schemeClr val="bg1">
+                        <a:alpha val="20000"/>
+                      </a:schemeClr>
+                    </a:solidFill>
+                  </a:tcPr>
+                </a:tc>
+                <a:tc>
+                  <a:txBody>
+                    <a:bodyPr/>
+                    <a:lstStyle/>
+                    <a:p>
+                      <a:pPr rtl="0" fontAlgn="b"/>
+                      <a:endParaRPr lang="en-US" dirty="0">
+                        <a:effectLst/>
+                      </a:endParaRPr>
+                    </a:p>
+                  </a:txBody>
+                  <a:tcPr marL="28575" marR="28575" marT="19050" marB="19050" anchor="b">
+                    <a:lnR w="12700" cap="flat" cmpd="sng" algn="ctr">
+                      <a:solidFill>
+                        <a:schemeClr val="tx1"/>
+                      </a:solidFill>
+                      <a:prstDash val="solid"/>
+                      <a:round/>
+                      <a:headEnd type="none" w="med" len="med"/>
+                      <a:tailEnd type="none" w="med" len="med"/>
+                    </a:lnR>
+                    <a:lnT w="12700" cap="flat" cmpd="sng" algn="ctr">
+                      <a:solidFill>
+                        <a:schemeClr val="tx1"/>
+                      </a:solidFill>
+                      <a:prstDash val="solid"/>
+                      <a:round/>
+                      <a:headEnd type="none" w="med" len="med"/>
+                      <a:tailEnd type="none" w="med" len="med"/>
+                    </a:lnT>
+                    <a:lnB w="12700" cap="flat" cmpd="sng" algn="ctr">
+                      <a:solidFill>
+                        <a:schemeClr val="tx1"/>
+                      </a:solidFill>
+                      <a:prstDash val="solid"/>
+                      <a:round/>
+                      <a:headEnd type="none" w="med" len="med"/>
+                      <a:tailEnd type="none" w="med" len="med"/>
+                    </a:lnB>
+                    <a:solidFill>
+                      <a:schemeClr val="bg1">
+                        <a:alpha val="20000"/>
+                      </a:schemeClr>
+                    </a:solidFill>
+                  </a:tcPr>
+                </a:tc>
+                <a:extLst>
+                  <a:ext uri="{0D108BD9-81ED-4DB2-BD59-A6C34878D82A}">
+                    <a16:rowId xmlns:a16="http://schemas.microsoft.com/office/drawing/2014/main" val="3411564193"/>
+                  </a:ext>
+                </a:extLst>
+              </a:tr>
+              <a:tr h="370840">
+                <a:tc>
+                  <a:txBody>
+                    <a:bodyPr/>
+                    <a:lstStyle/>
+                    <a:p>
+                      <a:pPr rtl="0" fontAlgn="b"/>
+                      <a:r>
+                        <a:rPr lang="en-US" dirty="0">
+                          <a:effectLst/>
+                        </a:rPr>
+                        <a:t>Training</a:t>
+                      </a:r>
+                    </a:p>
+                  </a:txBody>
+                  <a:tcPr marL="28575" marR="28575" marT="19050" marB="19050" anchor="b">
+                    <a:lnL w="12700" cap="flat" cmpd="sng" algn="ctr">
+                      <a:solidFill>
+                        <a:schemeClr val="tx1"/>
+                      </a:solidFill>
+                      <a:prstDash val="solid"/>
+                      <a:round/>
+                      <a:headEnd type="none" w="med" len="med"/>
+                      <a:tailEnd type="none" w="med" len="med"/>
+                    </a:lnL>
+                    <a:lnT w="12700" cap="flat" cmpd="sng" algn="ctr">
+                      <a:solidFill>
+                        <a:schemeClr val="tx1"/>
+                      </a:solidFill>
+                      <a:prstDash val="solid"/>
+                      <a:round/>
+                      <a:headEnd type="none" w="med" len="med"/>
+                      <a:tailEnd type="none" w="med" len="med"/>
+                    </a:lnT>
+                    <a:lnB w="12700" cap="flat" cmpd="sng" algn="ctr">
+                      <a:solidFill>
+                        <a:schemeClr val="tx1"/>
+                      </a:solidFill>
+                      <a:prstDash val="solid"/>
+                      <a:round/>
+                      <a:headEnd type="none" w="med" len="med"/>
+                      <a:tailEnd type="none" w="med" len="med"/>
+                    </a:lnB>
+                  </a:tcPr>
+                </a:tc>
+                <a:tc>
+                  <a:txBody>
+                    <a:bodyPr/>
+                    <a:lstStyle/>
+                    <a:p>
+                      <a:pPr rtl="0" fontAlgn="b"/>
+                      <a:r>
+                        <a:rPr lang="en-US">
+                          <a:effectLst/>
+                        </a:rPr>
+                        <a:t>Training in Solutions Above</a:t>
+                      </a:r>
+                    </a:p>
+                  </a:txBody>
+                  <a:tcPr marL="28575" marR="28575" marT="19050" marB="19050" anchor="b">
+                    <a:lnT w="12700" cap="flat" cmpd="sng" algn="ctr">
+                      <a:solidFill>
+                        <a:schemeClr val="tx1"/>
+                      </a:solidFill>
+                      <a:prstDash val="solid"/>
+                      <a:round/>
+                      <a:headEnd type="none" w="med" len="med"/>
+                      <a:tailEnd type="none" w="med" len="med"/>
+                    </a:lnT>
+                    <a:lnB w="12700" cap="flat" cmpd="sng" algn="ctr">
+                      <a:solidFill>
+                        <a:schemeClr val="tx1"/>
+                      </a:solidFill>
+                      <a:prstDash val="solid"/>
+                      <a:round/>
+                      <a:headEnd type="none" w="med" len="med"/>
+                      <a:tailEnd type="none" w="med" len="med"/>
+                    </a:lnB>
+                  </a:tcPr>
+                </a:tc>
+                <a:tc>
+                  <a:txBody>
+                    <a:bodyPr/>
+                    <a:lstStyle/>
+                    <a:p>
+                      <a:pPr algn="r" rtl="0" fontAlgn="b"/>
+                      <a:r>
+                        <a:rPr lang="en-US">
+                          <a:effectLst/>
+                        </a:rPr>
+                        <a:t>$1,000</a:t>
+                      </a:r>
+                    </a:p>
+                  </a:txBody>
+                  <a:tcPr marL="28575" marR="28575" marT="19050" marB="19050" anchor="b">
+                    <a:lnT w="12700" cap="flat" cmpd="sng" algn="ctr">
+                      <a:solidFill>
+                        <a:schemeClr val="tx1"/>
+                      </a:solidFill>
+                      <a:prstDash val="solid"/>
+                      <a:round/>
+                      <a:headEnd type="none" w="med" len="med"/>
+                      <a:tailEnd type="none" w="med" len="med"/>
+                    </a:lnT>
+                    <a:lnB w="12700" cap="flat" cmpd="sng" algn="ctr">
+                      <a:solidFill>
+                        <a:schemeClr val="tx1"/>
+                      </a:solidFill>
+                      <a:prstDash val="solid"/>
+                      <a:round/>
+                      <a:headEnd type="none" w="med" len="med"/>
+                      <a:tailEnd type="none" w="med" len="med"/>
+                    </a:lnB>
+                  </a:tcPr>
+                </a:tc>
+                <a:tc>
+                  <a:txBody>
+                    <a:bodyPr/>
+                    <a:lstStyle/>
+                    <a:p>
+                      <a:pPr algn="r" rtl="0" fontAlgn="b"/>
+                      <a:r>
+                        <a:rPr lang="en-US">
+                          <a:effectLst/>
+                        </a:rPr>
+                        <a:t>$0</a:t>
+                      </a:r>
+                    </a:p>
+                  </a:txBody>
+                  <a:tcPr marL="28575" marR="28575" marT="19050" marB="19050" anchor="b">
+                    <a:lnT w="12700" cap="flat" cmpd="sng" algn="ctr">
+                      <a:solidFill>
+                        <a:schemeClr val="tx1"/>
+                      </a:solidFill>
+                      <a:prstDash val="solid"/>
+                      <a:round/>
+                      <a:headEnd type="none" w="med" len="med"/>
+                      <a:tailEnd type="none" w="med" len="med"/>
+                    </a:lnT>
+                    <a:lnB w="12700" cap="flat" cmpd="sng" algn="ctr">
+                      <a:solidFill>
+                        <a:schemeClr val="tx1"/>
+                      </a:solidFill>
+                      <a:prstDash val="solid"/>
+                      <a:round/>
+                      <a:headEnd type="none" w="med" len="med"/>
+                      <a:tailEnd type="none" w="med" len="med"/>
+                    </a:lnB>
+                  </a:tcPr>
+                </a:tc>
+                <a:tc>
+                  <a:txBody>
+                    <a:bodyPr/>
+                    <a:lstStyle/>
+                    <a:p>
+                      <a:pPr algn="r" rtl="0" fontAlgn="b"/>
+                      <a:r>
+                        <a:rPr lang="en-US" dirty="0">
+                          <a:effectLst/>
+                        </a:rPr>
+                        <a:t>$0</a:t>
+                      </a:r>
+                    </a:p>
+                  </a:txBody>
+                  <a:tcPr marL="28575" marR="28575" marT="19050" marB="19050" anchor="b">
+                    <a:lnR w="12700" cap="flat" cmpd="sng" algn="ctr">
+                      <a:solidFill>
+                        <a:schemeClr val="tx1"/>
+                      </a:solidFill>
+                      <a:prstDash val="solid"/>
+                      <a:round/>
+                      <a:headEnd type="none" w="med" len="med"/>
+                      <a:tailEnd type="none" w="med" len="med"/>
+                    </a:lnR>
+                    <a:lnT w="12700" cap="flat" cmpd="sng" algn="ctr">
+                      <a:solidFill>
+                        <a:schemeClr val="tx1"/>
+                      </a:solidFill>
+                      <a:prstDash val="solid"/>
+                      <a:round/>
+                      <a:headEnd type="none" w="med" len="med"/>
+                      <a:tailEnd type="none" w="med" len="med"/>
+                    </a:lnT>
+                    <a:lnB w="12700" cap="flat" cmpd="sng" algn="ctr">
+                      <a:solidFill>
+                        <a:schemeClr val="tx1"/>
+                      </a:solidFill>
+                      <a:prstDash val="solid"/>
+                      <a:round/>
+                      <a:headEnd type="none" w="med" len="med"/>
+                      <a:tailEnd type="none" w="med" len="med"/>
+                    </a:lnB>
+                  </a:tcPr>
+                </a:tc>
+                <a:extLst>
+                  <a:ext uri="{0D108BD9-81ED-4DB2-BD59-A6C34878D82A}">
+                    <a16:rowId xmlns:a16="http://schemas.microsoft.com/office/drawing/2014/main" val="304209025"/>
+                  </a:ext>
+                </a:extLst>
+              </a:tr>
+              <a:tr h="370840">
+                <a:tc>
+                  <a:txBody>
+                    <a:bodyPr/>
+                    <a:lstStyle/>
+                    <a:p>
+                      <a:pPr rtl="0" fontAlgn="b"/>
+                      <a:endParaRPr lang="en-US" dirty="0">
+                        <a:effectLst/>
+                      </a:endParaRPr>
+                    </a:p>
+                  </a:txBody>
+                  <a:tcPr marL="28575" marR="28575" marT="19050" marB="19050" anchor="b">
+                    <a:lnL w="12700" cap="flat" cmpd="sng" algn="ctr">
+                      <a:noFill/>
+                      <a:prstDash val="solid"/>
+                      <a:round/>
+                      <a:headEnd type="none" w="med" len="med"/>
+                      <a:tailEnd type="none" w="med" len="med"/>
+                    </a:lnL>
+                    <a:lnR>
+                      <a:noFill/>
+                    </a:lnR>
+                    <a:lnT w="12700" cap="flat" cmpd="sng" algn="ctr">
+                      <a:solidFill>
+                        <a:schemeClr val="tx1"/>
+                      </a:solidFill>
+                      <a:prstDash val="solid"/>
+                      <a:round/>
+                      <a:headEnd type="none" w="med" len="med"/>
+                      <a:tailEnd type="none" w="med" len="med"/>
+                    </a:lnT>
+                    <a:lnB w="12700" cap="flat" cmpd="sng" algn="ctr">
+                      <a:solidFill>
+                        <a:schemeClr val="tx1"/>
+                      </a:solidFill>
+                      <a:prstDash val="solid"/>
+                      <a:round/>
+                      <a:headEnd type="none" w="med" len="med"/>
+                      <a:tailEnd type="none" w="med" len="med"/>
+                    </a:lnB>
+                    <a:lnTlToBr w="12700" cmpd="sng">
+                      <a:noFill/>
+                      <a:prstDash val="solid"/>
+                    </a:lnTlToBr>
+                    <a:lnBlToTr w="12700" cmpd="sng">
+                      <a:noFill/>
+                      <a:prstDash val="solid"/>
+                    </a:lnBlToTr>
+                    <a:noFill/>
+                  </a:tcPr>
+                </a:tc>
+                <a:tc>
+                  <a:txBody>
+                    <a:bodyPr/>
+                    <a:lstStyle/>
+                    <a:p>
+                      <a:pPr rtl="0" fontAlgn="b"/>
+                      <a:endParaRPr lang="en-US" dirty="0">
+                        <a:effectLst/>
+                      </a:endParaRPr>
+                    </a:p>
+                  </a:txBody>
+                  <a:tcPr marL="28575" marR="28575" marT="19050" marB="19050" anchor="b">
+                    <a:lnL>
+                      <a:noFill/>
+                    </a:lnL>
+                    <a:lnR>
+                      <a:noFill/>
+                    </a:lnR>
+                    <a:lnT w="12700" cap="flat" cmpd="sng" algn="ctr">
+                      <a:solidFill>
+                        <a:schemeClr val="tx1"/>
+                      </a:solidFill>
+                      <a:prstDash val="solid"/>
+                      <a:round/>
+                      <a:headEnd type="none" w="med" len="med"/>
+                      <a:tailEnd type="none" w="med" len="med"/>
+                    </a:lnT>
+                    <a:lnB w="12700" cap="flat" cmpd="sng" algn="ctr">
+                      <a:solidFill>
+                        <a:schemeClr val="tx1"/>
+                      </a:solidFill>
+                      <a:prstDash val="solid"/>
+                      <a:round/>
+                      <a:headEnd type="none" w="med" len="med"/>
+                      <a:tailEnd type="none" w="med" len="med"/>
+                    </a:lnB>
+                    <a:lnTlToBr w="12700" cmpd="sng">
+                      <a:noFill/>
+                      <a:prstDash val="solid"/>
+                    </a:lnTlToBr>
+                    <a:lnBlToTr w="12700" cmpd="sng">
+                      <a:noFill/>
+                      <a:prstDash val="solid"/>
+                    </a:lnBlToTr>
+                    <a:noFill/>
+                  </a:tcPr>
+                </a:tc>
+                <a:tc>
+                  <a:txBody>
+                    <a:bodyPr/>
+                    <a:lstStyle/>
+                    <a:p>
+                      <a:pPr algn="r" rtl="0" fontAlgn="b"/>
+                      <a:endParaRPr lang="en-US" dirty="0">
+                        <a:effectLst/>
+                      </a:endParaRPr>
+                    </a:p>
+                  </a:txBody>
+                  <a:tcPr marL="28575" marR="28575" marT="19050" marB="19050" anchor="b">
+                    <a:lnL>
+                      <a:noFill/>
+                    </a:lnL>
+                    <a:lnR>
+                      <a:noFill/>
+                    </a:lnR>
+                    <a:lnT w="12700" cap="flat" cmpd="sng" algn="ctr">
+                      <a:solidFill>
+                        <a:schemeClr val="tx1"/>
+                      </a:solidFill>
+                      <a:prstDash val="solid"/>
+                      <a:round/>
+                      <a:headEnd type="none" w="med" len="med"/>
+                      <a:tailEnd type="none" w="med" len="med"/>
+                    </a:lnT>
+                    <a:lnB w="12700" cap="flat" cmpd="sng" algn="ctr">
+                      <a:solidFill>
+                        <a:schemeClr val="tx1"/>
+                      </a:solidFill>
+                      <a:prstDash val="solid"/>
+                      <a:round/>
+                      <a:headEnd type="none" w="med" len="med"/>
+                      <a:tailEnd type="none" w="med" len="med"/>
+                    </a:lnB>
+                    <a:lnTlToBr w="12700" cmpd="sng">
+                      <a:noFill/>
+                      <a:prstDash val="solid"/>
+                    </a:lnTlToBr>
+                    <a:lnBlToTr w="12700" cmpd="sng">
+                      <a:noFill/>
+                      <a:prstDash val="solid"/>
+                    </a:lnBlToTr>
+                    <a:noFill/>
+                  </a:tcPr>
+                </a:tc>
+                <a:tc>
+                  <a:txBody>
+                    <a:bodyPr/>
+                    <a:lstStyle/>
+                    <a:p>
+                      <a:pPr algn="r" rtl="0" fontAlgn="b"/>
+                      <a:endParaRPr lang="en-US" dirty="0">
+                        <a:effectLst/>
+                      </a:endParaRPr>
+                    </a:p>
+                  </a:txBody>
+                  <a:tcPr marL="28575" marR="28575" marT="19050" marB="19050" anchor="b">
+                    <a:lnL>
+                      <a:noFill/>
+                    </a:lnL>
+                    <a:lnR>
+                      <a:noFill/>
+                    </a:lnR>
+                    <a:lnT w="12700" cap="flat" cmpd="sng" algn="ctr">
+                      <a:solidFill>
+                        <a:schemeClr val="tx1"/>
+                      </a:solidFill>
+                      <a:prstDash val="solid"/>
+                      <a:round/>
+                      <a:headEnd type="none" w="med" len="med"/>
+                      <a:tailEnd type="none" w="med" len="med"/>
+                    </a:lnT>
+                    <a:lnB w="12700" cap="flat" cmpd="sng" algn="ctr">
+                      <a:solidFill>
+                        <a:schemeClr val="tx1"/>
+                      </a:solidFill>
+                      <a:prstDash val="solid"/>
+                      <a:round/>
+                      <a:headEnd type="none" w="med" len="med"/>
+                      <a:tailEnd type="none" w="med" len="med"/>
+                    </a:lnB>
+                    <a:lnTlToBr w="12700" cmpd="sng">
+                      <a:noFill/>
+                      <a:prstDash val="solid"/>
+                    </a:lnTlToBr>
+                    <a:lnBlToTr w="12700" cmpd="sng">
+                      <a:noFill/>
+                      <a:prstDash val="solid"/>
+                    </a:lnBlToTr>
+                    <a:noFill/>
+                  </a:tcPr>
+                </a:tc>
+                <a:tc>
+                  <a:txBody>
+                    <a:bodyPr/>
+                    <a:lstStyle/>
+                    <a:p>
+                      <a:pPr algn="r" rtl="0" fontAlgn="b"/>
+                      <a:endParaRPr lang="en-US" dirty="0">
+                        <a:effectLst/>
+                      </a:endParaRPr>
+                    </a:p>
+                  </a:txBody>
+                  <a:tcPr marL="28575" marR="28575" marT="19050" marB="19050" anchor="b">
+                    <a:lnL>
+                      <a:noFill/>
+                    </a:lnL>
+                    <a:lnR w="12700" cap="flat" cmpd="sng" algn="ctr">
+                      <a:noFill/>
+                      <a:prstDash val="solid"/>
+                      <a:round/>
+                      <a:headEnd type="none" w="med" len="med"/>
+                      <a:tailEnd type="none" w="med" len="med"/>
+                    </a:lnR>
+                    <a:lnT w="12700" cap="flat" cmpd="sng" algn="ctr">
+                      <a:solidFill>
+                        <a:schemeClr val="tx1"/>
+                      </a:solidFill>
+                      <a:prstDash val="solid"/>
+                      <a:round/>
+                      <a:headEnd type="none" w="med" len="med"/>
+                      <a:tailEnd type="none" w="med" len="med"/>
+                    </a:lnT>
+                    <a:lnB w="12700" cap="flat" cmpd="sng" algn="ctr">
+                      <a:solidFill>
+                        <a:schemeClr val="tx1"/>
+                      </a:solidFill>
+                      <a:prstDash val="solid"/>
+                      <a:round/>
+                      <a:headEnd type="none" w="med" len="med"/>
+                      <a:tailEnd type="none" w="med" len="med"/>
+                    </a:lnB>
+                    <a:lnTlToBr w="12700" cmpd="sng">
+                      <a:noFill/>
+                      <a:prstDash val="solid"/>
+                    </a:lnTlToBr>
+                    <a:lnBlToTr w="12700" cmpd="sng">
+                      <a:noFill/>
+                      <a:prstDash val="solid"/>
+                    </a:lnBlToTr>
+                    <a:noFill/>
+                  </a:tcPr>
+                </a:tc>
+                <a:extLst>
+                  <a:ext uri="{0D108BD9-81ED-4DB2-BD59-A6C34878D82A}">
+                    <a16:rowId xmlns:a16="http://schemas.microsoft.com/office/drawing/2014/main" val="766628623"/>
+                  </a:ext>
+                </a:extLst>
+              </a:tr>
+              <a:tr h="370840">
+                <a:tc>
+                  <a:txBody>
+                    <a:bodyPr/>
+                    <a:lstStyle/>
+                    <a:p>
+                      <a:pPr rtl="0" fontAlgn="b"/>
+                      <a:r>
+                        <a:rPr lang="en-US" b="1" dirty="0">
+                          <a:effectLst/>
+                        </a:rPr>
+                        <a:t>Total</a:t>
+                      </a:r>
+                    </a:p>
+                  </a:txBody>
+                  <a:tcPr marL="28575" marR="28575" marT="19050" marB="19050" anchor="b">
+                    <a:lnL w="12700" cap="flat" cmpd="sng" algn="ctr">
+                      <a:solidFill>
+                        <a:schemeClr val="tx1"/>
+                      </a:solidFill>
+                      <a:prstDash val="solid"/>
+                      <a:round/>
+                      <a:headEnd type="none" w="med" len="med"/>
+                      <a:tailEnd type="none" w="med" len="med"/>
+                    </a:lnL>
+                    <a:lnT w="12700" cap="flat" cmpd="sng" algn="ctr">
+                      <a:solidFill>
+                        <a:schemeClr val="tx1"/>
+                      </a:solidFill>
+                      <a:prstDash val="solid"/>
+                      <a:round/>
+                      <a:headEnd type="none" w="med" len="med"/>
+                      <a:tailEnd type="none" w="med" len="med"/>
+                    </a:lnT>
+                    <a:solidFill>
+                      <a:schemeClr val="bg1">
+                        <a:alpha val="20000"/>
+                      </a:schemeClr>
+                    </a:solidFill>
+                  </a:tcPr>
+                </a:tc>
+                <a:tc>
+                  <a:txBody>
+                    <a:bodyPr/>
+                    <a:lstStyle/>
+                    <a:p>
+                      <a:pPr rtl="0" fontAlgn="b"/>
+                      <a:endParaRPr lang="en-US" dirty="0">
+                        <a:effectLst/>
+                      </a:endParaRPr>
+                    </a:p>
+                  </a:txBody>
+                  <a:tcPr marL="28575" marR="28575" marT="19050" marB="19050" anchor="b">
+                    <a:lnT w="12700" cap="flat" cmpd="sng" algn="ctr">
+                      <a:solidFill>
+                        <a:schemeClr val="tx1"/>
+                      </a:solidFill>
+                      <a:prstDash val="solid"/>
+                      <a:round/>
+                      <a:headEnd type="none" w="med" len="med"/>
+                      <a:tailEnd type="none" w="med" len="med"/>
+                    </a:lnT>
+                    <a:solidFill>
+                      <a:schemeClr val="bg1">
+                        <a:alpha val="20000"/>
+                      </a:schemeClr>
+                    </a:solidFill>
+                  </a:tcPr>
+                </a:tc>
+                <a:tc>
+                  <a:txBody>
+                    <a:bodyPr/>
+                    <a:lstStyle/>
+                    <a:p>
+                      <a:pPr algn="r" rtl="0" fontAlgn="b"/>
+                      <a:r>
+                        <a:rPr lang="en-US" dirty="0">
+                          <a:effectLst/>
+                        </a:rPr>
+                        <a:t>$7,944</a:t>
+                      </a:r>
+                    </a:p>
+                  </a:txBody>
+                  <a:tcPr marL="28575" marR="28575" marT="19050" marB="19050" anchor="b">
+                    <a:lnT w="12700" cap="flat" cmpd="sng" algn="ctr">
+                      <a:solidFill>
+                        <a:schemeClr val="tx1"/>
+                      </a:solidFill>
+                      <a:prstDash val="solid"/>
+                      <a:round/>
+                      <a:headEnd type="none" w="med" len="med"/>
+                      <a:tailEnd type="none" w="med" len="med"/>
+                    </a:lnT>
+                    <a:solidFill>
+                      <a:schemeClr val="bg1">
+                        <a:alpha val="20000"/>
+                      </a:schemeClr>
+                    </a:solidFill>
+                  </a:tcPr>
+                </a:tc>
+                <a:tc>
+                  <a:txBody>
+                    <a:bodyPr/>
+                    <a:lstStyle/>
+                    <a:p>
+                      <a:pPr algn="r" rtl="0" fontAlgn="b"/>
+                      <a:r>
+                        <a:rPr lang="en-US" dirty="0">
+                          <a:effectLst/>
+                        </a:rPr>
+                        <a:t>$5,944</a:t>
+                      </a:r>
+                    </a:p>
+                  </a:txBody>
+                  <a:tcPr marL="28575" marR="28575" marT="19050" marB="19050" anchor="b">
+                    <a:lnT w="12700" cap="flat" cmpd="sng" algn="ctr">
+                      <a:solidFill>
+                        <a:schemeClr val="tx1"/>
+                      </a:solidFill>
+                      <a:prstDash val="solid"/>
+                      <a:round/>
+                      <a:headEnd type="none" w="med" len="med"/>
+                      <a:tailEnd type="none" w="med" len="med"/>
+                    </a:lnT>
+                    <a:solidFill>
+                      <a:schemeClr val="bg1">
+                        <a:alpha val="20000"/>
+                      </a:schemeClr>
+                    </a:solidFill>
+                  </a:tcPr>
+                </a:tc>
+                <a:tc>
+                  <a:txBody>
+                    <a:bodyPr/>
+                    <a:lstStyle/>
+                    <a:p>
+                      <a:pPr algn="r" rtl="0" fontAlgn="b"/>
+                      <a:r>
+                        <a:rPr lang="en-US" dirty="0">
+                          <a:effectLst/>
+                        </a:rPr>
+                        <a:t>$5,944</a:t>
+                      </a:r>
+                    </a:p>
+                  </a:txBody>
+                  <a:tcPr marL="28575" marR="28575" marT="19050" marB="19050" anchor="b">
+                    <a:lnR w="12700" cap="flat" cmpd="sng" algn="ctr">
+                      <a:solidFill>
+                        <a:schemeClr val="tx1"/>
+                      </a:solidFill>
+                      <a:prstDash val="solid"/>
+                      <a:round/>
+                      <a:headEnd type="none" w="med" len="med"/>
+                      <a:tailEnd type="none" w="med" len="med"/>
+                    </a:lnR>
+                    <a:lnT w="12700" cap="flat" cmpd="sng" algn="ctr">
+                      <a:solidFill>
+                        <a:schemeClr val="tx1"/>
+                      </a:solidFill>
+                      <a:prstDash val="solid"/>
+                      <a:round/>
+                      <a:headEnd type="none" w="med" len="med"/>
+                      <a:tailEnd type="none" w="med" len="med"/>
+                    </a:lnT>
+                    <a:solidFill>
+                      <a:schemeClr val="bg1">
+                        <a:alpha val="20000"/>
+                      </a:schemeClr>
+                    </a:solidFill>
+                  </a:tcPr>
+                </a:tc>
+                <a:extLst>
+                  <a:ext uri="{0D108BD9-81ED-4DB2-BD59-A6C34878D82A}">
+                    <a16:rowId xmlns:a16="http://schemas.microsoft.com/office/drawing/2014/main" val="860300593"/>
+                  </a:ext>
+                </a:extLst>
+              </a:tr>
+            </a:tbl>
+          </a:graphicData>
+        </a:graphic>
+      </p:graphicFrame>
+    </p:spTree>
+    <p:extLst>
+      <p:ext uri="{BB962C8B-B14F-4D97-AF65-F5344CB8AC3E}">
+        <p14:creationId xmlns:p14="http://schemas.microsoft.com/office/powerpoint/2010/main" val="625277202"/>
+      </p:ext>
+    </p:extLst>
+  </p:cSld>
+  <p:clrMapOvr>
+    <a:masterClrMapping/>
+  </p:clrMapOvr>
+</p:sld>
+</file>
+
+<file path=ppt/slides/slide11.xml><?xml version="1.0" encoding="utf-8"?>
+<p:sld xmlns:a="http://schemas.openxmlformats.org/drawingml/2006/main" xmlns:r="http://schemas.openxmlformats.org/officeDocument/2006/relationships" xmlns:p="http://schemas.openxmlformats.org/presentationml/2006/main">
+  <p:cSld>
+    <p:spTree>
+      <p:nvGrpSpPr>
+        <p:cNvPr id="1" name=""/>
+        <p:cNvGrpSpPr/>
+        <p:nvPr/>
+      </p:nvGrpSpPr>
+      <p:grpSpPr>
+        <a:xfrm>
+          <a:off x="0" y="0"/>
+          <a:ext cx="0" cy="0"/>
+          <a:chOff x="0" y="0"/>
+          <a:chExt cx="0" cy="0"/>
+        </a:xfrm>
+      </p:grpSpPr>
+      <p:sp>
+        <p:nvSpPr>
+          <p:cNvPr id="2" name="Title 1">
+            <a:extLst>
+              <a:ext uri="{FF2B5EF4-FFF2-40B4-BE49-F238E27FC236}">
+                <a16:creationId xmlns:a16="http://schemas.microsoft.com/office/drawing/2014/main" id="{B7966A37-B155-4221-A0A7-8882DACE491F}"/>
+              </a:ext>
+            </a:extLst>
+          </p:cNvPr>
+          <p:cNvSpPr>
+            <a:spLocks noGrp="1"/>
+          </p:cNvSpPr>
+          <p:nvPr>
+            <p:ph type="title"/>
+          </p:nvPr>
+        </p:nvSpPr>
+        <p:spPr/>
+        <p:txBody>
+          <a:bodyPr/>
+          <a:lstStyle/>
+          <a:p>
+            <a:r>
+              <a:rPr lang="en-US" dirty="0"/>
+              <a:t>Timeline</a:t>
+            </a:r>
+          </a:p>
+        </p:txBody>
+      </p:sp>
+    </p:spTree>
+    <p:extLst>
+      <p:ext uri="{BB962C8B-B14F-4D97-AF65-F5344CB8AC3E}">
+        <p14:creationId xmlns:p14="http://schemas.microsoft.com/office/powerpoint/2010/main" val="1543833156"/>
+      </p:ext>
+    </p:extLst>
+  </p:cSld>
+  <p:clrMapOvr>
+    <a:masterClrMapping/>
+  </p:clrMapOvr>
+</p:sld>
+</file>
+
+<file path=ppt/slides/slide12.xml><?xml version="1.0" encoding="utf-8"?>
+<p:sld xmlns:a="http://schemas.openxmlformats.org/drawingml/2006/main" xmlns:r="http://schemas.openxmlformats.org/officeDocument/2006/relationships" xmlns:p="http://schemas.openxmlformats.org/presentationml/2006/main">
+  <p:cSld>
+    <p:spTree>
+      <p:nvGrpSpPr>
+        <p:cNvPr id="1" name=""/>
+        <p:cNvGrpSpPr/>
+        <p:nvPr/>
+      </p:nvGrpSpPr>
+      <p:grpSpPr>
+        <a:xfrm>
+          <a:off x="0" y="0"/>
+          <a:ext cx="0" cy="0"/>
+          <a:chOff x="0" y="0"/>
+          <a:chExt cx="0" cy="0"/>
+        </a:xfrm>
+      </p:grpSpPr>
+      <p:sp>
+        <p:nvSpPr>
+          <p:cNvPr id="2" name="Title 1">
+            <a:extLst>
+              <a:ext uri="{FF2B5EF4-FFF2-40B4-BE49-F238E27FC236}">
                 <a16:creationId xmlns:a16="http://schemas.microsoft.com/office/drawing/2014/main" id="{F63F2CE9-287D-4D36-B359-CD02F2E6C9B3}"/>
               </a:ext>
             </a:extLst>
@@ -21313,7 +23164,7 @@
           <p:cNvPr id="2" name="Title 1">
             <a:extLst>
               <a:ext uri="{FF2B5EF4-FFF2-40B4-BE49-F238E27FC236}">
-                <a16:creationId xmlns:a16="http://schemas.microsoft.com/office/drawing/2014/main" id="{8E57C0AE-340B-4DEF-A2AB-3C6195B79004}"/>
+                <a16:creationId xmlns:a16="http://schemas.microsoft.com/office/drawing/2014/main" id="{640EBF79-BE27-4959-B956-D6D9E03F2611}"/>
               </a:ext>
             </a:extLst>
           </p:cNvPr>
@@ -21331,35 +23182,7 @@
           <a:p>
             <a:r>
               <a:rPr lang="en-US" dirty="0"/>
-              <a:t>Cost, almost last slide</a:t>
-            </a:r>
-          </a:p>
-        </p:txBody>
-      </p:sp>
-      <p:sp>
-        <p:nvSpPr>
-          <p:cNvPr id="3" name="Content Placeholder 2">
-            <a:extLst>
-              <a:ext uri="{FF2B5EF4-FFF2-40B4-BE49-F238E27FC236}">
-                <a16:creationId xmlns:a16="http://schemas.microsoft.com/office/drawing/2014/main" id="{F947A6D9-EC87-4FAD-8D56-2C67F8179E92}"/>
-              </a:ext>
-            </a:extLst>
-          </p:cNvPr>
-          <p:cNvSpPr>
-            <a:spLocks noGrp="1"/>
-          </p:cNvSpPr>
-          <p:nvPr>
-            <p:ph idx="1"/>
-          </p:nvPr>
-        </p:nvSpPr>
-        <p:spPr/>
-        <p:txBody>
-          <a:bodyPr/>
-          <a:lstStyle/>
-          <a:p>
-            <a:r>
-              <a:rPr lang="en-US" dirty="0"/>
-              <a:t>timeline</a:t>
+              <a:t>Integration</a:t>
             </a:r>
           </a:p>
         </p:txBody>
@@ -21367,7 +23190,7 @@
     </p:spTree>
     <p:extLst>
       <p:ext uri="{BB962C8B-B14F-4D97-AF65-F5344CB8AC3E}">
-        <p14:creationId xmlns:p14="http://schemas.microsoft.com/office/powerpoint/2010/main" val="625277202"/>
+        <p14:creationId xmlns:p14="http://schemas.microsoft.com/office/powerpoint/2010/main" val="4143062379"/>
       </p:ext>
     </p:extLst>
   </p:cSld>

--- a/De La Riva, Bennett, Calhoun, Young; Tax_Boss.pptx
+++ b/De La Riva, Bennett, Calhoun, Young; Tax_Boss.pptx
@@ -17532,6 +17532,639 @@
           </a:p>
         </p:txBody>
       </p:sp>
+      <p:graphicFrame>
+        <p:nvGraphicFramePr>
+          <p:cNvPr id="3" name="Table 3">
+            <a:extLst>
+              <a:ext uri="{FF2B5EF4-FFF2-40B4-BE49-F238E27FC236}">
+                <a16:creationId xmlns:a16="http://schemas.microsoft.com/office/drawing/2014/main" id="{B682EA28-BF16-4499-B998-B3201ECE0FFB}"/>
+              </a:ext>
+            </a:extLst>
+          </p:cNvPr>
+          <p:cNvGraphicFramePr>
+            <a:graphicFrameLocks noGrp="1"/>
+          </p:cNvGraphicFramePr>
+          <p:nvPr>
+            <p:extLst>
+              <p:ext uri="{D42A27DB-BD31-4B8C-83A1-F6EECF244321}">
+                <p14:modId xmlns:p14="http://schemas.microsoft.com/office/powerpoint/2010/main" val="3631944655"/>
+              </p:ext>
+            </p:extLst>
+          </p:nvPr>
+        </p:nvGraphicFramePr>
+        <p:xfrm>
+          <a:off x="2031999" y="2390954"/>
+          <a:ext cx="8128002" cy="1854200"/>
+        </p:xfrm>
+        <a:graphic>
+          <a:graphicData uri="http://schemas.openxmlformats.org/drawingml/2006/table">
+            <a:tbl>
+              <a:tblPr firstRow="1" bandRow="1">
+                <a:tableStyleId>{5940675A-B579-460E-94D1-54222C63F5DA}</a:tableStyleId>
+              </a:tblPr>
+              <a:tblGrid>
+                <a:gridCol w="3583797">
+                  <a:extLst>
+                    <a:ext uri="{9D8B030D-6E8A-4147-A177-3AD203B41FA5}">
+                      <a16:colId xmlns:a16="http://schemas.microsoft.com/office/drawing/2014/main" val="880805292"/>
+                    </a:ext>
+                  </a:extLst>
+                </a:gridCol>
+                <a:gridCol w="940279">
+                  <a:extLst>
+                    <a:ext uri="{9D8B030D-6E8A-4147-A177-3AD203B41FA5}">
+                      <a16:colId xmlns:a16="http://schemas.microsoft.com/office/drawing/2014/main" val="648696307"/>
+                    </a:ext>
+                  </a:extLst>
+                </a:gridCol>
+                <a:gridCol w="974785">
+                  <a:extLst>
+                    <a:ext uri="{9D8B030D-6E8A-4147-A177-3AD203B41FA5}">
+                      <a16:colId xmlns:a16="http://schemas.microsoft.com/office/drawing/2014/main" val="3262815107"/>
+                    </a:ext>
+                  </a:extLst>
+                </a:gridCol>
+                <a:gridCol w="862642">
+                  <a:extLst>
+                    <a:ext uri="{9D8B030D-6E8A-4147-A177-3AD203B41FA5}">
+                      <a16:colId xmlns:a16="http://schemas.microsoft.com/office/drawing/2014/main" val="3272582242"/>
+                    </a:ext>
+                  </a:extLst>
+                </a:gridCol>
+                <a:gridCol w="897147">
+                  <a:extLst>
+                    <a:ext uri="{9D8B030D-6E8A-4147-A177-3AD203B41FA5}">
+                      <a16:colId xmlns:a16="http://schemas.microsoft.com/office/drawing/2014/main" val="604403479"/>
+                    </a:ext>
+                  </a:extLst>
+                </a:gridCol>
+                <a:gridCol w="869352">
+                  <a:extLst>
+                    <a:ext uri="{9D8B030D-6E8A-4147-A177-3AD203B41FA5}">
+                      <a16:colId xmlns:a16="http://schemas.microsoft.com/office/drawing/2014/main" val="2986901118"/>
+                    </a:ext>
+                  </a:extLst>
+                </a:gridCol>
+              </a:tblGrid>
+              <a:tr h="370840">
+                <a:tc>
+                  <a:txBody>
+                    <a:bodyPr/>
+                    <a:lstStyle/>
+                    <a:p>
+                      <a:endParaRPr lang="en-US" dirty="0"/>
+                    </a:p>
+                  </a:txBody>
+                  <a:tcPr>
+                    <a:lnL w="12700" cap="flat" cmpd="sng" algn="ctr">
+                      <a:noFill/>
+                      <a:prstDash val="solid"/>
+                      <a:round/>
+                      <a:headEnd type="none" w="med" len="med"/>
+                      <a:tailEnd type="none" w="med" len="med"/>
+                    </a:lnL>
+                    <a:lnT w="12700" cap="flat" cmpd="sng" algn="ctr">
+                      <a:noFill/>
+                      <a:prstDash val="solid"/>
+                      <a:round/>
+                      <a:headEnd type="none" w="med" len="med"/>
+                      <a:tailEnd type="none" w="med" len="med"/>
+                    </a:lnT>
+                  </a:tcPr>
+                </a:tc>
+                <a:tc>
+                  <a:txBody>
+                    <a:bodyPr/>
+                    <a:lstStyle/>
+                    <a:p>
+                      <a:pPr rtl="0" fontAlgn="b"/>
+                      <a:r>
+                        <a:rPr lang="en-US" b="1" dirty="0">
+                          <a:effectLst/>
+                        </a:rPr>
+                        <a:t>Week 1</a:t>
+                      </a:r>
+                    </a:p>
+                  </a:txBody>
+                  <a:tcPr marL="28575" marR="28575" marT="19050" marB="19050" anchor="b"/>
+                </a:tc>
+                <a:tc>
+                  <a:txBody>
+                    <a:bodyPr/>
+                    <a:lstStyle/>
+                    <a:p>
+                      <a:pPr rtl="0" fontAlgn="b"/>
+                      <a:r>
+                        <a:rPr lang="en-US" b="1">
+                          <a:effectLst/>
+                        </a:rPr>
+                        <a:t>Week 2</a:t>
+                      </a:r>
+                    </a:p>
+                  </a:txBody>
+                  <a:tcPr marL="28575" marR="28575" marT="19050" marB="19050" anchor="b"/>
+                </a:tc>
+                <a:tc>
+                  <a:txBody>
+                    <a:bodyPr/>
+                    <a:lstStyle/>
+                    <a:p>
+                      <a:pPr rtl="0" fontAlgn="b"/>
+                      <a:r>
+                        <a:rPr lang="en-US" b="1">
+                          <a:effectLst/>
+                        </a:rPr>
+                        <a:t>Week 3</a:t>
+                      </a:r>
+                    </a:p>
+                  </a:txBody>
+                  <a:tcPr marL="28575" marR="28575" marT="19050" marB="19050" anchor="b"/>
+                </a:tc>
+                <a:tc>
+                  <a:txBody>
+                    <a:bodyPr/>
+                    <a:lstStyle/>
+                    <a:p>
+                      <a:pPr rtl="0" fontAlgn="b"/>
+                      <a:r>
+                        <a:rPr lang="en-US" b="1">
+                          <a:effectLst/>
+                        </a:rPr>
+                        <a:t>Week 4</a:t>
+                      </a:r>
+                    </a:p>
+                  </a:txBody>
+                  <a:tcPr marL="28575" marR="28575" marT="19050" marB="19050" anchor="b"/>
+                </a:tc>
+                <a:tc>
+                  <a:txBody>
+                    <a:bodyPr/>
+                    <a:lstStyle/>
+                    <a:p>
+                      <a:pPr rtl="0" fontAlgn="b"/>
+                      <a:r>
+                        <a:rPr lang="en-US" b="1" dirty="0">
+                          <a:effectLst/>
+                        </a:rPr>
+                        <a:t>Week 5</a:t>
+                      </a:r>
+                    </a:p>
+                  </a:txBody>
+                  <a:tcPr marL="28575" marR="28575" marT="19050" marB="19050" anchor="b"/>
+                </a:tc>
+                <a:extLst>
+                  <a:ext uri="{0D108BD9-81ED-4DB2-BD59-A6C34878D82A}">
+                    <a16:rowId xmlns:a16="http://schemas.microsoft.com/office/drawing/2014/main" val="1226339706"/>
+                  </a:ext>
+                </a:extLst>
+              </a:tr>
+              <a:tr h="370840">
+                <a:tc>
+                  <a:txBody>
+                    <a:bodyPr/>
+                    <a:lstStyle/>
+                    <a:p>
+                      <a:r>
+                        <a:rPr lang="en-US" dirty="0"/>
+                        <a:t>Google Workspace</a:t>
+                      </a:r>
+                    </a:p>
+                  </a:txBody>
+                  <a:tcPr/>
+                </a:tc>
+                <a:tc>
+                  <a:txBody>
+                    <a:bodyPr/>
+                    <a:lstStyle/>
+                    <a:p>
+                      <a:endParaRPr lang="en-US" dirty="0"/>
+                    </a:p>
+                  </a:txBody>
+                  <a:tcPr>
+                    <a:solidFill>
+                      <a:schemeClr val="accent1">
+                        <a:lumMod val="75000"/>
+                      </a:schemeClr>
+                    </a:solidFill>
+                  </a:tcPr>
+                </a:tc>
+                <a:tc>
+                  <a:txBody>
+                    <a:bodyPr/>
+                    <a:lstStyle/>
+                    <a:p>
+                      <a:endParaRPr lang="en-US" dirty="0"/>
+                    </a:p>
+                  </a:txBody>
+                  <a:tcPr>
+                    <a:solidFill>
+                      <a:schemeClr val="accent1">
+                        <a:lumMod val="60000"/>
+                        <a:lumOff val="40000"/>
+                      </a:schemeClr>
+                    </a:solidFill>
+                  </a:tcPr>
+                </a:tc>
+                <a:tc>
+                  <a:txBody>
+                    <a:bodyPr/>
+                    <a:lstStyle/>
+                    <a:p>
+                      <a:endParaRPr lang="en-US" dirty="0"/>
+                    </a:p>
+                  </a:txBody>
+                  <a:tcPr/>
+                </a:tc>
+                <a:tc>
+                  <a:txBody>
+                    <a:bodyPr/>
+                    <a:lstStyle/>
+                    <a:p>
+                      <a:endParaRPr lang="en-US" dirty="0"/>
+                    </a:p>
+                  </a:txBody>
+                  <a:tcPr/>
+                </a:tc>
+                <a:tc>
+                  <a:txBody>
+                    <a:bodyPr/>
+                    <a:lstStyle/>
+                    <a:p>
+                      <a:endParaRPr lang="en-US" dirty="0"/>
+                    </a:p>
+                  </a:txBody>
+                  <a:tcPr/>
+                </a:tc>
+                <a:extLst>
+                  <a:ext uri="{0D108BD9-81ED-4DB2-BD59-A6C34878D82A}">
+                    <a16:rowId xmlns:a16="http://schemas.microsoft.com/office/drawing/2014/main" val="3974586904"/>
+                  </a:ext>
+                </a:extLst>
+              </a:tr>
+              <a:tr h="370840">
+                <a:tc>
+                  <a:txBody>
+                    <a:bodyPr/>
+                    <a:lstStyle/>
+                    <a:p>
+                      <a:r>
+                        <a:rPr lang="en-US" dirty="0" err="1"/>
+                        <a:t>BigTime</a:t>
+                      </a:r>
+                      <a:endParaRPr lang="en-US" dirty="0"/>
+                    </a:p>
+                  </a:txBody>
+                  <a:tcPr/>
+                </a:tc>
+                <a:tc>
+                  <a:txBody>
+                    <a:bodyPr/>
+                    <a:lstStyle/>
+                    <a:p>
+                      <a:endParaRPr lang="en-US" dirty="0"/>
+                    </a:p>
+                  </a:txBody>
+                  <a:tcPr>
+                    <a:solidFill>
+                      <a:schemeClr val="accent1">
+                        <a:lumMod val="75000"/>
+                      </a:schemeClr>
+                    </a:solidFill>
+                  </a:tcPr>
+                </a:tc>
+                <a:tc>
+                  <a:txBody>
+                    <a:bodyPr/>
+                    <a:lstStyle/>
+                    <a:p>
+                      <a:endParaRPr lang="en-US" dirty="0"/>
+                    </a:p>
+                  </a:txBody>
+                  <a:tcPr>
+                    <a:solidFill>
+                      <a:schemeClr val="accent1">
+                        <a:lumMod val="60000"/>
+                        <a:lumOff val="40000"/>
+                      </a:schemeClr>
+                    </a:solidFill>
+                  </a:tcPr>
+                </a:tc>
+                <a:tc>
+                  <a:txBody>
+                    <a:bodyPr/>
+                    <a:lstStyle/>
+                    <a:p>
+                      <a:endParaRPr lang="en-US" dirty="0"/>
+                    </a:p>
+                  </a:txBody>
+                  <a:tcPr>
+                    <a:solidFill>
+                      <a:schemeClr val="accent1">
+                        <a:lumMod val="60000"/>
+                        <a:lumOff val="40000"/>
+                      </a:schemeClr>
+                    </a:solidFill>
+                  </a:tcPr>
+                </a:tc>
+                <a:tc>
+                  <a:txBody>
+                    <a:bodyPr/>
+                    <a:lstStyle/>
+                    <a:p>
+                      <a:endParaRPr lang="en-US"/>
+                    </a:p>
+                  </a:txBody>
+                  <a:tcPr/>
+                </a:tc>
+                <a:tc>
+                  <a:txBody>
+                    <a:bodyPr/>
+                    <a:lstStyle/>
+                    <a:p>
+                      <a:endParaRPr lang="en-US"/>
+                    </a:p>
+                  </a:txBody>
+                  <a:tcPr/>
+                </a:tc>
+                <a:extLst>
+                  <a:ext uri="{0D108BD9-81ED-4DB2-BD59-A6C34878D82A}">
+                    <a16:rowId xmlns:a16="http://schemas.microsoft.com/office/drawing/2014/main" val="2501947063"/>
+                  </a:ext>
+                </a:extLst>
+              </a:tr>
+              <a:tr h="370840">
+                <a:tc>
+                  <a:txBody>
+                    <a:bodyPr/>
+                    <a:lstStyle/>
+                    <a:p>
+                      <a:r>
+                        <a:rPr lang="en-US" dirty="0" err="1"/>
+                        <a:t>Shookum</a:t>
+                      </a:r>
+                      <a:endParaRPr lang="en-US" dirty="0"/>
+                    </a:p>
+                  </a:txBody>
+                  <a:tcPr/>
+                </a:tc>
+                <a:tc>
+                  <a:txBody>
+                    <a:bodyPr/>
+                    <a:lstStyle/>
+                    <a:p>
+                      <a:endParaRPr lang="en-US" dirty="0"/>
+                    </a:p>
+                  </a:txBody>
+                  <a:tcPr>
+                    <a:solidFill>
+                      <a:schemeClr val="accent1">
+                        <a:lumMod val="75000"/>
+                      </a:schemeClr>
+                    </a:solidFill>
+                  </a:tcPr>
+                </a:tc>
+                <a:tc>
+                  <a:txBody>
+                    <a:bodyPr/>
+                    <a:lstStyle/>
+                    <a:p>
+                      <a:endParaRPr lang="en-US" dirty="0"/>
+                    </a:p>
+                  </a:txBody>
+                  <a:tcPr>
+                    <a:solidFill>
+                      <a:schemeClr val="accent1">
+                        <a:lumMod val="75000"/>
+                      </a:schemeClr>
+                    </a:solidFill>
+                  </a:tcPr>
+                </a:tc>
+                <a:tc>
+                  <a:txBody>
+                    <a:bodyPr/>
+                    <a:lstStyle/>
+                    <a:p>
+                      <a:endParaRPr lang="en-US" dirty="0"/>
+                    </a:p>
+                  </a:txBody>
+                  <a:tcPr>
+                    <a:solidFill>
+                      <a:schemeClr val="accent1">
+                        <a:lumMod val="75000"/>
+                      </a:schemeClr>
+                    </a:solidFill>
+                  </a:tcPr>
+                </a:tc>
+                <a:tc>
+                  <a:txBody>
+                    <a:bodyPr/>
+                    <a:lstStyle/>
+                    <a:p>
+                      <a:endParaRPr lang="en-US" dirty="0"/>
+                    </a:p>
+                  </a:txBody>
+                  <a:tcPr>
+                    <a:solidFill>
+                      <a:schemeClr val="accent2">
+                        <a:lumMod val="60000"/>
+                        <a:lumOff val="40000"/>
+                      </a:schemeClr>
+                    </a:solidFill>
+                  </a:tcPr>
+                </a:tc>
+                <a:tc>
+                  <a:txBody>
+                    <a:bodyPr/>
+                    <a:lstStyle/>
+                    <a:p>
+                      <a:endParaRPr lang="en-US" dirty="0"/>
+                    </a:p>
+                  </a:txBody>
+                  <a:tcPr>
+                    <a:solidFill>
+                      <a:schemeClr val="accent2">
+                        <a:lumMod val="60000"/>
+                        <a:lumOff val="40000"/>
+                      </a:schemeClr>
+                    </a:solidFill>
+                  </a:tcPr>
+                </a:tc>
+                <a:extLst>
+                  <a:ext uri="{0D108BD9-81ED-4DB2-BD59-A6C34878D82A}">
+                    <a16:rowId xmlns:a16="http://schemas.microsoft.com/office/drawing/2014/main" val="114452915"/>
+                  </a:ext>
+                </a:extLst>
+              </a:tr>
+              <a:tr h="370840">
+                <a:tc>
+                  <a:txBody>
+                    <a:bodyPr/>
+                    <a:lstStyle/>
+                    <a:p>
+                      <a:r>
+                        <a:rPr lang="en-US" dirty="0"/>
+                        <a:t>Meta Advertising</a:t>
+                      </a:r>
+                    </a:p>
+                  </a:txBody>
+                  <a:tcPr/>
+                </a:tc>
+                <a:tc>
+                  <a:txBody>
+                    <a:bodyPr/>
+                    <a:lstStyle/>
+                    <a:p>
+                      <a:endParaRPr lang="en-US" dirty="0"/>
+                    </a:p>
+                  </a:txBody>
+                  <a:tcPr>
+                    <a:solidFill>
+                      <a:schemeClr val="accent1">
+                        <a:lumMod val="75000"/>
+                      </a:schemeClr>
+                    </a:solidFill>
+                  </a:tcPr>
+                </a:tc>
+                <a:tc>
+                  <a:txBody>
+                    <a:bodyPr/>
+                    <a:lstStyle/>
+                    <a:p>
+                      <a:endParaRPr lang="en-US" dirty="0"/>
+                    </a:p>
+                  </a:txBody>
+                  <a:tcPr>
+                    <a:solidFill>
+                      <a:schemeClr val="accent1">
+                        <a:lumMod val="60000"/>
+                        <a:lumOff val="40000"/>
+                      </a:schemeClr>
+                    </a:solidFill>
+                  </a:tcPr>
+                </a:tc>
+                <a:tc>
+                  <a:txBody>
+                    <a:bodyPr/>
+                    <a:lstStyle/>
+                    <a:p>
+                      <a:endParaRPr lang="en-US"/>
+                    </a:p>
+                  </a:txBody>
+                  <a:tcPr/>
+                </a:tc>
+                <a:tc>
+                  <a:txBody>
+                    <a:bodyPr/>
+                    <a:lstStyle/>
+                    <a:p>
+                      <a:endParaRPr lang="en-US"/>
+                    </a:p>
+                  </a:txBody>
+                  <a:tcPr/>
+                </a:tc>
+                <a:tc>
+                  <a:txBody>
+                    <a:bodyPr/>
+                    <a:lstStyle/>
+                    <a:p>
+                      <a:endParaRPr lang="en-US" dirty="0"/>
+                    </a:p>
+                  </a:txBody>
+                  <a:tcPr/>
+                </a:tc>
+                <a:extLst>
+                  <a:ext uri="{0D108BD9-81ED-4DB2-BD59-A6C34878D82A}">
+                    <a16:rowId xmlns:a16="http://schemas.microsoft.com/office/drawing/2014/main" val="3139381430"/>
+                  </a:ext>
+                </a:extLst>
+              </a:tr>
+            </a:tbl>
+          </a:graphicData>
+        </a:graphic>
+      </p:graphicFrame>
+      <p:sp>
+        <p:nvSpPr>
+          <p:cNvPr id="6" name="TextBox 5">
+            <a:extLst>
+              <a:ext uri="{FF2B5EF4-FFF2-40B4-BE49-F238E27FC236}">
+                <a16:creationId xmlns:a16="http://schemas.microsoft.com/office/drawing/2014/main" id="{E651F0A2-5183-4125-A2D0-920D47E878D5}"/>
+              </a:ext>
+            </a:extLst>
+          </p:cNvPr>
+          <p:cNvSpPr txBox="1"/>
+          <p:nvPr/>
+        </p:nvSpPr>
+        <p:spPr>
+          <a:xfrm>
+            <a:off x="4974566" y="4658264"/>
+            <a:ext cx="2242868" cy="923330"/>
+          </a:xfrm>
+          <a:prstGeom prst="rect">
+            <a:avLst/>
+          </a:prstGeom>
+          <a:solidFill>
+            <a:schemeClr val="bg2">
+              <a:lumMod val="25000"/>
+            </a:schemeClr>
+          </a:solidFill>
+        </p:spPr>
+        <p:txBody>
+          <a:bodyPr wrap="square" rtlCol="0">
+            <a:spAutoFit/>
+          </a:bodyPr>
+          <a:lstStyle/>
+          <a:p>
+            <a:pPr marL="285750" indent="-285750">
+              <a:buFont typeface="Wingdings" panose="05000000000000000000" pitchFamily="2" charset="2"/>
+              <a:buChar char="§"/>
+            </a:pPr>
+            <a:r>
+              <a:rPr lang="en-US" dirty="0">
+                <a:solidFill>
+                  <a:schemeClr val="accent1">
+                    <a:lumMod val="75000"/>
+                  </a:schemeClr>
+                </a:solidFill>
+              </a:rPr>
+              <a:t>Implementation</a:t>
+            </a:r>
+          </a:p>
+          <a:p>
+            <a:pPr marL="285750" indent="-285750">
+              <a:buFont typeface="Wingdings" panose="05000000000000000000" pitchFamily="2" charset="2"/>
+              <a:buChar char="§"/>
+            </a:pPr>
+            <a:r>
+              <a:rPr lang="en-US" dirty="0">
+                <a:solidFill>
+                  <a:schemeClr val="accent1">
+                    <a:lumMod val="60000"/>
+                    <a:lumOff val="40000"/>
+                  </a:schemeClr>
+                </a:solidFill>
+              </a:rPr>
+              <a:t>Training</a:t>
+            </a:r>
+          </a:p>
+          <a:p>
+            <a:pPr marL="285750" indent="-285750">
+              <a:buFont typeface="Wingdings" panose="05000000000000000000" pitchFamily="2" charset="2"/>
+              <a:buChar char="§"/>
+            </a:pPr>
+            <a:r>
+              <a:rPr lang="en-US" dirty="0">
+                <a:solidFill>
+                  <a:schemeClr val="accent2">
+                    <a:lumMod val="60000"/>
+                    <a:lumOff val="40000"/>
+                  </a:schemeClr>
+                </a:solidFill>
+              </a:rPr>
+              <a:t>Testing</a:t>
+            </a:r>
+          </a:p>
+        </p:txBody>
+      </p:sp>
     </p:spTree>
     <p:extLst>
       <p:ext uri="{BB962C8B-B14F-4D97-AF65-F5344CB8AC3E}">

--- a/De La Riva, Bennett, Calhoun, Young; Tax_Boss.pptx
+++ b/De La Riva, Bennett, Calhoun, Young; Tax_Boss.pptx
@@ -13,10 +13,9 @@
     <p:sldId id="260" r:id="rId7"/>
     <p:sldId id="269" r:id="rId8"/>
     <p:sldId id="265" r:id="rId9"/>
-    <p:sldId id="270" r:id="rId10"/>
-    <p:sldId id="261" r:id="rId11"/>
-    <p:sldId id="271" r:id="rId12"/>
-    <p:sldId id="262" r:id="rId13"/>
+    <p:sldId id="261" r:id="rId10"/>
+    <p:sldId id="271" r:id="rId11"/>
+    <p:sldId id="262" r:id="rId12"/>
   </p:sldIdLst>
   <p:sldSz cx="12192000" cy="6858000"/>
   <p:notesSz cx="6858000" cy="9144000"/>
@@ -15718,1797 +15717,6 @@
           <p:cNvPr id="2" name="Title 1">
             <a:extLst>
               <a:ext uri="{FF2B5EF4-FFF2-40B4-BE49-F238E27FC236}">
-                <a16:creationId xmlns:a16="http://schemas.microsoft.com/office/drawing/2014/main" id="{8E57C0AE-340B-4DEF-A2AB-3C6195B79004}"/>
-              </a:ext>
-            </a:extLst>
-          </p:cNvPr>
-          <p:cNvSpPr>
-            <a:spLocks noGrp="1"/>
-          </p:cNvSpPr>
-          <p:nvPr>
-            <p:ph type="title"/>
-          </p:nvPr>
-        </p:nvSpPr>
-        <p:spPr/>
-        <p:txBody>
-          <a:bodyPr/>
-          <a:lstStyle/>
-          <a:p>
-            <a:r>
-              <a:rPr lang="en-US" dirty="0"/>
-              <a:t>Cost</a:t>
-            </a:r>
-          </a:p>
-        </p:txBody>
-      </p:sp>
-      <p:graphicFrame>
-        <p:nvGraphicFramePr>
-          <p:cNvPr id="4" name="Table 4">
-            <a:extLst>
-              <a:ext uri="{FF2B5EF4-FFF2-40B4-BE49-F238E27FC236}">
-                <a16:creationId xmlns:a16="http://schemas.microsoft.com/office/drawing/2014/main" id="{9C6889DD-01A3-489A-9773-26A6933CCA6B}"/>
-              </a:ext>
-            </a:extLst>
-          </p:cNvPr>
-          <p:cNvGraphicFramePr>
-            <a:graphicFrameLocks noGrp="1"/>
-          </p:cNvGraphicFramePr>
-          <p:nvPr>
-            <p:ph idx="1"/>
-            <p:extLst>
-              <p:ext uri="{D42A27DB-BD31-4B8C-83A1-F6EECF244321}">
-                <p14:modId xmlns:p14="http://schemas.microsoft.com/office/powerpoint/2010/main" val="2576805687"/>
-              </p:ext>
-            </p:extLst>
-          </p:nvPr>
-        </p:nvGraphicFramePr>
-        <p:xfrm>
-          <a:off x="1484313" y="2183920"/>
-          <a:ext cx="10018708" cy="3708400"/>
-        </p:xfrm>
-        <a:graphic>
-          <a:graphicData uri="http://schemas.openxmlformats.org/drawingml/2006/table">
-            <a:tbl>
-              <a:tblPr firstRow="1" bandRow="1">
-                <a:tableStyleId>{9D7B26C5-4107-4FEC-AEDC-1716B250A1EF}</a:tableStyleId>
-              </a:tblPr>
-              <a:tblGrid>
-                <a:gridCol w="2003742">
-                  <a:extLst>
-                    <a:ext uri="{9D8B030D-6E8A-4147-A177-3AD203B41FA5}">
-                      <a16:colId xmlns:a16="http://schemas.microsoft.com/office/drawing/2014/main" val="1769105935"/>
-                    </a:ext>
-                  </a:extLst>
-                </a:gridCol>
-                <a:gridCol w="3870277">
-                  <a:extLst>
-                    <a:ext uri="{9D8B030D-6E8A-4147-A177-3AD203B41FA5}">
-                      <a16:colId xmlns:a16="http://schemas.microsoft.com/office/drawing/2014/main" val="2208315416"/>
-                    </a:ext>
-                  </a:extLst>
-                </a:gridCol>
-                <a:gridCol w="1381563">
-                  <a:extLst>
-                    <a:ext uri="{9D8B030D-6E8A-4147-A177-3AD203B41FA5}">
-                      <a16:colId xmlns:a16="http://schemas.microsoft.com/office/drawing/2014/main" val="992169908"/>
-                    </a:ext>
-                  </a:extLst>
-                </a:gridCol>
-                <a:gridCol w="1381563">
-                  <a:extLst>
-                    <a:ext uri="{9D8B030D-6E8A-4147-A177-3AD203B41FA5}">
-                      <a16:colId xmlns:a16="http://schemas.microsoft.com/office/drawing/2014/main" val="1588478479"/>
-                    </a:ext>
-                  </a:extLst>
-                </a:gridCol>
-                <a:gridCol w="1381563">
-                  <a:extLst>
-                    <a:ext uri="{9D8B030D-6E8A-4147-A177-3AD203B41FA5}">
-                      <a16:colId xmlns:a16="http://schemas.microsoft.com/office/drawing/2014/main" val="3658203024"/>
-                    </a:ext>
-                  </a:extLst>
-                </a:gridCol>
-              </a:tblGrid>
-              <a:tr h="370840">
-                <a:tc>
-                  <a:txBody>
-                    <a:bodyPr/>
-                    <a:lstStyle/>
-                    <a:p>
-                      <a:r>
-                        <a:rPr lang="en-US" dirty="0"/>
-                        <a:t>External Cost</a:t>
-                      </a:r>
-                    </a:p>
-                  </a:txBody>
-                  <a:tcPr>
-                    <a:lnL w="12700" cap="flat" cmpd="sng" algn="ctr">
-                      <a:solidFill>
-                        <a:schemeClr val="tx1"/>
-                      </a:solidFill>
-                      <a:prstDash val="solid"/>
-                      <a:round/>
-                      <a:headEnd type="none" w="med" len="med"/>
-                      <a:tailEnd type="none" w="med" len="med"/>
-                    </a:lnL>
-                  </a:tcPr>
-                </a:tc>
-                <a:tc>
-                  <a:txBody>
-                    <a:bodyPr/>
-                    <a:lstStyle/>
-                    <a:p>
-                      <a:r>
-                        <a:rPr lang="en-US" dirty="0"/>
-                        <a:t>Purpose</a:t>
-                      </a:r>
-                    </a:p>
-                  </a:txBody>
-                  <a:tcPr/>
-                </a:tc>
-                <a:tc>
-                  <a:txBody>
-                    <a:bodyPr/>
-                    <a:lstStyle/>
-                    <a:p>
-                      <a:r>
-                        <a:rPr lang="en-US" dirty="0"/>
-                        <a:t>Price Year 1</a:t>
-                      </a:r>
-                    </a:p>
-                  </a:txBody>
-                  <a:tcPr/>
-                </a:tc>
-                <a:tc>
-                  <a:txBody>
-                    <a:bodyPr/>
-                    <a:lstStyle/>
-                    <a:p>
-                      <a:r>
-                        <a:rPr lang="en-US" dirty="0"/>
-                        <a:t>Price Year 2</a:t>
-                      </a:r>
-                    </a:p>
-                  </a:txBody>
-                  <a:tcPr/>
-                </a:tc>
-                <a:tc>
-                  <a:txBody>
-                    <a:bodyPr/>
-                    <a:lstStyle/>
-                    <a:p>
-                      <a:r>
-                        <a:rPr lang="en-US" dirty="0"/>
-                        <a:t>Price Year 3</a:t>
-                      </a:r>
-                    </a:p>
-                  </a:txBody>
-                  <a:tcPr>
-                    <a:lnR w="12700" cap="flat" cmpd="sng" algn="ctr">
-                      <a:solidFill>
-                        <a:schemeClr val="tx1"/>
-                      </a:solidFill>
-                      <a:prstDash val="solid"/>
-                      <a:round/>
-                      <a:headEnd type="none" w="med" len="med"/>
-                      <a:tailEnd type="none" w="med" len="med"/>
-                    </a:lnR>
-                  </a:tcPr>
-                </a:tc>
-                <a:extLst>
-                  <a:ext uri="{0D108BD9-81ED-4DB2-BD59-A6C34878D82A}">
-                    <a16:rowId xmlns:a16="http://schemas.microsoft.com/office/drawing/2014/main" val="3966015360"/>
-                  </a:ext>
-                </a:extLst>
-              </a:tr>
-              <a:tr h="370840">
-                <a:tc>
-                  <a:txBody>
-                    <a:bodyPr/>
-                    <a:lstStyle/>
-                    <a:p>
-                      <a:r>
-                        <a:rPr lang="en-US" dirty="0"/>
-                        <a:t>Google Workspace</a:t>
-                      </a:r>
-                    </a:p>
-                  </a:txBody>
-                  <a:tcPr>
-                    <a:lnL w="12700" cap="flat" cmpd="sng" algn="ctr">
-                      <a:solidFill>
-                        <a:schemeClr val="tx1"/>
-                      </a:solidFill>
-                      <a:prstDash val="solid"/>
-                      <a:round/>
-                      <a:headEnd type="none" w="med" len="med"/>
-                      <a:tailEnd type="none" w="med" len="med"/>
-                    </a:lnL>
-                  </a:tcPr>
-                </a:tc>
-                <a:tc>
-                  <a:txBody>
-                    <a:bodyPr/>
-                    <a:lstStyle/>
-                    <a:p>
-                      <a:r>
-                        <a:rPr lang="en-US" dirty="0"/>
-                        <a:t>Document Transfer</a:t>
-                      </a:r>
-                    </a:p>
-                  </a:txBody>
-                  <a:tcPr/>
-                </a:tc>
-                <a:tc>
-                  <a:txBody>
-                    <a:bodyPr/>
-                    <a:lstStyle/>
-                    <a:p>
-                      <a:pPr algn="r" rtl="0" fontAlgn="b"/>
-                      <a:r>
-                        <a:rPr lang="en-US">
-                          <a:effectLst/>
-                        </a:rPr>
-                        <a:t>$144</a:t>
-                      </a:r>
-                    </a:p>
-                  </a:txBody>
-                  <a:tcPr marL="28575" marR="28575" marT="19050" marB="19050" anchor="b"/>
-                </a:tc>
-                <a:tc>
-                  <a:txBody>
-                    <a:bodyPr/>
-                    <a:lstStyle/>
-                    <a:p>
-                      <a:pPr algn="r" rtl="0" fontAlgn="b"/>
-                      <a:r>
-                        <a:rPr lang="en-US">
-                          <a:effectLst/>
-                        </a:rPr>
-                        <a:t>$144</a:t>
-                      </a:r>
-                    </a:p>
-                  </a:txBody>
-                  <a:tcPr marL="28575" marR="28575" marT="19050" marB="19050" anchor="b"/>
-                </a:tc>
-                <a:tc>
-                  <a:txBody>
-                    <a:bodyPr/>
-                    <a:lstStyle/>
-                    <a:p>
-                      <a:pPr algn="r" rtl="0" fontAlgn="b"/>
-                      <a:r>
-                        <a:rPr lang="en-US" dirty="0">
-                          <a:effectLst/>
-                        </a:rPr>
-                        <a:t>$144</a:t>
-                      </a:r>
-                    </a:p>
-                  </a:txBody>
-                  <a:tcPr marL="28575" marR="28575" marT="19050" marB="19050" anchor="b">
-                    <a:lnR w="12700" cap="flat" cmpd="sng" algn="ctr">
-                      <a:solidFill>
-                        <a:schemeClr val="tx1"/>
-                      </a:solidFill>
-                      <a:prstDash val="solid"/>
-                      <a:round/>
-                      <a:headEnd type="none" w="med" len="med"/>
-                      <a:tailEnd type="none" w="med" len="med"/>
-                    </a:lnR>
-                  </a:tcPr>
-                </a:tc>
-                <a:extLst>
-                  <a:ext uri="{0D108BD9-81ED-4DB2-BD59-A6C34878D82A}">
-                    <a16:rowId xmlns:a16="http://schemas.microsoft.com/office/drawing/2014/main" val="2072116671"/>
-                  </a:ext>
-                </a:extLst>
-              </a:tr>
-              <a:tr h="370840">
-                <a:tc>
-                  <a:txBody>
-                    <a:bodyPr/>
-                    <a:lstStyle/>
-                    <a:p>
-                      <a:pPr rtl="0" fontAlgn="b"/>
-                      <a:r>
-                        <a:rPr lang="en-US" dirty="0" err="1">
-                          <a:effectLst/>
-                        </a:rPr>
-                        <a:t>BigTime</a:t>
-                      </a:r>
-                      <a:r>
-                        <a:rPr lang="en-US" dirty="0">
-                          <a:effectLst/>
-                        </a:rPr>
-                        <a:t> (Pro)</a:t>
-                      </a:r>
-                    </a:p>
-                  </a:txBody>
-                  <a:tcPr marL="28575" marR="28575" marT="19050" marB="19050" anchor="b">
-                    <a:lnL w="12700" cap="flat" cmpd="sng" algn="ctr">
-                      <a:solidFill>
-                        <a:schemeClr val="tx1"/>
-                      </a:solidFill>
-                      <a:prstDash val="solid"/>
-                      <a:round/>
-                      <a:headEnd type="none" w="med" len="med"/>
-                      <a:tailEnd type="none" w="med" len="med"/>
-                    </a:lnL>
-                  </a:tcPr>
-                </a:tc>
-                <a:tc>
-                  <a:txBody>
-                    <a:bodyPr/>
-                    <a:lstStyle/>
-                    <a:p>
-                      <a:pPr rtl="0" fontAlgn="b"/>
-                      <a:r>
-                        <a:rPr lang="en-US">
-                          <a:effectLst/>
-                        </a:rPr>
-                        <a:t>Time Keeping, Billing, Notifications</a:t>
-                      </a:r>
-                    </a:p>
-                  </a:txBody>
-                  <a:tcPr marL="28575" marR="28575" marT="19050" marB="19050" anchor="b"/>
-                </a:tc>
-                <a:tc>
-                  <a:txBody>
-                    <a:bodyPr/>
-                    <a:lstStyle/>
-                    <a:p>
-                      <a:pPr algn="r" rtl="0" fontAlgn="b"/>
-                      <a:r>
-                        <a:rPr lang="en-US">
-                          <a:effectLst/>
-                        </a:rPr>
-                        <a:t>$1,800</a:t>
-                      </a:r>
-                    </a:p>
-                  </a:txBody>
-                  <a:tcPr marL="28575" marR="28575" marT="19050" marB="19050" anchor="b"/>
-                </a:tc>
-                <a:tc>
-                  <a:txBody>
-                    <a:bodyPr/>
-                    <a:lstStyle/>
-                    <a:p>
-                      <a:pPr algn="r" rtl="0" fontAlgn="b"/>
-                      <a:r>
-                        <a:rPr lang="en-US" dirty="0">
-                          <a:effectLst/>
-                        </a:rPr>
-                        <a:t>$1,800</a:t>
-                      </a:r>
-                    </a:p>
-                  </a:txBody>
-                  <a:tcPr marL="28575" marR="28575" marT="19050" marB="19050" anchor="b"/>
-                </a:tc>
-                <a:tc>
-                  <a:txBody>
-                    <a:bodyPr/>
-                    <a:lstStyle/>
-                    <a:p>
-                      <a:pPr algn="r" rtl="0" fontAlgn="b"/>
-                      <a:r>
-                        <a:rPr lang="en-US" dirty="0">
-                          <a:effectLst/>
-                        </a:rPr>
-                        <a:t>$1,800</a:t>
-                      </a:r>
-                    </a:p>
-                  </a:txBody>
-                  <a:tcPr marL="28575" marR="28575" marT="19050" marB="19050" anchor="b">
-                    <a:lnR w="12700" cap="flat" cmpd="sng" algn="ctr">
-                      <a:solidFill>
-                        <a:schemeClr val="tx1"/>
-                      </a:solidFill>
-                      <a:prstDash val="solid"/>
-                      <a:round/>
-                      <a:headEnd type="none" w="med" len="med"/>
-                      <a:tailEnd type="none" w="med" len="med"/>
-                    </a:lnR>
-                  </a:tcPr>
-                </a:tc>
-                <a:extLst>
-                  <a:ext uri="{0D108BD9-81ED-4DB2-BD59-A6C34878D82A}">
-                    <a16:rowId xmlns:a16="http://schemas.microsoft.com/office/drawing/2014/main" val="2320253476"/>
-                  </a:ext>
-                </a:extLst>
-              </a:tr>
-              <a:tr h="370840">
-                <a:tc>
-                  <a:txBody>
-                    <a:bodyPr/>
-                    <a:lstStyle/>
-                    <a:p>
-                      <a:pPr rtl="0" fontAlgn="b"/>
-                      <a:r>
-                        <a:rPr lang="en-US" dirty="0" err="1">
-                          <a:effectLst/>
-                        </a:rPr>
-                        <a:t>Shookum</a:t>
-                      </a:r>
-                      <a:endParaRPr lang="en-US" dirty="0">
-                        <a:effectLst/>
-                      </a:endParaRPr>
-                    </a:p>
-                  </a:txBody>
-                  <a:tcPr marL="28575" marR="28575" marT="19050" marB="19050" anchor="b">
-                    <a:lnL w="12700" cap="flat" cmpd="sng" algn="ctr">
-                      <a:solidFill>
-                        <a:schemeClr val="tx1"/>
-                      </a:solidFill>
-                      <a:prstDash val="solid"/>
-                      <a:round/>
-                      <a:headEnd type="none" w="med" len="med"/>
-                      <a:tailEnd type="none" w="med" len="med"/>
-                    </a:lnL>
-                  </a:tcPr>
-                </a:tc>
-                <a:tc>
-                  <a:txBody>
-                    <a:bodyPr/>
-                    <a:lstStyle/>
-                    <a:p>
-                      <a:pPr rtl="0" fontAlgn="b"/>
-                      <a:r>
-                        <a:rPr lang="en-US">
-                          <a:effectLst/>
-                        </a:rPr>
-                        <a:t>Advertisement Creation</a:t>
-                      </a:r>
-                    </a:p>
-                  </a:txBody>
-                  <a:tcPr marL="28575" marR="28575" marT="19050" marB="19050" anchor="b"/>
-                </a:tc>
-                <a:tc>
-                  <a:txBody>
-                    <a:bodyPr/>
-                    <a:lstStyle/>
-                    <a:p>
-                      <a:pPr algn="r" rtl="0" fontAlgn="b"/>
-                      <a:r>
-                        <a:rPr lang="en-US">
-                          <a:effectLst/>
-                        </a:rPr>
-                        <a:t>$3,000</a:t>
-                      </a:r>
-                    </a:p>
-                  </a:txBody>
-                  <a:tcPr marL="28575" marR="28575" marT="19050" marB="19050" anchor="b"/>
-                </a:tc>
-                <a:tc>
-                  <a:txBody>
-                    <a:bodyPr/>
-                    <a:lstStyle/>
-                    <a:p>
-                      <a:pPr algn="r" rtl="0" fontAlgn="b"/>
-                      <a:r>
-                        <a:rPr lang="en-US" dirty="0">
-                          <a:effectLst/>
-                        </a:rPr>
-                        <a:t>$2,000</a:t>
-                      </a:r>
-                    </a:p>
-                  </a:txBody>
-                  <a:tcPr marL="28575" marR="28575" marT="19050" marB="19050" anchor="b"/>
-                </a:tc>
-                <a:tc>
-                  <a:txBody>
-                    <a:bodyPr/>
-                    <a:lstStyle/>
-                    <a:p>
-                      <a:pPr algn="r" rtl="0" fontAlgn="b"/>
-                      <a:r>
-                        <a:rPr lang="en-US" dirty="0">
-                          <a:effectLst/>
-                        </a:rPr>
-                        <a:t>$2,000</a:t>
-                      </a:r>
-                    </a:p>
-                  </a:txBody>
-                  <a:tcPr marL="28575" marR="28575" marT="19050" marB="19050" anchor="b">
-                    <a:lnR w="12700" cap="flat" cmpd="sng" algn="ctr">
-                      <a:solidFill>
-                        <a:schemeClr val="tx1"/>
-                      </a:solidFill>
-                      <a:prstDash val="solid"/>
-                      <a:round/>
-                      <a:headEnd type="none" w="med" len="med"/>
-                      <a:tailEnd type="none" w="med" len="med"/>
-                    </a:lnR>
-                  </a:tcPr>
-                </a:tc>
-                <a:extLst>
-                  <a:ext uri="{0D108BD9-81ED-4DB2-BD59-A6C34878D82A}">
-                    <a16:rowId xmlns:a16="http://schemas.microsoft.com/office/drawing/2014/main" val="2618246687"/>
-                  </a:ext>
-                </a:extLst>
-              </a:tr>
-              <a:tr h="370840">
-                <a:tc>
-                  <a:txBody>
-                    <a:bodyPr/>
-                    <a:lstStyle/>
-                    <a:p>
-                      <a:pPr rtl="0" fontAlgn="b"/>
-                      <a:r>
-                        <a:rPr lang="en-US" dirty="0">
-                          <a:effectLst/>
-                        </a:rPr>
-                        <a:t>Meta Advertising</a:t>
-                      </a:r>
-                    </a:p>
-                  </a:txBody>
-                  <a:tcPr marL="28575" marR="28575" marT="19050" marB="19050" anchor="b">
-                    <a:lnL w="12700" cap="flat" cmpd="sng" algn="ctr">
-                      <a:solidFill>
-                        <a:schemeClr val="tx1"/>
-                      </a:solidFill>
-                      <a:prstDash val="solid"/>
-                      <a:round/>
-                      <a:headEnd type="none" w="med" len="med"/>
-                      <a:tailEnd type="none" w="med" len="med"/>
-                    </a:lnL>
-                    <a:lnB w="12700" cap="flat" cmpd="sng" algn="ctr">
-                      <a:solidFill>
-                        <a:schemeClr val="tx1"/>
-                      </a:solidFill>
-                      <a:prstDash val="solid"/>
-                      <a:round/>
-                      <a:headEnd type="none" w="med" len="med"/>
-                      <a:tailEnd type="none" w="med" len="med"/>
-                    </a:lnB>
-                  </a:tcPr>
-                </a:tc>
-                <a:tc>
-                  <a:txBody>
-                    <a:bodyPr/>
-                    <a:lstStyle/>
-                    <a:p>
-                      <a:pPr rtl="0" fontAlgn="b"/>
-                      <a:r>
-                        <a:rPr lang="en-US" dirty="0">
-                          <a:effectLst/>
-                        </a:rPr>
-                        <a:t>Advertisement Display</a:t>
-                      </a:r>
-                    </a:p>
-                  </a:txBody>
-                  <a:tcPr marL="28575" marR="28575" marT="19050" marB="19050" anchor="b">
-                    <a:lnB w="12700" cap="flat" cmpd="sng" algn="ctr">
-                      <a:solidFill>
-                        <a:schemeClr val="tx1"/>
-                      </a:solidFill>
-                      <a:prstDash val="solid"/>
-                      <a:round/>
-                      <a:headEnd type="none" w="med" len="med"/>
-                      <a:tailEnd type="none" w="med" len="med"/>
-                    </a:lnB>
-                  </a:tcPr>
-                </a:tc>
-                <a:tc>
-                  <a:txBody>
-                    <a:bodyPr/>
-                    <a:lstStyle/>
-                    <a:p>
-                      <a:pPr algn="r" rtl="0" fontAlgn="b"/>
-                      <a:r>
-                        <a:rPr lang="en-US" dirty="0">
-                          <a:effectLst/>
-                        </a:rPr>
-                        <a:t>$2,000</a:t>
-                      </a:r>
-                    </a:p>
-                  </a:txBody>
-                  <a:tcPr marL="28575" marR="28575" marT="19050" marB="19050" anchor="b">
-                    <a:lnB w="12700" cap="flat" cmpd="sng" algn="ctr">
-                      <a:solidFill>
-                        <a:schemeClr val="tx1"/>
-                      </a:solidFill>
-                      <a:prstDash val="solid"/>
-                      <a:round/>
-                      <a:headEnd type="none" w="med" len="med"/>
-                      <a:tailEnd type="none" w="med" len="med"/>
-                    </a:lnB>
-                  </a:tcPr>
-                </a:tc>
-                <a:tc>
-                  <a:txBody>
-                    <a:bodyPr/>
-                    <a:lstStyle/>
-                    <a:p>
-                      <a:pPr algn="r" rtl="0" fontAlgn="b"/>
-                      <a:r>
-                        <a:rPr lang="en-US" dirty="0">
-                          <a:effectLst/>
-                        </a:rPr>
-                        <a:t>$2,000</a:t>
-                      </a:r>
-                    </a:p>
-                  </a:txBody>
-                  <a:tcPr marL="28575" marR="28575" marT="19050" marB="19050" anchor="b">
-                    <a:lnB w="12700" cap="flat" cmpd="sng" algn="ctr">
-                      <a:solidFill>
-                        <a:schemeClr val="tx1"/>
-                      </a:solidFill>
-                      <a:prstDash val="solid"/>
-                      <a:round/>
-                      <a:headEnd type="none" w="med" len="med"/>
-                      <a:tailEnd type="none" w="med" len="med"/>
-                    </a:lnB>
-                  </a:tcPr>
-                </a:tc>
-                <a:tc>
-                  <a:txBody>
-                    <a:bodyPr/>
-                    <a:lstStyle/>
-                    <a:p>
-                      <a:pPr algn="r" rtl="0" fontAlgn="b"/>
-                      <a:r>
-                        <a:rPr lang="en-US" dirty="0">
-                          <a:effectLst/>
-                        </a:rPr>
-                        <a:t>$2,000</a:t>
-                      </a:r>
-                    </a:p>
-                  </a:txBody>
-                  <a:tcPr marL="28575" marR="28575" marT="19050" marB="19050" anchor="b">
-                    <a:lnR w="12700" cap="flat" cmpd="sng" algn="ctr">
-                      <a:solidFill>
-                        <a:schemeClr val="tx1"/>
-                      </a:solidFill>
-                      <a:prstDash val="solid"/>
-                      <a:round/>
-                      <a:headEnd type="none" w="med" len="med"/>
-                      <a:tailEnd type="none" w="med" len="med"/>
-                    </a:lnR>
-                    <a:lnB w="12700" cap="flat" cmpd="sng" algn="ctr">
-                      <a:solidFill>
-                        <a:schemeClr val="tx1"/>
-                      </a:solidFill>
-                      <a:prstDash val="solid"/>
-                      <a:round/>
-                      <a:headEnd type="none" w="med" len="med"/>
-                      <a:tailEnd type="none" w="med" len="med"/>
-                    </a:lnB>
-                  </a:tcPr>
-                </a:tc>
-                <a:extLst>
-                  <a:ext uri="{0D108BD9-81ED-4DB2-BD59-A6C34878D82A}">
-                    <a16:rowId xmlns:a16="http://schemas.microsoft.com/office/drawing/2014/main" val="744082753"/>
-                  </a:ext>
-                </a:extLst>
-              </a:tr>
-              <a:tr h="370840">
-                <a:tc>
-                  <a:txBody>
-                    <a:bodyPr/>
-                    <a:lstStyle/>
-                    <a:p>
-                      <a:pPr rtl="0" fontAlgn="b"/>
-                      <a:endParaRPr lang="en-US" dirty="0">
-                        <a:effectLst/>
-                      </a:endParaRPr>
-                    </a:p>
-                  </a:txBody>
-                  <a:tcPr marL="28575" marR="28575" marT="19050" marB="19050" anchor="b">
-                    <a:lnL w="12700" cap="flat" cmpd="sng" algn="ctr">
-                      <a:noFill/>
-                      <a:prstDash val="solid"/>
-                      <a:round/>
-                      <a:headEnd type="none" w="med" len="med"/>
-                      <a:tailEnd type="none" w="med" len="med"/>
-                    </a:lnL>
-                    <a:lnR>
-                      <a:noFill/>
-                    </a:lnR>
-                    <a:lnT w="12700" cap="flat" cmpd="sng" algn="ctr">
-                      <a:solidFill>
-                        <a:schemeClr val="tx1"/>
-                      </a:solidFill>
-                      <a:prstDash val="solid"/>
-                      <a:round/>
-                      <a:headEnd type="none" w="med" len="med"/>
-                      <a:tailEnd type="none" w="med" len="med"/>
-                    </a:lnT>
-                    <a:lnB w="12700" cap="flat" cmpd="sng" algn="ctr">
-                      <a:solidFill>
-                        <a:schemeClr val="tx1"/>
-                      </a:solidFill>
-                      <a:prstDash val="solid"/>
-                      <a:round/>
-                      <a:headEnd type="none" w="med" len="med"/>
-                      <a:tailEnd type="none" w="med" len="med"/>
-                    </a:lnB>
-                    <a:lnTlToBr w="12700" cmpd="sng">
-                      <a:noFill/>
-                      <a:prstDash val="solid"/>
-                    </a:lnTlToBr>
-                    <a:lnBlToTr w="12700" cmpd="sng">
-                      <a:noFill/>
-                      <a:prstDash val="solid"/>
-                    </a:lnBlToTr>
-                    <a:noFill/>
-                  </a:tcPr>
-                </a:tc>
-                <a:tc>
-                  <a:txBody>
-                    <a:bodyPr/>
-                    <a:lstStyle/>
-                    <a:p>
-                      <a:pPr rtl="0" fontAlgn="b"/>
-                      <a:endParaRPr lang="en-US" dirty="0">
-                        <a:effectLst/>
-                      </a:endParaRPr>
-                    </a:p>
-                  </a:txBody>
-                  <a:tcPr marL="28575" marR="28575" marT="19050" marB="19050" anchor="b">
-                    <a:lnL>
-                      <a:noFill/>
-                    </a:lnL>
-                    <a:lnR>
-                      <a:noFill/>
-                    </a:lnR>
-                    <a:lnT w="12700" cap="flat" cmpd="sng" algn="ctr">
-                      <a:solidFill>
-                        <a:schemeClr val="tx1"/>
-                      </a:solidFill>
-                      <a:prstDash val="solid"/>
-                      <a:round/>
-                      <a:headEnd type="none" w="med" len="med"/>
-                      <a:tailEnd type="none" w="med" len="med"/>
-                    </a:lnT>
-                    <a:lnB w="12700" cap="flat" cmpd="sng" algn="ctr">
-                      <a:solidFill>
-                        <a:schemeClr val="tx1"/>
-                      </a:solidFill>
-                      <a:prstDash val="solid"/>
-                      <a:round/>
-                      <a:headEnd type="none" w="med" len="med"/>
-                      <a:tailEnd type="none" w="med" len="med"/>
-                    </a:lnB>
-                    <a:lnTlToBr w="12700" cmpd="sng">
-                      <a:noFill/>
-                      <a:prstDash val="solid"/>
-                    </a:lnTlToBr>
-                    <a:lnBlToTr w="12700" cmpd="sng">
-                      <a:noFill/>
-                      <a:prstDash val="solid"/>
-                    </a:lnBlToTr>
-                    <a:noFill/>
-                  </a:tcPr>
-                </a:tc>
-                <a:tc>
-                  <a:txBody>
-                    <a:bodyPr/>
-                    <a:lstStyle/>
-                    <a:p>
-                      <a:pPr algn="r" rtl="0" fontAlgn="b"/>
-                      <a:endParaRPr lang="en-US" dirty="0">
-                        <a:effectLst/>
-                      </a:endParaRPr>
-                    </a:p>
-                  </a:txBody>
-                  <a:tcPr marL="28575" marR="28575" marT="19050" marB="19050" anchor="b">
-                    <a:lnL>
-                      <a:noFill/>
-                    </a:lnL>
-                    <a:lnR>
-                      <a:noFill/>
-                    </a:lnR>
-                    <a:lnT w="12700" cap="flat" cmpd="sng" algn="ctr">
-                      <a:solidFill>
-                        <a:schemeClr val="tx1"/>
-                      </a:solidFill>
-                      <a:prstDash val="solid"/>
-                      <a:round/>
-                      <a:headEnd type="none" w="med" len="med"/>
-                      <a:tailEnd type="none" w="med" len="med"/>
-                    </a:lnT>
-                    <a:lnB w="12700" cap="flat" cmpd="sng" algn="ctr">
-                      <a:solidFill>
-                        <a:schemeClr val="tx1"/>
-                      </a:solidFill>
-                      <a:prstDash val="solid"/>
-                      <a:round/>
-                      <a:headEnd type="none" w="med" len="med"/>
-                      <a:tailEnd type="none" w="med" len="med"/>
-                    </a:lnB>
-                    <a:lnTlToBr w="12700" cmpd="sng">
-                      <a:noFill/>
-                      <a:prstDash val="solid"/>
-                    </a:lnTlToBr>
-                    <a:lnBlToTr w="12700" cmpd="sng">
-                      <a:noFill/>
-                      <a:prstDash val="solid"/>
-                    </a:lnBlToTr>
-                    <a:noFill/>
-                  </a:tcPr>
-                </a:tc>
-                <a:tc>
-                  <a:txBody>
-                    <a:bodyPr/>
-                    <a:lstStyle/>
-                    <a:p>
-                      <a:pPr algn="r" rtl="0" fontAlgn="b"/>
-                      <a:endParaRPr lang="en-US" dirty="0">
-                        <a:effectLst/>
-                      </a:endParaRPr>
-                    </a:p>
-                  </a:txBody>
-                  <a:tcPr marL="28575" marR="28575" marT="19050" marB="19050" anchor="b">
-                    <a:lnL>
-                      <a:noFill/>
-                    </a:lnL>
-                    <a:lnR>
-                      <a:noFill/>
-                    </a:lnR>
-                    <a:lnT w="12700" cap="flat" cmpd="sng" algn="ctr">
-                      <a:solidFill>
-                        <a:schemeClr val="tx1"/>
-                      </a:solidFill>
-                      <a:prstDash val="solid"/>
-                      <a:round/>
-                      <a:headEnd type="none" w="med" len="med"/>
-                      <a:tailEnd type="none" w="med" len="med"/>
-                    </a:lnT>
-                    <a:lnB w="12700" cap="flat" cmpd="sng" algn="ctr">
-                      <a:solidFill>
-                        <a:schemeClr val="tx1"/>
-                      </a:solidFill>
-                      <a:prstDash val="solid"/>
-                      <a:round/>
-                      <a:headEnd type="none" w="med" len="med"/>
-                      <a:tailEnd type="none" w="med" len="med"/>
-                    </a:lnB>
-                    <a:lnTlToBr w="12700" cmpd="sng">
-                      <a:noFill/>
-                      <a:prstDash val="solid"/>
-                    </a:lnTlToBr>
-                    <a:lnBlToTr w="12700" cmpd="sng">
-                      <a:noFill/>
-                      <a:prstDash val="solid"/>
-                    </a:lnBlToTr>
-                    <a:noFill/>
-                  </a:tcPr>
-                </a:tc>
-                <a:tc>
-                  <a:txBody>
-                    <a:bodyPr/>
-                    <a:lstStyle/>
-                    <a:p>
-                      <a:pPr algn="r" rtl="0" fontAlgn="b"/>
-                      <a:endParaRPr lang="en-US" dirty="0">
-                        <a:effectLst/>
-                      </a:endParaRPr>
-                    </a:p>
-                  </a:txBody>
-                  <a:tcPr marL="28575" marR="28575" marT="19050" marB="19050" anchor="b">
-                    <a:lnL>
-                      <a:noFill/>
-                    </a:lnL>
-                    <a:lnR w="12700" cap="flat" cmpd="sng" algn="ctr">
-                      <a:noFill/>
-                      <a:prstDash val="solid"/>
-                      <a:round/>
-                      <a:headEnd type="none" w="med" len="med"/>
-                      <a:tailEnd type="none" w="med" len="med"/>
-                    </a:lnR>
-                    <a:lnT w="12700" cap="flat" cmpd="sng" algn="ctr">
-                      <a:solidFill>
-                        <a:schemeClr val="tx1"/>
-                      </a:solidFill>
-                      <a:prstDash val="solid"/>
-                      <a:round/>
-                      <a:headEnd type="none" w="med" len="med"/>
-                      <a:tailEnd type="none" w="med" len="med"/>
-                    </a:lnT>
-                    <a:lnB w="12700" cap="flat" cmpd="sng" algn="ctr">
-                      <a:solidFill>
-                        <a:schemeClr val="tx1"/>
-                      </a:solidFill>
-                      <a:prstDash val="solid"/>
-                      <a:round/>
-                      <a:headEnd type="none" w="med" len="med"/>
-                      <a:tailEnd type="none" w="med" len="med"/>
-                    </a:lnB>
-                    <a:lnTlToBr w="12700" cmpd="sng">
-                      <a:noFill/>
-                      <a:prstDash val="solid"/>
-                    </a:lnTlToBr>
-                    <a:lnBlToTr w="12700" cmpd="sng">
-                      <a:noFill/>
-                      <a:prstDash val="solid"/>
-                    </a:lnBlToTr>
-                    <a:noFill/>
-                  </a:tcPr>
-                </a:tc>
-                <a:extLst>
-                  <a:ext uri="{0D108BD9-81ED-4DB2-BD59-A6C34878D82A}">
-                    <a16:rowId xmlns:a16="http://schemas.microsoft.com/office/drawing/2014/main" val="2721063106"/>
-                  </a:ext>
-                </a:extLst>
-              </a:tr>
-              <a:tr h="370840">
-                <a:tc>
-                  <a:txBody>
-                    <a:bodyPr/>
-                    <a:lstStyle/>
-                    <a:p>
-                      <a:pPr rtl="0" fontAlgn="b"/>
-                      <a:r>
-                        <a:rPr lang="en-US" b="1" dirty="0">
-                          <a:effectLst/>
-                        </a:rPr>
-                        <a:t>Internal Cost</a:t>
-                      </a:r>
-                    </a:p>
-                  </a:txBody>
-                  <a:tcPr marL="28575" marR="28575" marT="19050" marB="19050" anchor="b">
-                    <a:lnL w="12700" cap="flat" cmpd="sng" algn="ctr">
-                      <a:solidFill>
-                        <a:schemeClr val="tx1"/>
-                      </a:solidFill>
-                      <a:prstDash val="solid"/>
-                      <a:round/>
-                      <a:headEnd type="none" w="med" len="med"/>
-                      <a:tailEnd type="none" w="med" len="med"/>
-                    </a:lnL>
-                    <a:lnT w="12700" cap="flat" cmpd="sng" algn="ctr">
-                      <a:solidFill>
-                        <a:schemeClr val="tx1"/>
-                      </a:solidFill>
-                      <a:prstDash val="solid"/>
-                      <a:round/>
-                      <a:headEnd type="none" w="med" len="med"/>
-                      <a:tailEnd type="none" w="med" len="med"/>
-                    </a:lnT>
-                    <a:lnB w="12700" cap="flat" cmpd="sng" algn="ctr">
-                      <a:solidFill>
-                        <a:schemeClr val="tx1"/>
-                      </a:solidFill>
-                      <a:prstDash val="solid"/>
-                      <a:round/>
-                      <a:headEnd type="none" w="med" len="med"/>
-                      <a:tailEnd type="none" w="med" len="med"/>
-                    </a:lnB>
-                    <a:solidFill>
-                      <a:schemeClr val="bg1">
-                        <a:alpha val="20000"/>
-                      </a:schemeClr>
-                    </a:solidFill>
-                  </a:tcPr>
-                </a:tc>
-                <a:tc>
-                  <a:txBody>
-                    <a:bodyPr/>
-                    <a:lstStyle/>
-                    <a:p>
-                      <a:pPr rtl="0" fontAlgn="b"/>
-                      <a:endParaRPr lang="en-US" dirty="0">
-                        <a:effectLst/>
-                      </a:endParaRPr>
-                    </a:p>
-                  </a:txBody>
-                  <a:tcPr marL="28575" marR="28575" marT="19050" marB="19050" anchor="b">
-                    <a:lnT w="12700" cap="flat" cmpd="sng" algn="ctr">
-                      <a:solidFill>
-                        <a:schemeClr val="tx1"/>
-                      </a:solidFill>
-                      <a:prstDash val="solid"/>
-                      <a:round/>
-                      <a:headEnd type="none" w="med" len="med"/>
-                      <a:tailEnd type="none" w="med" len="med"/>
-                    </a:lnT>
-                    <a:lnB w="12700" cap="flat" cmpd="sng" algn="ctr">
-                      <a:solidFill>
-                        <a:schemeClr val="tx1"/>
-                      </a:solidFill>
-                      <a:prstDash val="solid"/>
-                      <a:round/>
-                      <a:headEnd type="none" w="med" len="med"/>
-                      <a:tailEnd type="none" w="med" len="med"/>
-                    </a:lnB>
-                    <a:solidFill>
-                      <a:schemeClr val="bg1">
-                        <a:alpha val="20000"/>
-                      </a:schemeClr>
-                    </a:solidFill>
-                  </a:tcPr>
-                </a:tc>
-                <a:tc>
-                  <a:txBody>
-                    <a:bodyPr/>
-                    <a:lstStyle/>
-                    <a:p>
-                      <a:pPr rtl="0" fontAlgn="b"/>
-                      <a:endParaRPr lang="en-US" dirty="0">
-                        <a:effectLst/>
-                      </a:endParaRPr>
-                    </a:p>
-                  </a:txBody>
-                  <a:tcPr marL="28575" marR="28575" marT="19050" marB="19050" anchor="b">
-                    <a:lnT w="12700" cap="flat" cmpd="sng" algn="ctr">
-                      <a:solidFill>
-                        <a:schemeClr val="tx1"/>
-                      </a:solidFill>
-                      <a:prstDash val="solid"/>
-                      <a:round/>
-                      <a:headEnd type="none" w="med" len="med"/>
-                      <a:tailEnd type="none" w="med" len="med"/>
-                    </a:lnT>
-                    <a:lnB w="12700" cap="flat" cmpd="sng" algn="ctr">
-                      <a:solidFill>
-                        <a:schemeClr val="tx1"/>
-                      </a:solidFill>
-                      <a:prstDash val="solid"/>
-                      <a:round/>
-                      <a:headEnd type="none" w="med" len="med"/>
-                      <a:tailEnd type="none" w="med" len="med"/>
-                    </a:lnB>
-                    <a:solidFill>
-                      <a:schemeClr val="bg1">
-                        <a:alpha val="20000"/>
-                      </a:schemeClr>
-                    </a:solidFill>
-                  </a:tcPr>
-                </a:tc>
-                <a:tc>
-                  <a:txBody>
-                    <a:bodyPr/>
-                    <a:lstStyle/>
-                    <a:p>
-                      <a:pPr rtl="0" fontAlgn="b"/>
-                      <a:endParaRPr lang="en-US" dirty="0">
-                        <a:effectLst/>
-                      </a:endParaRPr>
-                    </a:p>
-                  </a:txBody>
-                  <a:tcPr marL="28575" marR="28575" marT="19050" marB="19050" anchor="b">
-                    <a:lnT w="12700" cap="flat" cmpd="sng" algn="ctr">
-                      <a:solidFill>
-                        <a:schemeClr val="tx1"/>
-                      </a:solidFill>
-                      <a:prstDash val="solid"/>
-                      <a:round/>
-                      <a:headEnd type="none" w="med" len="med"/>
-                      <a:tailEnd type="none" w="med" len="med"/>
-                    </a:lnT>
-                    <a:lnB w="12700" cap="flat" cmpd="sng" algn="ctr">
-                      <a:solidFill>
-                        <a:schemeClr val="tx1"/>
-                      </a:solidFill>
-                      <a:prstDash val="solid"/>
-                      <a:round/>
-                      <a:headEnd type="none" w="med" len="med"/>
-                      <a:tailEnd type="none" w="med" len="med"/>
-                    </a:lnB>
-                    <a:solidFill>
-                      <a:schemeClr val="bg1">
-                        <a:alpha val="20000"/>
-                      </a:schemeClr>
-                    </a:solidFill>
-                  </a:tcPr>
-                </a:tc>
-                <a:tc>
-                  <a:txBody>
-                    <a:bodyPr/>
-                    <a:lstStyle/>
-                    <a:p>
-                      <a:pPr rtl="0" fontAlgn="b"/>
-                      <a:endParaRPr lang="en-US" dirty="0">
-                        <a:effectLst/>
-                      </a:endParaRPr>
-                    </a:p>
-                  </a:txBody>
-                  <a:tcPr marL="28575" marR="28575" marT="19050" marB="19050" anchor="b">
-                    <a:lnR w="12700" cap="flat" cmpd="sng" algn="ctr">
-                      <a:solidFill>
-                        <a:schemeClr val="tx1"/>
-                      </a:solidFill>
-                      <a:prstDash val="solid"/>
-                      <a:round/>
-                      <a:headEnd type="none" w="med" len="med"/>
-                      <a:tailEnd type="none" w="med" len="med"/>
-                    </a:lnR>
-                    <a:lnT w="12700" cap="flat" cmpd="sng" algn="ctr">
-                      <a:solidFill>
-                        <a:schemeClr val="tx1"/>
-                      </a:solidFill>
-                      <a:prstDash val="solid"/>
-                      <a:round/>
-                      <a:headEnd type="none" w="med" len="med"/>
-                      <a:tailEnd type="none" w="med" len="med"/>
-                    </a:lnT>
-                    <a:lnB w="12700" cap="flat" cmpd="sng" algn="ctr">
-                      <a:solidFill>
-                        <a:schemeClr val="tx1"/>
-                      </a:solidFill>
-                      <a:prstDash val="solid"/>
-                      <a:round/>
-                      <a:headEnd type="none" w="med" len="med"/>
-                      <a:tailEnd type="none" w="med" len="med"/>
-                    </a:lnB>
-                    <a:solidFill>
-                      <a:schemeClr val="bg1">
-                        <a:alpha val="20000"/>
-                      </a:schemeClr>
-                    </a:solidFill>
-                  </a:tcPr>
-                </a:tc>
-                <a:extLst>
-                  <a:ext uri="{0D108BD9-81ED-4DB2-BD59-A6C34878D82A}">
-                    <a16:rowId xmlns:a16="http://schemas.microsoft.com/office/drawing/2014/main" val="3411564193"/>
-                  </a:ext>
-                </a:extLst>
-              </a:tr>
-              <a:tr h="370840">
-                <a:tc>
-                  <a:txBody>
-                    <a:bodyPr/>
-                    <a:lstStyle/>
-                    <a:p>
-                      <a:pPr rtl="0" fontAlgn="b"/>
-                      <a:r>
-                        <a:rPr lang="en-US" dirty="0">
-                          <a:effectLst/>
-                        </a:rPr>
-                        <a:t>Training</a:t>
-                      </a:r>
-                    </a:p>
-                  </a:txBody>
-                  <a:tcPr marL="28575" marR="28575" marT="19050" marB="19050" anchor="b">
-                    <a:lnL w="12700" cap="flat" cmpd="sng" algn="ctr">
-                      <a:solidFill>
-                        <a:schemeClr val="tx1"/>
-                      </a:solidFill>
-                      <a:prstDash val="solid"/>
-                      <a:round/>
-                      <a:headEnd type="none" w="med" len="med"/>
-                      <a:tailEnd type="none" w="med" len="med"/>
-                    </a:lnL>
-                    <a:lnT w="12700" cap="flat" cmpd="sng" algn="ctr">
-                      <a:solidFill>
-                        <a:schemeClr val="tx1"/>
-                      </a:solidFill>
-                      <a:prstDash val="solid"/>
-                      <a:round/>
-                      <a:headEnd type="none" w="med" len="med"/>
-                      <a:tailEnd type="none" w="med" len="med"/>
-                    </a:lnT>
-                    <a:lnB w="12700" cap="flat" cmpd="sng" algn="ctr">
-                      <a:solidFill>
-                        <a:schemeClr val="tx1"/>
-                      </a:solidFill>
-                      <a:prstDash val="solid"/>
-                      <a:round/>
-                      <a:headEnd type="none" w="med" len="med"/>
-                      <a:tailEnd type="none" w="med" len="med"/>
-                    </a:lnB>
-                  </a:tcPr>
-                </a:tc>
-                <a:tc>
-                  <a:txBody>
-                    <a:bodyPr/>
-                    <a:lstStyle/>
-                    <a:p>
-                      <a:pPr rtl="0" fontAlgn="b"/>
-                      <a:r>
-                        <a:rPr lang="en-US">
-                          <a:effectLst/>
-                        </a:rPr>
-                        <a:t>Training in Solutions Above</a:t>
-                      </a:r>
-                    </a:p>
-                  </a:txBody>
-                  <a:tcPr marL="28575" marR="28575" marT="19050" marB="19050" anchor="b">
-                    <a:lnT w="12700" cap="flat" cmpd="sng" algn="ctr">
-                      <a:solidFill>
-                        <a:schemeClr val="tx1"/>
-                      </a:solidFill>
-                      <a:prstDash val="solid"/>
-                      <a:round/>
-                      <a:headEnd type="none" w="med" len="med"/>
-                      <a:tailEnd type="none" w="med" len="med"/>
-                    </a:lnT>
-                    <a:lnB w="12700" cap="flat" cmpd="sng" algn="ctr">
-                      <a:solidFill>
-                        <a:schemeClr val="tx1"/>
-                      </a:solidFill>
-                      <a:prstDash val="solid"/>
-                      <a:round/>
-                      <a:headEnd type="none" w="med" len="med"/>
-                      <a:tailEnd type="none" w="med" len="med"/>
-                    </a:lnB>
-                  </a:tcPr>
-                </a:tc>
-                <a:tc>
-                  <a:txBody>
-                    <a:bodyPr/>
-                    <a:lstStyle/>
-                    <a:p>
-                      <a:pPr algn="r" rtl="0" fontAlgn="b"/>
-                      <a:r>
-                        <a:rPr lang="en-US">
-                          <a:effectLst/>
-                        </a:rPr>
-                        <a:t>$1,000</a:t>
-                      </a:r>
-                    </a:p>
-                  </a:txBody>
-                  <a:tcPr marL="28575" marR="28575" marT="19050" marB="19050" anchor="b">
-                    <a:lnT w="12700" cap="flat" cmpd="sng" algn="ctr">
-                      <a:solidFill>
-                        <a:schemeClr val="tx1"/>
-                      </a:solidFill>
-                      <a:prstDash val="solid"/>
-                      <a:round/>
-                      <a:headEnd type="none" w="med" len="med"/>
-                      <a:tailEnd type="none" w="med" len="med"/>
-                    </a:lnT>
-                    <a:lnB w="12700" cap="flat" cmpd="sng" algn="ctr">
-                      <a:solidFill>
-                        <a:schemeClr val="tx1"/>
-                      </a:solidFill>
-                      <a:prstDash val="solid"/>
-                      <a:round/>
-                      <a:headEnd type="none" w="med" len="med"/>
-                      <a:tailEnd type="none" w="med" len="med"/>
-                    </a:lnB>
-                  </a:tcPr>
-                </a:tc>
-                <a:tc>
-                  <a:txBody>
-                    <a:bodyPr/>
-                    <a:lstStyle/>
-                    <a:p>
-                      <a:pPr algn="r" rtl="0" fontAlgn="b"/>
-                      <a:r>
-                        <a:rPr lang="en-US">
-                          <a:effectLst/>
-                        </a:rPr>
-                        <a:t>$0</a:t>
-                      </a:r>
-                    </a:p>
-                  </a:txBody>
-                  <a:tcPr marL="28575" marR="28575" marT="19050" marB="19050" anchor="b">
-                    <a:lnT w="12700" cap="flat" cmpd="sng" algn="ctr">
-                      <a:solidFill>
-                        <a:schemeClr val="tx1"/>
-                      </a:solidFill>
-                      <a:prstDash val="solid"/>
-                      <a:round/>
-                      <a:headEnd type="none" w="med" len="med"/>
-                      <a:tailEnd type="none" w="med" len="med"/>
-                    </a:lnT>
-                    <a:lnB w="12700" cap="flat" cmpd="sng" algn="ctr">
-                      <a:solidFill>
-                        <a:schemeClr val="tx1"/>
-                      </a:solidFill>
-                      <a:prstDash val="solid"/>
-                      <a:round/>
-                      <a:headEnd type="none" w="med" len="med"/>
-                      <a:tailEnd type="none" w="med" len="med"/>
-                    </a:lnB>
-                  </a:tcPr>
-                </a:tc>
-                <a:tc>
-                  <a:txBody>
-                    <a:bodyPr/>
-                    <a:lstStyle/>
-                    <a:p>
-                      <a:pPr algn="r" rtl="0" fontAlgn="b"/>
-                      <a:r>
-                        <a:rPr lang="en-US" dirty="0">
-                          <a:effectLst/>
-                        </a:rPr>
-                        <a:t>$0</a:t>
-                      </a:r>
-                    </a:p>
-                  </a:txBody>
-                  <a:tcPr marL="28575" marR="28575" marT="19050" marB="19050" anchor="b">
-                    <a:lnR w="12700" cap="flat" cmpd="sng" algn="ctr">
-                      <a:solidFill>
-                        <a:schemeClr val="tx1"/>
-                      </a:solidFill>
-                      <a:prstDash val="solid"/>
-                      <a:round/>
-                      <a:headEnd type="none" w="med" len="med"/>
-                      <a:tailEnd type="none" w="med" len="med"/>
-                    </a:lnR>
-                    <a:lnT w="12700" cap="flat" cmpd="sng" algn="ctr">
-                      <a:solidFill>
-                        <a:schemeClr val="tx1"/>
-                      </a:solidFill>
-                      <a:prstDash val="solid"/>
-                      <a:round/>
-                      <a:headEnd type="none" w="med" len="med"/>
-                      <a:tailEnd type="none" w="med" len="med"/>
-                    </a:lnT>
-                    <a:lnB w="12700" cap="flat" cmpd="sng" algn="ctr">
-                      <a:solidFill>
-                        <a:schemeClr val="tx1"/>
-                      </a:solidFill>
-                      <a:prstDash val="solid"/>
-                      <a:round/>
-                      <a:headEnd type="none" w="med" len="med"/>
-                      <a:tailEnd type="none" w="med" len="med"/>
-                    </a:lnB>
-                  </a:tcPr>
-                </a:tc>
-                <a:extLst>
-                  <a:ext uri="{0D108BD9-81ED-4DB2-BD59-A6C34878D82A}">
-                    <a16:rowId xmlns:a16="http://schemas.microsoft.com/office/drawing/2014/main" val="304209025"/>
-                  </a:ext>
-                </a:extLst>
-              </a:tr>
-              <a:tr h="370840">
-                <a:tc>
-                  <a:txBody>
-                    <a:bodyPr/>
-                    <a:lstStyle/>
-                    <a:p>
-                      <a:pPr rtl="0" fontAlgn="b"/>
-                      <a:endParaRPr lang="en-US" dirty="0">
-                        <a:effectLst/>
-                      </a:endParaRPr>
-                    </a:p>
-                  </a:txBody>
-                  <a:tcPr marL="28575" marR="28575" marT="19050" marB="19050" anchor="b">
-                    <a:lnL w="12700" cap="flat" cmpd="sng" algn="ctr">
-                      <a:noFill/>
-                      <a:prstDash val="solid"/>
-                      <a:round/>
-                      <a:headEnd type="none" w="med" len="med"/>
-                      <a:tailEnd type="none" w="med" len="med"/>
-                    </a:lnL>
-                    <a:lnR>
-                      <a:noFill/>
-                    </a:lnR>
-                    <a:lnT w="12700" cap="flat" cmpd="sng" algn="ctr">
-                      <a:solidFill>
-                        <a:schemeClr val="tx1"/>
-                      </a:solidFill>
-                      <a:prstDash val="solid"/>
-                      <a:round/>
-                      <a:headEnd type="none" w="med" len="med"/>
-                      <a:tailEnd type="none" w="med" len="med"/>
-                    </a:lnT>
-                    <a:lnB w="12700" cap="flat" cmpd="sng" algn="ctr">
-                      <a:solidFill>
-                        <a:schemeClr val="tx1"/>
-                      </a:solidFill>
-                      <a:prstDash val="solid"/>
-                      <a:round/>
-                      <a:headEnd type="none" w="med" len="med"/>
-                      <a:tailEnd type="none" w="med" len="med"/>
-                    </a:lnB>
-                    <a:lnTlToBr w="12700" cmpd="sng">
-                      <a:noFill/>
-                      <a:prstDash val="solid"/>
-                    </a:lnTlToBr>
-                    <a:lnBlToTr w="12700" cmpd="sng">
-                      <a:noFill/>
-                      <a:prstDash val="solid"/>
-                    </a:lnBlToTr>
-                    <a:noFill/>
-                  </a:tcPr>
-                </a:tc>
-                <a:tc>
-                  <a:txBody>
-                    <a:bodyPr/>
-                    <a:lstStyle/>
-                    <a:p>
-                      <a:pPr rtl="0" fontAlgn="b"/>
-                      <a:endParaRPr lang="en-US" dirty="0">
-                        <a:effectLst/>
-                      </a:endParaRPr>
-                    </a:p>
-                  </a:txBody>
-                  <a:tcPr marL="28575" marR="28575" marT="19050" marB="19050" anchor="b">
-                    <a:lnL>
-                      <a:noFill/>
-                    </a:lnL>
-                    <a:lnR>
-                      <a:noFill/>
-                    </a:lnR>
-                    <a:lnT w="12700" cap="flat" cmpd="sng" algn="ctr">
-                      <a:solidFill>
-                        <a:schemeClr val="tx1"/>
-                      </a:solidFill>
-                      <a:prstDash val="solid"/>
-                      <a:round/>
-                      <a:headEnd type="none" w="med" len="med"/>
-                      <a:tailEnd type="none" w="med" len="med"/>
-                    </a:lnT>
-                    <a:lnB w="12700" cap="flat" cmpd="sng" algn="ctr">
-                      <a:solidFill>
-                        <a:schemeClr val="tx1"/>
-                      </a:solidFill>
-                      <a:prstDash val="solid"/>
-                      <a:round/>
-                      <a:headEnd type="none" w="med" len="med"/>
-                      <a:tailEnd type="none" w="med" len="med"/>
-                    </a:lnB>
-                    <a:lnTlToBr w="12700" cmpd="sng">
-                      <a:noFill/>
-                      <a:prstDash val="solid"/>
-                    </a:lnTlToBr>
-                    <a:lnBlToTr w="12700" cmpd="sng">
-                      <a:noFill/>
-                      <a:prstDash val="solid"/>
-                    </a:lnBlToTr>
-                    <a:noFill/>
-                  </a:tcPr>
-                </a:tc>
-                <a:tc>
-                  <a:txBody>
-                    <a:bodyPr/>
-                    <a:lstStyle/>
-                    <a:p>
-                      <a:pPr algn="r" rtl="0" fontAlgn="b"/>
-                      <a:endParaRPr lang="en-US" dirty="0">
-                        <a:effectLst/>
-                      </a:endParaRPr>
-                    </a:p>
-                  </a:txBody>
-                  <a:tcPr marL="28575" marR="28575" marT="19050" marB="19050" anchor="b">
-                    <a:lnL>
-                      <a:noFill/>
-                    </a:lnL>
-                    <a:lnR>
-                      <a:noFill/>
-                    </a:lnR>
-                    <a:lnT w="12700" cap="flat" cmpd="sng" algn="ctr">
-                      <a:solidFill>
-                        <a:schemeClr val="tx1"/>
-                      </a:solidFill>
-                      <a:prstDash val="solid"/>
-                      <a:round/>
-                      <a:headEnd type="none" w="med" len="med"/>
-                      <a:tailEnd type="none" w="med" len="med"/>
-                    </a:lnT>
-                    <a:lnB w="12700" cap="flat" cmpd="sng" algn="ctr">
-                      <a:solidFill>
-                        <a:schemeClr val="tx1"/>
-                      </a:solidFill>
-                      <a:prstDash val="solid"/>
-                      <a:round/>
-                      <a:headEnd type="none" w="med" len="med"/>
-                      <a:tailEnd type="none" w="med" len="med"/>
-                    </a:lnB>
-                    <a:lnTlToBr w="12700" cmpd="sng">
-                      <a:noFill/>
-                      <a:prstDash val="solid"/>
-                    </a:lnTlToBr>
-                    <a:lnBlToTr w="12700" cmpd="sng">
-                      <a:noFill/>
-                      <a:prstDash val="solid"/>
-                    </a:lnBlToTr>
-                    <a:noFill/>
-                  </a:tcPr>
-                </a:tc>
-                <a:tc>
-                  <a:txBody>
-                    <a:bodyPr/>
-                    <a:lstStyle/>
-                    <a:p>
-                      <a:pPr algn="r" rtl="0" fontAlgn="b"/>
-                      <a:endParaRPr lang="en-US" dirty="0">
-                        <a:effectLst/>
-                      </a:endParaRPr>
-                    </a:p>
-                  </a:txBody>
-                  <a:tcPr marL="28575" marR="28575" marT="19050" marB="19050" anchor="b">
-                    <a:lnL>
-                      <a:noFill/>
-                    </a:lnL>
-                    <a:lnR>
-                      <a:noFill/>
-                    </a:lnR>
-                    <a:lnT w="12700" cap="flat" cmpd="sng" algn="ctr">
-                      <a:solidFill>
-                        <a:schemeClr val="tx1"/>
-                      </a:solidFill>
-                      <a:prstDash val="solid"/>
-                      <a:round/>
-                      <a:headEnd type="none" w="med" len="med"/>
-                      <a:tailEnd type="none" w="med" len="med"/>
-                    </a:lnT>
-                    <a:lnB w="12700" cap="flat" cmpd="sng" algn="ctr">
-                      <a:solidFill>
-                        <a:schemeClr val="tx1"/>
-                      </a:solidFill>
-                      <a:prstDash val="solid"/>
-                      <a:round/>
-                      <a:headEnd type="none" w="med" len="med"/>
-                      <a:tailEnd type="none" w="med" len="med"/>
-                    </a:lnB>
-                    <a:lnTlToBr w="12700" cmpd="sng">
-                      <a:noFill/>
-                      <a:prstDash val="solid"/>
-                    </a:lnTlToBr>
-                    <a:lnBlToTr w="12700" cmpd="sng">
-                      <a:noFill/>
-                      <a:prstDash val="solid"/>
-                    </a:lnBlToTr>
-                    <a:noFill/>
-                  </a:tcPr>
-                </a:tc>
-                <a:tc>
-                  <a:txBody>
-                    <a:bodyPr/>
-                    <a:lstStyle/>
-                    <a:p>
-                      <a:pPr algn="r" rtl="0" fontAlgn="b"/>
-                      <a:endParaRPr lang="en-US" dirty="0">
-                        <a:effectLst/>
-                      </a:endParaRPr>
-                    </a:p>
-                  </a:txBody>
-                  <a:tcPr marL="28575" marR="28575" marT="19050" marB="19050" anchor="b">
-                    <a:lnL>
-                      <a:noFill/>
-                    </a:lnL>
-                    <a:lnR w="12700" cap="flat" cmpd="sng" algn="ctr">
-                      <a:noFill/>
-                      <a:prstDash val="solid"/>
-                      <a:round/>
-                      <a:headEnd type="none" w="med" len="med"/>
-                      <a:tailEnd type="none" w="med" len="med"/>
-                    </a:lnR>
-                    <a:lnT w="12700" cap="flat" cmpd="sng" algn="ctr">
-                      <a:solidFill>
-                        <a:schemeClr val="tx1"/>
-                      </a:solidFill>
-                      <a:prstDash val="solid"/>
-                      <a:round/>
-                      <a:headEnd type="none" w="med" len="med"/>
-                      <a:tailEnd type="none" w="med" len="med"/>
-                    </a:lnT>
-                    <a:lnB w="12700" cap="flat" cmpd="sng" algn="ctr">
-                      <a:solidFill>
-                        <a:schemeClr val="tx1"/>
-                      </a:solidFill>
-                      <a:prstDash val="solid"/>
-                      <a:round/>
-                      <a:headEnd type="none" w="med" len="med"/>
-                      <a:tailEnd type="none" w="med" len="med"/>
-                    </a:lnB>
-                    <a:lnTlToBr w="12700" cmpd="sng">
-                      <a:noFill/>
-                      <a:prstDash val="solid"/>
-                    </a:lnTlToBr>
-                    <a:lnBlToTr w="12700" cmpd="sng">
-                      <a:noFill/>
-                      <a:prstDash val="solid"/>
-                    </a:lnBlToTr>
-                    <a:noFill/>
-                  </a:tcPr>
-                </a:tc>
-                <a:extLst>
-                  <a:ext uri="{0D108BD9-81ED-4DB2-BD59-A6C34878D82A}">
-                    <a16:rowId xmlns:a16="http://schemas.microsoft.com/office/drawing/2014/main" val="766628623"/>
-                  </a:ext>
-                </a:extLst>
-              </a:tr>
-              <a:tr h="370840">
-                <a:tc>
-                  <a:txBody>
-                    <a:bodyPr/>
-                    <a:lstStyle/>
-                    <a:p>
-                      <a:pPr rtl="0" fontAlgn="b"/>
-                      <a:r>
-                        <a:rPr lang="en-US" b="1" dirty="0">
-                          <a:effectLst/>
-                        </a:rPr>
-                        <a:t>Total</a:t>
-                      </a:r>
-                    </a:p>
-                  </a:txBody>
-                  <a:tcPr marL="28575" marR="28575" marT="19050" marB="19050" anchor="b">
-                    <a:lnL w="12700" cap="flat" cmpd="sng" algn="ctr">
-                      <a:solidFill>
-                        <a:schemeClr val="tx1"/>
-                      </a:solidFill>
-                      <a:prstDash val="solid"/>
-                      <a:round/>
-                      <a:headEnd type="none" w="med" len="med"/>
-                      <a:tailEnd type="none" w="med" len="med"/>
-                    </a:lnL>
-                    <a:lnT w="12700" cap="flat" cmpd="sng" algn="ctr">
-                      <a:solidFill>
-                        <a:schemeClr val="tx1"/>
-                      </a:solidFill>
-                      <a:prstDash val="solid"/>
-                      <a:round/>
-                      <a:headEnd type="none" w="med" len="med"/>
-                      <a:tailEnd type="none" w="med" len="med"/>
-                    </a:lnT>
-                    <a:solidFill>
-                      <a:schemeClr val="bg1">
-                        <a:alpha val="20000"/>
-                      </a:schemeClr>
-                    </a:solidFill>
-                  </a:tcPr>
-                </a:tc>
-                <a:tc>
-                  <a:txBody>
-                    <a:bodyPr/>
-                    <a:lstStyle/>
-                    <a:p>
-                      <a:pPr rtl="0" fontAlgn="b"/>
-                      <a:endParaRPr lang="en-US" dirty="0">
-                        <a:effectLst/>
-                      </a:endParaRPr>
-                    </a:p>
-                  </a:txBody>
-                  <a:tcPr marL="28575" marR="28575" marT="19050" marB="19050" anchor="b">
-                    <a:lnT w="12700" cap="flat" cmpd="sng" algn="ctr">
-                      <a:solidFill>
-                        <a:schemeClr val="tx1"/>
-                      </a:solidFill>
-                      <a:prstDash val="solid"/>
-                      <a:round/>
-                      <a:headEnd type="none" w="med" len="med"/>
-                      <a:tailEnd type="none" w="med" len="med"/>
-                    </a:lnT>
-                    <a:solidFill>
-                      <a:schemeClr val="bg1">
-                        <a:alpha val="20000"/>
-                      </a:schemeClr>
-                    </a:solidFill>
-                  </a:tcPr>
-                </a:tc>
-                <a:tc>
-                  <a:txBody>
-                    <a:bodyPr/>
-                    <a:lstStyle/>
-                    <a:p>
-                      <a:pPr algn="r" rtl="0" fontAlgn="b"/>
-                      <a:r>
-                        <a:rPr lang="en-US" dirty="0">
-                          <a:effectLst/>
-                        </a:rPr>
-                        <a:t>$7,944</a:t>
-                      </a:r>
-                    </a:p>
-                  </a:txBody>
-                  <a:tcPr marL="28575" marR="28575" marT="19050" marB="19050" anchor="b">
-                    <a:lnT w="12700" cap="flat" cmpd="sng" algn="ctr">
-                      <a:solidFill>
-                        <a:schemeClr val="tx1"/>
-                      </a:solidFill>
-                      <a:prstDash val="solid"/>
-                      <a:round/>
-                      <a:headEnd type="none" w="med" len="med"/>
-                      <a:tailEnd type="none" w="med" len="med"/>
-                    </a:lnT>
-                    <a:solidFill>
-                      <a:schemeClr val="bg1">
-                        <a:alpha val="20000"/>
-                      </a:schemeClr>
-                    </a:solidFill>
-                  </a:tcPr>
-                </a:tc>
-                <a:tc>
-                  <a:txBody>
-                    <a:bodyPr/>
-                    <a:lstStyle/>
-                    <a:p>
-                      <a:pPr algn="r" rtl="0" fontAlgn="b"/>
-                      <a:r>
-                        <a:rPr lang="en-US" dirty="0">
-                          <a:effectLst/>
-                        </a:rPr>
-                        <a:t>$5,944</a:t>
-                      </a:r>
-                    </a:p>
-                  </a:txBody>
-                  <a:tcPr marL="28575" marR="28575" marT="19050" marB="19050" anchor="b">
-                    <a:lnT w="12700" cap="flat" cmpd="sng" algn="ctr">
-                      <a:solidFill>
-                        <a:schemeClr val="tx1"/>
-                      </a:solidFill>
-                      <a:prstDash val="solid"/>
-                      <a:round/>
-                      <a:headEnd type="none" w="med" len="med"/>
-                      <a:tailEnd type="none" w="med" len="med"/>
-                    </a:lnT>
-                    <a:solidFill>
-                      <a:schemeClr val="bg1">
-                        <a:alpha val="20000"/>
-                      </a:schemeClr>
-                    </a:solidFill>
-                  </a:tcPr>
-                </a:tc>
-                <a:tc>
-                  <a:txBody>
-                    <a:bodyPr/>
-                    <a:lstStyle/>
-                    <a:p>
-                      <a:pPr algn="r" rtl="0" fontAlgn="b"/>
-                      <a:r>
-                        <a:rPr lang="en-US" dirty="0">
-                          <a:effectLst/>
-                        </a:rPr>
-                        <a:t>$5,944</a:t>
-                      </a:r>
-                    </a:p>
-                  </a:txBody>
-                  <a:tcPr marL="28575" marR="28575" marT="19050" marB="19050" anchor="b">
-                    <a:lnR w="12700" cap="flat" cmpd="sng" algn="ctr">
-                      <a:solidFill>
-                        <a:schemeClr val="tx1"/>
-                      </a:solidFill>
-                      <a:prstDash val="solid"/>
-                      <a:round/>
-                      <a:headEnd type="none" w="med" len="med"/>
-                      <a:tailEnd type="none" w="med" len="med"/>
-                    </a:lnR>
-                    <a:lnT w="12700" cap="flat" cmpd="sng" algn="ctr">
-                      <a:solidFill>
-                        <a:schemeClr val="tx1"/>
-                      </a:solidFill>
-                      <a:prstDash val="solid"/>
-                      <a:round/>
-                      <a:headEnd type="none" w="med" len="med"/>
-                      <a:tailEnd type="none" w="med" len="med"/>
-                    </a:lnT>
-                    <a:solidFill>
-                      <a:schemeClr val="bg1">
-                        <a:alpha val="20000"/>
-                      </a:schemeClr>
-                    </a:solidFill>
-                  </a:tcPr>
-                </a:tc>
-                <a:extLst>
-                  <a:ext uri="{0D108BD9-81ED-4DB2-BD59-A6C34878D82A}">
-                    <a16:rowId xmlns:a16="http://schemas.microsoft.com/office/drawing/2014/main" val="860300593"/>
-                  </a:ext>
-                </a:extLst>
-              </a:tr>
-            </a:tbl>
-          </a:graphicData>
-        </a:graphic>
-      </p:graphicFrame>
-    </p:spTree>
-    <p:extLst>
-      <p:ext uri="{BB962C8B-B14F-4D97-AF65-F5344CB8AC3E}">
-        <p14:creationId xmlns:p14="http://schemas.microsoft.com/office/powerpoint/2010/main" val="625277202"/>
-      </p:ext>
-    </p:extLst>
-  </p:cSld>
-  <p:clrMapOvr>
-    <a:masterClrMapping/>
-  </p:clrMapOvr>
-</p:sld>
-</file>
-
-<file path=ppt/slides/slide11.xml><?xml version="1.0" encoding="utf-8"?>
-<p:sld xmlns:a="http://schemas.openxmlformats.org/drawingml/2006/main" xmlns:r="http://schemas.openxmlformats.org/officeDocument/2006/relationships" xmlns:p="http://schemas.openxmlformats.org/presentationml/2006/main">
-  <p:cSld>
-    <p:spTree>
-      <p:nvGrpSpPr>
-        <p:cNvPr id="1" name=""/>
-        <p:cNvGrpSpPr/>
-        <p:nvPr/>
-      </p:nvGrpSpPr>
-      <p:grpSpPr>
-        <a:xfrm>
-          <a:off x="0" y="0"/>
-          <a:ext cx="0" cy="0"/>
-          <a:chOff x="0" y="0"/>
-          <a:chExt cx="0" cy="0"/>
-        </a:xfrm>
-      </p:grpSpPr>
-      <p:sp>
-        <p:nvSpPr>
-          <p:cNvPr id="2" name="Title 1">
-            <a:extLst>
-              <a:ext uri="{FF2B5EF4-FFF2-40B4-BE49-F238E27FC236}">
                 <a16:creationId xmlns:a16="http://schemas.microsoft.com/office/drawing/2014/main" id="{B7966A37-B155-4221-A0A7-8882DACE491F}"/>
               </a:ext>
             </a:extLst>
@@ -18178,7 +16386,7 @@
 </p:sld>
 </file>
 
-<file path=ppt/slides/slide12.xml><?xml version="1.0" encoding="utf-8"?>
+<file path=ppt/slides/slide11.xml><?xml version="1.0" encoding="utf-8"?>
 <p:sld xmlns:a="http://schemas.openxmlformats.org/drawingml/2006/main" xmlns:r="http://schemas.openxmlformats.org/officeDocument/2006/relationships" xmlns:p="http://schemas.openxmlformats.org/presentationml/2006/main">
   <p:cSld>
     <p:spTree>
@@ -18218,7 +16426,7 @@
           <a:p>
             <a:r>
               <a:rPr lang="en-US" dirty="0"/>
-              <a:t>conclusion</a:t>
+              <a:t>Conclusion</a:t>
             </a:r>
           </a:p>
         </p:txBody>
@@ -18239,12 +16447,89 @@
             <p:ph idx="1"/>
           </p:nvPr>
         </p:nvSpPr>
-        <p:spPr/>
+        <p:spPr>
+          <a:xfrm>
+            <a:off x="1484311" y="2140788"/>
+            <a:ext cx="10018713" cy="3124201"/>
+          </a:xfrm>
+        </p:spPr>
         <p:txBody>
           <a:bodyPr/>
           <a:lstStyle/>
           <a:p>
-            <a:endParaRPr lang="en-US"/>
+            <a:r>
+              <a:rPr lang="en-US" dirty="0"/>
+              <a:t>Google Workspace provides a great experience for transferring sensitive documents between businesses and clients.</a:t>
+            </a:r>
+          </a:p>
+          <a:p>
+            <a:r>
+              <a:rPr lang="en-US" dirty="0" err="1"/>
+              <a:t>BigTime</a:t>
+            </a:r>
+            <a:r>
+              <a:rPr lang="en-US" dirty="0"/>
+              <a:t> allows easy time management, billing, and notifications.</a:t>
+            </a:r>
+          </a:p>
+          <a:p>
+            <a:r>
+              <a:rPr lang="en-US" dirty="0"/>
+              <a:t>Meta Advertising allows fast and simple methods for advertising to Instagram and Facebook.</a:t>
+            </a:r>
+          </a:p>
+          <a:p>
+            <a:r>
+              <a:rPr lang="en-US" dirty="0"/>
+              <a:t>We, </a:t>
+            </a:r>
+            <a:r>
+              <a:rPr lang="en-US" dirty="0" err="1"/>
+              <a:t>Shookum</a:t>
+            </a:r>
+            <a:r>
+              <a:rPr lang="en-US" dirty="0"/>
+              <a:t>, will give our best to deliver great quality advertising.</a:t>
+            </a:r>
+          </a:p>
+          <a:p>
+            <a:endParaRPr lang="en-US" dirty="0"/>
+          </a:p>
+        </p:txBody>
+      </p:sp>
+      <p:sp>
+        <p:nvSpPr>
+          <p:cNvPr id="4" name="TextBox 3">
+            <a:extLst>
+              <a:ext uri="{FF2B5EF4-FFF2-40B4-BE49-F238E27FC236}">
+                <a16:creationId xmlns:a16="http://schemas.microsoft.com/office/drawing/2014/main" id="{05487CF6-7518-4418-A2D3-8B089D58A831}"/>
+              </a:ext>
+            </a:extLst>
+          </p:cNvPr>
+          <p:cNvSpPr txBox="1"/>
+          <p:nvPr/>
+        </p:nvSpPr>
+        <p:spPr>
+          <a:xfrm>
+            <a:off x="1484311" y="5339751"/>
+            <a:ext cx="10018713" cy="646331"/>
+          </a:xfrm>
+          <a:prstGeom prst="rect">
+            <a:avLst/>
+          </a:prstGeom>
+          <a:noFill/>
+        </p:spPr>
+        <p:txBody>
+          <a:bodyPr wrap="square" rtlCol="0">
+            <a:spAutoFit/>
+          </a:bodyPr>
+          <a:lstStyle/>
+          <a:p>
+            <a:pPr algn="ctr"/>
+            <a:r>
+              <a:rPr lang="en-US" sz="3600" dirty="0"/>
+              <a:t>We’re ready to take the next steps when you are!</a:t>
+            </a:r>
           </a:p>
         </p:txBody>
       </p:sp>
@@ -23797,7 +22082,7 @@
           <p:cNvPr id="2" name="Title 1">
             <a:extLst>
               <a:ext uri="{FF2B5EF4-FFF2-40B4-BE49-F238E27FC236}">
-                <a16:creationId xmlns:a16="http://schemas.microsoft.com/office/drawing/2014/main" id="{640EBF79-BE27-4959-B956-D6D9E03F2611}"/>
+                <a16:creationId xmlns:a16="http://schemas.microsoft.com/office/drawing/2014/main" id="{8E57C0AE-340B-4DEF-A2AB-3C6195B79004}"/>
               </a:ext>
             </a:extLst>
           </p:cNvPr>
@@ -23815,15 +22100,1748 @@
           <a:p>
             <a:r>
               <a:rPr lang="en-US" dirty="0"/>
-              <a:t>Integration</a:t>
+              <a:t>Cost</a:t>
             </a:r>
           </a:p>
         </p:txBody>
       </p:sp>
+      <p:graphicFrame>
+        <p:nvGraphicFramePr>
+          <p:cNvPr id="4" name="Table 4">
+            <a:extLst>
+              <a:ext uri="{FF2B5EF4-FFF2-40B4-BE49-F238E27FC236}">
+                <a16:creationId xmlns:a16="http://schemas.microsoft.com/office/drawing/2014/main" id="{9C6889DD-01A3-489A-9773-26A6933CCA6B}"/>
+              </a:ext>
+            </a:extLst>
+          </p:cNvPr>
+          <p:cNvGraphicFramePr>
+            <a:graphicFrameLocks noGrp="1"/>
+          </p:cNvGraphicFramePr>
+          <p:nvPr>
+            <p:ph idx="1"/>
+            <p:extLst>
+              <p:ext uri="{D42A27DB-BD31-4B8C-83A1-F6EECF244321}">
+                <p14:modId xmlns:p14="http://schemas.microsoft.com/office/powerpoint/2010/main" val="2576805687"/>
+              </p:ext>
+            </p:extLst>
+          </p:nvPr>
+        </p:nvGraphicFramePr>
+        <p:xfrm>
+          <a:off x="1484313" y="2183920"/>
+          <a:ext cx="10018708" cy="3708400"/>
+        </p:xfrm>
+        <a:graphic>
+          <a:graphicData uri="http://schemas.openxmlformats.org/drawingml/2006/table">
+            <a:tbl>
+              <a:tblPr firstRow="1" bandRow="1">
+                <a:tableStyleId>{9D7B26C5-4107-4FEC-AEDC-1716B250A1EF}</a:tableStyleId>
+              </a:tblPr>
+              <a:tblGrid>
+                <a:gridCol w="2003742">
+                  <a:extLst>
+                    <a:ext uri="{9D8B030D-6E8A-4147-A177-3AD203B41FA5}">
+                      <a16:colId xmlns:a16="http://schemas.microsoft.com/office/drawing/2014/main" val="1769105935"/>
+                    </a:ext>
+                  </a:extLst>
+                </a:gridCol>
+                <a:gridCol w="3870277">
+                  <a:extLst>
+                    <a:ext uri="{9D8B030D-6E8A-4147-A177-3AD203B41FA5}">
+                      <a16:colId xmlns:a16="http://schemas.microsoft.com/office/drawing/2014/main" val="2208315416"/>
+                    </a:ext>
+                  </a:extLst>
+                </a:gridCol>
+                <a:gridCol w="1381563">
+                  <a:extLst>
+                    <a:ext uri="{9D8B030D-6E8A-4147-A177-3AD203B41FA5}">
+                      <a16:colId xmlns:a16="http://schemas.microsoft.com/office/drawing/2014/main" val="992169908"/>
+                    </a:ext>
+                  </a:extLst>
+                </a:gridCol>
+                <a:gridCol w="1381563">
+                  <a:extLst>
+                    <a:ext uri="{9D8B030D-6E8A-4147-A177-3AD203B41FA5}">
+                      <a16:colId xmlns:a16="http://schemas.microsoft.com/office/drawing/2014/main" val="1588478479"/>
+                    </a:ext>
+                  </a:extLst>
+                </a:gridCol>
+                <a:gridCol w="1381563">
+                  <a:extLst>
+                    <a:ext uri="{9D8B030D-6E8A-4147-A177-3AD203B41FA5}">
+                      <a16:colId xmlns:a16="http://schemas.microsoft.com/office/drawing/2014/main" val="3658203024"/>
+                    </a:ext>
+                  </a:extLst>
+                </a:gridCol>
+              </a:tblGrid>
+              <a:tr h="370840">
+                <a:tc>
+                  <a:txBody>
+                    <a:bodyPr/>
+                    <a:lstStyle/>
+                    <a:p>
+                      <a:r>
+                        <a:rPr lang="en-US" dirty="0"/>
+                        <a:t>External Cost</a:t>
+                      </a:r>
+                    </a:p>
+                  </a:txBody>
+                  <a:tcPr>
+                    <a:lnL w="12700" cap="flat" cmpd="sng" algn="ctr">
+                      <a:solidFill>
+                        <a:schemeClr val="tx1"/>
+                      </a:solidFill>
+                      <a:prstDash val="solid"/>
+                      <a:round/>
+                      <a:headEnd type="none" w="med" len="med"/>
+                      <a:tailEnd type="none" w="med" len="med"/>
+                    </a:lnL>
+                  </a:tcPr>
+                </a:tc>
+                <a:tc>
+                  <a:txBody>
+                    <a:bodyPr/>
+                    <a:lstStyle/>
+                    <a:p>
+                      <a:r>
+                        <a:rPr lang="en-US" dirty="0"/>
+                        <a:t>Purpose</a:t>
+                      </a:r>
+                    </a:p>
+                  </a:txBody>
+                  <a:tcPr/>
+                </a:tc>
+                <a:tc>
+                  <a:txBody>
+                    <a:bodyPr/>
+                    <a:lstStyle/>
+                    <a:p>
+                      <a:r>
+                        <a:rPr lang="en-US" dirty="0"/>
+                        <a:t>Price Year 1</a:t>
+                      </a:r>
+                    </a:p>
+                  </a:txBody>
+                  <a:tcPr/>
+                </a:tc>
+                <a:tc>
+                  <a:txBody>
+                    <a:bodyPr/>
+                    <a:lstStyle/>
+                    <a:p>
+                      <a:r>
+                        <a:rPr lang="en-US" dirty="0"/>
+                        <a:t>Price Year 2</a:t>
+                      </a:r>
+                    </a:p>
+                  </a:txBody>
+                  <a:tcPr/>
+                </a:tc>
+                <a:tc>
+                  <a:txBody>
+                    <a:bodyPr/>
+                    <a:lstStyle/>
+                    <a:p>
+                      <a:r>
+                        <a:rPr lang="en-US" dirty="0"/>
+                        <a:t>Price Year 3</a:t>
+                      </a:r>
+                    </a:p>
+                  </a:txBody>
+                  <a:tcPr>
+                    <a:lnR w="12700" cap="flat" cmpd="sng" algn="ctr">
+                      <a:solidFill>
+                        <a:schemeClr val="tx1"/>
+                      </a:solidFill>
+                      <a:prstDash val="solid"/>
+                      <a:round/>
+                      <a:headEnd type="none" w="med" len="med"/>
+                      <a:tailEnd type="none" w="med" len="med"/>
+                    </a:lnR>
+                  </a:tcPr>
+                </a:tc>
+                <a:extLst>
+                  <a:ext uri="{0D108BD9-81ED-4DB2-BD59-A6C34878D82A}">
+                    <a16:rowId xmlns:a16="http://schemas.microsoft.com/office/drawing/2014/main" val="3966015360"/>
+                  </a:ext>
+                </a:extLst>
+              </a:tr>
+              <a:tr h="370840">
+                <a:tc>
+                  <a:txBody>
+                    <a:bodyPr/>
+                    <a:lstStyle/>
+                    <a:p>
+                      <a:r>
+                        <a:rPr lang="en-US" dirty="0"/>
+                        <a:t>Google Workspace</a:t>
+                      </a:r>
+                    </a:p>
+                  </a:txBody>
+                  <a:tcPr>
+                    <a:lnL w="12700" cap="flat" cmpd="sng" algn="ctr">
+                      <a:solidFill>
+                        <a:schemeClr val="tx1"/>
+                      </a:solidFill>
+                      <a:prstDash val="solid"/>
+                      <a:round/>
+                      <a:headEnd type="none" w="med" len="med"/>
+                      <a:tailEnd type="none" w="med" len="med"/>
+                    </a:lnL>
+                  </a:tcPr>
+                </a:tc>
+                <a:tc>
+                  <a:txBody>
+                    <a:bodyPr/>
+                    <a:lstStyle/>
+                    <a:p>
+                      <a:r>
+                        <a:rPr lang="en-US" dirty="0"/>
+                        <a:t>Document Transfer</a:t>
+                      </a:r>
+                    </a:p>
+                  </a:txBody>
+                  <a:tcPr/>
+                </a:tc>
+                <a:tc>
+                  <a:txBody>
+                    <a:bodyPr/>
+                    <a:lstStyle/>
+                    <a:p>
+                      <a:pPr algn="r" rtl="0" fontAlgn="b"/>
+                      <a:r>
+                        <a:rPr lang="en-US">
+                          <a:effectLst/>
+                        </a:rPr>
+                        <a:t>$144</a:t>
+                      </a:r>
+                    </a:p>
+                  </a:txBody>
+                  <a:tcPr marL="28575" marR="28575" marT="19050" marB="19050" anchor="b"/>
+                </a:tc>
+                <a:tc>
+                  <a:txBody>
+                    <a:bodyPr/>
+                    <a:lstStyle/>
+                    <a:p>
+                      <a:pPr algn="r" rtl="0" fontAlgn="b"/>
+                      <a:r>
+                        <a:rPr lang="en-US">
+                          <a:effectLst/>
+                        </a:rPr>
+                        <a:t>$144</a:t>
+                      </a:r>
+                    </a:p>
+                  </a:txBody>
+                  <a:tcPr marL="28575" marR="28575" marT="19050" marB="19050" anchor="b"/>
+                </a:tc>
+                <a:tc>
+                  <a:txBody>
+                    <a:bodyPr/>
+                    <a:lstStyle/>
+                    <a:p>
+                      <a:pPr algn="r" rtl="0" fontAlgn="b"/>
+                      <a:r>
+                        <a:rPr lang="en-US" dirty="0">
+                          <a:effectLst/>
+                        </a:rPr>
+                        <a:t>$144</a:t>
+                      </a:r>
+                    </a:p>
+                  </a:txBody>
+                  <a:tcPr marL="28575" marR="28575" marT="19050" marB="19050" anchor="b">
+                    <a:lnR w="12700" cap="flat" cmpd="sng" algn="ctr">
+                      <a:solidFill>
+                        <a:schemeClr val="tx1"/>
+                      </a:solidFill>
+                      <a:prstDash val="solid"/>
+                      <a:round/>
+                      <a:headEnd type="none" w="med" len="med"/>
+                      <a:tailEnd type="none" w="med" len="med"/>
+                    </a:lnR>
+                  </a:tcPr>
+                </a:tc>
+                <a:extLst>
+                  <a:ext uri="{0D108BD9-81ED-4DB2-BD59-A6C34878D82A}">
+                    <a16:rowId xmlns:a16="http://schemas.microsoft.com/office/drawing/2014/main" val="2072116671"/>
+                  </a:ext>
+                </a:extLst>
+              </a:tr>
+              <a:tr h="370840">
+                <a:tc>
+                  <a:txBody>
+                    <a:bodyPr/>
+                    <a:lstStyle/>
+                    <a:p>
+                      <a:pPr rtl="0" fontAlgn="b"/>
+                      <a:r>
+                        <a:rPr lang="en-US" dirty="0" err="1">
+                          <a:effectLst/>
+                        </a:rPr>
+                        <a:t>BigTime</a:t>
+                      </a:r>
+                      <a:r>
+                        <a:rPr lang="en-US" dirty="0">
+                          <a:effectLst/>
+                        </a:rPr>
+                        <a:t> (Pro)</a:t>
+                      </a:r>
+                    </a:p>
+                  </a:txBody>
+                  <a:tcPr marL="28575" marR="28575" marT="19050" marB="19050" anchor="b">
+                    <a:lnL w="12700" cap="flat" cmpd="sng" algn="ctr">
+                      <a:solidFill>
+                        <a:schemeClr val="tx1"/>
+                      </a:solidFill>
+                      <a:prstDash val="solid"/>
+                      <a:round/>
+                      <a:headEnd type="none" w="med" len="med"/>
+                      <a:tailEnd type="none" w="med" len="med"/>
+                    </a:lnL>
+                  </a:tcPr>
+                </a:tc>
+                <a:tc>
+                  <a:txBody>
+                    <a:bodyPr/>
+                    <a:lstStyle/>
+                    <a:p>
+                      <a:pPr rtl="0" fontAlgn="b"/>
+                      <a:r>
+                        <a:rPr lang="en-US">
+                          <a:effectLst/>
+                        </a:rPr>
+                        <a:t>Time Keeping, Billing, Notifications</a:t>
+                      </a:r>
+                    </a:p>
+                  </a:txBody>
+                  <a:tcPr marL="28575" marR="28575" marT="19050" marB="19050" anchor="b"/>
+                </a:tc>
+                <a:tc>
+                  <a:txBody>
+                    <a:bodyPr/>
+                    <a:lstStyle/>
+                    <a:p>
+                      <a:pPr algn="r" rtl="0" fontAlgn="b"/>
+                      <a:r>
+                        <a:rPr lang="en-US">
+                          <a:effectLst/>
+                        </a:rPr>
+                        <a:t>$1,800</a:t>
+                      </a:r>
+                    </a:p>
+                  </a:txBody>
+                  <a:tcPr marL="28575" marR="28575" marT="19050" marB="19050" anchor="b"/>
+                </a:tc>
+                <a:tc>
+                  <a:txBody>
+                    <a:bodyPr/>
+                    <a:lstStyle/>
+                    <a:p>
+                      <a:pPr algn="r" rtl="0" fontAlgn="b"/>
+                      <a:r>
+                        <a:rPr lang="en-US" dirty="0">
+                          <a:effectLst/>
+                        </a:rPr>
+                        <a:t>$1,800</a:t>
+                      </a:r>
+                    </a:p>
+                  </a:txBody>
+                  <a:tcPr marL="28575" marR="28575" marT="19050" marB="19050" anchor="b"/>
+                </a:tc>
+                <a:tc>
+                  <a:txBody>
+                    <a:bodyPr/>
+                    <a:lstStyle/>
+                    <a:p>
+                      <a:pPr algn="r" rtl="0" fontAlgn="b"/>
+                      <a:r>
+                        <a:rPr lang="en-US" dirty="0">
+                          <a:effectLst/>
+                        </a:rPr>
+                        <a:t>$1,800</a:t>
+                      </a:r>
+                    </a:p>
+                  </a:txBody>
+                  <a:tcPr marL="28575" marR="28575" marT="19050" marB="19050" anchor="b">
+                    <a:lnR w="12700" cap="flat" cmpd="sng" algn="ctr">
+                      <a:solidFill>
+                        <a:schemeClr val="tx1"/>
+                      </a:solidFill>
+                      <a:prstDash val="solid"/>
+                      <a:round/>
+                      <a:headEnd type="none" w="med" len="med"/>
+                      <a:tailEnd type="none" w="med" len="med"/>
+                    </a:lnR>
+                  </a:tcPr>
+                </a:tc>
+                <a:extLst>
+                  <a:ext uri="{0D108BD9-81ED-4DB2-BD59-A6C34878D82A}">
+                    <a16:rowId xmlns:a16="http://schemas.microsoft.com/office/drawing/2014/main" val="2320253476"/>
+                  </a:ext>
+                </a:extLst>
+              </a:tr>
+              <a:tr h="370840">
+                <a:tc>
+                  <a:txBody>
+                    <a:bodyPr/>
+                    <a:lstStyle/>
+                    <a:p>
+                      <a:pPr rtl="0" fontAlgn="b"/>
+                      <a:r>
+                        <a:rPr lang="en-US" dirty="0" err="1">
+                          <a:effectLst/>
+                        </a:rPr>
+                        <a:t>Shookum</a:t>
+                      </a:r>
+                      <a:endParaRPr lang="en-US" dirty="0">
+                        <a:effectLst/>
+                      </a:endParaRPr>
+                    </a:p>
+                  </a:txBody>
+                  <a:tcPr marL="28575" marR="28575" marT="19050" marB="19050" anchor="b">
+                    <a:lnL w="12700" cap="flat" cmpd="sng" algn="ctr">
+                      <a:solidFill>
+                        <a:schemeClr val="tx1"/>
+                      </a:solidFill>
+                      <a:prstDash val="solid"/>
+                      <a:round/>
+                      <a:headEnd type="none" w="med" len="med"/>
+                      <a:tailEnd type="none" w="med" len="med"/>
+                    </a:lnL>
+                  </a:tcPr>
+                </a:tc>
+                <a:tc>
+                  <a:txBody>
+                    <a:bodyPr/>
+                    <a:lstStyle/>
+                    <a:p>
+                      <a:pPr rtl="0" fontAlgn="b"/>
+                      <a:r>
+                        <a:rPr lang="en-US">
+                          <a:effectLst/>
+                        </a:rPr>
+                        <a:t>Advertisement Creation</a:t>
+                      </a:r>
+                    </a:p>
+                  </a:txBody>
+                  <a:tcPr marL="28575" marR="28575" marT="19050" marB="19050" anchor="b"/>
+                </a:tc>
+                <a:tc>
+                  <a:txBody>
+                    <a:bodyPr/>
+                    <a:lstStyle/>
+                    <a:p>
+                      <a:pPr algn="r" rtl="0" fontAlgn="b"/>
+                      <a:r>
+                        <a:rPr lang="en-US">
+                          <a:effectLst/>
+                        </a:rPr>
+                        <a:t>$3,000</a:t>
+                      </a:r>
+                    </a:p>
+                  </a:txBody>
+                  <a:tcPr marL="28575" marR="28575" marT="19050" marB="19050" anchor="b"/>
+                </a:tc>
+                <a:tc>
+                  <a:txBody>
+                    <a:bodyPr/>
+                    <a:lstStyle/>
+                    <a:p>
+                      <a:pPr algn="r" rtl="0" fontAlgn="b"/>
+                      <a:r>
+                        <a:rPr lang="en-US" dirty="0">
+                          <a:effectLst/>
+                        </a:rPr>
+                        <a:t>$2,000</a:t>
+                      </a:r>
+                    </a:p>
+                  </a:txBody>
+                  <a:tcPr marL="28575" marR="28575" marT="19050" marB="19050" anchor="b"/>
+                </a:tc>
+                <a:tc>
+                  <a:txBody>
+                    <a:bodyPr/>
+                    <a:lstStyle/>
+                    <a:p>
+                      <a:pPr algn="r" rtl="0" fontAlgn="b"/>
+                      <a:r>
+                        <a:rPr lang="en-US" dirty="0">
+                          <a:effectLst/>
+                        </a:rPr>
+                        <a:t>$2,000</a:t>
+                      </a:r>
+                    </a:p>
+                  </a:txBody>
+                  <a:tcPr marL="28575" marR="28575" marT="19050" marB="19050" anchor="b">
+                    <a:lnR w="12700" cap="flat" cmpd="sng" algn="ctr">
+                      <a:solidFill>
+                        <a:schemeClr val="tx1"/>
+                      </a:solidFill>
+                      <a:prstDash val="solid"/>
+                      <a:round/>
+                      <a:headEnd type="none" w="med" len="med"/>
+                      <a:tailEnd type="none" w="med" len="med"/>
+                    </a:lnR>
+                  </a:tcPr>
+                </a:tc>
+                <a:extLst>
+                  <a:ext uri="{0D108BD9-81ED-4DB2-BD59-A6C34878D82A}">
+                    <a16:rowId xmlns:a16="http://schemas.microsoft.com/office/drawing/2014/main" val="2618246687"/>
+                  </a:ext>
+                </a:extLst>
+              </a:tr>
+              <a:tr h="370840">
+                <a:tc>
+                  <a:txBody>
+                    <a:bodyPr/>
+                    <a:lstStyle/>
+                    <a:p>
+                      <a:pPr rtl="0" fontAlgn="b"/>
+                      <a:r>
+                        <a:rPr lang="en-US" dirty="0">
+                          <a:effectLst/>
+                        </a:rPr>
+                        <a:t>Meta Advertising</a:t>
+                      </a:r>
+                    </a:p>
+                  </a:txBody>
+                  <a:tcPr marL="28575" marR="28575" marT="19050" marB="19050" anchor="b">
+                    <a:lnL w="12700" cap="flat" cmpd="sng" algn="ctr">
+                      <a:solidFill>
+                        <a:schemeClr val="tx1"/>
+                      </a:solidFill>
+                      <a:prstDash val="solid"/>
+                      <a:round/>
+                      <a:headEnd type="none" w="med" len="med"/>
+                      <a:tailEnd type="none" w="med" len="med"/>
+                    </a:lnL>
+                    <a:lnB w="12700" cap="flat" cmpd="sng" algn="ctr">
+                      <a:solidFill>
+                        <a:schemeClr val="tx1"/>
+                      </a:solidFill>
+                      <a:prstDash val="solid"/>
+                      <a:round/>
+                      <a:headEnd type="none" w="med" len="med"/>
+                      <a:tailEnd type="none" w="med" len="med"/>
+                    </a:lnB>
+                  </a:tcPr>
+                </a:tc>
+                <a:tc>
+                  <a:txBody>
+                    <a:bodyPr/>
+                    <a:lstStyle/>
+                    <a:p>
+                      <a:pPr rtl="0" fontAlgn="b"/>
+                      <a:r>
+                        <a:rPr lang="en-US" dirty="0">
+                          <a:effectLst/>
+                        </a:rPr>
+                        <a:t>Advertisement Display</a:t>
+                      </a:r>
+                    </a:p>
+                  </a:txBody>
+                  <a:tcPr marL="28575" marR="28575" marT="19050" marB="19050" anchor="b">
+                    <a:lnB w="12700" cap="flat" cmpd="sng" algn="ctr">
+                      <a:solidFill>
+                        <a:schemeClr val="tx1"/>
+                      </a:solidFill>
+                      <a:prstDash val="solid"/>
+                      <a:round/>
+                      <a:headEnd type="none" w="med" len="med"/>
+                      <a:tailEnd type="none" w="med" len="med"/>
+                    </a:lnB>
+                  </a:tcPr>
+                </a:tc>
+                <a:tc>
+                  <a:txBody>
+                    <a:bodyPr/>
+                    <a:lstStyle/>
+                    <a:p>
+                      <a:pPr algn="r" rtl="0" fontAlgn="b"/>
+                      <a:r>
+                        <a:rPr lang="en-US" dirty="0">
+                          <a:effectLst/>
+                        </a:rPr>
+                        <a:t>$2,000</a:t>
+                      </a:r>
+                    </a:p>
+                  </a:txBody>
+                  <a:tcPr marL="28575" marR="28575" marT="19050" marB="19050" anchor="b">
+                    <a:lnB w="12700" cap="flat" cmpd="sng" algn="ctr">
+                      <a:solidFill>
+                        <a:schemeClr val="tx1"/>
+                      </a:solidFill>
+                      <a:prstDash val="solid"/>
+                      <a:round/>
+                      <a:headEnd type="none" w="med" len="med"/>
+                      <a:tailEnd type="none" w="med" len="med"/>
+                    </a:lnB>
+                  </a:tcPr>
+                </a:tc>
+                <a:tc>
+                  <a:txBody>
+                    <a:bodyPr/>
+                    <a:lstStyle/>
+                    <a:p>
+                      <a:pPr algn="r" rtl="0" fontAlgn="b"/>
+                      <a:r>
+                        <a:rPr lang="en-US" dirty="0">
+                          <a:effectLst/>
+                        </a:rPr>
+                        <a:t>$2,000</a:t>
+                      </a:r>
+                    </a:p>
+                  </a:txBody>
+                  <a:tcPr marL="28575" marR="28575" marT="19050" marB="19050" anchor="b">
+                    <a:lnB w="12700" cap="flat" cmpd="sng" algn="ctr">
+                      <a:solidFill>
+                        <a:schemeClr val="tx1"/>
+                      </a:solidFill>
+                      <a:prstDash val="solid"/>
+                      <a:round/>
+                      <a:headEnd type="none" w="med" len="med"/>
+                      <a:tailEnd type="none" w="med" len="med"/>
+                    </a:lnB>
+                  </a:tcPr>
+                </a:tc>
+                <a:tc>
+                  <a:txBody>
+                    <a:bodyPr/>
+                    <a:lstStyle/>
+                    <a:p>
+                      <a:pPr algn="r" rtl="0" fontAlgn="b"/>
+                      <a:r>
+                        <a:rPr lang="en-US" dirty="0">
+                          <a:effectLst/>
+                        </a:rPr>
+                        <a:t>$2,000</a:t>
+                      </a:r>
+                    </a:p>
+                  </a:txBody>
+                  <a:tcPr marL="28575" marR="28575" marT="19050" marB="19050" anchor="b">
+                    <a:lnR w="12700" cap="flat" cmpd="sng" algn="ctr">
+                      <a:solidFill>
+                        <a:schemeClr val="tx1"/>
+                      </a:solidFill>
+                      <a:prstDash val="solid"/>
+                      <a:round/>
+                      <a:headEnd type="none" w="med" len="med"/>
+                      <a:tailEnd type="none" w="med" len="med"/>
+                    </a:lnR>
+                    <a:lnB w="12700" cap="flat" cmpd="sng" algn="ctr">
+                      <a:solidFill>
+                        <a:schemeClr val="tx1"/>
+                      </a:solidFill>
+                      <a:prstDash val="solid"/>
+                      <a:round/>
+                      <a:headEnd type="none" w="med" len="med"/>
+                      <a:tailEnd type="none" w="med" len="med"/>
+                    </a:lnB>
+                  </a:tcPr>
+                </a:tc>
+                <a:extLst>
+                  <a:ext uri="{0D108BD9-81ED-4DB2-BD59-A6C34878D82A}">
+                    <a16:rowId xmlns:a16="http://schemas.microsoft.com/office/drawing/2014/main" val="744082753"/>
+                  </a:ext>
+                </a:extLst>
+              </a:tr>
+              <a:tr h="370840">
+                <a:tc>
+                  <a:txBody>
+                    <a:bodyPr/>
+                    <a:lstStyle/>
+                    <a:p>
+                      <a:pPr rtl="0" fontAlgn="b"/>
+                      <a:endParaRPr lang="en-US" dirty="0">
+                        <a:effectLst/>
+                      </a:endParaRPr>
+                    </a:p>
+                  </a:txBody>
+                  <a:tcPr marL="28575" marR="28575" marT="19050" marB="19050" anchor="b">
+                    <a:lnL w="12700" cap="flat" cmpd="sng" algn="ctr">
+                      <a:noFill/>
+                      <a:prstDash val="solid"/>
+                      <a:round/>
+                      <a:headEnd type="none" w="med" len="med"/>
+                      <a:tailEnd type="none" w="med" len="med"/>
+                    </a:lnL>
+                    <a:lnR>
+                      <a:noFill/>
+                    </a:lnR>
+                    <a:lnT w="12700" cap="flat" cmpd="sng" algn="ctr">
+                      <a:solidFill>
+                        <a:schemeClr val="tx1"/>
+                      </a:solidFill>
+                      <a:prstDash val="solid"/>
+                      <a:round/>
+                      <a:headEnd type="none" w="med" len="med"/>
+                      <a:tailEnd type="none" w="med" len="med"/>
+                    </a:lnT>
+                    <a:lnB w="12700" cap="flat" cmpd="sng" algn="ctr">
+                      <a:solidFill>
+                        <a:schemeClr val="tx1"/>
+                      </a:solidFill>
+                      <a:prstDash val="solid"/>
+                      <a:round/>
+                      <a:headEnd type="none" w="med" len="med"/>
+                      <a:tailEnd type="none" w="med" len="med"/>
+                    </a:lnB>
+                    <a:lnTlToBr w="12700" cmpd="sng">
+                      <a:noFill/>
+                      <a:prstDash val="solid"/>
+                    </a:lnTlToBr>
+                    <a:lnBlToTr w="12700" cmpd="sng">
+                      <a:noFill/>
+                      <a:prstDash val="solid"/>
+                    </a:lnBlToTr>
+                    <a:noFill/>
+                  </a:tcPr>
+                </a:tc>
+                <a:tc>
+                  <a:txBody>
+                    <a:bodyPr/>
+                    <a:lstStyle/>
+                    <a:p>
+                      <a:pPr rtl="0" fontAlgn="b"/>
+                      <a:endParaRPr lang="en-US" dirty="0">
+                        <a:effectLst/>
+                      </a:endParaRPr>
+                    </a:p>
+                  </a:txBody>
+                  <a:tcPr marL="28575" marR="28575" marT="19050" marB="19050" anchor="b">
+                    <a:lnL>
+                      <a:noFill/>
+                    </a:lnL>
+                    <a:lnR>
+                      <a:noFill/>
+                    </a:lnR>
+                    <a:lnT w="12700" cap="flat" cmpd="sng" algn="ctr">
+                      <a:solidFill>
+                        <a:schemeClr val="tx1"/>
+                      </a:solidFill>
+                      <a:prstDash val="solid"/>
+                      <a:round/>
+                      <a:headEnd type="none" w="med" len="med"/>
+                      <a:tailEnd type="none" w="med" len="med"/>
+                    </a:lnT>
+                    <a:lnB w="12700" cap="flat" cmpd="sng" algn="ctr">
+                      <a:solidFill>
+                        <a:schemeClr val="tx1"/>
+                      </a:solidFill>
+                      <a:prstDash val="solid"/>
+                      <a:round/>
+                      <a:headEnd type="none" w="med" len="med"/>
+                      <a:tailEnd type="none" w="med" len="med"/>
+                    </a:lnB>
+                    <a:lnTlToBr w="12700" cmpd="sng">
+                      <a:noFill/>
+                      <a:prstDash val="solid"/>
+                    </a:lnTlToBr>
+                    <a:lnBlToTr w="12700" cmpd="sng">
+                      <a:noFill/>
+                      <a:prstDash val="solid"/>
+                    </a:lnBlToTr>
+                    <a:noFill/>
+                  </a:tcPr>
+                </a:tc>
+                <a:tc>
+                  <a:txBody>
+                    <a:bodyPr/>
+                    <a:lstStyle/>
+                    <a:p>
+                      <a:pPr algn="r" rtl="0" fontAlgn="b"/>
+                      <a:endParaRPr lang="en-US" dirty="0">
+                        <a:effectLst/>
+                      </a:endParaRPr>
+                    </a:p>
+                  </a:txBody>
+                  <a:tcPr marL="28575" marR="28575" marT="19050" marB="19050" anchor="b">
+                    <a:lnL>
+                      <a:noFill/>
+                    </a:lnL>
+                    <a:lnR>
+                      <a:noFill/>
+                    </a:lnR>
+                    <a:lnT w="12700" cap="flat" cmpd="sng" algn="ctr">
+                      <a:solidFill>
+                        <a:schemeClr val="tx1"/>
+                      </a:solidFill>
+                      <a:prstDash val="solid"/>
+                      <a:round/>
+                      <a:headEnd type="none" w="med" len="med"/>
+                      <a:tailEnd type="none" w="med" len="med"/>
+                    </a:lnT>
+                    <a:lnB w="12700" cap="flat" cmpd="sng" algn="ctr">
+                      <a:solidFill>
+                        <a:schemeClr val="tx1"/>
+                      </a:solidFill>
+                      <a:prstDash val="solid"/>
+                      <a:round/>
+                      <a:headEnd type="none" w="med" len="med"/>
+                      <a:tailEnd type="none" w="med" len="med"/>
+                    </a:lnB>
+                    <a:lnTlToBr w="12700" cmpd="sng">
+                      <a:noFill/>
+                      <a:prstDash val="solid"/>
+                    </a:lnTlToBr>
+                    <a:lnBlToTr w="12700" cmpd="sng">
+                      <a:noFill/>
+                      <a:prstDash val="solid"/>
+                    </a:lnBlToTr>
+                    <a:noFill/>
+                  </a:tcPr>
+                </a:tc>
+                <a:tc>
+                  <a:txBody>
+                    <a:bodyPr/>
+                    <a:lstStyle/>
+                    <a:p>
+                      <a:pPr algn="r" rtl="0" fontAlgn="b"/>
+                      <a:endParaRPr lang="en-US" dirty="0">
+                        <a:effectLst/>
+                      </a:endParaRPr>
+                    </a:p>
+                  </a:txBody>
+                  <a:tcPr marL="28575" marR="28575" marT="19050" marB="19050" anchor="b">
+                    <a:lnL>
+                      <a:noFill/>
+                    </a:lnL>
+                    <a:lnR>
+                      <a:noFill/>
+                    </a:lnR>
+                    <a:lnT w="12700" cap="flat" cmpd="sng" algn="ctr">
+                      <a:solidFill>
+                        <a:schemeClr val="tx1"/>
+                      </a:solidFill>
+                      <a:prstDash val="solid"/>
+                      <a:round/>
+                      <a:headEnd type="none" w="med" len="med"/>
+                      <a:tailEnd type="none" w="med" len="med"/>
+                    </a:lnT>
+                    <a:lnB w="12700" cap="flat" cmpd="sng" algn="ctr">
+                      <a:solidFill>
+                        <a:schemeClr val="tx1"/>
+                      </a:solidFill>
+                      <a:prstDash val="solid"/>
+                      <a:round/>
+                      <a:headEnd type="none" w="med" len="med"/>
+                      <a:tailEnd type="none" w="med" len="med"/>
+                    </a:lnB>
+                    <a:lnTlToBr w="12700" cmpd="sng">
+                      <a:noFill/>
+                      <a:prstDash val="solid"/>
+                    </a:lnTlToBr>
+                    <a:lnBlToTr w="12700" cmpd="sng">
+                      <a:noFill/>
+                      <a:prstDash val="solid"/>
+                    </a:lnBlToTr>
+                    <a:noFill/>
+                  </a:tcPr>
+                </a:tc>
+                <a:tc>
+                  <a:txBody>
+                    <a:bodyPr/>
+                    <a:lstStyle/>
+                    <a:p>
+                      <a:pPr algn="r" rtl="0" fontAlgn="b"/>
+                      <a:endParaRPr lang="en-US" dirty="0">
+                        <a:effectLst/>
+                      </a:endParaRPr>
+                    </a:p>
+                  </a:txBody>
+                  <a:tcPr marL="28575" marR="28575" marT="19050" marB="19050" anchor="b">
+                    <a:lnL>
+                      <a:noFill/>
+                    </a:lnL>
+                    <a:lnR w="12700" cap="flat" cmpd="sng" algn="ctr">
+                      <a:noFill/>
+                      <a:prstDash val="solid"/>
+                      <a:round/>
+                      <a:headEnd type="none" w="med" len="med"/>
+                      <a:tailEnd type="none" w="med" len="med"/>
+                    </a:lnR>
+                    <a:lnT w="12700" cap="flat" cmpd="sng" algn="ctr">
+                      <a:solidFill>
+                        <a:schemeClr val="tx1"/>
+                      </a:solidFill>
+                      <a:prstDash val="solid"/>
+                      <a:round/>
+                      <a:headEnd type="none" w="med" len="med"/>
+                      <a:tailEnd type="none" w="med" len="med"/>
+                    </a:lnT>
+                    <a:lnB w="12700" cap="flat" cmpd="sng" algn="ctr">
+                      <a:solidFill>
+                        <a:schemeClr val="tx1"/>
+                      </a:solidFill>
+                      <a:prstDash val="solid"/>
+                      <a:round/>
+                      <a:headEnd type="none" w="med" len="med"/>
+                      <a:tailEnd type="none" w="med" len="med"/>
+                    </a:lnB>
+                    <a:lnTlToBr w="12700" cmpd="sng">
+                      <a:noFill/>
+                      <a:prstDash val="solid"/>
+                    </a:lnTlToBr>
+                    <a:lnBlToTr w="12700" cmpd="sng">
+                      <a:noFill/>
+                      <a:prstDash val="solid"/>
+                    </a:lnBlToTr>
+                    <a:noFill/>
+                  </a:tcPr>
+                </a:tc>
+                <a:extLst>
+                  <a:ext uri="{0D108BD9-81ED-4DB2-BD59-A6C34878D82A}">
+                    <a16:rowId xmlns:a16="http://schemas.microsoft.com/office/drawing/2014/main" val="2721063106"/>
+                  </a:ext>
+                </a:extLst>
+              </a:tr>
+              <a:tr h="370840">
+                <a:tc>
+                  <a:txBody>
+                    <a:bodyPr/>
+                    <a:lstStyle/>
+                    <a:p>
+                      <a:pPr rtl="0" fontAlgn="b"/>
+                      <a:r>
+                        <a:rPr lang="en-US" b="1" dirty="0">
+                          <a:effectLst/>
+                        </a:rPr>
+                        <a:t>Internal Cost</a:t>
+                      </a:r>
+                    </a:p>
+                  </a:txBody>
+                  <a:tcPr marL="28575" marR="28575" marT="19050" marB="19050" anchor="b">
+                    <a:lnL w="12700" cap="flat" cmpd="sng" algn="ctr">
+                      <a:solidFill>
+                        <a:schemeClr val="tx1"/>
+                      </a:solidFill>
+                      <a:prstDash val="solid"/>
+                      <a:round/>
+                      <a:headEnd type="none" w="med" len="med"/>
+                      <a:tailEnd type="none" w="med" len="med"/>
+                    </a:lnL>
+                    <a:lnT w="12700" cap="flat" cmpd="sng" algn="ctr">
+                      <a:solidFill>
+                        <a:schemeClr val="tx1"/>
+                      </a:solidFill>
+                      <a:prstDash val="solid"/>
+                      <a:round/>
+                      <a:headEnd type="none" w="med" len="med"/>
+                      <a:tailEnd type="none" w="med" len="med"/>
+                    </a:lnT>
+                    <a:lnB w="12700" cap="flat" cmpd="sng" algn="ctr">
+                      <a:solidFill>
+                        <a:schemeClr val="tx1"/>
+                      </a:solidFill>
+                      <a:prstDash val="solid"/>
+                      <a:round/>
+                      <a:headEnd type="none" w="med" len="med"/>
+                      <a:tailEnd type="none" w="med" len="med"/>
+                    </a:lnB>
+                    <a:solidFill>
+                      <a:schemeClr val="bg1">
+                        <a:alpha val="20000"/>
+                      </a:schemeClr>
+                    </a:solidFill>
+                  </a:tcPr>
+                </a:tc>
+                <a:tc>
+                  <a:txBody>
+                    <a:bodyPr/>
+                    <a:lstStyle/>
+                    <a:p>
+                      <a:pPr rtl="0" fontAlgn="b"/>
+                      <a:endParaRPr lang="en-US" dirty="0">
+                        <a:effectLst/>
+                      </a:endParaRPr>
+                    </a:p>
+                  </a:txBody>
+                  <a:tcPr marL="28575" marR="28575" marT="19050" marB="19050" anchor="b">
+                    <a:lnT w="12700" cap="flat" cmpd="sng" algn="ctr">
+                      <a:solidFill>
+                        <a:schemeClr val="tx1"/>
+                      </a:solidFill>
+                      <a:prstDash val="solid"/>
+                      <a:round/>
+                      <a:headEnd type="none" w="med" len="med"/>
+                      <a:tailEnd type="none" w="med" len="med"/>
+                    </a:lnT>
+                    <a:lnB w="12700" cap="flat" cmpd="sng" algn="ctr">
+                      <a:solidFill>
+                        <a:schemeClr val="tx1"/>
+                      </a:solidFill>
+                      <a:prstDash val="solid"/>
+                      <a:round/>
+                      <a:headEnd type="none" w="med" len="med"/>
+                      <a:tailEnd type="none" w="med" len="med"/>
+                    </a:lnB>
+                    <a:solidFill>
+                      <a:schemeClr val="bg1">
+                        <a:alpha val="20000"/>
+                      </a:schemeClr>
+                    </a:solidFill>
+                  </a:tcPr>
+                </a:tc>
+                <a:tc>
+                  <a:txBody>
+                    <a:bodyPr/>
+                    <a:lstStyle/>
+                    <a:p>
+                      <a:pPr rtl="0" fontAlgn="b"/>
+                      <a:endParaRPr lang="en-US" dirty="0">
+                        <a:effectLst/>
+                      </a:endParaRPr>
+                    </a:p>
+                  </a:txBody>
+                  <a:tcPr marL="28575" marR="28575" marT="19050" marB="19050" anchor="b">
+                    <a:lnT w="12700" cap="flat" cmpd="sng" algn="ctr">
+                      <a:solidFill>
+                        <a:schemeClr val="tx1"/>
+                      </a:solidFill>
+                      <a:prstDash val="solid"/>
+                      <a:round/>
+                      <a:headEnd type="none" w="med" len="med"/>
+                      <a:tailEnd type="none" w="med" len="med"/>
+                    </a:lnT>
+                    <a:lnB w="12700" cap="flat" cmpd="sng" algn="ctr">
+                      <a:solidFill>
+                        <a:schemeClr val="tx1"/>
+                      </a:solidFill>
+                      <a:prstDash val="solid"/>
+                      <a:round/>
+                      <a:headEnd type="none" w="med" len="med"/>
+                      <a:tailEnd type="none" w="med" len="med"/>
+                    </a:lnB>
+                    <a:solidFill>
+                      <a:schemeClr val="bg1">
+                        <a:alpha val="20000"/>
+                      </a:schemeClr>
+                    </a:solidFill>
+                  </a:tcPr>
+                </a:tc>
+                <a:tc>
+                  <a:txBody>
+                    <a:bodyPr/>
+                    <a:lstStyle/>
+                    <a:p>
+                      <a:pPr rtl="0" fontAlgn="b"/>
+                      <a:endParaRPr lang="en-US" dirty="0">
+                        <a:effectLst/>
+                      </a:endParaRPr>
+                    </a:p>
+                  </a:txBody>
+                  <a:tcPr marL="28575" marR="28575" marT="19050" marB="19050" anchor="b">
+                    <a:lnT w="12700" cap="flat" cmpd="sng" algn="ctr">
+                      <a:solidFill>
+                        <a:schemeClr val="tx1"/>
+                      </a:solidFill>
+                      <a:prstDash val="solid"/>
+                      <a:round/>
+                      <a:headEnd type="none" w="med" len="med"/>
+                      <a:tailEnd type="none" w="med" len="med"/>
+                    </a:lnT>
+                    <a:lnB w="12700" cap="flat" cmpd="sng" algn="ctr">
+                      <a:solidFill>
+                        <a:schemeClr val="tx1"/>
+                      </a:solidFill>
+                      <a:prstDash val="solid"/>
+                      <a:round/>
+                      <a:headEnd type="none" w="med" len="med"/>
+                      <a:tailEnd type="none" w="med" len="med"/>
+                    </a:lnB>
+                    <a:solidFill>
+                      <a:schemeClr val="bg1">
+                        <a:alpha val="20000"/>
+                      </a:schemeClr>
+                    </a:solidFill>
+                  </a:tcPr>
+                </a:tc>
+                <a:tc>
+                  <a:txBody>
+                    <a:bodyPr/>
+                    <a:lstStyle/>
+                    <a:p>
+                      <a:pPr rtl="0" fontAlgn="b"/>
+                      <a:endParaRPr lang="en-US" dirty="0">
+                        <a:effectLst/>
+                      </a:endParaRPr>
+                    </a:p>
+                  </a:txBody>
+                  <a:tcPr marL="28575" marR="28575" marT="19050" marB="19050" anchor="b">
+                    <a:lnR w="12700" cap="flat" cmpd="sng" algn="ctr">
+                      <a:solidFill>
+                        <a:schemeClr val="tx1"/>
+                      </a:solidFill>
+                      <a:prstDash val="solid"/>
+                      <a:round/>
+                      <a:headEnd type="none" w="med" len="med"/>
+                      <a:tailEnd type="none" w="med" len="med"/>
+                    </a:lnR>
+                    <a:lnT w="12700" cap="flat" cmpd="sng" algn="ctr">
+                      <a:solidFill>
+                        <a:schemeClr val="tx1"/>
+                      </a:solidFill>
+                      <a:prstDash val="solid"/>
+                      <a:round/>
+                      <a:headEnd type="none" w="med" len="med"/>
+                      <a:tailEnd type="none" w="med" len="med"/>
+                    </a:lnT>
+                    <a:lnB w="12700" cap="flat" cmpd="sng" algn="ctr">
+                      <a:solidFill>
+                        <a:schemeClr val="tx1"/>
+                      </a:solidFill>
+                      <a:prstDash val="solid"/>
+                      <a:round/>
+                      <a:headEnd type="none" w="med" len="med"/>
+                      <a:tailEnd type="none" w="med" len="med"/>
+                    </a:lnB>
+                    <a:solidFill>
+                      <a:schemeClr val="bg1">
+                        <a:alpha val="20000"/>
+                      </a:schemeClr>
+                    </a:solidFill>
+                  </a:tcPr>
+                </a:tc>
+                <a:extLst>
+                  <a:ext uri="{0D108BD9-81ED-4DB2-BD59-A6C34878D82A}">
+                    <a16:rowId xmlns:a16="http://schemas.microsoft.com/office/drawing/2014/main" val="3411564193"/>
+                  </a:ext>
+                </a:extLst>
+              </a:tr>
+              <a:tr h="370840">
+                <a:tc>
+                  <a:txBody>
+                    <a:bodyPr/>
+                    <a:lstStyle/>
+                    <a:p>
+                      <a:pPr rtl="0" fontAlgn="b"/>
+                      <a:r>
+                        <a:rPr lang="en-US" dirty="0">
+                          <a:effectLst/>
+                        </a:rPr>
+                        <a:t>Training</a:t>
+                      </a:r>
+                    </a:p>
+                  </a:txBody>
+                  <a:tcPr marL="28575" marR="28575" marT="19050" marB="19050" anchor="b">
+                    <a:lnL w="12700" cap="flat" cmpd="sng" algn="ctr">
+                      <a:solidFill>
+                        <a:schemeClr val="tx1"/>
+                      </a:solidFill>
+                      <a:prstDash val="solid"/>
+                      <a:round/>
+                      <a:headEnd type="none" w="med" len="med"/>
+                      <a:tailEnd type="none" w="med" len="med"/>
+                    </a:lnL>
+                    <a:lnT w="12700" cap="flat" cmpd="sng" algn="ctr">
+                      <a:solidFill>
+                        <a:schemeClr val="tx1"/>
+                      </a:solidFill>
+                      <a:prstDash val="solid"/>
+                      <a:round/>
+                      <a:headEnd type="none" w="med" len="med"/>
+                      <a:tailEnd type="none" w="med" len="med"/>
+                    </a:lnT>
+                    <a:lnB w="12700" cap="flat" cmpd="sng" algn="ctr">
+                      <a:solidFill>
+                        <a:schemeClr val="tx1"/>
+                      </a:solidFill>
+                      <a:prstDash val="solid"/>
+                      <a:round/>
+                      <a:headEnd type="none" w="med" len="med"/>
+                      <a:tailEnd type="none" w="med" len="med"/>
+                    </a:lnB>
+                  </a:tcPr>
+                </a:tc>
+                <a:tc>
+                  <a:txBody>
+                    <a:bodyPr/>
+                    <a:lstStyle/>
+                    <a:p>
+                      <a:pPr rtl="0" fontAlgn="b"/>
+                      <a:r>
+                        <a:rPr lang="en-US">
+                          <a:effectLst/>
+                        </a:rPr>
+                        <a:t>Training in Solutions Above</a:t>
+                      </a:r>
+                    </a:p>
+                  </a:txBody>
+                  <a:tcPr marL="28575" marR="28575" marT="19050" marB="19050" anchor="b">
+                    <a:lnT w="12700" cap="flat" cmpd="sng" algn="ctr">
+                      <a:solidFill>
+                        <a:schemeClr val="tx1"/>
+                      </a:solidFill>
+                      <a:prstDash val="solid"/>
+                      <a:round/>
+                      <a:headEnd type="none" w="med" len="med"/>
+                      <a:tailEnd type="none" w="med" len="med"/>
+                    </a:lnT>
+                    <a:lnB w="12700" cap="flat" cmpd="sng" algn="ctr">
+                      <a:solidFill>
+                        <a:schemeClr val="tx1"/>
+                      </a:solidFill>
+                      <a:prstDash val="solid"/>
+                      <a:round/>
+                      <a:headEnd type="none" w="med" len="med"/>
+                      <a:tailEnd type="none" w="med" len="med"/>
+                    </a:lnB>
+                  </a:tcPr>
+                </a:tc>
+                <a:tc>
+                  <a:txBody>
+                    <a:bodyPr/>
+                    <a:lstStyle/>
+                    <a:p>
+                      <a:pPr algn="r" rtl="0" fontAlgn="b"/>
+                      <a:r>
+                        <a:rPr lang="en-US">
+                          <a:effectLst/>
+                        </a:rPr>
+                        <a:t>$1,000</a:t>
+                      </a:r>
+                    </a:p>
+                  </a:txBody>
+                  <a:tcPr marL="28575" marR="28575" marT="19050" marB="19050" anchor="b">
+                    <a:lnT w="12700" cap="flat" cmpd="sng" algn="ctr">
+                      <a:solidFill>
+                        <a:schemeClr val="tx1"/>
+                      </a:solidFill>
+                      <a:prstDash val="solid"/>
+                      <a:round/>
+                      <a:headEnd type="none" w="med" len="med"/>
+                      <a:tailEnd type="none" w="med" len="med"/>
+                    </a:lnT>
+                    <a:lnB w="12700" cap="flat" cmpd="sng" algn="ctr">
+                      <a:solidFill>
+                        <a:schemeClr val="tx1"/>
+                      </a:solidFill>
+                      <a:prstDash val="solid"/>
+                      <a:round/>
+                      <a:headEnd type="none" w="med" len="med"/>
+                      <a:tailEnd type="none" w="med" len="med"/>
+                    </a:lnB>
+                  </a:tcPr>
+                </a:tc>
+                <a:tc>
+                  <a:txBody>
+                    <a:bodyPr/>
+                    <a:lstStyle/>
+                    <a:p>
+                      <a:pPr algn="r" rtl="0" fontAlgn="b"/>
+                      <a:r>
+                        <a:rPr lang="en-US">
+                          <a:effectLst/>
+                        </a:rPr>
+                        <a:t>$0</a:t>
+                      </a:r>
+                    </a:p>
+                  </a:txBody>
+                  <a:tcPr marL="28575" marR="28575" marT="19050" marB="19050" anchor="b">
+                    <a:lnT w="12700" cap="flat" cmpd="sng" algn="ctr">
+                      <a:solidFill>
+                        <a:schemeClr val="tx1"/>
+                      </a:solidFill>
+                      <a:prstDash val="solid"/>
+                      <a:round/>
+                      <a:headEnd type="none" w="med" len="med"/>
+                      <a:tailEnd type="none" w="med" len="med"/>
+                    </a:lnT>
+                    <a:lnB w="12700" cap="flat" cmpd="sng" algn="ctr">
+                      <a:solidFill>
+                        <a:schemeClr val="tx1"/>
+                      </a:solidFill>
+                      <a:prstDash val="solid"/>
+                      <a:round/>
+                      <a:headEnd type="none" w="med" len="med"/>
+                      <a:tailEnd type="none" w="med" len="med"/>
+                    </a:lnB>
+                  </a:tcPr>
+                </a:tc>
+                <a:tc>
+                  <a:txBody>
+                    <a:bodyPr/>
+                    <a:lstStyle/>
+                    <a:p>
+                      <a:pPr algn="r" rtl="0" fontAlgn="b"/>
+                      <a:r>
+                        <a:rPr lang="en-US" dirty="0">
+                          <a:effectLst/>
+                        </a:rPr>
+                        <a:t>$0</a:t>
+                      </a:r>
+                    </a:p>
+                  </a:txBody>
+                  <a:tcPr marL="28575" marR="28575" marT="19050" marB="19050" anchor="b">
+                    <a:lnR w="12700" cap="flat" cmpd="sng" algn="ctr">
+                      <a:solidFill>
+                        <a:schemeClr val="tx1"/>
+                      </a:solidFill>
+                      <a:prstDash val="solid"/>
+                      <a:round/>
+                      <a:headEnd type="none" w="med" len="med"/>
+                      <a:tailEnd type="none" w="med" len="med"/>
+                    </a:lnR>
+                    <a:lnT w="12700" cap="flat" cmpd="sng" algn="ctr">
+                      <a:solidFill>
+                        <a:schemeClr val="tx1"/>
+                      </a:solidFill>
+                      <a:prstDash val="solid"/>
+                      <a:round/>
+                      <a:headEnd type="none" w="med" len="med"/>
+                      <a:tailEnd type="none" w="med" len="med"/>
+                    </a:lnT>
+                    <a:lnB w="12700" cap="flat" cmpd="sng" algn="ctr">
+                      <a:solidFill>
+                        <a:schemeClr val="tx1"/>
+                      </a:solidFill>
+                      <a:prstDash val="solid"/>
+                      <a:round/>
+                      <a:headEnd type="none" w="med" len="med"/>
+                      <a:tailEnd type="none" w="med" len="med"/>
+                    </a:lnB>
+                  </a:tcPr>
+                </a:tc>
+                <a:extLst>
+                  <a:ext uri="{0D108BD9-81ED-4DB2-BD59-A6C34878D82A}">
+                    <a16:rowId xmlns:a16="http://schemas.microsoft.com/office/drawing/2014/main" val="304209025"/>
+                  </a:ext>
+                </a:extLst>
+              </a:tr>
+              <a:tr h="370840">
+                <a:tc>
+                  <a:txBody>
+                    <a:bodyPr/>
+                    <a:lstStyle/>
+                    <a:p>
+                      <a:pPr rtl="0" fontAlgn="b"/>
+                      <a:endParaRPr lang="en-US" dirty="0">
+                        <a:effectLst/>
+                      </a:endParaRPr>
+                    </a:p>
+                  </a:txBody>
+                  <a:tcPr marL="28575" marR="28575" marT="19050" marB="19050" anchor="b">
+                    <a:lnL w="12700" cap="flat" cmpd="sng" algn="ctr">
+                      <a:noFill/>
+                      <a:prstDash val="solid"/>
+                      <a:round/>
+                      <a:headEnd type="none" w="med" len="med"/>
+                      <a:tailEnd type="none" w="med" len="med"/>
+                    </a:lnL>
+                    <a:lnR>
+                      <a:noFill/>
+                    </a:lnR>
+                    <a:lnT w="12700" cap="flat" cmpd="sng" algn="ctr">
+                      <a:solidFill>
+                        <a:schemeClr val="tx1"/>
+                      </a:solidFill>
+                      <a:prstDash val="solid"/>
+                      <a:round/>
+                      <a:headEnd type="none" w="med" len="med"/>
+                      <a:tailEnd type="none" w="med" len="med"/>
+                    </a:lnT>
+                    <a:lnB w="12700" cap="flat" cmpd="sng" algn="ctr">
+                      <a:solidFill>
+                        <a:schemeClr val="tx1"/>
+                      </a:solidFill>
+                      <a:prstDash val="solid"/>
+                      <a:round/>
+                      <a:headEnd type="none" w="med" len="med"/>
+                      <a:tailEnd type="none" w="med" len="med"/>
+                    </a:lnB>
+                    <a:lnTlToBr w="12700" cmpd="sng">
+                      <a:noFill/>
+                      <a:prstDash val="solid"/>
+                    </a:lnTlToBr>
+                    <a:lnBlToTr w="12700" cmpd="sng">
+                      <a:noFill/>
+                      <a:prstDash val="solid"/>
+                    </a:lnBlToTr>
+                    <a:noFill/>
+                  </a:tcPr>
+                </a:tc>
+                <a:tc>
+                  <a:txBody>
+                    <a:bodyPr/>
+                    <a:lstStyle/>
+                    <a:p>
+                      <a:pPr rtl="0" fontAlgn="b"/>
+                      <a:endParaRPr lang="en-US" dirty="0">
+                        <a:effectLst/>
+                      </a:endParaRPr>
+                    </a:p>
+                  </a:txBody>
+                  <a:tcPr marL="28575" marR="28575" marT="19050" marB="19050" anchor="b">
+                    <a:lnL>
+                      <a:noFill/>
+                    </a:lnL>
+                    <a:lnR>
+                      <a:noFill/>
+                    </a:lnR>
+                    <a:lnT w="12700" cap="flat" cmpd="sng" algn="ctr">
+                      <a:solidFill>
+                        <a:schemeClr val="tx1"/>
+                      </a:solidFill>
+                      <a:prstDash val="solid"/>
+                      <a:round/>
+                      <a:headEnd type="none" w="med" len="med"/>
+                      <a:tailEnd type="none" w="med" len="med"/>
+                    </a:lnT>
+                    <a:lnB w="12700" cap="flat" cmpd="sng" algn="ctr">
+                      <a:solidFill>
+                        <a:schemeClr val="tx1"/>
+                      </a:solidFill>
+                      <a:prstDash val="solid"/>
+                      <a:round/>
+                      <a:headEnd type="none" w="med" len="med"/>
+                      <a:tailEnd type="none" w="med" len="med"/>
+                    </a:lnB>
+                    <a:lnTlToBr w="12700" cmpd="sng">
+                      <a:noFill/>
+                      <a:prstDash val="solid"/>
+                    </a:lnTlToBr>
+                    <a:lnBlToTr w="12700" cmpd="sng">
+                      <a:noFill/>
+                      <a:prstDash val="solid"/>
+                    </a:lnBlToTr>
+                    <a:noFill/>
+                  </a:tcPr>
+                </a:tc>
+                <a:tc>
+                  <a:txBody>
+                    <a:bodyPr/>
+                    <a:lstStyle/>
+                    <a:p>
+                      <a:pPr algn="r" rtl="0" fontAlgn="b"/>
+                      <a:endParaRPr lang="en-US" dirty="0">
+                        <a:effectLst/>
+                      </a:endParaRPr>
+                    </a:p>
+                  </a:txBody>
+                  <a:tcPr marL="28575" marR="28575" marT="19050" marB="19050" anchor="b">
+                    <a:lnL>
+                      <a:noFill/>
+                    </a:lnL>
+                    <a:lnR>
+                      <a:noFill/>
+                    </a:lnR>
+                    <a:lnT w="12700" cap="flat" cmpd="sng" algn="ctr">
+                      <a:solidFill>
+                        <a:schemeClr val="tx1"/>
+                      </a:solidFill>
+                      <a:prstDash val="solid"/>
+                      <a:round/>
+                      <a:headEnd type="none" w="med" len="med"/>
+                      <a:tailEnd type="none" w="med" len="med"/>
+                    </a:lnT>
+                    <a:lnB w="12700" cap="flat" cmpd="sng" algn="ctr">
+                      <a:solidFill>
+                        <a:schemeClr val="tx1"/>
+                      </a:solidFill>
+                      <a:prstDash val="solid"/>
+                      <a:round/>
+                      <a:headEnd type="none" w="med" len="med"/>
+                      <a:tailEnd type="none" w="med" len="med"/>
+                    </a:lnB>
+                    <a:lnTlToBr w="12700" cmpd="sng">
+                      <a:noFill/>
+                      <a:prstDash val="solid"/>
+                    </a:lnTlToBr>
+                    <a:lnBlToTr w="12700" cmpd="sng">
+                      <a:noFill/>
+                      <a:prstDash val="solid"/>
+                    </a:lnBlToTr>
+                    <a:noFill/>
+                  </a:tcPr>
+                </a:tc>
+                <a:tc>
+                  <a:txBody>
+                    <a:bodyPr/>
+                    <a:lstStyle/>
+                    <a:p>
+                      <a:pPr algn="r" rtl="0" fontAlgn="b"/>
+                      <a:endParaRPr lang="en-US" dirty="0">
+                        <a:effectLst/>
+                      </a:endParaRPr>
+                    </a:p>
+                  </a:txBody>
+                  <a:tcPr marL="28575" marR="28575" marT="19050" marB="19050" anchor="b">
+                    <a:lnL>
+                      <a:noFill/>
+                    </a:lnL>
+                    <a:lnR>
+                      <a:noFill/>
+                    </a:lnR>
+                    <a:lnT w="12700" cap="flat" cmpd="sng" algn="ctr">
+                      <a:solidFill>
+                        <a:schemeClr val="tx1"/>
+                      </a:solidFill>
+                      <a:prstDash val="solid"/>
+                      <a:round/>
+                      <a:headEnd type="none" w="med" len="med"/>
+                      <a:tailEnd type="none" w="med" len="med"/>
+                    </a:lnT>
+                    <a:lnB w="12700" cap="flat" cmpd="sng" algn="ctr">
+                      <a:solidFill>
+                        <a:schemeClr val="tx1"/>
+                      </a:solidFill>
+                      <a:prstDash val="solid"/>
+                      <a:round/>
+                      <a:headEnd type="none" w="med" len="med"/>
+                      <a:tailEnd type="none" w="med" len="med"/>
+                    </a:lnB>
+                    <a:lnTlToBr w="12700" cmpd="sng">
+                      <a:noFill/>
+                      <a:prstDash val="solid"/>
+                    </a:lnTlToBr>
+                    <a:lnBlToTr w="12700" cmpd="sng">
+                      <a:noFill/>
+                      <a:prstDash val="solid"/>
+                    </a:lnBlToTr>
+                    <a:noFill/>
+                  </a:tcPr>
+                </a:tc>
+                <a:tc>
+                  <a:txBody>
+                    <a:bodyPr/>
+                    <a:lstStyle/>
+                    <a:p>
+                      <a:pPr algn="r" rtl="0" fontAlgn="b"/>
+                      <a:endParaRPr lang="en-US" dirty="0">
+                        <a:effectLst/>
+                      </a:endParaRPr>
+                    </a:p>
+                  </a:txBody>
+                  <a:tcPr marL="28575" marR="28575" marT="19050" marB="19050" anchor="b">
+                    <a:lnL>
+                      <a:noFill/>
+                    </a:lnL>
+                    <a:lnR w="12700" cap="flat" cmpd="sng" algn="ctr">
+                      <a:noFill/>
+                      <a:prstDash val="solid"/>
+                      <a:round/>
+                      <a:headEnd type="none" w="med" len="med"/>
+                      <a:tailEnd type="none" w="med" len="med"/>
+                    </a:lnR>
+                    <a:lnT w="12700" cap="flat" cmpd="sng" algn="ctr">
+                      <a:solidFill>
+                        <a:schemeClr val="tx1"/>
+                      </a:solidFill>
+                      <a:prstDash val="solid"/>
+                      <a:round/>
+                      <a:headEnd type="none" w="med" len="med"/>
+                      <a:tailEnd type="none" w="med" len="med"/>
+                    </a:lnT>
+                    <a:lnB w="12700" cap="flat" cmpd="sng" algn="ctr">
+                      <a:solidFill>
+                        <a:schemeClr val="tx1"/>
+                      </a:solidFill>
+                      <a:prstDash val="solid"/>
+                      <a:round/>
+                      <a:headEnd type="none" w="med" len="med"/>
+                      <a:tailEnd type="none" w="med" len="med"/>
+                    </a:lnB>
+                    <a:lnTlToBr w="12700" cmpd="sng">
+                      <a:noFill/>
+                      <a:prstDash val="solid"/>
+                    </a:lnTlToBr>
+                    <a:lnBlToTr w="12700" cmpd="sng">
+                      <a:noFill/>
+                      <a:prstDash val="solid"/>
+                    </a:lnBlToTr>
+                    <a:noFill/>
+                  </a:tcPr>
+                </a:tc>
+                <a:extLst>
+                  <a:ext uri="{0D108BD9-81ED-4DB2-BD59-A6C34878D82A}">
+                    <a16:rowId xmlns:a16="http://schemas.microsoft.com/office/drawing/2014/main" val="766628623"/>
+                  </a:ext>
+                </a:extLst>
+              </a:tr>
+              <a:tr h="370840">
+                <a:tc>
+                  <a:txBody>
+                    <a:bodyPr/>
+                    <a:lstStyle/>
+                    <a:p>
+                      <a:pPr rtl="0" fontAlgn="b"/>
+                      <a:r>
+                        <a:rPr lang="en-US" b="1" dirty="0">
+                          <a:effectLst/>
+                        </a:rPr>
+                        <a:t>Total</a:t>
+                      </a:r>
+                    </a:p>
+                  </a:txBody>
+                  <a:tcPr marL="28575" marR="28575" marT="19050" marB="19050" anchor="b">
+                    <a:lnL w="12700" cap="flat" cmpd="sng" algn="ctr">
+                      <a:solidFill>
+                        <a:schemeClr val="tx1"/>
+                      </a:solidFill>
+                      <a:prstDash val="solid"/>
+                      <a:round/>
+                      <a:headEnd type="none" w="med" len="med"/>
+                      <a:tailEnd type="none" w="med" len="med"/>
+                    </a:lnL>
+                    <a:lnT w="12700" cap="flat" cmpd="sng" algn="ctr">
+                      <a:solidFill>
+                        <a:schemeClr val="tx1"/>
+                      </a:solidFill>
+                      <a:prstDash val="solid"/>
+                      <a:round/>
+                      <a:headEnd type="none" w="med" len="med"/>
+                      <a:tailEnd type="none" w="med" len="med"/>
+                    </a:lnT>
+                    <a:solidFill>
+                      <a:schemeClr val="bg1">
+                        <a:alpha val="20000"/>
+                      </a:schemeClr>
+                    </a:solidFill>
+                  </a:tcPr>
+                </a:tc>
+                <a:tc>
+                  <a:txBody>
+                    <a:bodyPr/>
+                    <a:lstStyle/>
+                    <a:p>
+                      <a:pPr rtl="0" fontAlgn="b"/>
+                      <a:endParaRPr lang="en-US" dirty="0">
+                        <a:effectLst/>
+                      </a:endParaRPr>
+                    </a:p>
+                  </a:txBody>
+                  <a:tcPr marL="28575" marR="28575" marT="19050" marB="19050" anchor="b">
+                    <a:lnT w="12700" cap="flat" cmpd="sng" algn="ctr">
+                      <a:solidFill>
+                        <a:schemeClr val="tx1"/>
+                      </a:solidFill>
+                      <a:prstDash val="solid"/>
+                      <a:round/>
+                      <a:headEnd type="none" w="med" len="med"/>
+                      <a:tailEnd type="none" w="med" len="med"/>
+                    </a:lnT>
+                    <a:solidFill>
+                      <a:schemeClr val="bg1">
+                        <a:alpha val="20000"/>
+                      </a:schemeClr>
+                    </a:solidFill>
+                  </a:tcPr>
+                </a:tc>
+                <a:tc>
+                  <a:txBody>
+                    <a:bodyPr/>
+                    <a:lstStyle/>
+                    <a:p>
+                      <a:pPr algn="r" rtl="0" fontAlgn="b"/>
+                      <a:r>
+                        <a:rPr lang="en-US" dirty="0">
+                          <a:effectLst/>
+                        </a:rPr>
+                        <a:t>$7,944</a:t>
+                      </a:r>
+                    </a:p>
+                  </a:txBody>
+                  <a:tcPr marL="28575" marR="28575" marT="19050" marB="19050" anchor="b">
+                    <a:lnT w="12700" cap="flat" cmpd="sng" algn="ctr">
+                      <a:solidFill>
+                        <a:schemeClr val="tx1"/>
+                      </a:solidFill>
+                      <a:prstDash val="solid"/>
+                      <a:round/>
+                      <a:headEnd type="none" w="med" len="med"/>
+                      <a:tailEnd type="none" w="med" len="med"/>
+                    </a:lnT>
+                    <a:solidFill>
+                      <a:schemeClr val="bg1">
+                        <a:alpha val="20000"/>
+                      </a:schemeClr>
+                    </a:solidFill>
+                  </a:tcPr>
+                </a:tc>
+                <a:tc>
+                  <a:txBody>
+                    <a:bodyPr/>
+                    <a:lstStyle/>
+                    <a:p>
+                      <a:pPr algn="r" rtl="0" fontAlgn="b"/>
+                      <a:r>
+                        <a:rPr lang="en-US" dirty="0">
+                          <a:effectLst/>
+                        </a:rPr>
+                        <a:t>$5,944</a:t>
+                      </a:r>
+                    </a:p>
+                  </a:txBody>
+                  <a:tcPr marL="28575" marR="28575" marT="19050" marB="19050" anchor="b">
+                    <a:lnT w="12700" cap="flat" cmpd="sng" algn="ctr">
+                      <a:solidFill>
+                        <a:schemeClr val="tx1"/>
+                      </a:solidFill>
+                      <a:prstDash val="solid"/>
+                      <a:round/>
+                      <a:headEnd type="none" w="med" len="med"/>
+                      <a:tailEnd type="none" w="med" len="med"/>
+                    </a:lnT>
+                    <a:solidFill>
+                      <a:schemeClr val="bg1">
+                        <a:alpha val="20000"/>
+                      </a:schemeClr>
+                    </a:solidFill>
+                  </a:tcPr>
+                </a:tc>
+                <a:tc>
+                  <a:txBody>
+                    <a:bodyPr/>
+                    <a:lstStyle/>
+                    <a:p>
+                      <a:pPr algn="r" rtl="0" fontAlgn="b"/>
+                      <a:r>
+                        <a:rPr lang="en-US" dirty="0">
+                          <a:effectLst/>
+                        </a:rPr>
+                        <a:t>$5,944</a:t>
+                      </a:r>
+                    </a:p>
+                  </a:txBody>
+                  <a:tcPr marL="28575" marR="28575" marT="19050" marB="19050" anchor="b">
+                    <a:lnR w="12700" cap="flat" cmpd="sng" algn="ctr">
+                      <a:solidFill>
+                        <a:schemeClr val="tx1"/>
+                      </a:solidFill>
+                      <a:prstDash val="solid"/>
+                      <a:round/>
+                      <a:headEnd type="none" w="med" len="med"/>
+                      <a:tailEnd type="none" w="med" len="med"/>
+                    </a:lnR>
+                    <a:lnT w="12700" cap="flat" cmpd="sng" algn="ctr">
+                      <a:solidFill>
+                        <a:schemeClr val="tx1"/>
+                      </a:solidFill>
+                      <a:prstDash val="solid"/>
+                      <a:round/>
+                      <a:headEnd type="none" w="med" len="med"/>
+                      <a:tailEnd type="none" w="med" len="med"/>
+                    </a:lnT>
+                    <a:solidFill>
+                      <a:schemeClr val="bg1">
+                        <a:alpha val="20000"/>
+                      </a:schemeClr>
+                    </a:solidFill>
+                  </a:tcPr>
+                </a:tc>
+                <a:extLst>
+                  <a:ext uri="{0D108BD9-81ED-4DB2-BD59-A6C34878D82A}">
+                    <a16:rowId xmlns:a16="http://schemas.microsoft.com/office/drawing/2014/main" val="860300593"/>
+                  </a:ext>
+                </a:extLst>
+              </a:tr>
+            </a:tbl>
+          </a:graphicData>
+        </a:graphic>
+      </p:graphicFrame>
     </p:spTree>
     <p:extLst>
       <p:ext uri="{BB962C8B-B14F-4D97-AF65-F5344CB8AC3E}">
-        <p14:creationId xmlns:p14="http://schemas.microsoft.com/office/powerpoint/2010/main" val="4143062379"/>
+        <p14:creationId xmlns:p14="http://schemas.microsoft.com/office/powerpoint/2010/main" val="625277202"/>
       </p:ext>
     </p:extLst>
   </p:cSld>

--- a/De La Riva, Bennett, Calhoun, Young; Tax_Boss.pptx
+++ b/De La Riva, Bennett, Calhoun, Young; Tax_Boss.pptx
@@ -15698,6 +15698,27 @@
 <file path=ppt/slides/slide10.xml><?xml version="1.0" encoding="utf-8"?>
 <p:sld xmlns:a="http://schemas.openxmlformats.org/drawingml/2006/main" xmlns:r="http://schemas.openxmlformats.org/officeDocument/2006/relationships" xmlns:p="http://schemas.openxmlformats.org/presentationml/2006/main">
   <p:cSld>
+    <p:bg>
+      <p:bgPr>
+        <a:blipFill rotWithShape="1">
+          <a:blip r:embed="rId2">
+            <a:duotone>
+              <a:schemeClr val="bg2">
+                <a:shade val="76000"/>
+                <a:satMod val="180000"/>
+              </a:schemeClr>
+              <a:schemeClr val="bg2">
+                <a:tint val="80000"/>
+                <a:satMod val="120000"/>
+                <a:lumMod val="180000"/>
+              </a:schemeClr>
+            </a:duotone>
+          </a:blip>
+          <a:stretch/>
+        </a:blipFill>
+        <a:effectLst/>
+      </p:bgPr>
+    </p:bg>
     <p:spTree>
       <p:nvGrpSpPr>
         <p:cNvPr id="1" name=""/>
@@ -15712,6 +15733,429 @@
           <a:chExt cx="0" cy="0"/>
         </a:xfrm>
       </p:grpSpPr>
+      <p:grpSp>
+        <p:nvGrpSpPr>
+          <p:cNvPr id="11" name="Group 10">
+            <a:extLst>
+              <a:ext uri="{FF2B5EF4-FFF2-40B4-BE49-F238E27FC236}">
+                <a16:creationId xmlns:a16="http://schemas.microsoft.com/office/drawing/2014/main" id="{15FF890B-3CE7-403A-AECE-2DE04FC7AF80}"/>
+              </a:ext>
+              <a:ext uri="{C183D7F6-B498-43B3-948B-1728B52AA6E4}">
+                <adec:decorative xmlns:adec="http://schemas.microsoft.com/office/drawing/2017/decorative" val="1"/>
+              </a:ext>
+            </a:extLst>
+          </p:cNvPr>
+          <p:cNvGrpSpPr>
+            <a:grpSpLocks noGrp="1" noUngrp="1" noRot="1" noChangeAspect="1" noMove="1" noResize="1"/>
+          </p:cNvGrpSpPr>
+          <p:nvPr>
+            <p:extLst>
+              <p:ext uri="{386F3935-93C4-4BCD-93E2-E3B085C9AB24}">
+                <p16:designElem xmlns:p16="http://schemas.microsoft.com/office/powerpoint/2015/main" val="1"/>
+              </p:ext>
+            </p:extLst>
+          </p:nvPr>
+        </p:nvGrpSpPr>
+        <p:grpSpPr>
+          <a:xfrm>
+            <a:off x="150812" y="0"/>
+            <a:ext cx="2436813" cy="6858001"/>
+            <a:chOff x="1320800" y="0"/>
+            <a:chExt cx="2436813" cy="6858001"/>
+          </a:xfrm>
+        </p:grpSpPr>
+        <p:sp>
+          <p:nvSpPr>
+            <p:cNvPr id="12" name="Freeform 6">
+              <a:extLst>
+                <a:ext uri="{FF2B5EF4-FFF2-40B4-BE49-F238E27FC236}">
+                  <a16:creationId xmlns:a16="http://schemas.microsoft.com/office/drawing/2014/main" id="{99A4E160-6CFD-4514-9E20-CA6692CCDB9C}"/>
+                </a:ext>
+                <a:ext uri="{C183D7F6-B498-43B3-948B-1728B52AA6E4}">
+                  <adec:decorative xmlns:adec="http://schemas.microsoft.com/office/drawing/2017/decorative" val="1"/>
+                </a:ext>
+              </a:extLst>
+            </p:cNvPr>
+            <p:cNvSpPr/>
+            <p:nvPr>
+              <p:extLst>
+                <p:ext uri="{386F3935-93C4-4BCD-93E2-E3B085C9AB24}">
+                  <p16:designElem xmlns:p16="http://schemas.microsoft.com/office/powerpoint/2015/main" val="1"/>
+                </p:ext>
+              </p:extLst>
+            </p:nvPr>
+          </p:nvSpPr>
+          <p:spPr bwMode="auto">
+            <a:xfrm>
+              <a:off x="1627188" y="0"/>
+              <a:ext cx="1122363" cy="5329238"/>
+            </a:xfrm>
+            <a:custGeom>
+              <a:avLst/>
+              <a:gdLst/>
+              <a:ahLst/>
+              <a:cxnLst/>
+              <a:rect l="0" t="0" r="r" b="b"/>
+              <a:pathLst>
+                <a:path w="707" h="3357">
+                  <a:moveTo>
+                    <a:pt x="0" y="3330"/>
+                  </a:moveTo>
+                  <a:lnTo>
+                    <a:pt x="156" y="3357"/>
+                  </a:lnTo>
+                  <a:lnTo>
+                    <a:pt x="707" y="0"/>
+                  </a:lnTo>
+                  <a:lnTo>
+                    <a:pt x="547" y="0"/>
+                  </a:lnTo>
+                  <a:lnTo>
+                    <a:pt x="0" y="3330"/>
+                  </a:lnTo>
+                  <a:close/>
+                </a:path>
+              </a:pathLst>
+            </a:custGeom>
+            <a:solidFill>
+              <a:schemeClr val="accent1"/>
+            </a:solidFill>
+            <a:ln>
+              <a:noFill/>
+            </a:ln>
+          </p:spPr>
+        </p:sp>
+        <p:sp>
+          <p:nvSpPr>
+            <p:cNvPr id="13" name="Freeform 7">
+              <a:extLst>
+                <a:ext uri="{FF2B5EF4-FFF2-40B4-BE49-F238E27FC236}">
+                  <a16:creationId xmlns:a16="http://schemas.microsoft.com/office/drawing/2014/main" id="{3DCD16F5-8D15-45FD-BA62-ADAC08183A27}"/>
+                </a:ext>
+                <a:ext uri="{C183D7F6-B498-43B3-948B-1728B52AA6E4}">
+                  <adec:decorative xmlns:adec="http://schemas.microsoft.com/office/drawing/2017/decorative" val="1"/>
+                </a:ext>
+              </a:extLst>
+            </p:cNvPr>
+            <p:cNvSpPr/>
+            <p:nvPr>
+              <p:extLst>
+                <p:ext uri="{386F3935-93C4-4BCD-93E2-E3B085C9AB24}">
+                  <p16:designElem xmlns:p16="http://schemas.microsoft.com/office/powerpoint/2015/main" val="1"/>
+                </p:ext>
+              </p:extLst>
+            </p:nvPr>
+          </p:nvSpPr>
+          <p:spPr bwMode="auto">
+            <a:xfrm>
+              <a:off x="1320800" y="0"/>
+              <a:ext cx="1117600" cy="5276850"/>
+            </a:xfrm>
+            <a:custGeom>
+              <a:avLst/>
+              <a:gdLst/>
+              <a:ahLst/>
+              <a:cxnLst/>
+              <a:rect l="0" t="0" r="r" b="b"/>
+              <a:pathLst>
+                <a:path w="704" h="3324">
+                  <a:moveTo>
+                    <a:pt x="704" y="0"/>
+                  </a:moveTo>
+                  <a:lnTo>
+                    <a:pt x="545" y="0"/>
+                  </a:lnTo>
+                  <a:lnTo>
+                    <a:pt x="0" y="3300"/>
+                  </a:lnTo>
+                  <a:lnTo>
+                    <a:pt x="157" y="3324"/>
+                  </a:lnTo>
+                  <a:lnTo>
+                    <a:pt x="704" y="0"/>
+                  </a:lnTo>
+                  <a:close/>
+                </a:path>
+              </a:pathLst>
+            </a:custGeom>
+            <a:solidFill>
+              <a:schemeClr val="tx1">
+                <a:lumMod val="65000"/>
+                <a:lumOff val="35000"/>
+              </a:schemeClr>
+            </a:solidFill>
+            <a:ln>
+              <a:noFill/>
+            </a:ln>
+          </p:spPr>
+        </p:sp>
+        <p:sp>
+          <p:nvSpPr>
+            <p:cNvPr id="14" name="Freeform 8">
+              <a:extLst>
+                <a:ext uri="{FF2B5EF4-FFF2-40B4-BE49-F238E27FC236}">
+                  <a16:creationId xmlns:a16="http://schemas.microsoft.com/office/drawing/2014/main" id="{E7CFAF28-6FDA-4C2C-BE51-123D1115F75C}"/>
+                </a:ext>
+                <a:ext uri="{C183D7F6-B498-43B3-948B-1728B52AA6E4}">
+                  <adec:decorative xmlns:adec="http://schemas.microsoft.com/office/drawing/2017/decorative" val="1"/>
+                </a:ext>
+              </a:extLst>
+            </p:cNvPr>
+            <p:cNvSpPr/>
+            <p:nvPr>
+              <p:extLst>
+                <p:ext uri="{386F3935-93C4-4BCD-93E2-E3B085C9AB24}">
+                  <p16:designElem xmlns:p16="http://schemas.microsoft.com/office/powerpoint/2015/main" val="1"/>
+                </p:ext>
+              </p:extLst>
+            </p:nvPr>
+          </p:nvSpPr>
+          <p:spPr bwMode="auto">
+            <a:xfrm>
+              <a:off x="1320800" y="5238750"/>
+              <a:ext cx="1228725" cy="1619250"/>
+            </a:xfrm>
+            <a:custGeom>
+              <a:avLst/>
+              <a:gdLst/>
+              <a:ahLst/>
+              <a:cxnLst/>
+              <a:rect l="0" t="0" r="r" b="b"/>
+              <a:pathLst>
+                <a:path w="774" h="1020">
+                  <a:moveTo>
+                    <a:pt x="0" y="0"/>
+                  </a:moveTo>
+                  <a:lnTo>
+                    <a:pt x="740" y="1020"/>
+                  </a:lnTo>
+                  <a:lnTo>
+                    <a:pt x="774" y="1020"/>
+                  </a:lnTo>
+                  <a:lnTo>
+                    <a:pt x="0" y="0"/>
+                  </a:lnTo>
+                  <a:close/>
+                </a:path>
+              </a:pathLst>
+            </a:custGeom>
+            <a:solidFill>
+              <a:schemeClr val="tx1">
+                <a:lumMod val="85000"/>
+                <a:lumOff val="15000"/>
+              </a:schemeClr>
+            </a:solidFill>
+            <a:ln>
+              <a:noFill/>
+            </a:ln>
+          </p:spPr>
+        </p:sp>
+        <p:sp>
+          <p:nvSpPr>
+            <p:cNvPr id="15" name="Freeform 9">
+              <a:extLst>
+                <a:ext uri="{FF2B5EF4-FFF2-40B4-BE49-F238E27FC236}">
+                  <a16:creationId xmlns:a16="http://schemas.microsoft.com/office/drawing/2014/main" id="{1FD12703-0627-4991-B2A4-F96519F90863}"/>
+                </a:ext>
+                <a:ext uri="{C183D7F6-B498-43B3-948B-1728B52AA6E4}">
+                  <adec:decorative xmlns:adec="http://schemas.microsoft.com/office/drawing/2017/decorative" val="1"/>
+                </a:ext>
+              </a:extLst>
+            </p:cNvPr>
+            <p:cNvSpPr/>
+            <p:nvPr>
+              <p:extLst>
+                <p:ext uri="{386F3935-93C4-4BCD-93E2-E3B085C9AB24}">
+                  <p16:designElem xmlns:p16="http://schemas.microsoft.com/office/powerpoint/2015/main" val="1"/>
+                </p:ext>
+              </p:extLst>
+            </p:nvPr>
+          </p:nvSpPr>
+          <p:spPr bwMode="auto">
+            <a:xfrm>
+              <a:off x="1627188" y="5291138"/>
+              <a:ext cx="1495425" cy="1566863"/>
+            </a:xfrm>
+            <a:custGeom>
+              <a:avLst/>
+              <a:gdLst/>
+              <a:ahLst/>
+              <a:cxnLst/>
+              <a:rect l="0" t="0" r="r" b="b"/>
+              <a:pathLst>
+                <a:path w="942" h="987">
+                  <a:moveTo>
+                    <a:pt x="0" y="0"/>
+                  </a:moveTo>
+                  <a:lnTo>
+                    <a:pt x="909" y="987"/>
+                  </a:lnTo>
+                  <a:lnTo>
+                    <a:pt x="942" y="987"/>
+                  </a:lnTo>
+                  <a:lnTo>
+                    <a:pt x="0" y="0"/>
+                  </a:lnTo>
+                  <a:close/>
+                </a:path>
+              </a:pathLst>
+            </a:custGeom>
+            <a:solidFill>
+              <a:schemeClr val="accent1">
+                <a:lumMod val="50000"/>
+              </a:schemeClr>
+            </a:solidFill>
+            <a:ln>
+              <a:noFill/>
+            </a:ln>
+          </p:spPr>
+        </p:sp>
+        <p:sp>
+          <p:nvSpPr>
+            <p:cNvPr id="16" name="Freeform 10">
+              <a:extLst>
+                <a:ext uri="{FF2B5EF4-FFF2-40B4-BE49-F238E27FC236}">
+                  <a16:creationId xmlns:a16="http://schemas.microsoft.com/office/drawing/2014/main" id="{A5758E0B-DF61-40A8-B765-BC6841906A9A}"/>
+                </a:ext>
+                <a:ext uri="{C183D7F6-B498-43B3-948B-1728B52AA6E4}">
+                  <adec:decorative xmlns:adec="http://schemas.microsoft.com/office/drawing/2017/decorative" val="1"/>
+                </a:ext>
+              </a:extLst>
+            </p:cNvPr>
+            <p:cNvSpPr/>
+            <p:nvPr>
+              <p:extLst>
+                <p:ext uri="{386F3935-93C4-4BCD-93E2-E3B085C9AB24}">
+                  <p16:designElem xmlns:p16="http://schemas.microsoft.com/office/powerpoint/2015/main" val="1"/>
+                </p:ext>
+              </p:extLst>
+            </p:nvPr>
+          </p:nvSpPr>
+          <p:spPr bwMode="auto">
+            <a:xfrm>
+              <a:off x="1627188" y="5286375"/>
+              <a:ext cx="2130425" cy="1571625"/>
+            </a:xfrm>
+            <a:custGeom>
+              <a:avLst/>
+              <a:gdLst/>
+              <a:ahLst/>
+              <a:cxnLst/>
+              <a:rect l="0" t="0" r="r" b="b"/>
+              <a:pathLst>
+                <a:path w="1342" h="990">
+                  <a:moveTo>
+                    <a:pt x="0" y="3"/>
+                  </a:moveTo>
+                  <a:lnTo>
+                    <a:pt x="942" y="990"/>
+                  </a:lnTo>
+                  <a:lnTo>
+                    <a:pt x="1342" y="990"/>
+                  </a:lnTo>
+                  <a:lnTo>
+                    <a:pt x="156" y="27"/>
+                  </a:lnTo>
+                  <a:lnTo>
+                    <a:pt x="0" y="0"/>
+                  </a:lnTo>
+                  <a:lnTo>
+                    <a:pt x="0" y="3"/>
+                  </a:lnTo>
+                  <a:close/>
+                </a:path>
+              </a:pathLst>
+            </a:custGeom>
+            <a:solidFill>
+              <a:schemeClr val="accent1">
+                <a:lumMod val="75000"/>
+              </a:schemeClr>
+            </a:solidFill>
+            <a:ln>
+              <a:noFill/>
+            </a:ln>
+          </p:spPr>
+        </p:sp>
+        <p:sp>
+          <p:nvSpPr>
+            <p:cNvPr id="17" name="Freeform 11">
+              <a:extLst>
+                <a:ext uri="{FF2B5EF4-FFF2-40B4-BE49-F238E27FC236}">
+                  <a16:creationId xmlns:a16="http://schemas.microsoft.com/office/drawing/2014/main" id="{3E063A1F-9566-4436-B4E3-2890FBBC2CCB}"/>
+                </a:ext>
+                <a:ext uri="{C183D7F6-B498-43B3-948B-1728B52AA6E4}">
+                  <adec:decorative xmlns:adec="http://schemas.microsoft.com/office/drawing/2017/decorative" val="1"/>
+                </a:ext>
+              </a:extLst>
+            </p:cNvPr>
+            <p:cNvSpPr/>
+            <p:nvPr>
+              <p:extLst>
+                <p:ext uri="{386F3935-93C4-4BCD-93E2-E3B085C9AB24}">
+                  <p16:designElem xmlns:p16="http://schemas.microsoft.com/office/powerpoint/2015/main" val="1"/>
+                </p:ext>
+              </p:extLst>
+            </p:nvPr>
+          </p:nvSpPr>
+          <p:spPr bwMode="auto">
+            <a:xfrm>
+              <a:off x="1320800" y="5238750"/>
+              <a:ext cx="1695450" cy="1619250"/>
+            </a:xfrm>
+            <a:custGeom>
+              <a:avLst/>
+              <a:gdLst/>
+              <a:ahLst/>
+              <a:cxnLst/>
+              <a:rect l="0" t="0" r="r" b="b"/>
+              <a:pathLst>
+                <a:path w="1068" h="1020">
+                  <a:moveTo>
+                    <a:pt x="1068" y="1020"/>
+                  </a:moveTo>
+                  <a:lnTo>
+                    <a:pt x="184" y="60"/>
+                  </a:lnTo>
+                  <a:lnTo>
+                    <a:pt x="154" y="27"/>
+                  </a:lnTo>
+                  <a:lnTo>
+                    <a:pt x="157" y="27"/>
+                  </a:lnTo>
+                  <a:lnTo>
+                    <a:pt x="157" y="24"/>
+                  </a:lnTo>
+                  <a:lnTo>
+                    <a:pt x="154" y="24"/>
+                  </a:lnTo>
+                  <a:lnTo>
+                    <a:pt x="0" y="0"/>
+                  </a:lnTo>
+                  <a:lnTo>
+                    <a:pt x="0" y="0"/>
+                  </a:lnTo>
+                  <a:lnTo>
+                    <a:pt x="774" y="1020"/>
+                  </a:lnTo>
+                  <a:lnTo>
+                    <a:pt x="1068" y="1020"/>
+                  </a:lnTo>
+                  <a:close/>
+                </a:path>
+              </a:pathLst>
+            </a:custGeom>
+            <a:solidFill>
+              <a:schemeClr val="tx1">
+                <a:lumMod val="75000"/>
+                <a:lumOff val="25000"/>
+              </a:schemeClr>
+            </a:solidFill>
+            <a:ln>
+              <a:noFill/>
+            </a:ln>
+          </p:spPr>
+        </p:sp>
+      </p:grpSp>
       <p:sp>
         <p:nvSpPr>
           <p:cNvPr id="2" name="Title 1">
@@ -15728,14 +16172,115 @@
             <p:ph type="title"/>
           </p:nvPr>
         </p:nvSpPr>
-        <p:spPr/>
+        <p:spPr>
+          <a:xfrm>
+            <a:off x="1484311" y="1081548"/>
+            <a:ext cx="3333495" cy="1504335"/>
+          </a:xfrm>
+        </p:spPr>
         <p:txBody>
-          <a:bodyPr/>
+          <a:bodyPr vert="horz" lIns="91440" tIns="45720" rIns="91440" bIns="45720" rtlCol="0" anchor="ctr">
+            <a:normAutofit/>
+          </a:bodyPr>
           <a:lstStyle/>
           <a:p>
             <a:r>
-              <a:rPr lang="en-US" dirty="0"/>
+              <a:rPr lang="en-US" sz="3600" dirty="0"/>
               <a:t>Timeline</a:t>
+            </a:r>
+          </a:p>
+        </p:txBody>
+      </p:sp>
+      <p:sp>
+        <p:nvSpPr>
+          <p:cNvPr id="6" name="TextBox 5">
+            <a:extLst>
+              <a:ext uri="{FF2B5EF4-FFF2-40B4-BE49-F238E27FC236}">
+                <a16:creationId xmlns:a16="http://schemas.microsoft.com/office/drawing/2014/main" id="{E651F0A2-5183-4125-A2D0-920D47E878D5}"/>
+              </a:ext>
+            </a:extLst>
+          </p:cNvPr>
+          <p:cNvSpPr txBox="1"/>
+          <p:nvPr/>
+        </p:nvSpPr>
+        <p:spPr>
+          <a:xfrm>
+            <a:off x="1484311" y="2666999"/>
+            <a:ext cx="3333496" cy="3124201"/>
+          </a:xfrm>
+          <a:prstGeom prst="rect">
+            <a:avLst/>
+          </a:prstGeom>
+        </p:spPr>
+        <p:txBody>
+          <a:bodyPr vert="horz" lIns="91440" tIns="45720" rIns="91440" bIns="45720" rtlCol="0" anchor="t">
+            <a:normAutofit/>
+          </a:bodyPr>
+          <a:lstStyle/>
+          <a:p>
+            <a:pPr marL="285750" indent="-285750">
+              <a:spcBef>
+                <a:spcPct val="20000"/>
+              </a:spcBef>
+              <a:spcAft>
+                <a:spcPts val="600"/>
+              </a:spcAft>
+              <a:buClr>
+                <a:schemeClr val="accent1">
+                  <a:lumMod val="75000"/>
+                </a:schemeClr>
+              </a:buClr>
+              <a:buSzPct val="145000"/>
+              <a:buFont typeface="Arial"/>
+              <a:buChar char="•"/>
+            </a:pPr>
+            <a:r>
+              <a:rPr lang="en-US" sz="2000" dirty="0"/>
+              <a:t>Implementation</a:t>
+            </a:r>
+          </a:p>
+          <a:p>
+            <a:pPr marL="285750" indent="-285750">
+              <a:spcBef>
+                <a:spcPct val="20000"/>
+              </a:spcBef>
+              <a:spcAft>
+                <a:spcPts val="600"/>
+              </a:spcAft>
+              <a:buClr>
+                <a:schemeClr val="accent1">
+                  <a:lumMod val="75000"/>
+                </a:schemeClr>
+              </a:buClr>
+              <a:buSzPct val="145000"/>
+              <a:buFont typeface="Arial"/>
+              <a:buChar char="•"/>
+            </a:pPr>
+            <a:r>
+              <a:rPr lang="en-US" sz="2000" dirty="0"/>
+              <a:t>Training</a:t>
+            </a:r>
+          </a:p>
+          <a:p>
+            <a:pPr marL="285750" indent="-285750">
+              <a:spcBef>
+                <a:spcPct val="20000"/>
+              </a:spcBef>
+              <a:spcAft>
+                <a:spcPts val="600"/>
+              </a:spcAft>
+              <a:buClr>
+                <a:schemeClr val="accent1">
+                  <a:lumMod val="75000"/>
+                </a:schemeClr>
+              </a:buClr>
+              <a:buSzPct val="145000"/>
+              <a:buFont typeface="Arial"/>
+              <a:buChar char="•"/>
+            </a:pPr>
+            <a:r>
+              <a:rPr lang="en-US" sz="2000" dirty="0"/>
+              <a:t>Testing</a:t>
             </a:r>
           </a:p>
         </p:txBody>
@@ -15755,14 +16300,14 @@
           <p:nvPr>
             <p:extLst>
               <p:ext uri="{D42A27DB-BD31-4B8C-83A1-F6EECF244321}">
-                <p14:modId xmlns:p14="http://schemas.microsoft.com/office/powerpoint/2010/main" val="3631944655"/>
+                <p14:modId xmlns:p14="http://schemas.microsoft.com/office/powerpoint/2010/main" val="3902831933"/>
               </p:ext>
             </p:extLst>
           </p:nvPr>
         </p:nvGraphicFramePr>
         <p:xfrm>
-          <a:off x="2031999" y="2390954"/>
-          <a:ext cx="8128002" cy="1854200"/>
+          <a:off x="5262033" y="2046347"/>
+          <a:ext cx="6240995" cy="2331955"/>
         </p:xfrm>
         <a:graphic>
           <a:graphicData uri="http://schemas.openxmlformats.org/drawingml/2006/table">
@@ -15771,42 +16316,42 @@
                 <a:tableStyleId>{5940675A-B579-460E-94D1-54222C63F5DA}</a:tableStyleId>
               </a:tblPr>
               <a:tblGrid>
-                <a:gridCol w="3583797">
+                <a:gridCol w="1875960">
                   <a:extLst>
                     <a:ext uri="{9D8B030D-6E8A-4147-A177-3AD203B41FA5}">
                       <a16:colId xmlns:a16="http://schemas.microsoft.com/office/drawing/2014/main" val="880805292"/>
                     </a:ext>
                   </a:extLst>
                 </a:gridCol>
-                <a:gridCol w="940279">
+                <a:gridCol w="908447">
                   <a:extLst>
                     <a:ext uri="{9D8B030D-6E8A-4147-A177-3AD203B41FA5}">
                       <a16:colId xmlns:a16="http://schemas.microsoft.com/office/drawing/2014/main" val="648696307"/>
                     </a:ext>
                   </a:extLst>
                 </a:gridCol>
-                <a:gridCol w="974785">
+                <a:gridCol w="731247">
                   <a:extLst>
                     <a:ext uri="{9D8B030D-6E8A-4147-A177-3AD203B41FA5}">
                       <a16:colId xmlns:a16="http://schemas.microsoft.com/office/drawing/2014/main" val="3262815107"/>
                     </a:ext>
                   </a:extLst>
                 </a:gridCol>
-                <a:gridCol w="862642">
+                <a:gridCol w="908447">
                   <a:extLst>
                     <a:ext uri="{9D8B030D-6E8A-4147-A177-3AD203B41FA5}">
                       <a16:colId xmlns:a16="http://schemas.microsoft.com/office/drawing/2014/main" val="3272582242"/>
                     </a:ext>
                   </a:extLst>
                 </a:gridCol>
-                <a:gridCol w="897147">
+                <a:gridCol w="908447">
                   <a:extLst>
                     <a:ext uri="{9D8B030D-6E8A-4147-A177-3AD203B41FA5}">
                       <a16:colId xmlns:a16="http://schemas.microsoft.com/office/drawing/2014/main" val="604403479"/>
                     </a:ext>
                   </a:extLst>
                 </a:gridCol>
-                <a:gridCol w="869352">
+                <a:gridCol w="908447">
                   <a:extLst>
                     <a:ext uri="{9D8B030D-6E8A-4147-A177-3AD203B41FA5}">
                       <a16:colId xmlns:a16="http://schemas.microsoft.com/office/drawing/2014/main" val="2986901118"/>
@@ -15814,16 +16359,16 @@
                   </a:extLst>
                 </a:gridCol>
               </a:tblGrid>
-              <a:tr h="370840">
+              <a:tr h="579799">
                 <a:tc>
                   <a:txBody>
                     <a:bodyPr/>
                     <a:lstStyle/>
                     <a:p>
-                      <a:endParaRPr lang="en-US" dirty="0"/>
+                      <a:endParaRPr lang="en-US" sz="1700"/>
                     </a:p>
                   </a:txBody>
-                  <a:tcPr>
+                  <a:tcPr marL="85056" marR="85056" marT="42528" marB="42528">
                     <a:lnL w="12700" cap="flat" cmpd="sng" algn="ctr">
                       <a:noFill/>
                       <a:prstDash val="solid"/>
@@ -15847,14 +16392,14 @@
                     <a:p>
                       <a:pPr rtl="0" fontAlgn="b"/>
                       <a:r>
-                        <a:rPr lang="en-US" b="1" dirty="0">
+                        <a:rPr lang="en-US" sz="1700" b="1">
                           <a:effectLst/>
                         </a:rPr>
                         <a:t>Week 1</a:t>
                       </a:r>
                     </a:p>
                   </a:txBody>
-                  <a:tcPr marL="28575" marR="28575" marT="19050" marB="19050" anchor="b"/>
+                  <a:tcPr marL="26580" marR="26580" marT="17720" marB="17720" anchor="b"/>
                 </a:tc>
                 <a:tc>
                   <a:txBody>
@@ -15863,14 +16408,14 @@
                     <a:p>
                       <a:pPr rtl="0" fontAlgn="b"/>
                       <a:r>
-                        <a:rPr lang="en-US" b="1">
+                        <a:rPr lang="en-US" sz="1700" b="1">
                           <a:effectLst/>
                         </a:rPr>
                         <a:t>Week 2</a:t>
                       </a:r>
                     </a:p>
                   </a:txBody>
-                  <a:tcPr marL="28575" marR="28575" marT="19050" marB="19050" anchor="b"/>
+                  <a:tcPr marL="26580" marR="26580" marT="17720" marB="17720" anchor="b"/>
                 </a:tc>
                 <a:tc>
                   <a:txBody>
@@ -15879,14 +16424,14 @@
                     <a:p>
                       <a:pPr rtl="0" fontAlgn="b"/>
                       <a:r>
-                        <a:rPr lang="en-US" b="1">
+                        <a:rPr lang="en-US" sz="1700" b="1">
                           <a:effectLst/>
                         </a:rPr>
                         <a:t>Week 3</a:t>
                       </a:r>
                     </a:p>
                   </a:txBody>
-                  <a:tcPr marL="28575" marR="28575" marT="19050" marB="19050" anchor="b"/>
+                  <a:tcPr marL="26580" marR="26580" marT="17720" marB="17720" anchor="b"/>
                 </a:tc>
                 <a:tc>
                   <a:txBody>
@@ -15895,14 +16440,14 @@
                     <a:p>
                       <a:pPr rtl="0" fontAlgn="b"/>
                       <a:r>
-                        <a:rPr lang="en-US" b="1">
+                        <a:rPr lang="en-US" sz="1700" b="1">
                           <a:effectLst/>
                         </a:rPr>
                         <a:t>Week 4</a:t>
                       </a:r>
                     </a:p>
                   </a:txBody>
-                  <a:tcPr marL="28575" marR="28575" marT="19050" marB="19050" anchor="b"/>
+                  <a:tcPr marL="26580" marR="26580" marT="17720" marB="17720" anchor="b"/>
                 </a:tc>
                 <a:tc>
                   <a:txBody>
@@ -15911,14 +16456,14 @@
                     <a:p>
                       <a:pPr rtl="0" fontAlgn="b"/>
                       <a:r>
-                        <a:rPr lang="en-US" b="1" dirty="0">
+                        <a:rPr lang="en-US" sz="1700" b="1">
                           <a:effectLst/>
                         </a:rPr>
                         <a:t>Week 5</a:t>
                       </a:r>
                     </a:p>
                   </a:txBody>
-                  <a:tcPr marL="28575" marR="28575" marT="19050" marB="19050" anchor="b"/>
+                  <a:tcPr marL="26580" marR="26580" marT="17720" marB="17720" anchor="b"/>
                 </a:tc>
                 <a:extLst>
                   <a:ext uri="{0D108BD9-81ED-4DB2-BD59-A6C34878D82A}">
@@ -15926,29 +16471,29 @@
                   </a:ext>
                 </a:extLst>
               </a:tr>
-              <a:tr h="370840">
+              <a:tr h="629415">
                 <a:tc>
                   <a:txBody>
                     <a:bodyPr/>
                     <a:lstStyle/>
                     <a:p>
                       <a:r>
-                        <a:rPr lang="en-US" dirty="0"/>
+                        <a:rPr lang="en-US" sz="1700"/>
                         <a:t>Google Workspace</a:t>
                       </a:r>
                     </a:p>
                   </a:txBody>
-                  <a:tcPr/>
+                  <a:tcPr marL="85056" marR="85056" marT="42528" marB="42528"/>
                 </a:tc>
                 <a:tc>
                   <a:txBody>
                     <a:bodyPr/>
                     <a:lstStyle/>
                     <a:p>
-                      <a:endParaRPr lang="en-US" dirty="0"/>
+                      <a:endParaRPr lang="en-US" sz="1700"/>
                     </a:p>
                   </a:txBody>
-                  <a:tcPr>
+                  <a:tcPr marL="85056" marR="85056" marT="42528" marB="42528">
                     <a:solidFill>
                       <a:schemeClr val="accent1">
                         <a:lumMod val="75000"/>
@@ -15961,10 +16506,10 @@
                     <a:bodyPr/>
                     <a:lstStyle/>
                     <a:p>
-                      <a:endParaRPr lang="en-US" dirty="0"/>
+                      <a:endParaRPr lang="en-US" sz="1700"/>
                     </a:p>
                   </a:txBody>
-                  <a:tcPr>
+                  <a:tcPr marL="85056" marR="85056" marT="42528" marB="42528">
                     <a:solidFill>
                       <a:schemeClr val="accent1">
                         <a:lumMod val="60000"/>
@@ -15978,30 +16523,30 @@
                     <a:bodyPr/>
                     <a:lstStyle/>
                     <a:p>
-                      <a:endParaRPr lang="en-US" dirty="0"/>
+                      <a:endParaRPr lang="en-US" sz="1700"/>
                     </a:p>
                   </a:txBody>
-                  <a:tcPr/>
+                  <a:tcPr marL="85056" marR="85056" marT="42528" marB="42528"/>
                 </a:tc>
                 <a:tc>
                   <a:txBody>
                     <a:bodyPr/>
                     <a:lstStyle/>
                     <a:p>
-                      <a:endParaRPr lang="en-US" dirty="0"/>
+                      <a:endParaRPr lang="en-US" sz="1700"/>
                     </a:p>
                   </a:txBody>
-                  <a:tcPr/>
+                  <a:tcPr marL="85056" marR="85056" marT="42528" marB="42528"/>
                 </a:tc>
                 <a:tc>
                   <a:txBody>
                     <a:bodyPr/>
                     <a:lstStyle/>
                     <a:p>
-                      <a:endParaRPr lang="en-US" dirty="0"/>
+                      <a:endParaRPr lang="en-US" sz="1700"/>
                     </a:p>
                   </a:txBody>
-                  <a:tcPr/>
+                  <a:tcPr marL="85056" marR="85056" marT="42528" marB="42528"/>
                 </a:tc>
                 <a:extLst>
                   <a:ext uri="{0D108BD9-81ED-4DB2-BD59-A6C34878D82A}">
@@ -16009,30 +16554,29 @@
                   </a:ext>
                 </a:extLst>
               </a:tr>
-              <a:tr h="370840">
+              <a:tr h="374247">
                 <a:tc>
                   <a:txBody>
                     <a:bodyPr/>
                     <a:lstStyle/>
                     <a:p>
                       <a:r>
-                        <a:rPr lang="en-US" dirty="0" err="1"/>
+                        <a:rPr lang="en-US" sz="1700"/>
                         <a:t>BigTime</a:t>
                       </a:r>
-                      <a:endParaRPr lang="en-US" dirty="0"/>
                     </a:p>
                   </a:txBody>
-                  <a:tcPr/>
+                  <a:tcPr marL="85056" marR="85056" marT="42528" marB="42528"/>
                 </a:tc>
                 <a:tc>
                   <a:txBody>
                     <a:bodyPr/>
                     <a:lstStyle/>
                     <a:p>
-                      <a:endParaRPr lang="en-US" dirty="0"/>
+                      <a:endParaRPr lang="en-US" sz="1700"/>
                     </a:p>
                   </a:txBody>
-                  <a:tcPr>
+                  <a:tcPr marL="85056" marR="85056" marT="42528" marB="42528">
                     <a:solidFill>
                       <a:schemeClr val="accent1">
                         <a:lumMod val="75000"/>
@@ -16045,10 +16589,10 @@
                     <a:bodyPr/>
                     <a:lstStyle/>
                     <a:p>
-                      <a:endParaRPr lang="en-US" dirty="0"/>
+                      <a:endParaRPr lang="en-US" sz="1700"/>
                     </a:p>
                   </a:txBody>
-                  <a:tcPr>
+                  <a:tcPr marL="85056" marR="85056" marT="42528" marB="42528">
                     <a:solidFill>
                       <a:schemeClr val="accent1">
                         <a:lumMod val="60000"/>
@@ -16062,10 +16606,10 @@
                     <a:bodyPr/>
                     <a:lstStyle/>
                     <a:p>
-                      <a:endParaRPr lang="en-US" dirty="0"/>
+                      <a:endParaRPr lang="en-US" sz="1700"/>
                     </a:p>
                   </a:txBody>
-                  <a:tcPr>
+                  <a:tcPr marL="85056" marR="85056" marT="42528" marB="42528">
                     <a:solidFill>
                       <a:schemeClr val="accent1">
                         <a:lumMod val="60000"/>
@@ -16079,20 +16623,20 @@
                     <a:bodyPr/>
                     <a:lstStyle/>
                     <a:p>
-                      <a:endParaRPr lang="en-US"/>
+                      <a:endParaRPr lang="en-US" sz="1700"/>
                     </a:p>
                   </a:txBody>
-                  <a:tcPr/>
+                  <a:tcPr marL="85056" marR="85056" marT="42528" marB="42528"/>
                 </a:tc>
                 <a:tc>
                   <a:txBody>
                     <a:bodyPr/>
                     <a:lstStyle/>
                     <a:p>
-                      <a:endParaRPr lang="en-US"/>
+                      <a:endParaRPr lang="en-US" sz="1700"/>
                     </a:p>
                   </a:txBody>
-                  <a:tcPr/>
+                  <a:tcPr marL="85056" marR="85056" marT="42528" marB="42528"/>
                 </a:tc>
                 <a:extLst>
                   <a:ext uri="{0D108BD9-81ED-4DB2-BD59-A6C34878D82A}">
@@ -16100,30 +16644,29 @@
                   </a:ext>
                 </a:extLst>
               </a:tr>
-              <a:tr h="370840">
+              <a:tr h="374247">
                 <a:tc>
                   <a:txBody>
                     <a:bodyPr/>
                     <a:lstStyle/>
                     <a:p>
                       <a:r>
-                        <a:rPr lang="en-US" dirty="0" err="1"/>
+                        <a:rPr lang="en-US" sz="1700"/>
                         <a:t>Shookum</a:t>
                       </a:r>
-                      <a:endParaRPr lang="en-US" dirty="0"/>
                     </a:p>
                   </a:txBody>
-                  <a:tcPr/>
+                  <a:tcPr marL="85056" marR="85056" marT="42528" marB="42528"/>
                 </a:tc>
                 <a:tc>
                   <a:txBody>
                     <a:bodyPr/>
                     <a:lstStyle/>
                     <a:p>
-                      <a:endParaRPr lang="en-US" dirty="0"/>
+                      <a:endParaRPr lang="en-US" sz="1700"/>
                     </a:p>
                   </a:txBody>
-                  <a:tcPr>
+                  <a:tcPr marL="85056" marR="85056" marT="42528" marB="42528">
                     <a:solidFill>
                       <a:schemeClr val="accent1">
                         <a:lumMod val="75000"/>
@@ -16136,10 +16679,10 @@
                     <a:bodyPr/>
                     <a:lstStyle/>
                     <a:p>
-                      <a:endParaRPr lang="en-US" dirty="0"/>
+                      <a:endParaRPr lang="en-US" sz="1700"/>
                     </a:p>
                   </a:txBody>
-                  <a:tcPr>
+                  <a:tcPr marL="85056" marR="85056" marT="42528" marB="42528">
                     <a:solidFill>
                       <a:schemeClr val="accent1">
                         <a:lumMod val="75000"/>
@@ -16152,10 +16695,10 @@
                     <a:bodyPr/>
                     <a:lstStyle/>
                     <a:p>
-                      <a:endParaRPr lang="en-US" dirty="0"/>
+                      <a:endParaRPr lang="en-US" sz="1700"/>
                     </a:p>
                   </a:txBody>
-                  <a:tcPr>
+                  <a:tcPr marL="85056" marR="85056" marT="42528" marB="42528">
                     <a:solidFill>
                       <a:schemeClr val="accent1">
                         <a:lumMod val="75000"/>
@@ -16168,10 +16711,10 @@
                     <a:bodyPr/>
                     <a:lstStyle/>
                     <a:p>
-                      <a:endParaRPr lang="en-US" dirty="0"/>
+                      <a:endParaRPr lang="en-US" sz="1700"/>
                     </a:p>
                   </a:txBody>
-                  <a:tcPr>
+                  <a:tcPr marL="85056" marR="85056" marT="42528" marB="42528">
                     <a:solidFill>
                       <a:schemeClr val="accent2">
                         <a:lumMod val="60000"/>
@@ -16185,10 +16728,10 @@
                     <a:bodyPr/>
                     <a:lstStyle/>
                     <a:p>
-                      <a:endParaRPr lang="en-US" dirty="0"/>
+                      <a:endParaRPr lang="en-US" sz="1700"/>
                     </a:p>
                   </a:txBody>
-                  <a:tcPr>
+                  <a:tcPr marL="85056" marR="85056" marT="42528" marB="42528">
                     <a:solidFill>
                       <a:schemeClr val="accent2">
                         <a:lumMod val="60000"/>
@@ -16203,29 +16746,29 @@
                   </a:ext>
                 </a:extLst>
               </a:tr>
-              <a:tr h="370840">
+              <a:tr h="374247">
                 <a:tc>
                   <a:txBody>
                     <a:bodyPr/>
                     <a:lstStyle/>
                     <a:p>
                       <a:r>
-                        <a:rPr lang="en-US" dirty="0"/>
+                        <a:rPr lang="en-US" sz="1700"/>
                         <a:t>Meta Advertising</a:t>
                       </a:r>
                     </a:p>
                   </a:txBody>
-                  <a:tcPr/>
+                  <a:tcPr marL="85056" marR="85056" marT="42528" marB="42528"/>
                 </a:tc>
                 <a:tc>
                   <a:txBody>
                     <a:bodyPr/>
                     <a:lstStyle/>
                     <a:p>
-                      <a:endParaRPr lang="en-US" dirty="0"/>
+                      <a:endParaRPr lang="en-US" sz="1700"/>
                     </a:p>
                   </a:txBody>
-                  <a:tcPr>
+                  <a:tcPr marL="85056" marR="85056" marT="42528" marB="42528">
                     <a:solidFill>
                       <a:schemeClr val="accent1">
                         <a:lumMod val="75000"/>
@@ -16238,10 +16781,10 @@
                     <a:bodyPr/>
                     <a:lstStyle/>
                     <a:p>
-                      <a:endParaRPr lang="en-US" dirty="0"/>
+                      <a:endParaRPr lang="en-US" sz="1700"/>
                     </a:p>
                   </a:txBody>
-                  <a:tcPr>
+                  <a:tcPr marL="85056" marR="85056" marT="42528" marB="42528">
                     <a:solidFill>
                       <a:schemeClr val="accent1">
                         <a:lumMod val="60000"/>
@@ -16255,30 +16798,30 @@
                     <a:bodyPr/>
                     <a:lstStyle/>
                     <a:p>
-                      <a:endParaRPr lang="en-US"/>
+                      <a:endParaRPr lang="en-US" sz="1700"/>
                     </a:p>
                   </a:txBody>
-                  <a:tcPr/>
+                  <a:tcPr marL="85056" marR="85056" marT="42528" marB="42528"/>
                 </a:tc>
                 <a:tc>
                   <a:txBody>
                     <a:bodyPr/>
                     <a:lstStyle/>
                     <a:p>
-                      <a:endParaRPr lang="en-US"/>
+                      <a:endParaRPr lang="en-US" sz="1700"/>
                     </a:p>
                   </a:txBody>
-                  <a:tcPr/>
+                  <a:tcPr marL="85056" marR="85056" marT="42528" marB="42528"/>
                 </a:tc>
                 <a:tc>
                   <a:txBody>
                     <a:bodyPr/>
                     <a:lstStyle/>
                     <a:p>
-                      <a:endParaRPr lang="en-US" dirty="0"/>
+                      <a:endParaRPr lang="en-US" sz="1700"/>
                     </a:p>
                   </a:txBody>
-                  <a:tcPr/>
+                  <a:tcPr marL="85056" marR="85056" marT="42528" marB="42528"/>
                 </a:tc>
                 <a:extLst>
                   <a:ext uri="{0D108BD9-81ED-4DB2-BD59-A6C34878D82A}">
@@ -16290,89 +16833,6 @@
           </a:graphicData>
         </a:graphic>
       </p:graphicFrame>
-      <p:sp>
-        <p:nvSpPr>
-          <p:cNvPr id="6" name="TextBox 5">
-            <a:extLst>
-              <a:ext uri="{FF2B5EF4-FFF2-40B4-BE49-F238E27FC236}">
-                <a16:creationId xmlns:a16="http://schemas.microsoft.com/office/drawing/2014/main" id="{E651F0A2-5183-4125-A2D0-920D47E878D5}"/>
-              </a:ext>
-            </a:extLst>
-          </p:cNvPr>
-          <p:cNvSpPr txBox="1"/>
-          <p:nvPr/>
-        </p:nvSpPr>
-        <p:spPr>
-          <a:xfrm>
-            <a:off x="4974566" y="4658264"/>
-            <a:ext cx="2242868" cy="923330"/>
-          </a:xfrm>
-          <a:prstGeom prst="rect">
-            <a:avLst/>
-          </a:prstGeom>
-          <a:solidFill>
-            <a:schemeClr val="bg2">
-              <a:lumMod val="25000"/>
-            </a:schemeClr>
-          </a:solidFill>
-        </p:spPr>
-        <p:txBody>
-          <a:bodyPr wrap="square" rtlCol="0">
-            <a:spAutoFit/>
-          </a:bodyPr>
-          <a:lstStyle/>
-          <a:p>
-            <a:pPr marL="285750" indent="-285750">
-              <a:buFont typeface="Wingdings" panose="05000000000000000000" pitchFamily="2" charset="2"/>
-              <a:buChar char="§"/>
-            </a:pPr>
-            <a:r>
-              <a:rPr lang="en-US" dirty="0">
-                <a:solidFill>
-                  <a:schemeClr val="accent1">
-                    <a:lumMod val="75000"/>
-                  </a:schemeClr>
-                </a:solidFill>
-              </a:rPr>
-              <a:t>Implementation</a:t>
-            </a:r>
-          </a:p>
-          <a:p>
-            <a:pPr marL="285750" indent="-285750">
-              <a:buFont typeface="Wingdings" panose="05000000000000000000" pitchFamily="2" charset="2"/>
-              <a:buChar char="§"/>
-            </a:pPr>
-            <a:r>
-              <a:rPr lang="en-US" dirty="0">
-                <a:solidFill>
-                  <a:schemeClr val="accent1">
-                    <a:lumMod val="60000"/>
-                    <a:lumOff val="40000"/>
-                  </a:schemeClr>
-                </a:solidFill>
-              </a:rPr>
-              <a:t>Training</a:t>
-            </a:r>
-          </a:p>
-          <a:p>
-            <a:pPr marL="285750" indent="-285750">
-              <a:buFont typeface="Wingdings" panose="05000000000000000000" pitchFamily="2" charset="2"/>
-              <a:buChar char="§"/>
-            </a:pPr>
-            <a:r>
-              <a:rPr lang="en-US" dirty="0">
-                <a:solidFill>
-                  <a:schemeClr val="accent2">
-                    <a:lumMod val="60000"/>
-                    <a:lumOff val="40000"/>
-                  </a:schemeClr>
-                </a:solidFill>
-              </a:rPr>
-              <a:t>Testing</a:t>
-            </a:r>
-          </a:p>
-        </p:txBody>
-      </p:sp>
     </p:spTree>
     <p:extLst>
       <p:ext uri="{BB962C8B-B14F-4D97-AF65-F5344CB8AC3E}">
@@ -22063,6 +22523,14 @@
 <file path=ppt/slides/slide9.xml><?xml version="1.0" encoding="utf-8"?>
 <p:sld xmlns:a="http://schemas.openxmlformats.org/drawingml/2006/main" xmlns:r="http://schemas.openxmlformats.org/officeDocument/2006/relationships" xmlns:p="http://schemas.openxmlformats.org/presentationml/2006/main">
   <p:cSld>
+    <p:bg>
+      <p:bgPr>
+        <a:solidFill>
+          <a:schemeClr val="bg1"/>
+        </a:solidFill>
+        <a:effectLst/>
+      </p:bgPr>
+    </p:bg>
     <p:spTree>
       <p:nvGrpSpPr>
         <p:cNvPr id="1" name=""/>
@@ -22079,6 +22547,66 @@
       </p:grpSpPr>
       <p:sp>
         <p:nvSpPr>
+          <p:cNvPr id="29" name="Rectangle 8">
+            <a:extLst>
+              <a:ext uri="{FF2B5EF4-FFF2-40B4-BE49-F238E27FC236}">
+                <a16:creationId xmlns:a16="http://schemas.microsoft.com/office/drawing/2014/main" id="{63336871-0118-4F6E-8DBD-20AEFC62A9AD}"/>
+              </a:ext>
+              <a:ext uri="{C183D7F6-B498-43B3-948B-1728B52AA6E4}">
+                <adec:decorative xmlns:adec="http://schemas.microsoft.com/office/drawing/2017/decorative" val="1"/>
+              </a:ext>
+            </a:extLst>
+          </p:cNvPr>
+          <p:cNvSpPr>
+            <a:spLocks noGrp="1" noRot="1" noChangeAspect="1" noMove="1" noResize="1" noEditPoints="1" noAdjustHandles="1" noChangeArrowheads="1" noChangeShapeType="1" noTextEdit="1"/>
+          </p:cNvSpPr>
+          <p:nvPr>
+            <p:extLst>
+              <p:ext uri="{386F3935-93C4-4BCD-93E2-E3B085C9AB24}">
+                <p16:designElem xmlns:p16="http://schemas.microsoft.com/office/powerpoint/2015/main" val="1"/>
+              </p:ext>
+            </p:extLst>
+          </p:nvPr>
+        </p:nvSpPr>
+        <p:spPr>
+          <a:xfrm>
+            <a:off x="7736306" y="1"/>
+            <a:ext cx="4455694" cy="6858000"/>
+          </a:xfrm>
+          <a:prstGeom prst="rect">
+            <a:avLst/>
+          </a:prstGeom>
+          <a:ln>
+            <a:noFill/>
+          </a:ln>
+        </p:spPr>
+        <p:style>
+          <a:lnRef idx="2">
+            <a:schemeClr val="accent1">
+              <a:shade val="50000"/>
+            </a:schemeClr>
+          </a:lnRef>
+          <a:fillRef idx="1003">
+            <a:schemeClr val="lt2"/>
+          </a:fillRef>
+          <a:effectRef idx="0">
+            <a:schemeClr val="accent1"/>
+          </a:effectRef>
+          <a:fontRef idx="minor">
+            <a:schemeClr val="lt1"/>
+          </a:fontRef>
+        </p:style>
+        <p:txBody>
+          <a:bodyPr rtlCol="0" anchor="ctr"/>
+          <a:lstStyle/>
+          <a:p>
+            <a:pPr algn="ctr"/>
+            <a:endParaRPr lang="en-US"/>
+          </a:p>
+        </p:txBody>
+      </p:sp>
+      <p:sp>
+        <p:nvSpPr>
           <p:cNvPr id="2" name="Title 1">
             <a:extLst>
               <a:ext uri="{FF2B5EF4-FFF2-40B4-BE49-F238E27FC236}">
@@ -22093,18 +22621,625 @@
             <p:ph type="title"/>
           </p:nvPr>
         </p:nvSpPr>
-        <p:spPr/>
+        <p:spPr>
+          <a:xfrm>
+            <a:off x="9171392" y="1074392"/>
+            <a:ext cx="2443433" cy="4377961"/>
+          </a:xfrm>
+        </p:spPr>
         <p:txBody>
-          <a:bodyPr/>
+          <a:bodyPr>
+            <a:normAutofit/>
+          </a:bodyPr>
           <a:lstStyle/>
           <a:p>
             <a:r>
-              <a:rPr lang="en-US" dirty="0"/>
+              <a:rPr lang="en-US">
+                <a:solidFill>
+                  <a:srgbClr val="000000"/>
+                </a:solidFill>
+              </a:rPr>
               <a:t>Cost</a:t>
             </a:r>
           </a:p>
         </p:txBody>
       </p:sp>
+      <p:sp useBgFill="1">
+        <p:nvSpPr>
+          <p:cNvPr id="11" name="Freeform: Shape 10">
+            <a:extLst>
+              <a:ext uri="{FF2B5EF4-FFF2-40B4-BE49-F238E27FC236}">
+                <a16:creationId xmlns:a16="http://schemas.microsoft.com/office/drawing/2014/main" id="{F03CC8D0-33AF-417F-8454-1FDB6C22DD25}"/>
+              </a:ext>
+              <a:ext uri="{C183D7F6-B498-43B3-948B-1728B52AA6E4}">
+                <adec:decorative xmlns:adec="http://schemas.microsoft.com/office/drawing/2017/decorative" val="1"/>
+              </a:ext>
+            </a:extLst>
+          </p:cNvPr>
+          <p:cNvSpPr>
+            <a:spLocks noGrp="1" noRot="1" noChangeAspect="1" noMove="1" noResize="1" noEditPoints="1" noAdjustHandles="1" noChangeArrowheads="1" noChangeShapeType="1" noTextEdit="1"/>
+          </p:cNvSpPr>
+          <p:nvPr>
+            <p:extLst>
+              <p:ext uri="{386F3935-93C4-4BCD-93E2-E3B085C9AB24}">
+                <p16:designElem xmlns:p16="http://schemas.microsoft.com/office/powerpoint/2015/main" val="1"/>
+              </p:ext>
+            </p:extLst>
+          </p:nvPr>
+        </p:nvSpPr>
+        <p:spPr>
+          <a:xfrm flipV="1">
+            <a:off x="0" y="0"/>
+            <a:ext cx="9032100" cy="6858000"/>
+          </a:xfrm>
+          <a:custGeom>
+            <a:avLst/>
+            <a:gdLst>
+              <a:gd name="connsiteX0" fmla="*/ 7891921 w 9032100"/>
+              <a:gd name="connsiteY0" fmla="*/ 1602751 h 6858000"/>
+              <a:gd name="connsiteX1" fmla="*/ 9032100 w 9032100"/>
+              <a:gd name="connsiteY1" fmla="*/ 0 h 6858000"/>
+              <a:gd name="connsiteX2" fmla="*/ 7880182 w 9032100"/>
+              <a:gd name="connsiteY2" fmla="*/ 0 h 6858000"/>
+              <a:gd name="connsiteX3" fmla="*/ 7880182 w 9032100"/>
+              <a:gd name="connsiteY3" fmla="*/ 1528762 h 6858000"/>
+              <a:gd name="connsiteX4" fmla="*/ 7880182 w 9032100"/>
+              <a:gd name="connsiteY4" fmla="*/ 6858000 h 6858000"/>
+              <a:gd name="connsiteX5" fmla="*/ 8725712 w 9032100"/>
+              <a:gd name="connsiteY5" fmla="*/ 6858000 h 6858000"/>
+              <a:gd name="connsiteX6" fmla="*/ 7891921 w 9032100"/>
+              <a:gd name="connsiteY6" fmla="*/ 1602751 h 6858000"/>
+              <a:gd name="connsiteX7" fmla="*/ 7880182 w 9032100"/>
+              <a:gd name="connsiteY7" fmla="*/ 1619252 h 6858000"/>
+              <a:gd name="connsiteX8" fmla="*/ 0 w 9032100"/>
+              <a:gd name="connsiteY8" fmla="*/ 6858000 h 6858000"/>
+              <a:gd name="connsiteX9" fmla="*/ 7880181 w 9032100"/>
+              <a:gd name="connsiteY9" fmla="*/ 6858000 h 6858000"/>
+              <a:gd name="connsiteX10" fmla="*/ 7880181 w 9032100"/>
+              <a:gd name="connsiteY10" fmla="*/ 0 h 6858000"/>
+              <a:gd name="connsiteX11" fmla="*/ 0 w 9032100"/>
+              <a:gd name="connsiteY11" fmla="*/ 0 h 6858000"/>
+            </a:gdLst>
+            <a:ahLst/>
+            <a:cxnLst>
+              <a:cxn ang="0">
+                <a:pos x="connsiteX0" y="connsiteY0"/>
+              </a:cxn>
+              <a:cxn ang="0">
+                <a:pos x="connsiteX1" y="connsiteY1"/>
+              </a:cxn>
+              <a:cxn ang="0">
+                <a:pos x="connsiteX2" y="connsiteY2"/>
+              </a:cxn>
+              <a:cxn ang="0">
+                <a:pos x="connsiteX3" y="connsiteY3"/>
+              </a:cxn>
+              <a:cxn ang="0">
+                <a:pos x="connsiteX4" y="connsiteY4"/>
+              </a:cxn>
+              <a:cxn ang="0">
+                <a:pos x="connsiteX5" y="connsiteY5"/>
+              </a:cxn>
+              <a:cxn ang="0">
+                <a:pos x="connsiteX6" y="connsiteY6"/>
+              </a:cxn>
+              <a:cxn ang="0">
+                <a:pos x="connsiteX7" y="connsiteY7"/>
+              </a:cxn>
+              <a:cxn ang="0">
+                <a:pos x="connsiteX8" y="connsiteY8"/>
+              </a:cxn>
+              <a:cxn ang="0">
+                <a:pos x="connsiteX9" y="connsiteY9"/>
+              </a:cxn>
+              <a:cxn ang="0">
+                <a:pos x="connsiteX10" y="connsiteY10"/>
+              </a:cxn>
+              <a:cxn ang="0">
+                <a:pos x="connsiteX11" y="connsiteY11"/>
+              </a:cxn>
+            </a:cxnLst>
+            <a:rect l="l" t="t" r="r" b="b"/>
+            <a:pathLst>
+              <a:path w="9032100" h="6858000">
+                <a:moveTo>
+                  <a:pt x="7891921" y="1602751"/>
+                </a:moveTo>
+                <a:lnTo>
+                  <a:pt x="9032100" y="0"/>
+                </a:lnTo>
+                <a:lnTo>
+                  <a:pt x="7880182" y="0"/>
+                </a:lnTo>
+                <a:lnTo>
+                  <a:pt x="7880182" y="1528762"/>
+                </a:lnTo>
+                <a:close/>
+                <a:moveTo>
+                  <a:pt x="7880182" y="6858000"/>
+                </a:moveTo>
+                <a:lnTo>
+                  <a:pt x="8725712" y="6858000"/>
+                </a:lnTo>
+                <a:lnTo>
+                  <a:pt x="7891921" y="1602751"/>
+                </a:lnTo>
+                <a:lnTo>
+                  <a:pt x="7880182" y="1619252"/>
+                </a:lnTo>
+                <a:close/>
+                <a:moveTo>
+                  <a:pt x="0" y="6858000"/>
+                </a:moveTo>
+                <a:lnTo>
+                  <a:pt x="7880181" y="6858000"/>
+                </a:lnTo>
+                <a:lnTo>
+                  <a:pt x="7880181" y="0"/>
+                </a:lnTo>
+                <a:lnTo>
+                  <a:pt x="0" y="0"/>
+                </a:lnTo>
+                <a:close/>
+              </a:path>
+            </a:pathLst>
+          </a:custGeom>
+          <a:ln>
+            <a:noFill/>
+          </a:ln>
+        </p:spPr>
+        <p:style>
+          <a:lnRef idx="2">
+            <a:schemeClr val="accent1">
+              <a:shade val="50000"/>
+            </a:schemeClr>
+          </a:lnRef>
+          <a:fillRef idx="1002">
+            <a:schemeClr val="dk1"/>
+          </a:fillRef>
+          <a:effectRef idx="0">
+            <a:schemeClr val="accent1"/>
+          </a:effectRef>
+          <a:fontRef idx="minor">
+            <a:schemeClr val="lt1"/>
+          </a:fontRef>
+        </p:style>
+        <p:txBody>
+          <a:bodyPr rtlCol="0" anchor="ctr"/>
+          <a:lstStyle/>
+          <a:p>
+            <a:pPr algn="ctr"/>
+            <a:endParaRPr lang="en-US">
+              <a:solidFill>
+                <a:schemeClr val="tx1"/>
+              </a:solidFill>
+            </a:endParaRPr>
+          </a:p>
+        </p:txBody>
+      </p:sp>
+      <p:grpSp>
+        <p:nvGrpSpPr>
+          <p:cNvPr id="13" name="Group 12">
+            <a:extLst>
+              <a:ext uri="{FF2B5EF4-FFF2-40B4-BE49-F238E27FC236}">
+                <a16:creationId xmlns:a16="http://schemas.microsoft.com/office/drawing/2014/main" id="{B5A08A69-9EE1-4A9E-96B6-D769D87C2F9E}"/>
+              </a:ext>
+              <a:ext uri="{C183D7F6-B498-43B3-948B-1728B52AA6E4}">
+                <adec:decorative xmlns:adec="http://schemas.microsoft.com/office/drawing/2017/decorative" val="1"/>
+              </a:ext>
+            </a:extLst>
+          </p:cNvPr>
+          <p:cNvGrpSpPr>
+            <a:grpSpLocks noGrp="1" noUngrp="1" noRot="1" noChangeAspect="1" noMove="1" noResize="1"/>
+          </p:cNvGrpSpPr>
+          <p:nvPr>
+            <p:extLst>
+              <p:ext uri="{386F3935-93C4-4BCD-93E2-E3B085C9AB24}">
+                <p16:designElem xmlns:p16="http://schemas.microsoft.com/office/powerpoint/2015/main" val="1"/>
+              </p:ext>
+            </p:extLst>
+          </p:nvPr>
+        </p:nvGrpSpPr>
+        <p:grpSpPr>
+          <a:xfrm>
+            <a:off x="7942667" y="0"/>
+            <a:ext cx="2436813" cy="6858001"/>
+            <a:chOff x="1320800" y="0"/>
+            <a:chExt cx="2436813" cy="6858001"/>
+          </a:xfrm>
+        </p:grpSpPr>
+        <p:sp>
+          <p:nvSpPr>
+            <p:cNvPr id="14" name="Freeform 6">
+              <a:extLst>
+                <a:ext uri="{FF2B5EF4-FFF2-40B4-BE49-F238E27FC236}">
+                  <a16:creationId xmlns:a16="http://schemas.microsoft.com/office/drawing/2014/main" id="{4E4F433A-15D2-423F-8739-13AEA4E47C31}"/>
+                </a:ext>
+                <a:ext uri="{C183D7F6-B498-43B3-948B-1728B52AA6E4}">
+                  <adec:decorative xmlns:adec="http://schemas.microsoft.com/office/drawing/2017/decorative" val="1"/>
+                </a:ext>
+              </a:extLst>
+            </p:cNvPr>
+            <p:cNvSpPr/>
+            <p:nvPr>
+              <p:extLst>
+                <p:ext uri="{386F3935-93C4-4BCD-93E2-E3B085C9AB24}">
+                  <p16:designElem xmlns:p16="http://schemas.microsoft.com/office/powerpoint/2015/main" val="1"/>
+                </p:ext>
+              </p:extLst>
+            </p:nvPr>
+          </p:nvSpPr>
+          <p:spPr bwMode="auto">
+            <a:xfrm>
+              <a:off x="1627188" y="0"/>
+              <a:ext cx="1122363" cy="5329238"/>
+            </a:xfrm>
+            <a:custGeom>
+              <a:avLst/>
+              <a:gdLst/>
+              <a:ahLst/>
+              <a:cxnLst/>
+              <a:rect l="0" t="0" r="r" b="b"/>
+              <a:pathLst>
+                <a:path w="707" h="3357">
+                  <a:moveTo>
+                    <a:pt x="0" y="3330"/>
+                  </a:moveTo>
+                  <a:lnTo>
+                    <a:pt x="156" y="3357"/>
+                  </a:lnTo>
+                  <a:lnTo>
+                    <a:pt x="707" y="0"/>
+                  </a:lnTo>
+                  <a:lnTo>
+                    <a:pt x="547" y="0"/>
+                  </a:lnTo>
+                  <a:lnTo>
+                    <a:pt x="0" y="3330"/>
+                  </a:lnTo>
+                  <a:close/>
+                </a:path>
+              </a:pathLst>
+            </a:custGeom>
+            <a:solidFill>
+              <a:schemeClr val="accent1"/>
+            </a:solidFill>
+            <a:ln>
+              <a:noFill/>
+            </a:ln>
+          </p:spPr>
+        </p:sp>
+        <p:sp>
+          <p:nvSpPr>
+            <p:cNvPr id="15" name="Freeform 7">
+              <a:extLst>
+                <a:ext uri="{FF2B5EF4-FFF2-40B4-BE49-F238E27FC236}">
+                  <a16:creationId xmlns:a16="http://schemas.microsoft.com/office/drawing/2014/main" id="{4021F900-DEF3-4537-92E5-C37ECB7AE9DF}"/>
+                </a:ext>
+                <a:ext uri="{C183D7F6-B498-43B3-948B-1728B52AA6E4}">
+                  <adec:decorative xmlns:adec="http://schemas.microsoft.com/office/drawing/2017/decorative" val="1"/>
+                </a:ext>
+              </a:extLst>
+            </p:cNvPr>
+            <p:cNvSpPr/>
+            <p:nvPr>
+              <p:extLst>
+                <p:ext uri="{386F3935-93C4-4BCD-93E2-E3B085C9AB24}">
+                  <p16:designElem xmlns:p16="http://schemas.microsoft.com/office/powerpoint/2015/main" val="1"/>
+                </p:ext>
+              </p:extLst>
+            </p:nvPr>
+          </p:nvSpPr>
+          <p:spPr bwMode="auto">
+            <a:xfrm>
+              <a:off x="1320800" y="0"/>
+              <a:ext cx="1117600" cy="5276850"/>
+            </a:xfrm>
+            <a:custGeom>
+              <a:avLst/>
+              <a:gdLst/>
+              <a:ahLst/>
+              <a:cxnLst/>
+              <a:rect l="0" t="0" r="r" b="b"/>
+              <a:pathLst>
+                <a:path w="704" h="3324">
+                  <a:moveTo>
+                    <a:pt x="704" y="0"/>
+                  </a:moveTo>
+                  <a:lnTo>
+                    <a:pt x="545" y="0"/>
+                  </a:lnTo>
+                  <a:lnTo>
+                    <a:pt x="0" y="3300"/>
+                  </a:lnTo>
+                  <a:lnTo>
+                    <a:pt x="157" y="3324"/>
+                  </a:lnTo>
+                  <a:lnTo>
+                    <a:pt x="704" y="0"/>
+                  </a:lnTo>
+                  <a:close/>
+                </a:path>
+              </a:pathLst>
+            </a:custGeom>
+            <a:solidFill>
+              <a:schemeClr val="tx1">
+                <a:lumMod val="65000"/>
+                <a:lumOff val="35000"/>
+              </a:schemeClr>
+            </a:solidFill>
+            <a:ln>
+              <a:noFill/>
+            </a:ln>
+          </p:spPr>
+        </p:sp>
+        <p:sp>
+          <p:nvSpPr>
+            <p:cNvPr id="16" name="Freeform 8">
+              <a:extLst>
+                <a:ext uri="{FF2B5EF4-FFF2-40B4-BE49-F238E27FC236}">
+                  <a16:creationId xmlns:a16="http://schemas.microsoft.com/office/drawing/2014/main" id="{653620E7-B03C-48E2-8561-FCA918F8D0DF}"/>
+                </a:ext>
+                <a:ext uri="{C183D7F6-B498-43B3-948B-1728B52AA6E4}">
+                  <adec:decorative xmlns:adec="http://schemas.microsoft.com/office/drawing/2017/decorative" val="1"/>
+                </a:ext>
+              </a:extLst>
+            </p:cNvPr>
+            <p:cNvSpPr/>
+            <p:nvPr>
+              <p:extLst>
+                <p:ext uri="{386F3935-93C4-4BCD-93E2-E3B085C9AB24}">
+                  <p16:designElem xmlns:p16="http://schemas.microsoft.com/office/powerpoint/2015/main" val="1"/>
+                </p:ext>
+              </p:extLst>
+            </p:nvPr>
+          </p:nvSpPr>
+          <p:spPr bwMode="auto">
+            <a:xfrm>
+              <a:off x="1320800" y="5238750"/>
+              <a:ext cx="1228725" cy="1619250"/>
+            </a:xfrm>
+            <a:custGeom>
+              <a:avLst/>
+              <a:gdLst/>
+              <a:ahLst/>
+              <a:cxnLst/>
+              <a:rect l="0" t="0" r="r" b="b"/>
+              <a:pathLst>
+                <a:path w="774" h="1020">
+                  <a:moveTo>
+                    <a:pt x="0" y="0"/>
+                  </a:moveTo>
+                  <a:lnTo>
+                    <a:pt x="740" y="1020"/>
+                  </a:lnTo>
+                  <a:lnTo>
+                    <a:pt x="774" y="1020"/>
+                  </a:lnTo>
+                  <a:lnTo>
+                    <a:pt x="0" y="0"/>
+                  </a:lnTo>
+                  <a:close/>
+                </a:path>
+              </a:pathLst>
+            </a:custGeom>
+            <a:solidFill>
+              <a:schemeClr val="tx1">
+                <a:lumMod val="85000"/>
+                <a:lumOff val="15000"/>
+              </a:schemeClr>
+            </a:solidFill>
+            <a:ln>
+              <a:noFill/>
+            </a:ln>
+          </p:spPr>
+        </p:sp>
+        <p:sp>
+          <p:nvSpPr>
+            <p:cNvPr id="30" name="Freeform 9">
+              <a:extLst>
+                <a:ext uri="{FF2B5EF4-FFF2-40B4-BE49-F238E27FC236}">
+                  <a16:creationId xmlns:a16="http://schemas.microsoft.com/office/drawing/2014/main" id="{108701B4-8FEE-43D1-9954-9C064D75C4A5}"/>
+                </a:ext>
+                <a:ext uri="{C183D7F6-B498-43B3-948B-1728B52AA6E4}">
+                  <adec:decorative xmlns:adec="http://schemas.microsoft.com/office/drawing/2017/decorative" val="1"/>
+                </a:ext>
+              </a:extLst>
+            </p:cNvPr>
+            <p:cNvSpPr/>
+            <p:nvPr>
+              <p:extLst>
+                <p:ext uri="{386F3935-93C4-4BCD-93E2-E3B085C9AB24}">
+                  <p16:designElem xmlns:p16="http://schemas.microsoft.com/office/powerpoint/2015/main" val="1"/>
+                </p:ext>
+              </p:extLst>
+            </p:nvPr>
+          </p:nvSpPr>
+          <p:spPr bwMode="auto">
+            <a:xfrm>
+              <a:off x="1627188" y="5291138"/>
+              <a:ext cx="1495425" cy="1566863"/>
+            </a:xfrm>
+            <a:custGeom>
+              <a:avLst/>
+              <a:gdLst/>
+              <a:ahLst/>
+              <a:cxnLst/>
+              <a:rect l="0" t="0" r="r" b="b"/>
+              <a:pathLst>
+                <a:path w="942" h="987">
+                  <a:moveTo>
+                    <a:pt x="0" y="0"/>
+                  </a:moveTo>
+                  <a:lnTo>
+                    <a:pt x="909" y="987"/>
+                  </a:lnTo>
+                  <a:lnTo>
+                    <a:pt x="942" y="987"/>
+                  </a:lnTo>
+                  <a:lnTo>
+                    <a:pt x="0" y="0"/>
+                  </a:lnTo>
+                  <a:close/>
+                </a:path>
+              </a:pathLst>
+            </a:custGeom>
+            <a:solidFill>
+              <a:schemeClr val="accent1">
+                <a:lumMod val="50000"/>
+              </a:schemeClr>
+            </a:solidFill>
+            <a:ln>
+              <a:noFill/>
+            </a:ln>
+          </p:spPr>
+        </p:sp>
+        <p:sp>
+          <p:nvSpPr>
+            <p:cNvPr id="18" name="Freeform 10">
+              <a:extLst>
+                <a:ext uri="{FF2B5EF4-FFF2-40B4-BE49-F238E27FC236}">
+                  <a16:creationId xmlns:a16="http://schemas.microsoft.com/office/drawing/2014/main" id="{99E0FE54-1668-4AD5-9242-892A6323B9DC}"/>
+                </a:ext>
+                <a:ext uri="{C183D7F6-B498-43B3-948B-1728B52AA6E4}">
+                  <adec:decorative xmlns:adec="http://schemas.microsoft.com/office/drawing/2017/decorative" val="1"/>
+                </a:ext>
+              </a:extLst>
+            </p:cNvPr>
+            <p:cNvSpPr/>
+            <p:nvPr>
+              <p:extLst>
+                <p:ext uri="{386F3935-93C4-4BCD-93E2-E3B085C9AB24}">
+                  <p16:designElem xmlns:p16="http://schemas.microsoft.com/office/powerpoint/2015/main" val="1"/>
+                </p:ext>
+              </p:extLst>
+            </p:nvPr>
+          </p:nvSpPr>
+          <p:spPr bwMode="auto">
+            <a:xfrm>
+              <a:off x="1627188" y="5286375"/>
+              <a:ext cx="2130425" cy="1571625"/>
+            </a:xfrm>
+            <a:custGeom>
+              <a:avLst/>
+              <a:gdLst/>
+              <a:ahLst/>
+              <a:cxnLst/>
+              <a:rect l="0" t="0" r="r" b="b"/>
+              <a:pathLst>
+                <a:path w="1342" h="990">
+                  <a:moveTo>
+                    <a:pt x="0" y="3"/>
+                  </a:moveTo>
+                  <a:lnTo>
+                    <a:pt x="942" y="990"/>
+                  </a:lnTo>
+                  <a:lnTo>
+                    <a:pt x="1342" y="990"/>
+                  </a:lnTo>
+                  <a:lnTo>
+                    <a:pt x="156" y="27"/>
+                  </a:lnTo>
+                  <a:lnTo>
+                    <a:pt x="0" y="0"/>
+                  </a:lnTo>
+                  <a:lnTo>
+                    <a:pt x="0" y="3"/>
+                  </a:lnTo>
+                  <a:close/>
+                </a:path>
+              </a:pathLst>
+            </a:custGeom>
+            <a:solidFill>
+              <a:schemeClr val="accent1">
+                <a:lumMod val="75000"/>
+              </a:schemeClr>
+            </a:solidFill>
+            <a:ln>
+              <a:noFill/>
+            </a:ln>
+          </p:spPr>
+        </p:sp>
+        <p:sp>
+          <p:nvSpPr>
+            <p:cNvPr id="31" name="Freeform 11">
+              <a:extLst>
+                <a:ext uri="{FF2B5EF4-FFF2-40B4-BE49-F238E27FC236}">
+                  <a16:creationId xmlns:a16="http://schemas.microsoft.com/office/drawing/2014/main" id="{75498FE5-B57D-4FD9-81E0-4E1CB65C0E1A}"/>
+                </a:ext>
+                <a:ext uri="{C183D7F6-B498-43B3-948B-1728B52AA6E4}">
+                  <adec:decorative xmlns:adec="http://schemas.microsoft.com/office/drawing/2017/decorative" val="1"/>
+                </a:ext>
+              </a:extLst>
+            </p:cNvPr>
+            <p:cNvSpPr/>
+            <p:nvPr>
+              <p:extLst>
+                <p:ext uri="{386F3935-93C4-4BCD-93E2-E3B085C9AB24}">
+                  <p16:designElem xmlns:p16="http://schemas.microsoft.com/office/powerpoint/2015/main" val="1"/>
+                </p:ext>
+              </p:extLst>
+            </p:nvPr>
+          </p:nvSpPr>
+          <p:spPr bwMode="auto">
+            <a:xfrm>
+              <a:off x="1320800" y="5238750"/>
+              <a:ext cx="1695450" cy="1619250"/>
+            </a:xfrm>
+            <a:custGeom>
+              <a:avLst/>
+              <a:gdLst/>
+              <a:ahLst/>
+              <a:cxnLst/>
+              <a:rect l="0" t="0" r="r" b="b"/>
+              <a:pathLst>
+                <a:path w="1068" h="1020">
+                  <a:moveTo>
+                    <a:pt x="1068" y="1020"/>
+                  </a:moveTo>
+                  <a:lnTo>
+                    <a:pt x="184" y="60"/>
+                  </a:lnTo>
+                  <a:lnTo>
+                    <a:pt x="154" y="27"/>
+                  </a:lnTo>
+                  <a:lnTo>
+                    <a:pt x="157" y="27"/>
+                  </a:lnTo>
+                  <a:lnTo>
+                    <a:pt x="157" y="24"/>
+                  </a:lnTo>
+                  <a:lnTo>
+                    <a:pt x="154" y="24"/>
+                  </a:lnTo>
+                  <a:lnTo>
+                    <a:pt x="0" y="0"/>
+                  </a:lnTo>
+                  <a:lnTo>
+                    <a:pt x="0" y="0"/>
+                  </a:lnTo>
+                  <a:lnTo>
+                    <a:pt x="774" y="1020"/>
+                  </a:lnTo>
+                  <a:lnTo>
+                    <a:pt x="1068" y="1020"/>
+                  </a:lnTo>
+                  <a:close/>
+                </a:path>
+              </a:pathLst>
+            </a:custGeom>
+            <a:solidFill>
+              <a:schemeClr val="tx1">
+                <a:lumMod val="75000"/>
+                <a:lumOff val="25000"/>
+              </a:schemeClr>
+            </a:solidFill>
+            <a:ln>
+              <a:noFill/>
+            </a:ln>
+          </p:spPr>
+        </p:sp>
+      </p:grpSp>
       <p:graphicFrame>
         <p:nvGraphicFramePr>
           <p:cNvPr id="4" name="Table 4">
@@ -22121,14 +23256,14 @@
             <p:ph idx="1"/>
             <p:extLst>
               <p:ext uri="{D42A27DB-BD31-4B8C-83A1-F6EECF244321}">
-                <p14:modId xmlns:p14="http://schemas.microsoft.com/office/powerpoint/2010/main" val="2576805687"/>
+                <p14:modId xmlns:p14="http://schemas.microsoft.com/office/powerpoint/2010/main" val="4138805236"/>
               </p:ext>
             </p:extLst>
           </p:nvPr>
         </p:nvGraphicFramePr>
         <p:xfrm>
-          <a:off x="1484313" y="2183920"/>
-          <a:ext cx="10018708" cy="3708400"/>
+          <a:off x="643467" y="863222"/>
+          <a:ext cx="6749522" cy="4800304"/>
         </p:xfrm>
         <a:graphic>
           <a:graphicData uri="http://schemas.openxmlformats.org/drawingml/2006/table">
@@ -22137,35 +23272,35 @@
                 <a:tableStyleId>{9D7B26C5-4107-4FEC-AEDC-1716B250A1EF}</a:tableStyleId>
               </a:tblPr>
               <a:tblGrid>
-                <a:gridCol w="2003742">
+                <a:gridCol w="1511499">
                   <a:extLst>
                     <a:ext uri="{9D8B030D-6E8A-4147-A177-3AD203B41FA5}">
                       <a16:colId xmlns:a16="http://schemas.microsoft.com/office/drawing/2014/main" val="1769105935"/>
                     </a:ext>
                   </a:extLst>
                 </a:gridCol>
-                <a:gridCol w="3870277">
+                <a:gridCol w="2435927">
                   <a:extLst>
                     <a:ext uri="{9D8B030D-6E8A-4147-A177-3AD203B41FA5}">
                       <a16:colId xmlns:a16="http://schemas.microsoft.com/office/drawing/2014/main" val="2208315416"/>
                     </a:ext>
                   </a:extLst>
                 </a:gridCol>
-                <a:gridCol w="1381563">
+                <a:gridCol w="934032">
                   <a:extLst>
                     <a:ext uri="{9D8B030D-6E8A-4147-A177-3AD203B41FA5}">
                       <a16:colId xmlns:a16="http://schemas.microsoft.com/office/drawing/2014/main" val="992169908"/>
                     </a:ext>
                   </a:extLst>
                 </a:gridCol>
-                <a:gridCol w="1381563">
+                <a:gridCol w="934032">
                   <a:extLst>
                     <a:ext uri="{9D8B030D-6E8A-4147-A177-3AD203B41FA5}">
                       <a16:colId xmlns:a16="http://schemas.microsoft.com/office/drawing/2014/main" val="1588478479"/>
                     </a:ext>
                   </a:extLst>
                 </a:gridCol>
-                <a:gridCol w="1381563">
+                <a:gridCol w="934032">
                   <a:extLst>
                     <a:ext uri="{9D8B030D-6E8A-4147-A177-3AD203B41FA5}">
                       <a16:colId xmlns:a16="http://schemas.microsoft.com/office/drawing/2014/main" val="3658203024"/>
@@ -22173,19 +23308,19 @@
                   </a:extLst>
                 </a:gridCol>
               </a:tblGrid>
-              <a:tr h="370840">
+              <a:tr h="639656">
                 <a:tc>
                   <a:txBody>
                     <a:bodyPr/>
                     <a:lstStyle/>
                     <a:p>
                       <a:r>
-                        <a:rPr lang="en-US" dirty="0"/>
+                        <a:rPr lang="en-US" sz="1700"/>
                         <a:t>External Cost</a:t>
                       </a:r>
                     </a:p>
                   </a:txBody>
-                  <a:tcPr>
+                  <a:tcPr marL="86440" marR="86440" marT="43220" marB="43220">
                     <a:lnL w="12700" cap="flat" cmpd="sng" algn="ctr">
                       <a:solidFill>
                         <a:schemeClr val="tx1"/>
@@ -22203,12 +23338,12 @@
                     <a:lstStyle/>
                     <a:p>
                       <a:r>
-                        <a:rPr lang="en-US" dirty="0"/>
+                        <a:rPr lang="en-US" sz="1700"/>
                         <a:t>Purpose</a:t>
                       </a:r>
                     </a:p>
                   </a:txBody>
-                  <a:tcPr/>
+                  <a:tcPr marL="86440" marR="86440" marT="43220" marB="43220"/>
                 </a:tc>
                 <a:tc>
                   <a:txBody>
@@ -22216,12 +23351,12 @@
                     <a:lstStyle/>
                     <a:p>
                       <a:r>
-                        <a:rPr lang="en-US" dirty="0"/>
+                        <a:rPr lang="en-US" sz="1700"/>
                         <a:t>Price Year 1</a:t>
                       </a:r>
                     </a:p>
                   </a:txBody>
-                  <a:tcPr/>
+                  <a:tcPr marL="86440" marR="86440" marT="43220" marB="43220"/>
                 </a:tc>
                 <a:tc>
                   <a:txBody>
@@ -22229,12 +23364,12 @@
                     <a:lstStyle/>
                     <a:p>
                       <a:r>
-                        <a:rPr lang="en-US" dirty="0"/>
+                        <a:rPr lang="en-US" sz="1700"/>
                         <a:t>Price Year 2</a:t>
                       </a:r>
                     </a:p>
                   </a:txBody>
-                  <a:tcPr/>
+                  <a:tcPr marL="86440" marR="86440" marT="43220" marB="43220"/>
                 </a:tc>
                 <a:tc>
                   <a:txBody>
@@ -22242,12 +23377,12 @@
                     <a:lstStyle/>
                     <a:p>
                       <a:r>
-                        <a:rPr lang="en-US" dirty="0"/>
+                        <a:rPr lang="en-US" sz="1700"/>
                         <a:t>Price Year 3</a:t>
                       </a:r>
                     </a:p>
                   </a:txBody>
-                  <a:tcPr>
+                  <a:tcPr marL="86440" marR="86440" marT="43220" marB="43220">
                     <a:lnR w="12700" cap="flat" cmpd="sng" algn="ctr">
                       <a:solidFill>
                         <a:schemeClr val="tx1"/>
@@ -22265,19 +23400,19 @@
                   </a:ext>
                 </a:extLst>
               </a:tr>
-              <a:tr h="370840">
+              <a:tr h="639656">
                 <a:tc>
                   <a:txBody>
                     <a:bodyPr/>
                     <a:lstStyle/>
                     <a:p>
                       <a:r>
-                        <a:rPr lang="en-US" dirty="0"/>
+                        <a:rPr lang="en-US" sz="1700"/>
                         <a:t>Google Workspace</a:t>
                       </a:r>
                     </a:p>
                   </a:txBody>
-                  <a:tcPr>
+                  <a:tcPr marL="86440" marR="86440" marT="43220" marB="43220">
                     <a:lnL w="12700" cap="flat" cmpd="sng" algn="ctr">
                       <a:solidFill>
                         <a:schemeClr val="tx1"/>
@@ -22295,12 +23430,12 @@
                     <a:lstStyle/>
                     <a:p>
                       <a:r>
-                        <a:rPr lang="en-US" dirty="0"/>
+                        <a:rPr lang="en-US" sz="1700"/>
                         <a:t>Document Transfer</a:t>
                       </a:r>
                     </a:p>
                   </a:txBody>
-                  <a:tcPr/>
+                  <a:tcPr marL="86440" marR="86440" marT="43220" marB="43220"/>
                 </a:tc>
                 <a:tc>
                   <a:txBody>
@@ -22309,14 +23444,14 @@
                     <a:p>
                       <a:pPr algn="r" rtl="0" fontAlgn="b"/>
                       <a:r>
-                        <a:rPr lang="en-US">
+                        <a:rPr lang="en-US" sz="1700">
                           <a:effectLst/>
                         </a:rPr>
                         <a:t>$144</a:t>
                       </a:r>
                     </a:p>
                   </a:txBody>
-                  <a:tcPr marL="28575" marR="28575" marT="19050" marB="19050" anchor="b"/>
+                  <a:tcPr marL="27012" marR="27012" marT="18008" marB="18008" anchor="b"/>
                 </a:tc>
                 <a:tc>
                   <a:txBody>
@@ -22325,14 +23460,14 @@
                     <a:p>
                       <a:pPr algn="r" rtl="0" fontAlgn="b"/>
                       <a:r>
-                        <a:rPr lang="en-US">
+                        <a:rPr lang="en-US" sz="1700">
                           <a:effectLst/>
                         </a:rPr>
                         <a:t>$144</a:t>
                       </a:r>
                     </a:p>
                   </a:txBody>
-                  <a:tcPr marL="28575" marR="28575" marT="19050" marB="19050" anchor="b"/>
+                  <a:tcPr marL="27012" marR="27012" marT="18008" marB="18008" anchor="b"/>
                 </a:tc>
                 <a:tc>
                   <a:txBody>
@@ -22341,14 +23476,14 @@
                     <a:p>
                       <a:pPr algn="r" rtl="0" fontAlgn="b"/>
                       <a:r>
-                        <a:rPr lang="en-US" dirty="0">
+                        <a:rPr lang="en-US" sz="1700">
                           <a:effectLst/>
                         </a:rPr>
                         <a:t>$144</a:t>
                       </a:r>
                     </a:p>
                   </a:txBody>
-                  <a:tcPr marL="28575" marR="28575" marT="19050" marB="19050" anchor="b">
+                  <a:tcPr marL="27012" marR="27012" marT="18008" marB="18008" anchor="b">
                     <a:lnR w="12700" cap="flat" cmpd="sng" algn="ctr">
                       <a:solidFill>
                         <a:schemeClr val="tx1"/>
@@ -22366,7 +23501,7 @@
                   </a:ext>
                 </a:extLst>
               </a:tr>
-              <a:tr h="370840">
+              <a:tr h="589233">
                 <a:tc>
                   <a:txBody>
                     <a:bodyPr/>
@@ -22374,20 +23509,14 @@
                     <a:p>
                       <a:pPr rtl="0" fontAlgn="b"/>
                       <a:r>
-                        <a:rPr lang="en-US" dirty="0" err="1">
+                        <a:rPr lang="en-US" sz="1700">
                           <a:effectLst/>
                         </a:rPr>
-                        <a:t>BigTime</a:t>
-                      </a:r>
-                      <a:r>
-                        <a:rPr lang="en-US" dirty="0">
-                          <a:effectLst/>
-                        </a:rPr>
-                        <a:t> (Pro)</a:t>
+                        <a:t>BigTime (Pro)</a:t>
                       </a:r>
                     </a:p>
                   </a:txBody>
-                  <a:tcPr marL="28575" marR="28575" marT="19050" marB="19050" anchor="b">
+                  <a:tcPr marL="27012" marR="27012" marT="18008" marB="18008" anchor="b">
                     <a:lnL w="12700" cap="flat" cmpd="sng" algn="ctr">
                       <a:solidFill>
                         <a:schemeClr val="tx1"/>
@@ -22406,14 +23535,14 @@
                     <a:p>
                       <a:pPr rtl="0" fontAlgn="b"/>
                       <a:r>
-                        <a:rPr lang="en-US">
+                        <a:rPr lang="en-US" sz="1700">
                           <a:effectLst/>
                         </a:rPr>
                         <a:t>Time Keeping, Billing, Notifications</a:t>
                       </a:r>
                     </a:p>
                   </a:txBody>
-                  <a:tcPr marL="28575" marR="28575" marT="19050" marB="19050" anchor="b"/>
+                  <a:tcPr marL="27012" marR="27012" marT="18008" marB="18008" anchor="b"/>
                 </a:tc>
                 <a:tc>
                   <a:txBody>
@@ -22422,14 +23551,14 @@
                     <a:p>
                       <a:pPr algn="r" rtl="0" fontAlgn="b"/>
                       <a:r>
-                        <a:rPr lang="en-US">
+                        <a:rPr lang="en-US" sz="1700">
                           <a:effectLst/>
                         </a:rPr>
                         <a:t>$1,800</a:t>
                       </a:r>
                     </a:p>
                   </a:txBody>
-                  <a:tcPr marL="28575" marR="28575" marT="19050" marB="19050" anchor="b"/>
+                  <a:tcPr marL="27012" marR="27012" marT="18008" marB="18008" anchor="b"/>
                 </a:tc>
                 <a:tc>
                   <a:txBody>
@@ -22438,14 +23567,14 @@
                     <a:p>
                       <a:pPr algn="r" rtl="0" fontAlgn="b"/>
                       <a:r>
-                        <a:rPr lang="en-US" dirty="0">
+                        <a:rPr lang="en-US" sz="1700">
                           <a:effectLst/>
                         </a:rPr>
                         <a:t>$1,800</a:t>
                       </a:r>
                     </a:p>
                   </a:txBody>
-                  <a:tcPr marL="28575" marR="28575" marT="19050" marB="19050" anchor="b"/>
+                  <a:tcPr marL="27012" marR="27012" marT="18008" marB="18008" anchor="b"/>
                 </a:tc>
                 <a:tc>
                   <a:txBody>
@@ -22454,14 +23583,14 @@
                     <a:p>
                       <a:pPr algn="r" rtl="0" fontAlgn="b"/>
                       <a:r>
-                        <a:rPr lang="en-US" dirty="0">
+                        <a:rPr lang="en-US" sz="1700">
                           <a:effectLst/>
                         </a:rPr>
                         <a:t>$1,800</a:t>
                       </a:r>
                     </a:p>
                   </a:txBody>
-                  <a:tcPr marL="28575" marR="28575" marT="19050" marB="19050" anchor="b">
+                  <a:tcPr marL="27012" marR="27012" marT="18008" marB="18008" anchor="b">
                     <a:lnR w="12700" cap="flat" cmpd="sng" algn="ctr">
                       <a:solidFill>
                         <a:schemeClr val="tx1"/>
@@ -22479,7 +23608,7 @@
                   </a:ext>
                 </a:extLst>
               </a:tr>
-              <a:tr h="370840">
+              <a:tr h="329913">
                 <a:tc>
                   <a:txBody>
                     <a:bodyPr/>
@@ -22487,17 +23616,14 @@
                     <a:p>
                       <a:pPr rtl="0" fontAlgn="b"/>
                       <a:r>
-                        <a:rPr lang="en-US" dirty="0" err="1">
+                        <a:rPr lang="en-US" sz="1700">
                           <a:effectLst/>
                         </a:rPr>
                         <a:t>Shookum</a:t>
                       </a:r>
-                      <a:endParaRPr lang="en-US" dirty="0">
-                        <a:effectLst/>
-                      </a:endParaRPr>
                     </a:p>
                   </a:txBody>
-                  <a:tcPr marL="28575" marR="28575" marT="19050" marB="19050" anchor="b">
+                  <a:tcPr marL="27012" marR="27012" marT="18008" marB="18008" anchor="b">
                     <a:lnL w="12700" cap="flat" cmpd="sng" algn="ctr">
                       <a:solidFill>
                         <a:schemeClr val="tx1"/>
@@ -22516,14 +23642,14 @@
                     <a:p>
                       <a:pPr rtl="0" fontAlgn="b"/>
                       <a:r>
-                        <a:rPr lang="en-US">
+                        <a:rPr lang="en-US" sz="1700">
                           <a:effectLst/>
                         </a:rPr>
                         <a:t>Advertisement Creation</a:t>
                       </a:r>
                     </a:p>
                   </a:txBody>
-                  <a:tcPr marL="28575" marR="28575" marT="19050" marB="19050" anchor="b"/>
+                  <a:tcPr marL="27012" marR="27012" marT="18008" marB="18008" anchor="b"/>
                 </a:tc>
                 <a:tc>
                   <a:txBody>
@@ -22532,14 +23658,14 @@
                     <a:p>
                       <a:pPr algn="r" rtl="0" fontAlgn="b"/>
                       <a:r>
-                        <a:rPr lang="en-US">
+                        <a:rPr lang="en-US" sz="1700">
                           <a:effectLst/>
                         </a:rPr>
                         <a:t>$3,000</a:t>
                       </a:r>
                     </a:p>
                   </a:txBody>
-                  <a:tcPr marL="28575" marR="28575" marT="19050" marB="19050" anchor="b"/>
+                  <a:tcPr marL="27012" marR="27012" marT="18008" marB="18008" anchor="b"/>
                 </a:tc>
                 <a:tc>
                   <a:txBody>
@@ -22548,14 +23674,14 @@
                     <a:p>
                       <a:pPr algn="r" rtl="0" fontAlgn="b"/>
                       <a:r>
-                        <a:rPr lang="en-US" dirty="0">
+                        <a:rPr lang="en-US" sz="1700">
                           <a:effectLst/>
                         </a:rPr>
                         <a:t>$2,000</a:t>
                       </a:r>
                     </a:p>
                   </a:txBody>
-                  <a:tcPr marL="28575" marR="28575" marT="19050" marB="19050" anchor="b"/>
+                  <a:tcPr marL="27012" marR="27012" marT="18008" marB="18008" anchor="b"/>
                 </a:tc>
                 <a:tc>
                   <a:txBody>
@@ -22564,14 +23690,14 @@
                     <a:p>
                       <a:pPr algn="r" rtl="0" fontAlgn="b"/>
                       <a:r>
-                        <a:rPr lang="en-US" dirty="0">
+                        <a:rPr lang="en-US" sz="1700">
                           <a:effectLst/>
                         </a:rPr>
                         <a:t>$2,000</a:t>
                       </a:r>
                     </a:p>
                   </a:txBody>
-                  <a:tcPr marL="28575" marR="28575" marT="19050" marB="19050" anchor="b">
+                  <a:tcPr marL="27012" marR="27012" marT="18008" marB="18008" anchor="b">
                     <a:lnR w="12700" cap="flat" cmpd="sng" algn="ctr">
                       <a:solidFill>
                         <a:schemeClr val="tx1"/>
@@ -22589,7 +23715,7 @@
                   </a:ext>
                 </a:extLst>
               </a:tr>
-              <a:tr h="370840">
+              <a:tr h="589233">
                 <a:tc>
                   <a:txBody>
                     <a:bodyPr/>
@@ -22597,14 +23723,14 @@
                     <a:p>
                       <a:pPr rtl="0" fontAlgn="b"/>
                       <a:r>
-                        <a:rPr lang="en-US" dirty="0">
+                        <a:rPr lang="en-US" sz="1700">
                           <a:effectLst/>
                         </a:rPr>
                         <a:t>Meta Advertising</a:t>
                       </a:r>
                     </a:p>
                   </a:txBody>
-                  <a:tcPr marL="28575" marR="28575" marT="19050" marB="19050" anchor="b">
+                  <a:tcPr marL="27012" marR="27012" marT="18008" marB="18008" anchor="b">
                     <a:lnL w="12700" cap="flat" cmpd="sng" algn="ctr">
                       <a:solidFill>
                         <a:schemeClr val="tx1"/>
@@ -22632,14 +23758,14 @@
                     <a:p>
                       <a:pPr rtl="0" fontAlgn="b"/>
                       <a:r>
-                        <a:rPr lang="en-US" dirty="0">
+                        <a:rPr lang="en-US" sz="1700">
                           <a:effectLst/>
                         </a:rPr>
                         <a:t>Advertisement Display</a:t>
                       </a:r>
                     </a:p>
                   </a:txBody>
-                  <a:tcPr marL="28575" marR="28575" marT="19050" marB="19050" anchor="b">
+                  <a:tcPr marL="27012" marR="27012" marT="18008" marB="18008" anchor="b">
                     <a:lnB w="12700" cap="flat" cmpd="sng" algn="ctr">
                       <a:solidFill>
                         <a:schemeClr val="tx1"/>
@@ -22658,14 +23784,14 @@
                     <a:p>
                       <a:pPr algn="r" rtl="0" fontAlgn="b"/>
                       <a:r>
-                        <a:rPr lang="en-US" dirty="0">
+                        <a:rPr lang="en-US" sz="1700">
                           <a:effectLst/>
                         </a:rPr>
                         <a:t>$2,000</a:t>
                       </a:r>
                     </a:p>
                   </a:txBody>
-                  <a:tcPr marL="28575" marR="28575" marT="19050" marB="19050" anchor="b">
+                  <a:tcPr marL="27012" marR="27012" marT="18008" marB="18008" anchor="b">
                     <a:lnB w="12700" cap="flat" cmpd="sng" algn="ctr">
                       <a:solidFill>
                         <a:schemeClr val="tx1"/>
@@ -22684,14 +23810,14 @@
                     <a:p>
                       <a:pPr algn="r" rtl="0" fontAlgn="b"/>
                       <a:r>
-                        <a:rPr lang="en-US" dirty="0">
+                        <a:rPr lang="en-US" sz="1700">
                           <a:effectLst/>
                         </a:rPr>
                         <a:t>$2,000</a:t>
                       </a:r>
                     </a:p>
                   </a:txBody>
-                  <a:tcPr marL="28575" marR="28575" marT="19050" marB="19050" anchor="b">
+                  <a:tcPr marL="27012" marR="27012" marT="18008" marB="18008" anchor="b">
                     <a:lnB w="12700" cap="flat" cmpd="sng" algn="ctr">
                       <a:solidFill>
                         <a:schemeClr val="tx1"/>
@@ -22710,14 +23836,14 @@
                     <a:p>
                       <a:pPr algn="r" rtl="0" fontAlgn="b"/>
                       <a:r>
-                        <a:rPr lang="en-US" dirty="0">
+                        <a:rPr lang="en-US" sz="1700">
                           <a:effectLst/>
                         </a:rPr>
                         <a:t>$2,000</a:t>
                       </a:r>
                     </a:p>
                   </a:txBody>
-                  <a:tcPr marL="28575" marR="28575" marT="19050" marB="19050" anchor="b">
+                  <a:tcPr marL="27012" marR="27012" marT="18008" marB="18008" anchor="b">
                     <a:lnR w="12700" cap="flat" cmpd="sng" algn="ctr">
                       <a:solidFill>
                         <a:schemeClr val="tx1"/>
@@ -22744,19 +23870,19 @@
                   </a:ext>
                 </a:extLst>
               </a:tr>
-              <a:tr h="370840">
+              <a:tr h="381777">
                 <a:tc>
                   <a:txBody>
                     <a:bodyPr/>
                     <a:lstStyle/>
                     <a:p>
                       <a:pPr rtl="0" fontAlgn="b"/>
-                      <a:endParaRPr lang="en-US" dirty="0">
+                      <a:endParaRPr lang="en-US" sz="1700">
                         <a:effectLst/>
                       </a:endParaRPr>
                     </a:p>
                   </a:txBody>
-                  <a:tcPr marL="28575" marR="28575" marT="19050" marB="19050" anchor="b">
+                  <a:tcPr marL="27012" marR="27012" marT="18008" marB="18008" anchor="b">
                     <a:lnL w="12700" cap="flat" cmpd="sng" algn="ctr">
                       <a:noFill/>
                       <a:prstDash val="solid"/>
@@ -22802,12 +23928,12 @@
                     <a:lstStyle/>
                     <a:p>
                       <a:pPr rtl="0" fontAlgn="b"/>
-                      <a:endParaRPr lang="en-US" dirty="0">
+                      <a:endParaRPr lang="en-US" sz="1700">
                         <a:effectLst/>
                       </a:endParaRPr>
                     </a:p>
                   </a:txBody>
-                  <a:tcPr marL="28575" marR="28575" marT="19050" marB="19050" anchor="b">
+                  <a:tcPr marL="27012" marR="27012" marT="18008" marB="18008" anchor="b">
                     <a:lnL>
                       <a:noFill/>
                     </a:lnL>
@@ -22849,12 +23975,12 @@
                     <a:lstStyle/>
                     <a:p>
                       <a:pPr algn="r" rtl="0" fontAlgn="b"/>
-                      <a:endParaRPr lang="en-US" dirty="0">
+                      <a:endParaRPr lang="en-US" sz="1700">
                         <a:effectLst/>
                       </a:endParaRPr>
                     </a:p>
                   </a:txBody>
-                  <a:tcPr marL="28575" marR="28575" marT="19050" marB="19050" anchor="b">
+                  <a:tcPr marL="27012" marR="27012" marT="18008" marB="18008" anchor="b">
                     <a:lnL>
                       <a:noFill/>
                     </a:lnL>
@@ -22896,12 +24022,12 @@
                     <a:lstStyle/>
                     <a:p>
                       <a:pPr algn="r" rtl="0" fontAlgn="b"/>
-                      <a:endParaRPr lang="en-US" dirty="0">
+                      <a:endParaRPr lang="en-US" sz="1700">
                         <a:effectLst/>
                       </a:endParaRPr>
                     </a:p>
                   </a:txBody>
-                  <a:tcPr marL="28575" marR="28575" marT="19050" marB="19050" anchor="b">
+                  <a:tcPr marL="27012" marR="27012" marT="18008" marB="18008" anchor="b">
                     <a:lnL>
                       <a:noFill/>
                     </a:lnL>
@@ -22943,12 +24069,12 @@
                     <a:lstStyle/>
                     <a:p>
                       <a:pPr algn="r" rtl="0" fontAlgn="b"/>
-                      <a:endParaRPr lang="en-US" dirty="0">
+                      <a:endParaRPr lang="en-US" sz="1700">
                         <a:effectLst/>
                       </a:endParaRPr>
                     </a:p>
                   </a:txBody>
-                  <a:tcPr marL="28575" marR="28575" marT="19050" marB="19050" anchor="b">
+                  <a:tcPr marL="27012" marR="27012" marT="18008" marB="18008" anchor="b">
                     <a:lnL>
                       <a:noFill/>
                     </a:lnL>
@@ -22994,7 +24120,7 @@
                   </a:ext>
                 </a:extLst>
               </a:tr>
-              <a:tr h="370840">
+              <a:tr h="329913">
                 <a:tc>
                   <a:txBody>
                     <a:bodyPr/>
@@ -23002,14 +24128,14 @@
                     <a:p>
                       <a:pPr rtl="0" fontAlgn="b"/>
                       <a:r>
-                        <a:rPr lang="en-US" b="1" dirty="0">
+                        <a:rPr lang="en-US" sz="1700" b="1">
                           <a:effectLst/>
                         </a:rPr>
                         <a:t>Internal Cost</a:t>
                       </a:r>
                     </a:p>
                   </a:txBody>
-                  <a:tcPr marL="28575" marR="28575" marT="19050" marB="19050" anchor="b">
+                  <a:tcPr marL="27012" marR="27012" marT="18008" marB="18008" anchor="b">
                     <a:lnL w="12700" cap="flat" cmpd="sng" algn="ctr">
                       <a:solidFill>
                         <a:schemeClr val="tx1"/>
@@ -23050,12 +24176,12 @@
                     <a:lstStyle/>
                     <a:p>
                       <a:pPr rtl="0" fontAlgn="b"/>
-                      <a:endParaRPr lang="en-US" dirty="0">
+                      <a:endParaRPr lang="en-US" sz="1700">
                         <a:effectLst/>
                       </a:endParaRPr>
                     </a:p>
                   </a:txBody>
-                  <a:tcPr marL="28575" marR="28575" marT="19050" marB="19050" anchor="b">
+                  <a:tcPr marL="27012" marR="27012" marT="18008" marB="18008" anchor="b">
                     <a:lnT w="12700" cap="flat" cmpd="sng" algn="ctr">
                       <a:solidFill>
                         <a:schemeClr val="tx1"/>
@@ -23087,12 +24213,12 @@
                     <a:lstStyle/>
                     <a:p>
                       <a:pPr rtl="0" fontAlgn="b"/>
-                      <a:endParaRPr lang="en-US" dirty="0">
+                      <a:endParaRPr lang="en-US" sz="1700">
                         <a:effectLst/>
                       </a:endParaRPr>
                     </a:p>
                   </a:txBody>
-                  <a:tcPr marL="28575" marR="28575" marT="19050" marB="19050" anchor="b">
+                  <a:tcPr marL="27012" marR="27012" marT="18008" marB="18008" anchor="b">
                     <a:lnT w="12700" cap="flat" cmpd="sng" algn="ctr">
                       <a:solidFill>
                         <a:schemeClr val="tx1"/>
@@ -23124,12 +24250,12 @@
                     <a:lstStyle/>
                     <a:p>
                       <a:pPr rtl="0" fontAlgn="b"/>
-                      <a:endParaRPr lang="en-US" dirty="0">
+                      <a:endParaRPr lang="en-US" sz="1700">
                         <a:effectLst/>
                       </a:endParaRPr>
                     </a:p>
                   </a:txBody>
-                  <a:tcPr marL="28575" marR="28575" marT="19050" marB="19050" anchor="b">
+                  <a:tcPr marL="27012" marR="27012" marT="18008" marB="18008" anchor="b">
                     <a:lnT w="12700" cap="flat" cmpd="sng" algn="ctr">
                       <a:solidFill>
                         <a:schemeClr val="tx1"/>
@@ -23161,12 +24287,12 @@
                     <a:lstStyle/>
                     <a:p>
                       <a:pPr rtl="0" fontAlgn="b"/>
-                      <a:endParaRPr lang="en-US" dirty="0">
+                      <a:endParaRPr lang="en-US" sz="1700">
                         <a:effectLst/>
                       </a:endParaRPr>
                     </a:p>
                   </a:txBody>
-                  <a:tcPr marL="28575" marR="28575" marT="19050" marB="19050" anchor="b">
+                  <a:tcPr marL="27012" marR="27012" marT="18008" marB="18008" anchor="b">
                     <a:lnR w="12700" cap="flat" cmpd="sng" algn="ctr">
                       <a:solidFill>
                         <a:schemeClr val="tx1"/>
@@ -23207,7 +24333,7 @@
                   </a:ext>
                 </a:extLst>
               </a:tr>
-              <a:tr h="370840">
+              <a:tr h="589233">
                 <a:tc>
                   <a:txBody>
                     <a:bodyPr/>
@@ -23215,14 +24341,14 @@
                     <a:p>
                       <a:pPr rtl="0" fontAlgn="b"/>
                       <a:r>
-                        <a:rPr lang="en-US" dirty="0">
+                        <a:rPr lang="en-US" sz="1700">
                           <a:effectLst/>
                         </a:rPr>
                         <a:t>Training</a:t>
                       </a:r>
                     </a:p>
                   </a:txBody>
-                  <a:tcPr marL="28575" marR="28575" marT="19050" marB="19050" anchor="b">
+                  <a:tcPr marL="27012" marR="27012" marT="18008" marB="18008" anchor="b">
                     <a:lnL w="12700" cap="flat" cmpd="sng" algn="ctr">
                       <a:solidFill>
                         <a:schemeClr val="tx1"/>
@@ -23259,14 +24385,14 @@
                     <a:p>
                       <a:pPr rtl="0" fontAlgn="b"/>
                       <a:r>
-                        <a:rPr lang="en-US">
+                        <a:rPr lang="en-US" sz="1700">
                           <a:effectLst/>
                         </a:rPr>
                         <a:t>Training in Solutions Above</a:t>
                       </a:r>
                     </a:p>
                   </a:txBody>
-                  <a:tcPr marL="28575" marR="28575" marT="19050" marB="19050" anchor="b">
+                  <a:tcPr marL="27012" marR="27012" marT="18008" marB="18008" anchor="b">
                     <a:lnT w="12700" cap="flat" cmpd="sng" algn="ctr">
                       <a:solidFill>
                         <a:schemeClr val="tx1"/>
@@ -23294,14 +24420,14 @@
                     <a:p>
                       <a:pPr algn="r" rtl="0" fontAlgn="b"/>
                       <a:r>
-                        <a:rPr lang="en-US">
+                        <a:rPr lang="en-US" sz="1700">
                           <a:effectLst/>
                         </a:rPr>
                         <a:t>$1,000</a:t>
                       </a:r>
                     </a:p>
                   </a:txBody>
-                  <a:tcPr marL="28575" marR="28575" marT="19050" marB="19050" anchor="b">
+                  <a:tcPr marL="27012" marR="27012" marT="18008" marB="18008" anchor="b">
                     <a:lnT w="12700" cap="flat" cmpd="sng" algn="ctr">
                       <a:solidFill>
                         <a:schemeClr val="tx1"/>
@@ -23329,14 +24455,14 @@
                     <a:p>
                       <a:pPr algn="r" rtl="0" fontAlgn="b"/>
                       <a:r>
-                        <a:rPr lang="en-US">
+                        <a:rPr lang="en-US" sz="1700">
                           <a:effectLst/>
                         </a:rPr>
                         <a:t>$0</a:t>
                       </a:r>
                     </a:p>
                   </a:txBody>
-                  <a:tcPr marL="28575" marR="28575" marT="19050" marB="19050" anchor="b">
+                  <a:tcPr marL="27012" marR="27012" marT="18008" marB="18008" anchor="b">
                     <a:lnT w="12700" cap="flat" cmpd="sng" algn="ctr">
                       <a:solidFill>
                         <a:schemeClr val="tx1"/>
@@ -23364,14 +24490,14 @@
                     <a:p>
                       <a:pPr algn="r" rtl="0" fontAlgn="b"/>
                       <a:r>
-                        <a:rPr lang="en-US" dirty="0">
+                        <a:rPr lang="en-US" sz="1700">
                           <a:effectLst/>
                         </a:rPr>
                         <a:t>$0</a:t>
                       </a:r>
                     </a:p>
                   </a:txBody>
-                  <a:tcPr marL="28575" marR="28575" marT="19050" marB="19050" anchor="b">
+                  <a:tcPr marL="27012" marR="27012" marT="18008" marB="18008" anchor="b">
                     <a:lnR w="12700" cap="flat" cmpd="sng" algn="ctr">
                       <a:solidFill>
                         <a:schemeClr val="tx1"/>
@@ -23407,19 +24533,19 @@
                   </a:ext>
                 </a:extLst>
               </a:tr>
-              <a:tr h="370840">
+              <a:tr h="381777">
                 <a:tc>
                   <a:txBody>
                     <a:bodyPr/>
                     <a:lstStyle/>
                     <a:p>
                       <a:pPr rtl="0" fontAlgn="b"/>
-                      <a:endParaRPr lang="en-US" dirty="0">
+                      <a:endParaRPr lang="en-US" sz="1700">
                         <a:effectLst/>
                       </a:endParaRPr>
                     </a:p>
                   </a:txBody>
-                  <a:tcPr marL="28575" marR="28575" marT="19050" marB="19050" anchor="b">
+                  <a:tcPr marL="27012" marR="27012" marT="18008" marB="18008" anchor="b">
                     <a:lnL w="12700" cap="flat" cmpd="sng" algn="ctr">
                       <a:noFill/>
                       <a:prstDash val="solid"/>
@@ -23465,12 +24591,12 @@
                     <a:lstStyle/>
                     <a:p>
                       <a:pPr rtl="0" fontAlgn="b"/>
-                      <a:endParaRPr lang="en-US" dirty="0">
+                      <a:endParaRPr lang="en-US" sz="1700">
                         <a:effectLst/>
                       </a:endParaRPr>
                     </a:p>
                   </a:txBody>
-                  <a:tcPr marL="28575" marR="28575" marT="19050" marB="19050" anchor="b">
+                  <a:tcPr marL="27012" marR="27012" marT="18008" marB="18008" anchor="b">
                     <a:lnL>
                       <a:noFill/>
                     </a:lnL>
@@ -23512,12 +24638,12 @@
                     <a:lstStyle/>
                     <a:p>
                       <a:pPr algn="r" rtl="0" fontAlgn="b"/>
-                      <a:endParaRPr lang="en-US" dirty="0">
+                      <a:endParaRPr lang="en-US" sz="1700">
                         <a:effectLst/>
                       </a:endParaRPr>
                     </a:p>
                   </a:txBody>
-                  <a:tcPr marL="28575" marR="28575" marT="19050" marB="19050" anchor="b">
+                  <a:tcPr marL="27012" marR="27012" marT="18008" marB="18008" anchor="b">
                     <a:lnL>
                       <a:noFill/>
                     </a:lnL>
@@ -23559,12 +24685,12 @@
                     <a:lstStyle/>
                     <a:p>
                       <a:pPr algn="r" rtl="0" fontAlgn="b"/>
-                      <a:endParaRPr lang="en-US" dirty="0">
+                      <a:endParaRPr lang="en-US" sz="1700">
                         <a:effectLst/>
                       </a:endParaRPr>
                     </a:p>
                   </a:txBody>
-                  <a:tcPr marL="28575" marR="28575" marT="19050" marB="19050" anchor="b">
+                  <a:tcPr marL="27012" marR="27012" marT="18008" marB="18008" anchor="b">
                     <a:lnL>
                       <a:noFill/>
                     </a:lnL>
@@ -23606,12 +24732,12 @@
                     <a:lstStyle/>
                     <a:p>
                       <a:pPr algn="r" rtl="0" fontAlgn="b"/>
-                      <a:endParaRPr lang="en-US" dirty="0">
+                      <a:endParaRPr lang="en-US" sz="1700">
                         <a:effectLst/>
                       </a:endParaRPr>
                     </a:p>
                   </a:txBody>
-                  <a:tcPr marL="28575" marR="28575" marT="19050" marB="19050" anchor="b">
+                  <a:tcPr marL="27012" marR="27012" marT="18008" marB="18008" anchor="b">
                     <a:lnL>
                       <a:noFill/>
                     </a:lnL>
@@ -23657,7 +24783,7 @@
                   </a:ext>
                 </a:extLst>
               </a:tr>
-              <a:tr h="370840">
+              <a:tr h="329913">
                 <a:tc>
                   <a:txBody>
                     <a:bodyPr/>
@@ -23665,14 +24791,14 @@
                     <a:p>
                       <a:pPr rtl="0" fontAlgn="b"/>
                       <a:r>
-                        <a:rPr lang="en-US" b="1" dirty="0">
+                        <a:rPr lang="en-US" sz="1700" b="1">
                           <a:effectLst/>
                         </a:rPr>
                         <a:t>Total</a:t>
                       </a:r>
                     </a:p>
                   </a:txBody>
-                  <a:tcPr marL="28575" marR="28575" marT="19050" marB="19050" anchor="b">
+                  <a:tcPr marL="27012" marR="27012" marT="18008" marB="18008" anchor="b">
                     <a:lnL w="12700" cap="flat" cmpd="sng" algn="ctr">
                       <a:solidFill>
                         <a:schemeClr val="tx1"/>
@@ -23704,12 +24830,12 @@
                     <a:lstStyle/>
                     <a:p>
                       <a:pPr rtl="0" fontAlgn="b"/>
-                      <a:endParaRPr lang="en-US" dirty="0">
+                      <a:endParaRPr lang="en-US" sz="1700">
                         <a:effectLst/>
                       </a:endParaRPr>
                     </a:p>
                   </a:txBody>
-                  <a:tcPr marL="28575" marR="28575" marT="19050" marB="19050" anchor="b">
+                  <a:tcPr marL="27012" marR="27012" marT="18008" marB="18008" anchor="b">
                     <a:lnT w="12700" cap="flat" cmpd="sng" algn="ctr">
                       <a:solidFill>
                         <a:schemeClr val="tx1"/>
@@ -23733,14 +24859,14 @@
                     <a:p>
                       <a:pPr algn="r" rtl="0" fontAlgn="b"/>
                       <a:r>
-                        <a:rPr lang="en-US" dirty="0">
+                        <a:rPr lang="en-US" sz="1700">
                           <a:effectLst/>
                         </a:rPr>
                         <a:t>$7,944</a:t>
                       </a:r>
                     </a:p>
                   </a:txBody>
-                  <a:tcPr marL="28575" marR="28575" marT="19050" marB="19050" anchor="b">
+                  <a:tcPr marL="27012" marR="27012" marT="18008" marB="18008" anchor="b">
                     <a:lnT w="12700" cap="flat" cmpd="sng" algn="ctr">
                       <a:solidFill>
                         <a:schemeClr val="tx1"/>
@@ -23764,14 +24890,14 @@
                     <a:p>
                       <a:pPr algn="r" rtl="0" fontAlgn="b"/>
                       <a:r>
-                        <a:rPr lang="en-US" dirty="0">
+                        <a:rPr lang="en-US" sz="1700">
                           <a:effectLst/>
                         </a:rPr>
                         <a:t>$5,944</a:t>
                       </a:r>
                     </a:p>
                   </a:txBody>
-                  <a:tcPr marL="28575" marR="28575" marT="19050" marB="19050" anchor="b">
+                  <a:tcPr marL="27012" marR="27012" marT="18008" marB="18008" anchor="b">
                     <a:lnT w="12700" cap="flat" cmpd="sng" algn="ctr">
                       <a:solidFill>
                         <a:schemeClr val="tx1"/>
@@ -23795,14 +24921,14 @@
                     <a:p>
                       <a:pPr algn="r" rtl="0" fontAlgn="b"/>
                       <a:r>
-                        <a:rPr lang="en-US" dirty="0">
+                        <a:rPr lang="en-US" sz="1700">
                           <a:effectLst/>
                         </a:rPr>
                         <a:t>$5,944</a:t>
                       </a:r>
                     </a:p>
                   </a:txBody>
-                  <a:tcPr marL="28575" marR="28575" marT="19050" marB="19050" anchor="b">
+                  <a:tcPr marL="27012" marR="27012" marT="18008" marB="18008" anchor="b">
                     <a:lnR w="12700" cap="flat" cmpd="sng" algn="ctr">
                       <a:solidFill>
                         <a:schemeClr val="tx1"/>

--- a/De La Riva, Bennett, Calhoun, Young; Tax_Boss.pptx
+++ b/De La Riva, Bennett, Calhoun, Young; Tax_Boss.pptx
@@ -17252,26 +17252,25 @@
           <a:p>
             <a:r>
               <a:rPr lang="en-US" sz="2000" dirty="0"/>
-              <a:t>Small business, only 4 employees, combined 50 years experience</a:t>
+              <a:t>Small business with 50 years of combined experience</a:t>
             </a:r>
           </a:p>
           <a:p>
             <a:r>
               <a:rPr lang="en-US" sz="2000" dirty="0"/>
-              <a:t>Previous projects</a:t>
+              <a:t>Have worked on several similar solutions for other small businesses</a:t>
             </a:r>
           </a:p>
           <a:p>
             <a:r>
               <a:rPr lang="en-US" sz="2000" dirty="0"/>
-              <a:t>-implemented similar solutions for legal firms, and other tax offices</a:t>
+              <a:t>We’ll do our best to provide you with the best IT solutions </a:t>
             </a:r>
-          </a:p>
-          <a:p>
             <a:r>
-              <a:rPr lang="en-US" sz="2000" dirty="0"/>
-              <a:t>Maybe a mission statement</a:t>
+              <a:rPr lang="en-US" sz="2000"/>
+              <a:t>for your needs</a:t>
             </a:r>
+            <a:endParaRPr lang="en-US" sz="2000" dirty="0"/>
           </a:p>
         </p:txBody>
       </p:sp>
@@ -17420,55 +17419,6 @@
                                           <p:spTgt spid="3">
                                             <p:txEl>
                                               <p:pRg st="2" end="2"/>
-                                            </p:txEl>
-                                          </p:spTgt>
-                                        </p:tgtEl>
-                                        <p:attrNameLst>
-                                          <p:attrName>style.visibility</p:attrName>
-                                        </p:attrNameLst>
-                                      </p:cBhvr>
-                                      <p:to>
-                                        <p:strVal val="visible"/>
-                                      </p:to>
-                                    </p:set>
-                                  </p:childTnLst>
-                                </p:cTn>
-                              </p:par>
-                            </p:childTnLst>
-                          </p:cTn>
-                        </p:par>
-                      </p:childTnLst>
-                    </p:cTn>
-                  </p:par>
-                  <p:par>
-                    <p:cTn id="15" fill="hold">
-                      <p:stCondLst>
-                        <p:cond delay="indefinite"/>
-                      </p:stCondLst>
-                      <p:childTnLst>
-                        <p:par>
-                          <p:cTn id="16" fill="hold">
-                            <p:stCondLst>
-                              <p:cond delay="0"/>
-                            </p:stCondLst>
-                            <p:childTnLst>
-                              <p:par>
-                                <p:cTn id="17" presetID="1" presetClass="entr" presetSubtype="0" fill="hold" grpId="0" nodeType="clickEffect">
-                                  <p:stCondLst>
-                                    <p:cond delay="0"/>
-                                  </p:stCondLst>
-                                  <p:childTnLst>
-                                    <p:set>
-                                      <p:cBhvr>
-                                        <p:cTn id="18" dur="1" fill="hold">
-                                          <p:stCondLst>
-                                            <p:cond delay="0"/>
-                                          </p:stCondLst>
-                                        </p:cTn>
-                                        <p:tgtEl>
-                                          <p:spTgt spid="3">
-                                            <p:txEl>
-                                              <p:pRg st="3" end="3"/>
                                             </p:txEl>
                                           </p:spTgt>
                                         </p:tgtEl>

--- a/De La Riva, Bennett, Calhoun, Young; Tax_Boss.pptx
+++ b/De La Riva, Bennett, Calhoun, Young; Tax_Boss.pptx
@@ -16,8 +16,8 @@
     <p:sldId id="265" r:id="rId10"/>
     <p:sldId id="261" r:id="rId11"/>
     <p:sldId id="271" r:id="rId12"/>
-    <p:sldId id="262" r:id="rId13"/>
-    <p:sldId id="273" r:id="rId14"/>
+    <p:sldId id="273" r:id="rId13"/>
+    <p:sldId id="262" r:id="rId14"/>
   </p:sldIdLst>
   <p:sldSz cx="12192000" cy="6858000"/>
   <p:notesSz cx="6858000" cy="9144000"/>
@@ -19332,6 +19332,67 @@
           <a:chExt cx="0" cy="0"/>
         </a:xfrm>
       </p:grpSpPr>
+      <p:pic>
+        <p:nvPicPr>
+          <p:cNvPr id="28" name="Content Placeholder 27">
+            <a:extLst>
+              <a:ext uri="{FF2B5EF4-FFF2-40B4-BE49-F238E27FC236}">
+                <a16:creationId xmlns:a16="http://schemas.microsoft.com/office/drawing/2014/main" id="{A3DE055C-76B3-4C3D-B77F-87FEA5A02716}"/>
+              </a:ext>
+            </a:extLst>
+          </p:cNvPr>
+          <p:cNvPicPr>
+            <a:picLocks noGrp="1" noChangeAspect="1"/>
+          </p:cNvPicPr>
+          <p:nvPr>
+            <p:ph idx="1"/>
+          </p:nvPr>
+        </p:nvPicPr>
+        <p:blipFill rotWithShape="1">
+          <a:blip r:embed="rId2"/>
+          <a:srcRect r="1298" b="11019"/>
+          <a:stretch/>
+        </p:blipFill>
+        <p:spPr>
+          <a:xfrm>
+            <a:off x="2591085" y="968972"/>
+            <a:ext cx="8595360" cy="4068112"/>
+          </a:xfrm>
+          <a:prstGeom prst="rect">
+            <a:avLst/>
+          </a:prstGeom>
+        </p:spPr>
+      </p:pic>
+    </p:spTree>
+    <p:extLst>
+      <p:ext uri="{BB962C8B-B14F-4D97-AF65-F5344CB8AC3E}">
+        <p14:creationId xmlns:p14="http://schemas.microsoft.com/office/powerpoint/2010/main" val="3466597769"/>
+      </p:ext>
+    </p:extLst>
+  </p:cSld>
+  <p:clrMapOvr>
+    <a:masterClrMapping/>
+  </p:clrMapOvr>
+</p:sld>
+</file>
+
+<file path=ppt/slides/slide13.xml><?xml version="1.0" encoding="utf-8"?>
+<p:sld xmlns:a="http://schemas.openxmlformats.org/drawingml/2006/main" xmlns:r="http://schemas.openxmlformats.org/officeDocument/2006/relationships" xmlns:p="http://schemas.openxmlformats.org/presentationml/2006/main">
+  <p:cSld>
+    <p:spTree>
+      <p:nvGrpSpPr>
+        <p:cNvPr id="1" name=""/>
+        <p:cNvGrpSpPr/>
+        <p:nvPr/>
+      </p:nvGrpSpPr>
+      <p:grpSpPr>
+        <a:xfrm>
+          <a:off x="0" y="0"/>
+          <a:ext cx="0" cy="0"/>
+          <a:chOff x="0" y="0"/>
+          <a:chExt cx="0" cy="0"/>
+        </a:xfrm>
+      </p:grpSpPr>
       <p:sp>
         <p:nvSpPr>
           <p:cNvPr id="2" name="Title 1">
@@ -19466,67 +19527,6 @@
     <p:extLst>
       <p:ext uri="{BB962C8B-B14F-4D97-AF65-F5344CB8AC3E}">
         <p14:creationId xmlns:p14="http://schemas.microsoft.com/office/powerpoint/2010/main" val="3964379491"/>
-      </p:ext>
-    </p:extLst>
-  </p:cSld>
-  <p:clrMapOvr>
-    <a:masterClrMapping/>
-  </p:clrMapOvr>
-</p:sld>
-</file>
-
-<file path=ppt/slides/slide13.xml><?xml version="1.0" encoding="utf-8"?>
-<p:sld xmlns:a="http://schemas.openxmlformats.org/drawingml/2006/main" xmlns:r="http://schemas.openxmlformats.org/officeDocument/2006/relationships" xmlns:p="http://schemas.openxmlformats.org/presentationml/2006/main">
-  <p:cSld>
-    <p:spTree>
-      <p:nvGrpSpPr>
-        <p:cNvPr id="1" name=""/>
-        <p:cNvGrpSpPr/>
-        <p:nvPr/>
-      </p:nvGrpSpPr>
-      <p:grpSpPr>
-        <a:xfrm>
-          <a:off x="0" y="0"/>
-          <a:ext cx="0" cy="0"/>
-          <a:chOff x="0" y="0"/>
-          <a:chExt cx="0" cy="0"/>
-        </a:xfrm>
-      </p:grpSpPr>
-      <p:pic>
-        <p:nvPicPr>
-          <p:cNvPr id="28" name="Content Placeholder 27">
-            <a:extLst>
-              <a:ext uri="{FF2B5EF4-FFF2-40B4-BE49-F238E27FC236}">
-                <a16:creationId xmlns:a16="http://schemas.microsoft.com/office/drawing/2014/main" id="{A3DE055C-76B3-4C3D-B77F-87FEA5A02716}"/>
-              </a:ext>
-            </a:extLst>
-          </p:cNvPr>
-          <p:cNvPicPr>
-            <a:picLocks noGrp="1" noChangeAspect="1"/>
-          </p:cNvPicPr>
-          <p:nvPr>
-            <p:ph idx="1"/>
-          </p:nvPr>
-        </p:nvPicPr>
-        <p:blipFill rotWithShape="1">
-          <a:blip r:embed="rId2"/>
-          <a:srcRect r="1298" b="-2"/>
-          <a:stretch/>
-        </p:blipFill>
-        <p:spPr>
-          <a:xfrm>
-            <a:off x="2591085" y="968971"/>
-            <a:ext cx="8595360" cy="4572000"/>
-          </a:xfrm>
-          <a:prstGeom prst="rect">
-            <a:avLst/>
-          </a:prstGeom>
-        </p:spPr>
-      </p:pic>
-    </p:spTree>
-    <p:extLst>
-      <p:ext uri="{BB962C8B-B14F-4D97-AF65-F5344CB8AC3E}">
-        <p14:creationId xmlns:p14="http://schemas.microsoft.com/office/powerpoint/2010/main" val="3466597769"/>
       </p:ext>
     </p:extLst>
   </p:cSld>
@@ -20879,19 +20879,58 @@
         </p:nvPicPr>
         <p:blipFill rotWithShape="1">
           <a:blip r:embed="rId3"/>
-          <a:srcRect r="1298" b="-2"/>
+          <a:srcRect r="1298" b="9640"/>
           <a:stretch/>
         </p:blipFill>
         <p:spPr>
           <a:xfrm>
             <a:off x="2591085" y="968971"/>
-            <a:ext cx="8595360" cy="4572000"/>
+            <a:ext cx="8595360" cy="4131174"/>
           </a:xfrm>
           <a:prstGeom prst="rect">
             <a:avLst/>
           </a:prstGeom>
         </p:spPr>
       </p:pic>
+      <p:sp>
+        <p:nvSpPr>
+          <p:cNvPr id="2" name="TextBox 1">
+            <a:extLst>
+              <a:ext uri="{FF2B5EF4-FFF2-40B4-BE49-F238E27FC236}">
+                <a16:creationId xmlns:a16="http://schemas.microsoft.com/office/drawing/2014/main" id="{72897C2D-F0D5-4821-8686-1E3C405BD43F}"/>
+              </a:ext>
+            </a:extLst>
+          </p:cNvPr>
+          <p:cNvSpPr txBox="1"/>
+          <p:nvPr/>
+        </p:nvSpPr>
+        <p:spPr>
+          <a:xfrm>
+            <a:off x="2648607" y="5415455"/>
+            <a:ext cx="8537838" cy="400110"/>
+          </a:xfrm>
+          <a:prstGeom prst="rect">
+            <a:avLst/>
+          </a:prstGeom>
+          <a:noFill/>
+        </p:spPr>
+        <p:txBody>
+          <a:bodyPr wrap="square" rtlCol="0">
+            <a:spAutoFit/>
+          </a:bodyPr>
+          <a:lstStyle/>
+          <a:p>
+            <a:pPr marL="285750" indent="-285750">
+              <a:buFont typeface="Arial" panose="020B0604020202020204" pitchFamily="34" charset="0"/>
+              <a:buChar char="•"/>
+            </a:pPr>
+            <a:r>
+              <a:rPr lang="en-US" sz="2000" dirty="0"/>
+              <a:t>Co-founder of Airbnb</a:t>
+            </a:r>
+          </a:p>
+        </p:txBody>
+      </p:sp>
     </p:spTree>
     <p:extLst>
       <p:ext uri="{BB962C8B-B14F-4D97-AF65-F5344CB8AC3E}">
@@ -20996,8 +21035,8 @@
         </p:nvSpPr>
         <p:spPr>
           <a:xfrm>
-            <a:off x="4010254" y="2704321"/>
-            <a:ext cx="5486687" cy="3124201"/>
+            <a:off x="2861441" y="2704321"/>
+            <a:ext cx="7441325" cy="3124201"/>
           </a:xfrm>
         </p:spPr>
         <p:txBody>
@@ -21014,25 +21053,25 @@
           <a:p>
             <a:r>
               <a:rPr lang="en-US" dirty="0"/>
-              <a:t>Calhoun- Summary of Billing</a:t>
+              <a:t>Christian Calhoun- Summary of Billing</a:t>
             </a:r>
           </a:p>
           <a:p>
             <a:r>
               <a:rPr lang="en-US" dirty="0"/>
-              <a:t>Shaun- Summary of Document Transfer</a:t>
+              <a:t>Shaun Bennett - Summary of Document Transfer</a:t>
             </a:r>
           </a:p>
           <a:p>
             <a:r>
               <a:rPr lang="en-US" dirty="0"/>
-              <a:t>Kincaid- Summary of Advertisement</a:t>
+              <a:t>Kincaid Young - Summary of Advertisement</a:t>
             </a:r>
           </a:p>
           <a:p>
             <a:r>
               <a:rPr lang="en-US" dirty="0"/>
-              <a:t>Dante- Summary of Cost and Timeline</a:t>
+              <a:t>Dante De La Riva - Summary of Cost and Timeline</a:t>
             </a:r>
           </a:p>
           <a:p>

--- a/De La Riva, Bennett, Calhoun, Young; Tax_Boss.pptx
+++ b/De La Riva, Bennett, Calhoun, Young; Tax_Boss.pptx
@@ -4,6 +4,9 @@
   <p:sldMasterIdLst>
     <p:sldMasterId id="2147483732" r:id="rId1"/>
   </p:sldMasterIdLst>
+  <p:notesMasterIdLst>
+    <p:notesMasterId r:id="rId15"/>
+  </p:notesMasterIdLst>
   <p:sldIdLst>
     <p:sldId id="256" r:id="rId2"/>
     <p:sldId id="272" r:id="rId3"/>
@@ -2589,7 +2592,7 @@
       </dgm:t>
     </dgm:pt>
     <dgm:pt modelId="{D5254008-3E02-4017-B48C-9EE1EB8AA4BC}">
-      <dgm:prSet/>
+      <dgm:prSet custT="1"/>
       <dgm:spPr/>
       <dgm:t>
         <a:bodyPr/>
@@ -2599,8 +2602,8 @@
             <a:defRPr cap="all"/>
           </a:pPr>
           <a:r>
-            <a:rPr lang="en-US" dirty="0"/>
-            <a:t>Faster spread of the knowledge of Tax Boss and its services to new clientele.</a:t>
+            <a:rPr lang="en-US" sz="1600" dirty="0"/>
+            <a:t>Faster spread of the knowledge of Tax Boss and its services to new clients.</a:t>
           </a:r>
         </a:p>
       </dgm:t>
@@ -2628,7 +2631,7 @@
       </dgm:t>
     </dgm:pt>
     <dgm:pt modelId="{B874707C-0894-4298-B189-5328F44C7EE5}">
-      <dgm:prSet/>
+      <dgm:prSet custT="1"/>
       <dgm:spPr/>
       <dgm:t>
         <a:bodyPr/>
@@ -2638,8 +2641,8 @@
             <a:defRPr cap="all"/>
           </a:pPr>
           <a:r>
-            <a:rPr lang="en-US"/>
-            <a:t>Secure transfer of sensitive documents between Tax Boss and its clientele.</a:t>
+            <a:rPr lang="en-US" sz="1600" dirty="0"/>
+            <a:t>Secure transfer of sensitive documents between Tax Boss and its clients.</a:t>
           </a:r>
         </a:p>
       </dgm:t>
@@ -2667,7 +2670,7 @@
       </dgm:t>
     </dgm:pt>
     <dgm:pt modelId="{8DF69E96-96DD-42C0-9729-7C2ADADAE9AD}">
-      <dgm:prSet/>
+      <dgm:prSet custT="1"/>
       <dgm:spPr/>
       <dgm:t>
         <a:bodyPr/>
@@ -2677,7 +2680,7 @@
             <a:defRPr cap="all"/>
           </a:pPr>
           <a:r>
-            <a:rPr lang="en-US"/>
+            <a:rPr lang="en-US" sz="1600" dirty="0"/>
             <a:t>An automated system to track time spent and bill clients for this time.</a:t>
           </a:r>
         </a:p>
@@ -2706,7 +2709,7 @@
       </dgm:t>
     </dgm:pt>
     <dgm:pt modelId="{3D83B2BC-5B41-4BCE-9B80-681E3A9172F5}">
-      <dgm:prSet/>
+      <dgm:prSet custT="1"/>
       <dgm:spPr/>
       <dgm:t>
         <a:bodyPr/>
@@ -2716,7 +2719,7 @@
             <a:defRPr cap="all"/>
           </a:pPr>
           <a:r>
-            <a:rPr lang="en-US"/>
+            <a:rPr lang="en-US" sz="1600" dirty="0"/>
             <a:t>A system allowing clients to schedule meetings with Tax Boss.</a:t>
           </a:r>
         </a:p>
@@ -2745,7 +2748,7 @@
       </dgm:t>
     </dgm:pt>
     <dgm:pt modelId="{E6B62218-1881-4F4B-8C54-FBA0CEDDD008}">
-      <dgm:prSet/>
+      <dgm:prSet custT="1"/>
       <dgm:spPr/>
       <dgm:t>
         <a:bodyPr/>
@@ -2755,7 +2758,7 @@
             <a:defRPr cap="all"/>
           </a:pPr>
           <a:r>
-            <a:rPr lang="en-US"/>
+            <a:rPr lang="en-US" sz="1600" dirty="0"/>
             <a:t>A notification system alerting Tax Boss to upcoming events, such as meetings.</a:t>
           </a:r>
         </a:p>
@@ -2843,7 +2846,7 @@
       <dgm:spPr/>
     </dgm:pt>
     <dgm:pt modelId="{4274178A-6901-4C1B-B1D9-435A8421E0A0}" type="pres">
-      <dgm:prSet presAssocID="{D5254008-3E02-4017-B48C-9EE1EB8AA4BC}" presName="textRect" presStyleLbl="revTx" presStyleIdx="0" presStyleCnt="5">
+      <dgm:prSet presAssocID="{D5254008-3E02-4017-B48C-9EE1EB8AA4BC}" presName="textRect" presStyleLbl="revTx" presStyleIdx="0" presStyleCnt="5" custScaleX="129525">
         <dgm:presLayoutVars>
           <dgm:chMax val="1"/>
           <dgm:chPref val="1"/>
@@ -2909,7 +2912,7 @@
       <dgm:spPr/>
     </dgm:pt>
     <dgm:pt modelId="{A1058DD6-E917-4199-B92E-4E2B3FE085A1}" type="pres">
-      <dgm:prSet presAssocID="{B874707C-0894-4298-B189-5328F44C7EE5}" presName="textRect" presStyleLbl="revTx" presStyleIdx="1" presStyleCnt="5">
+      <dgm:prSet presAssocID="{B874707C-0894-4298-B189-5328F44C7EE5}" presName="textRect" presStyleLbl="revTx" presStyleIdx="1" presStyleCnt="5" custScaleX="136121">
         <dgm:presLayoutVars>
           <dgm:chMax val="1"/>
           <dgm:chPref val="1"/>
@@ -2974,7 +2977,7 @@
       <dgm:spPr/>
     </dgm:pt>
     <dgm:pt modelId="{545E9AC1-B543-47B2-BFF6-F93540F9729F}" type="pres">
-      <dgm:prSet presAssocID="{8DF69E96-96DD-42C0-9729-7C2ADADAE9AD}" presName="textRect" presStyleLbl="revTx" presStyleIdx="2" presStyleCnt="5">
+      <dgm:prSet presAssocID="{8DF69E96-96DD-42C0-9729-7C2ADADAE9AD}" presName="textRect" presStyleLbl="revTx" presStyleIdx="2" presStyleCnt="5" custScaleX="132291">
         <dgm:presLayoutVars>
           <dgm:chMax val="1"/>
           <dgm:chPref val="1"/>
@@ -3039,7 +3042,7 @@
       <dgm:spPr/>
     </dgm:pt>
     <dgm:pt modelId="{F4DC311E-B282-45F0-BE58-18A375E85931}" type="pres">
-      <dgm:prSet presAssocID="{3D83B2BC-5B41-4BCE-9B80-681E3A9172F5}" presName="textRect" presStyleLbl="revTx" presStyleIdx="3" presStyleCnt="5">
+      <dgm:prSet presAssocID="{3D83B2BC-5B41-4BCE-9B80-681E3A9172F5}" presName="textRect" presStyleLbl="revTx" presStyleIdx="3" presStyleCnt="5" custScaleX="136652">
         <dgm:presLayoutVars>
           <dgm:chMax val="1"/>
           <dgm:chPref val="1"/>
@@ -3105,7 +3108,7 @@
       <dgm:spPr/>
     </dgm:pt>
     <dgm:pt modelId="{300944E7-3C77-4134-8907-C58F5CF7C86B}" type="pres">
-      <dgm:prSet presAssocID="{E6B62218-1881-4F4B-8C54-FBA0CEDDD008}" presName="textRect" presStyleLbl="revTx" presStyleIdx="4" presStyleCnt="5">
+      <dgm:prSet presAssocID="{E6B62218-1881-4F4B-8C54-FBA0CEDDD008}" presName="textRect" presStyleLbl="revTx" presStyleIdx="4" presStyleCnt="5" custScaleX="120733">
         <dgm:presLayoutVars>
           <dgm:chMax val="1"/>
           <dgm:chPref val="1"/>
@@ -3316,8 +3319,8 @@
             </a:lnSpc>
           </a:pPr>
           <a:r>
-            <a:rPr lang="en-US"/>
-            <a:t>Integrates with Google, QuickBooks, Salesforce and others</a:t>
+            <a:rPr lang="en-US" dirty="0"/>
+            <a:t>Integrates with Google.</a:t>
           </a:r>
         </a:p>
       </dgm:t>
@@ -3344,7 +3347,7 @@
         </a:p>
       </dgm:t>
     </dgm:pt>
-    <dgm:pt modelId="{670458BD-101B-4065-A297-07FC9A90EE30}">
+    <dgm:pt modelId="{CAC8D856-212D-4F33-AF0A-63B92942F8FE}">
       <dgm:prSet/>
       <dgm:spPr/>
       <dgm:t>
@@ -3357,14 +3360,13 @@
             </a:lnSpc>
           </a:pPr>
           <a:r>
-            <a:rPr lang="en-US"/>
-            <a:t>Gmail. Meeting, schedule automatically added to the calendar</a:t>
+            <a:rPr lang="en-US" dirty="0"/>
+            <a:t>Meeting schedule automatically added to the calendar</a:t>
           </a:r>
-          <a:endParaRPr lang="en-US" dirty="0"/>
         </a:p>
       </dgm:t>
     </dgm:pt>
-    <dgm:pt modelId="{384F585D-C88F-4BB0-AFA6-6F646BA124AA}" type="parTrans" cxnId="{4AF248F0-26EF-428E-B8A3-4B00B799FD21}">
+    <dgm:pt modelId="{18000171-6BA4-4CD2-9C60-520D1B8533C9}" type="parTrans" cxnId="{31C7C7A7-59E5-486A-B509-5DFA0164662E}">
       <dgm:prSet/>
       <dgm:spPr/>
       <dgm:t>
@@ -3375,7 +3377,7 @@
         </a:p>
       </dgm:t>
     </dgm:pt>
-    <dgm:pt modelId="{69988FD7-03A2-4B0B-9AC2-4157DEC54582}" type="sibTrans" cxnId="{4AF248F0-26EF-428E-B8A3-4B00B799FD21}">
+    <dgm:pt modelId="{138F717E-B2D9-42F7-9992-AB0771F3AB90}" type="sibTrans" cxnId="{31C7C7A7-59E5-486A-B509-5DFA0164662E}">
       <dgm:prSet/>
       <dgm:spPr/>
       <dgm:t>
@@ -3591,20 +3593,20 @@
       </dgm:prSet>
       <dgm:spPr/>
     </dgm:pt>
-    <dgm:pt modelId="{64A344AC-CCF6-4958-B6B0-F1F0E2C1E3A5}" type="pres">
+    <dgm:pt modelId="{1EF0ADB9-D4E6-402D-94F2-E684ADA22BBB}" type="pres">
       <dgm:prSet presAssocID="{5ABC2203-49A8-4741-8783-E5B39FF6FDC1}" presName="sibTrans" presStyleCnt="0"/>
       <dgm:spPr/>
     </dgm:pt>
-    <dgm:pt modelId="{4BB773E1-EC91-466B-89E6-91EF137C017B}" type="pres">
-      <dgm:prSet presAssocID="{670458BD-101B-4065-A297-07FC9A90EE30}" presName="compNode" presStyleCnt="0"/>
+    <dgm:pt modelId="{D9F1BA13-7233-4695-8C69-508F80D951BE}" type="pres">
+      <dgm:prSet presAssocID="{CAC8D856-212D-4F33-AF0A-63B92942F8FE}" presName="compNode" presStyleCnt="0"/>
       <dgm:spPr/>
     </dgm:pt>
-    <dgm:pt modelId="{6EC748CB-759A-4CDA-A685-3337D2220D24}" type="pres">
-      <dgm:prSet presAssocID="{670458BD-101B-4065-A297-07FC9A90EE30}" presName="bgRect" presStyleLbl="bgShp" presStyleIdx="4" presStyleCnt="5"/>
+    <dgm:pt modelId="{B5F187A2-30DB-4DB8-B318-7F5D6CF8DB1F}" type="pres">
+      <dgm:prSet presAssocID="{CAC8D856-212D-4F33-AF0A-63B92942F8FE}" presName="bgRect" presStyleLbl="bgShp" presStyleIdx="4" presStyleCnt="5"/>
       <dgm:spPr/>
     </dgm:pt>
-    <dgm:pt modelId="{811DCA3F-ABB6-461C-A5FF-32E6A219B138}" type="pres">
-      <dgm:prSet presAssocID="{670458BD-101B-4065-A297-07FC9A90EE30}" presName="iconRect" presStyleLbl="node1" presStyleIdx="4" presStyleCnt="5"/>
+    <dgm:pt modelId="{78625F65-C06E-4224-870B-A0C822724CEF}" type="pres">
+      <dgm:prSet presAssocID="{CAC8D856-212D-4F33-AF0A-63B92942F8FE}" presName="iconRect" presStyleLbl="node1" presStyleIdx="4" presStyleCnt="5"/>
       <dgm:spPr>
         <a:blipFill>
           <a:blip xmlns:r="http://schemas.openxmlformats.org/officeDocument/2006/relationships" r:embed="rId9">
@@ -3617,6 +3619,7 @@
               </a:ext>
             </a:extLst>
           </a:blip>
+          <a:srcRect/>
           <a:stretch>
             <a:fillRect/>
           </a:stretch>
@@ -3624,16 +3627,16 @@
       </dgm:spPr>
       <dgm:extLst>
         <a:ext uri="{E40237B7-FDA0-4F09-8148-C483321AD2D9}">
-          <dgm14:cNvPr xmlns:dgm14="http://schemas.microsoft.com/office/drawing/2010/diagram" id="0" name="" descr="Daily Calendar"/>
+          <dgm14:cNvPr xmlns:dgm14="http://schemas.microsoft.com/office/drawing/2010/diagram" id="0" name="" descr="Address Book with solid fill"/>
         </a:ext>
       </dgm:extLst>
     </dgm:pt>
-    <dgm:pt modelId="{3FEC35EE-E596-41E3-A96F-79C0BAB80AA7}" type="pres">
-      <dgm:prSet presAssocID="{670458BD-101B-4065-A297-07FC9A90EE30}" presName="spaceRect" presStyleCnt="0"/>
+    <dgm:pt modelId="{9A87F911-DE95-47E1-9C7E-9ADB55062C1F}" type="pres">
+      <dgm:prSet presAssocID="{CAC8D856-212D-4F33-AF0A-63B92942F8FE}" presName="spaceRect" presStyleCnt="0"/>
       <dgm:spPr/>
     </dgm:pt>
-    <dgm:pt modelId="{8B6C99F7-3F8D-4F03-B0C6-406DF85CCE3D}" type="pres">
-      <dgm:prSet presAssocID="{670458BD-101B-4065-A297-07FC9A90EE30}" presName="parTx" presStyleLbl="revTx" presStyleIdx="4" presStyleCnt="5">
+    <dgm:pt modelId="{3AE226E3-07C7-4DD7-BE23-2373C07FB503}" type="pres">
+      <dgm:prSet presAssocID="{CAC8D856-212D-4F33-AF0A-63B92942F8FE}" presName="parTx" presStyleLbl="revTx" presStyleIdx="4" presStyleCnt="5">
         <dgm:presLayoutVars>
           <dgm:chMax val="0"/>
           <dgm:chPref val="0"/>
@@ -3649,10 +3652,10 @@
     <dgm:cxn modelId="{F84B2556-40A5-4473-A858-8EE9BAFA28AB}" type="presOf" srcId="{9BDA55E2-E55D-4A8E-B7EC-D6DA14B15954}" destId="{F77E8EB6-324F-4FFD-9291-B6F0BB6D312A}" srcOrd="0" destOrd="0" presId="urn:microsoft.com/office/officeart/2018/2/layout/IconVerticalSolidList"/>
     <dgm:cxn modelId="{001D9C78-AEE0-40C2-90FB-C11A9D30DF41}" type="presOf" srcId="{C9B21A5F-21CC-464B-97CF-45EE13949CEB}" destId="{95E4737B-8DA3-49E0-B0C1-0258CA05DFD0}" srcOrd="0" destOrd="0" presId="urn:microsoft.com/office/officeart/2018/2/layout/IconVerticalSolidList"/>
     <dgm:cxn modelId="{26A3BF84-8609-4A2A-B000-B7AB3391180A}" type="presOf" srcId="{D09B6C3C-ECA9-446F-8F00-4F90C44EB875}" destId="{8628310B-4552-4986-A7F9-0EC68D258EEB}" srcOrd="0" destOrd="0" presId="urn:microsoft.com/office/officeart/2018/2/layout/IconVerticalSolidList"/>
+    <dgm:cxn modelId="{67B8028B-520B-417E-A173-9E4B2DAA24DB}" type="presOf" srcId="{CAC8D856-212D-4F33-AF0A-63B92942F8FE}" destId="{3AE226E3-07C7-4DD7-BE23-2373C07FB503}" srcOrd="0" destOrd="0" presId="urn:microsoft.com/office/officeart/2018/2/layout/IconVerticalSolidList"/>
     <dgm:cxn modelId="{611EA090-132F-4520-B54F-6CB106CD0AC9}" type="presOf" srcId="{4698F420-6833-4D24-9CE0-8A096478E6BB}" destId="{15C43B2A-0AFF-4CF4-8965-EF804EE4A316}" srcOrd="0" destOrd="0" presId="urn:microsoft.com/office/officeart/2018/2/layout/IconVerticalSolidList"/>
+    <dgm:cxn modelId="{31C7C7A7-59E5-486A-B509-5DFA0164662E}" srcId="{9BDA55E2-E55D-4A8E-B7EC-D6DA14B15954}" destId="{CAC8D856-212D-4F33-AF0A-63B92942F8FE}" srcOrd="4" destOrd="0" parTransId="{18000171-6BA4-4CD2-9C60-520D1B8533C9}" sibTransId="{138F717E-B2D9-42F7-9992-AB0771F3AB90}"/>
     <dgm:cxn modelId="{154305C9-79E6-4900-A91E-21C9D1CF1BD1}" srcId="{9BDA55E2-E55D-4A8E-B7EC-D6DA14B15954}" destId="{C9B21A5F-21CC-464B-97CF-45EE13949CEB}" srcOrd="0" destOrd="0" parTransId="{D922A88F-4756-4083-8AAC-C6A7CB4DBD5F}" sibTransId="{CA100D00-81BD-481D-A234-6279662BC211}"/>
-    <dgm:cxn modelId="{640702D7-C164-43C5-A150-C33220A8DAB5}" type="presOf" srcId="{670458BD-101B-4065-A297-07FC9A90EE30}" destId="{8B6C99F7-3F8D-4F03-B0C6-406DF85CCE3D}" srcOrd="0" destOrd="0" presId="urn:microsoft.com/office/officeart/2018/2/layout/IconVerticalSolidList"/>
-    <dgm:cxn modelId="{4AF248F0-26EF-428E-B8A3-4B00B799FD21}" srcId="{9BDA55E2-E55D-4A8E-B7EC-D6DA14B15954}" destId="{670458BD-101B-4065-A297-07FC9A90EE30}" srcOrd="4" destOrd="0" parTransId="{384F585D-C88F-4BB0-AFA6-6F646BA124AA}" sibTransId="{69988FD7-03A2-4B0B-9AC2-4157DEC54582}"/>
     <dgm:cxn modelId="{6CF763FD-EA80-4476-BC17-31CBF33B8035}" srcId="{9BDA55E2-E55D-4A8E-B7EC-D6DA14B15954}" destId="{D09B6C3C-ECA9-446F-8F00-4F90C44EB875}" srcOrd="3" destOrd="0" parTransId="{47377136-CD07-4F7F-B8A4-C65CF6C3DA73}" sibTransId="{5ABC2203-49A8-4741-8783-E5B39FF6FDC1}"/>
     <dgm:cxn modelId="{3ED854EB-1DD3-4AC5-B651-5D377B66BF67}" type="presParOf" srcId="{F77E8EB6-324F-4FFD-9291-B6F0BB6D312A}" destId="{F974370C-3B62-4638-A4DC-F9099BD54A9A}" srcOrd="0" destOrd="0" presId="urn:microsoft.com/office/officeart/2018/2/layout/IconVerticalSolidList"/>
     <dgm:cxn modelId="{C21C1129-3627-4AA1-A886-F78D70F3D4EE}" type="presParOf" srcId="{F974370C-3B62-4638-A4DC-F9099BD54A9A}" destId="{1411DC80-9AA1-45DA-B398-116509A56858}" srcOrd="0" destOrd="0" presId="urn:microsoft.com/office/officeart/2018/2/layout/IconVerticalSolidList"/>
@@ -3677,12 +3680,12 @@
     <dgm:cxn modelId="{E9721C5E-818E-4C9B-BCDC-A1A320DDD490}" type="presParOf" srcId="{7A4FD736-E9B9-4716-9889-2942968B415F}" destId="{ED8FAA24-DBF2-41B5-9FCB-E38A656BB8C3}" srcOrd="1" destOrd="0" presId="urn:microsoft.com/office/officeart/2018/2/layout/IconVerticalSolidList"/>
     <dgm:cxn modelId="{2081C4B3-C26C-487C-B469-681316EDA7A9}" type="presParOf" srcId="{7A4FD736-E9B9-4716-9889-2942968B415F}" destId="{29DF6BC6-4C10-417A-A1F5-F88655DD1DCA}" srcOrd="2" destOrd="0" presId="urn:microsoft.com/office/officeart/2018/2/layout/IconVerticalSolidList"/>
     <dgm:cxn modelId="{E571BEA9-4E97-463D-871B-E2E5093BA323}" type="presParOf" srcId="{7A4FD736-E9B9-4716-9889-2942968B415F}" destId="{8628310B-4552-4986-A7F9-0EC68D258EEB}" srcOrd="3" destOrd="0" presId="urn:microsoft.com/office/officeart/2018/2/layout/IconVerticalSolidList"/>
-    <dgm:cxn modelId="{C17AEB99-0B8C-4AD2-96CA-D6DFB3EA6323}" type="presParOf" srcId="{F77E8EB6-324F-4FFD-9291-B6F0BB6D312A}" destId="{64A344AC-CCF6-4958-B6B0-F1F0E2C1E3A5}" srcOrd="7" destOrd="0" presId="urn:microsoft.com/office/officeart/2018/2/layout/IconVerticalSolidList"/>
-    <dgm:cxn modelId="{89159080-124B-4CB8-81A8-D6382B2C1241}" type="presParOf" srcId="{F77E8EB6-324F-4FFD-9291-B6F0BB6D312A}" destId="{4BB773E1-EC91-466B-89E6-91EF137C017B}" srcOrd="8" destOrd="0" presId="urn:microsoft.com/office/officeart/2018/2/layout/IconVerticalSolidList"/>
-    <dgm:cxn modelId="{E83CD32D-08E5-44A7-84B1-FDF83D86A5EB}" type="presParOf" srcId="{4BB773E1-EC91-466B-89E6-91EF137C017B}" destId="{6EC748CB-759A-4CDA-A685-3337D2220D24}" srcOrd="0" destOrd="0" presId="urn:microsoft.com/office/officeart/2018/2/layout/IconVerticalSolidList"/>
-    <dgm:cxn modelId="{B9F24C6A-3F27-4952-8F3A-E5B6EB942D4B}" type="presParOf" srcId="{4BB773E1-EC91-466B-89E6-91EF137C017B}" destId="{811DCA3F-ABB6-461C-A5FF-32E6A219B138}" srcOrd="1" destOrd="0" presId="urn:microsoft.com/office/officeart/2018/2/layout/IconVerticalSolidList"/>
-    <dgm:cxn modelId="{E403FCD4-A121-43FA-9C06-90BFAC37B1FE}" type="presParOf" srcId="{4BB773E1-EC91-466B-89E6-91EF137C017B}" destId="{3FEC35EE-E596-41E3-A96F-79C0BAB80AA7}" srcOrd="2" destOrd="0" presId="urn:microsoft.com/office/officeart/2018/2/layout/IconVerticalSolidList"/>
-    <dgm:cxn modelId="{D8219FE7-05AF-4598-B344-BE1C1DAEFE7C}" type="presParOf" srcId="{4BB773E1-EC91-466B-89E6-91EF137C017B}" destId="{8B6C99F7-3F8D-4F03-B0C6-406DF85CCE3D}" srcOrd="3" destOrd="0" presId="urn:microsoft.com/office/officeart/2018/2/layout/IconVerticalSolidList"/>
+    <dgm:cxn modelId="{C1B287E9-B5F9-4710-BD75-8C1A918EF212}" type="presParOf" srcId="{F77E8EB6-324F-4FFD-9291-B6F0BB6D312A}" destId="{1EF0ADB9-D4E6-402D-94F2-E684ADA22BBB}" srcOrd="7" destOrd="0" presId="urn:microsoft.com/office/officeart/2018/2/layout/IconVerticalSolidList"/>
+    <dgm:cxn modelId="{10473BED-84A6-4520-9D4B-9DDEA4DC5DC8}" type="presParOf" srcId="{F77E8EB6-324F-4FFD-9291-B6F0BB6D312A}" destId="{D9F1BA13-7233-4695-8C69-508F80D951BE}" srcOrd="8" destOrd="0" presId="urn:microsoft.com/office/officeart/2018/2/layout/IconVerticalSolidList"/>
+    <dgm:cxn modelId="{3E34D697-FAEF-491D-A778-0683021A2651}" type="presParOf" srcId="{D9F1BA13-7233-4695-8C69-508F80D951BE}" destId="{B5F187A2-30DB-4DB8-B318-7F5D6CF8DB1F}" srcOrd="0" destOrd="0" presId="urn:microsoft.com/office/officeart/2018/2/layout/IconVerticalSolidList"/>
+    <dgm:cxn modelId="{C282F750-2A47-4D8D-A4BB-D92AEFA04656}" type="presParOf" srcId="{D9F1BA13-7233-4695-8C69-508F80D951BE}" destId="{78625F65-C06E-4224-870B-A0C822724CEF}" srcOrd="1" destOrd="0" presId="urn:microsoft.com/office/officeart/2018/2/layout/IconVerticalSolidList"/>
+    <dgm:cxn modelId="{76E12778-784F-4D1C-9720-1BB5A3C10920}" type="presParOf" srcId="{D9F1BA13-7233-4695-8C69-508F80D951BE}" destId="{9A87F911-DE95-47E1-9C7E-9ADB55062C1F}" srcOrd="2" destOrd="0" presId="urn:microsoft.com/office/officeart/2018/2/layout/IconVerticalSolidList"/>
+    <dgm:cxn modelId="{E97C8744-3115-40F2-9656-D2976A5C31F8}" type="presParOf" srcId="{D9F1BA13-7233-4695-8C69-508F80D951BE}" destId="{3AE226E3-07C7-4DD7-BE23-2373C07FB503}" srcOrd="3" destOrd="0" presId="urn:microsoft.com/office/officeart/2018/2/layout/IconVerticalSolidList"/>
   </dgm:cxnLst>
   <dgm:bg/>
   <dgm:whole/>
@@ -3953,8 +3956,8 @@
       </dsp:nvSpPr>
       <dsp:spPr>
         <a:xfrm>
-          <a:off x="481845" y="91831"/>
-          <a:ext cx="1192350" cy="1192350"/>
+          <a:off x="1669529" y="142499"/>
+          <a:ext cx="969328" cy="969328"/>
         </a:xfrm>
         <a:prstGeom prst="round2DiagRect">
           <a:avLst>
@@ -3990,8 +3993,8 @@
       </dsp:nvSpPr>
       <dsp:spPr>
         <a:xfrm>
-          <a:off x="735952" y="345939"/>
-          <a:ext cx="684135" cy="684135"/>
+          <a:off x="1876107" y="349077"/>
+          <a:ext cx="556171" cy="556171"/>
         </a:xfrm>
         <a:prstGeom prst="rect">
           <a:avLst/>
@@ -4039,8 +4042,8 @@
       </dsp:nvSpPr>
       <dsp:spPr>
         <a:xfrm>
-          <a:off x="100684" y="1655569"/>
-          <a:ext cx="1954672" cy="720000"/>
+          <a:off x="1125077" y="1413749"/>
+          <a:ext cx="2058233" cy="1007522"/>
         </a:xfrm>
         <a:prstGeom prst="rect">
           <a:avLst/>
@@ -4069,7 +4072,7 @@
         </a:bodyPr>
         <a:lstStyle/>
         <a:p>
-          <a:pPr marL="0" lvl="0" indent="0" algn="ctr" defTabSz="533400">
+          <a:pPr marL="0" lvl="0" indent="0" algn="ctr" defTabSz="711200">
             <a:lnSpc>
               <a:spcPct val="90000"/>
             </a:lnSpc>
@@ -4083,14 +4086,14 @@
             <a:defRPr cap="all"/>
           </a:pPr>
           <a:r>
-            <a:rPr lang="en-US" sz="1200" kern="1200" dirty="0"/>
-            <a:t>Faster spread of the knowledge of Tax Boss and its services to new clientele.</a:t>
+            <a:rPr lang="en-US" sz="1600" kern="1200" dirty="0"/>
+            <a:t>Faster spread of the knowledge of Tax Boss and its services to new clients.</a:t>
           </a:r>
         </a:p>
       </dsp:txBody>
       <dsp:txXfrm>
-        <a:off x="100684" y="1655569"/>
-        <a:ext cx="1954672" cy="720000"/>
+        <a:off x="1125077" y="1413749"/>
+        <a:ext cx="2058233" cy="1007522"/>
       </dsp:txXfrm>
     </dsp:sp>
     <dsp:sp modelId="{CBAFCDC4-128F-4EDB-BC7C-CDBB96B30065}">
@@ -4100,8 +4103,8 @@
       </dsp:nvSpPr>
       <dsp:spPr>
         <a:xfrm>
-          <a:off x="2778585" y="91831"/>
-          <a:ext cx="1192350" cy="1192350"/>
+          <a:off x="4058256" y="142499"/>
+          <a:ext cx="969328" cy="969328"/>
         </a:xfrm>
         <a:prstGeom prst="round2DiagRect">
           <a:avLst>
@@ -4140,8 +4143,8 @@
       </dsp:nvSpPr>
       <dsp:spPr>
         <a:xfrm>
-          <a:off x="3032692" y="345939"/>
-          <a:ext cx="684135" cy="684135"/>
+          <a:off x="4264834" y="349077"/>
+          <a:ext cx="556171" cy="556171"/>
         </a:xfrm>
         <a:prstGeom prst="rect">
           <a:avLst/>
@@ -4189,8 +4192,8 @@
       </dsp:nvSpPr>
       <dsp:spPr>
         <a:xfrm>
-          <a:off x="2397424" y="1655569"/>
-          <a:ext cx="1954672" cy="720000"/>
+          <a:off x="3461396" y="1413749"/>
+          <a:ext cx="2163047" cy="1007522"/>
         </a:xfrm>
         <a:prstGeom prst="rect">
           <a:avLst/>
@@ -4219,7 +4222,7 @@
         </a:bodyPr>
         <a:lstStyle/>
         <a:p>
-          <a:pPr marL="0" lvl="0" indent="0" algn="ctr" defTabSz="533400">
+          <a:pPr marL="0" lvl="0" indent="0" algn="ctr" defTabSz="711200">
             <a:lnSpc>
               <a:spcPct val="90000"/>
             </a:lnSpc>
@@ -4233,14 +4236,14 @@
             <a:defRPr cap="all"/>
           </a:pPr>
           <a:r>
-            <a:rPr lang="en-US" sz="1200" kern="1200"/>
-            <a:t>Secure transfer of sensitive documents between Tax Boss and its clientele.</a:t>
+            <a:rPr lang="en-US" sz="1600" kern="1200" dirty="0"/>
+            <a:t>Secure transfer of sensitive documents between Tax Boss and its clients.</a:t>
           </a:r>
         </a:p>
       </dsp:txBody>
       <dsp:txXfrm>
-        <a:off x="2397424" y="1655569"/>
-        <a:ext cx="1954672" cy="720000"/>
+        <a:off x="3461396" y="1413749"/>
+        <a:ext cx="2163047" cy="1007522"/>
       </dsp:txXfrm>
     </dsp:sp>
     <dsp:sp modelId="{7B1F12D8-569B-419B-A17D-52CC76AC41AF}">
@@ -4250,8 +4253,8 @@
       </dsp:nvSpPr>
       <dsp:spPr>
         <a:xfrm>
-          <a:off x="5075325" y="91831"/>
-          <a:ext cx="1192350" cy="1192350"/>
+          <a:off x="567006" y="2818536"/>
+          <a:ext cx="969328" cy="969328"/>
         </a:xfrm>
         <a:prstGeom prst="round2DiagRect">
           <a:avLst>
@@ -4289,8 +4292,8 @@
       </dsp:nvSpPr>
       <dsp:spPr>
         <a:xfrm>
-          <a:off x="5329433" y="345939"/>
-          <a:ext cx="684135" cy="684135"/>
+          <a:off x="773584" y="3025114"/>
+          <a:ext cx="556171" cy="556171"/>
         </a:xfrm>
         <a:prstGeom prst="rect">
           <a:avLst/>
@@ -4338,8 +4341,8 @@
       </dsp:nvSpPr>
       <dsp:spPr>
         <a:xfrm>
-          <a:off x="4694164" y="1655569"/>
-          <a:ext cx="1954672" cy="720000"/>
+          <a:off x="576" y="4089786"/>
+          <a:ext cx="2102186" cy="1007522"/>
         </a:xfrm>
         <a:prstGeom prst="rect">
           <a:avLst/>
@@ -4368,7 +4371,7 @@
         </a:bodyPr>
         <a:lstStyle/>
         <a:p>
-          <a:pPr marL="0" lvl="0" indent="0" algn="ctr" defTabSz="533400">
+          <a:pPr marL="0" lvl="0" indent="0" algn="ctr" defTabSz="711200">
             <a:lnSpc>
               <a:spcPct val="90000"/>
             </a:lnSpc>
@@ -4382,14 +4385,14 @@
             <a:defRPr cap="all"/>
           </a:pPr>
           <a:r>
-            <a:rPr lang="en-US" sz="1200" kern="1200"/>
+            <a:rPr lang="en-US" sz="1600" kern="1200" dirty="0"/>
             <a:t>An automated system to track time spent and bill clients for this time.</a:t>
           </a:r>
         </a:p>
       </dsp:txBody>
       <dsp:txXfrm>
-        <a:off x="4694164" y="1655569"/>
-        <a:ext cx="1954672" cy="720000"/>
+        <a:off x="576" y="4089786"/>
+        <a:ext cx="2102186" cy="1007522"/>
       </dsp:txXfrm>
     </dsp:sp>
     <dsp:sp modelId="{8F8A4A5F-DF80-4D89-A5B7-03C75EBC96EF}">
@@ -4399,8 +4402,8 @@
       </dsp:nvSpPr>
       <dsp:spPr>
         <a:xfrm>
-          <a:off x="1630215" y="2864238"/>
-          <a:ext cx="1192350" cy="1192350"/>
+          <a:off x="2981928" y="2818536"/>
+          <a:ext cx="969328" cy="969328"/>
         </a:xfrm>
         <a:prstGeom prst="round2DiagRect">
           <a:avLst>
@@ -4438,8 +4441,8 @@
       </dsp:nvSpPr>
       <dsp:spPr>
         <a:xfrm>
-          <a:off x="1884322" y="3118345"/>
-          <a:ext cx="684135" cy="684135"/>
+          <a:off x="3188506" y="3025114"/>
+          <a:ext cx="556171" cy="556171"/>
         </a:xfrm>
         <a:prstGeom prst="rect">
           <a:avLst/>
@@ -4487,8 +4490,8 @@
       </dsp:nvSpPr>
       <dsp:spPr>
         <a:xfrm>
-          <a:off x="1249054" y="4427976"/>
-          <a:ext cx="1954672" cy="720000"/>
+          <a:off x="2380849" y="4089786"/>
+          <a:ext cx="2171485" cy="1007522"/>
         </a:xfrm>
         <a:prstGeom prst="rect">
           <a:avLst/>
@@ -4517,7 +4520,7 @@
         </a:bodyPr>
         <a:lstStyle/>
         <a:p>
-          <a:pPr marL="0" lvl="0" indent="0" algn="ctr" defTabSz="533400">
+          <a:pPr marL="0" lvl="0" indent="0" algn="ctr" defTabSz="711200">
             <a:lnSpc>
               <a:spcPct val="90000"/>
             </a:lnSpc>
@@ -4531,14 +4534,14 @@
             <a:defRPr cap="all"/>
           </a:pPr>
           <a:r>
-            <a:rPr lang="en-US" sz="1200" kern="1200"/>
+            <a:rPr lang="en-US" sz="1600" kern="1200" dirty="0"/>
             <a:t>A system allowing clients to schedule meetings with Tax Boss.</a:t>
           </a:r>
         </a:p>
       </dsp:txBody>
       <dsp:txXfrm>
-        <a:off x="1249054" y="4427976"/>
-        <a:ext cx="1954672" cy="720000"/>
+        <a:off x="2380849" y="4089786"/>
+        <a:ext cx="2171485" cy="1007522"/>
       </dsp:txXfrm>
     </dsp:sp>
     <dsp:sp modelId="{50257466-CDBE-48AB-B5E5-CDF954AED4F7}">
@@ -4548,8 +4551,8 @@
       </dsp:nvSpPr>
       <dsp:spPr>
         <a:xfrm>
-          <a:off x="3926955" y="2864238"/>
-          <a:ext cx="1192350" cy="1192350"/>
+          <a:off x="5305018" y="2818536"/>
+          <a:ext cx="969328" cy="969328"/>
         </a:xfrm>
         <a:prstGeom prst="round2DiagRect">
           <a:avLst>
@@ -4588,8 +4591,8 @@
       </dsp:nvSpPr>
       <dsp:spPr>
         <a:xfrm>
-          <a:off x="4181062" y="3118345"/>
-          <a:ext cx="684135" cy="684135"/>
+          <a:off x="5511596" y="3025114"/>
+          <a:ext cx="556171" cy="556171"/>
         </a:xfrm>
         <a:prstGeom prst="rect">
           <a:avLst/>
@@ -4637,8 +4640,8 @@
       </dsp:nvSpPr>
       <dsp:spPr>
         <a:xfrm>
-          <a:off x="3545794" y="4427976"/>
-          <a:ext cx="1954672" cy="720000"/>
+          <a:off x="4830421" y="4089786"/>
+          <a:ext cx="1918522" cy="1007522"/>
         </a:xfrm>
         <a:prstGeom prst="rect">
           <a:avLst/>
@@ -4667,7 +4670,7 @@
         </a:bodyPr>
         <a:lstStyle/>
         <a:p>
-          <a:pPr marL="0" lvl="0" indent="0" algn="ctr" defTabSz="533400">
+          <a:pPr marL="0" lvl="0" indent="0" algn="ctr" defTabSz="711200">
             <a:lnSpc>
               <a:spcPct val="90000"/>
             </a:lnSpc>
@@ -4681,14 +4684,14 @@
             <a:defRPr cap="all"/>
           </a:pPr>
           <a:r>
-            <a:rPr lang="en-US" sz="1200" kern="1200"/>
+            <a:rPr lang="en-US" sz="1600" kern="1200" dirty="0"/>
             <a:t>A notification system alerting Tax Boss to upcoming events, such as meetings.</a:t>
           </a:r>
         </a:p>
       </dsp:txBody>
       <dsp:txXfrm>
-        <a:off x="3545794" y="4427976"/>
-        <a:ext cx="1954672" cy="720000"/>
+        <a:off x="4830421" y="4089786"/>
+        <a:ext cx="1918522" cy="1007522"/>
       </dsp:txXfrm>
     </dsp:sp>
   </dsp:spTree>
@@ -5325,8 +5328,8 @@
             <a:buNone/>
           </a:pPr>
           <a:r>
-            <a:rPr lang="en-US" sz="1900" kern="1200"/>
-            <a:t>Integrates with Google, QuickBooks, Salesforce and others</a:t>
+            <a:rPr lang="en-US" sz="1900" kern="1200" dirty="0"/>
+            <a:t>Integrates with Google.</a:t>
           </a:r>
         </a:p>
       </dsp:txBody>
@@ -5335,7 +5338,7 @@
         <a:ext cx="6312772" cy="519886"/>
       </dsp:txXfrm>
     </dsp:sp>
-    <dsp:sp modelId="{6EC748CB-759A-4CDA-A685-3337D2220D24}">
+    <dsp:sp modelId="{B5F187A2-30DB-4DB8-B318-7F5D6CF8DB1F}">
       <dsp:nvSpPr>
         <dsp:cNvPr id="0" name=""/>
         <dsp:cNvSpPr/>
@@ -5377,7 +5380,7 @@
         <a:fontRef idx="minor"/>
       </dsp:style>
     </dsp:sp>
-    <dsp:sp modelId="{811DCA3F-ABB6-461C-A5FF-32E6A219B138}">
+    <dsp:sp modelId="{78625F65-C06E-4224-870B-A0C822724CEF}">
       <dsp:nvSpPr>
         <dsp:cNvPr id="0" name=""/>
         <dsp:cNvSpPr/>
@@ -5401,6 +5404,7 @@
               </a:ext>
             </a:extLst>
           </a:blip>
+          <a:srcRect/>
           <a:stretch>
             <a:fillRect/>
           </a:stretch>
@@ -5433,7 +5437,7 @@
         </a:fontRef>
       </dsp:style>
     </dsp:sp>
-    <dsp:sp modelId="{8B6C99F7-3F8D-4F03-B0C6-406DF85CCE3D}">
+    <dsp:sp modelId="{3AE226E3-07C7-4DD7-BE23-2373C07FB503}">
       <dsp:nvSpPr>
         <dsp:cNvPr id="0" name=""/>
         <dsp:cNvSpPr/>
@@ -5483,10 +5487,9 @@
             <a:buNone/>
           </a:pPr>
           <a:r>
-            <a:rPr lang="en-US" sz="1900" kern="1200"/>
-            <a:t>Gmail. Meeting, schedule automatically added to the calendar</a:t>
+            <a:rPr lang="en-US" sz="1900" kern="1200" dirty="0"/>
+            <a:t>Meeting schedule automatically added to the calendar</a:t>
           </a:r>
-          <a:endParaRPr lang="en-US" sz="1900" kern="1200" dirty="0"/>
         </a:p>
       </dsp:txBody>
       <dsp:txXfrm>
@@ -9606,6 +9609,442 @@
     </dgm:style>
   </dgm:styleLbl>
 </dgm:styleDef>
+</file>
+
+<file path=ppt/notesMasters/notesMaster1.xml><?xml version="1.0" encoding="utf-8"?>
+<p:notesMaster xmlns:a="http://schemas.openxmlformats.org/drawingml/2006/main" xmlns:r="http://schemas.openxmlformats.org/officeDocument/2006/relationships" xmlns:p="http://schemas.openxmlformats.org/presentationml/2006/main">
+  <p:cSld>
+    <p:bg>
+      <p:bgRef idx="1001">
+        <a:schemeClr val="bg1"/>
+      </p:bgRef>
+    </p:bg>
+    <p:spTree>
+      <p:nvGrpSpPr>
+        <p:cNvPr id="1" name=""/>
+        <p:cNvGrpSpPr/>
+        <p:nvPr/>
+      </p:nvGrpSpPr>
+      <p:grpSpPr>
+        <a:xfrm>
+          <a:off x="0" y="0"/>
+          <a:ext cx="0" cy="0"/>
+          <a:chOff x="0" y="0"/>
+          <a:chExt cx="0" cy="0"/>
+        </a:xfrm>
+      </p:grpSpPr>
+      <p:sp>
+        <p:nvSpPr>
+          <p:cNvPr id="2" name="Header Placeholder 1"/>
+          <p:cNvSpPr>
+            <a:spLocks noGrp="1"/>
+          </p:cNvSpPr>
+          <p:nvPr>
+            <p:ph type="hdr" sz="quarter"/>
+          </p:nvPr>
+        </p:nvSpPr>
+        <p:spPr>
+          <a:xfrm>
+            <a:off x="0" y="0"/>
+            <a:ext cx="2971800" cy="458788"/>
+          </a:xfrm>
+          <a:prstGeom prst="rect">
+            <a:avLst/>
+          </a:prstGeom>
+        </p:spPr>
+        <p:txBody>
+          <a:bodyPr vert="horz" lIns="91440" tIns="45720" rIns="91440" bIns="45720" rtlCol="0"/>
+          <a:lstStyle>
+            <a:lvl1pPr algn="l">
+              <a:defRPr sz="1200"/>
+            </a:lvl1pPr>
+          </a:lstStyle>
+          <a:p>
+            <a:endParaRPr lang="en-US"/>
+          </a:p>
+        </p:txBody>
+      </p:sp>
+      <p:sp>
+        <p:nvSpPr>
+          <p:cNvPr id="3" name="Date Placeholder 2"/>
+          <p:cNvSpPr>
+            <a:spLocks noGrp="1"/>
+          </p:cNvSpPr>
+          <p:nvPr>
+            <p:ph type="dt" idx="1"/>
+          </p:nvPr>
+        </p:nvSpPr>
+        <p:spPr>
+          <a:xfrm>
+            <a:off x="3884613" y="0"/>
+            <a:ext cx="2971800" cy="458788"/>
+          </a:xfrm>
+          <a:prstGeom prst="rect">
+            <a:avLst/>
+          </a:prstGeom>
+        </p:spPr>
+        <p:txBody>
+          <a:bodyPr vert="horz" lIns="91440" tIns="45720" rIns="91440" bIns="45720" rtlCol="0"/>
+          <a:lstStyle>
+            <a:lvl1pPr algn="r">
+              <a:defRPr sz="1200"/>
+            </a:lvl1pPr>
+          </a:lstStyle>
+          <a:p>
+            <a:fld id="{FCD04F67-627E-4B3F-920C-2A5601EF1FAA}" type="datetimeFigureOut">
+              <a:rPr lang="en-US" smtClean="0"/>
+              <a:t>4/14/2022</a:t>
+            </a:fld>
+            <a:endParaRPr lang="en-US"/>
+          </a:p>
+        </p:txBody>
+      </p:sp>
+      <p:sp>
+        <p:nvSpPr>
+          <p:cNvPr id="4" name="Slide Image Placeholder 3"/>
+          <p:cNvSpPr>
+            <a:spLocks noGrp="1" noRot="1" noChangeAspect="1"/>
+          </p:cNvSpPr>
+          <p:nvPr>
+            <p:ph type="sldImg" idx="2"/>
+          </p:nvPr>
+        </p:nvSpPr>
+        <p:spPr>
+          <a:xfrm>
+            <a:off x="685800" y="1143000"/>
+            <a:ext cx="5486400" cy="3086100"/>
+          </a:xfrm>
+          <a:prstGeom prst="rect">
+            <a:avLst/>
+          </a:prstGeom>
+          <a:noFill/>
+          <a:ln w="12700">
+            <a:solidFill>
+              <a:prstClr val="black"/>
+            </a:solidFill>
+          </a:ln>
+        </p:spPr>
+        <p:txBody>
+          <a:bodyPr vert="horz" lIns="91440" tIns="45720" rIns="91440" bIns="45720" rtlCol="0" anchor="ctr"/>
+          <a:lstStyle/>
+          <a:p>
+            <a:endParaRPr lang="en-US"/>
+          </a:p>
+        </p:txBody>
+      </p:sp>
+      <p:sp>
+        <p:nvSpPr>
+          <p:cNvPr id="5" name="Notes Placeholder 4"/>
+          <p:cNvSpPr>
+            <a:spLocks noGrp="1"/>
+          </p:cNvSpPr>
+          <p:nvPr>
+            <p:ph type="body" sz="quarter" idx="3"/>
+          </p:nvPr>
+        </p:nvSpPr>
+        <p:spPr>
+          <a:xfrm>
+            <a:off x="685800" y="4400550"/>
+            <a:ext cx="5486400" cy="3600450"/>
+          </a:xfrm>
+          <a:prstGeom prst="rect">
+            <a:avLst/>
+          </a:prstGeom>
+        </p:spPr>
+        <p:txBody>
+          <a:bodyPr vert="horz" lIns="91440" tIns="45720" rIns="91440" bIns="45720" rtlCol="0"/>
+          <a:lstStyle/>
+          <a:p>
+            <a:pPr lvl="0"/>
+            <a:r>
+              <a:rPr lang="en-US"/>
+              <a:t>Click to edit Master text styles</a:t>
+            </a:r>
+          </a:p>
+          <a:p>
+            <a:pPr lvl="1"/>
+            <a:r>
+              <a:rPr lang="en-US"/>
+              <a:t>Second level</a:t>
+            </a:r>
+          </a:p>
+          <a:p>
+            <a:pPr lvl="2"/>
+            <a:r>
+              <a:rPr lang="en-US"/>
+              <a:t>Third level</a:t>
+            </a:r>
+          </a:p>
+          <a:p>
+            <a:pPr lvl="3"/>
+            <a:r>
+              <a:rPr lang="en-US"/>
+              <a:t>Fourth level</a:t>
+            </a:r>
+          </a:p>
+          <a:p>
+            <a:pPr lvl="4"/>
+            <a:r>
+              <a:rPr lang="en-US"/>
+              <a:t>Fifth level</a:t>
+            </a:r>
+          </a:p>
+        </p:txBody>
+      </p:sp>
+      <p:sp>
+        <p:nvSpPr>
+          <p:cNvPr id="6" name="Footer Placeholder 5"/>
+          <p:cNvSpPr>
+            <a:spLocks noGrp="1"/>
+          </p:cNvSpPr>
+          <p:nvPr>
+            <p:ph type="ftr" sz="quarter" idx="4"/>
+          </p:nvPr>
+        </p:nvSpPr>
+        <p:spPr>
+          <a:xfrm>
+            <a:off x="0" y="8685213"/>
+            <a:ext cx="2971800" cy="458787"/>
+          </a:xfrm>
+          <a:prstGeom prst="rect">
+            <a:avLst/>
+          </a:prstGeom>
+        </p:spPr>
+        <p:txBody>
+          <a:bodyPr vert="horz" lIns="91440" tIns="45720" rIns="91440" bIns="45720" rtlCol="0" anchor="b"/>
+          <a:lstStyle>
+            <a:lvl1pPr algn="l">
+              <a:defRPr sz="1200"/>
+            </a:lvl1pPr>
+          </a:lstStyle>
+          <a:p>
+            <a:endParaRPr lang="en-US"/>
+          </a:p>
+        </p:txBody>
+      </p:sp>
+      <p:sp>
+        <p:nvSpPr>
+          <p:cNvPr id="7" name="Slide Number Placeholder 6"/>
+          <p:cNvSpPr>
+            <a:spLocks noGrp="1"/>
+          </p:cNvSpPr>
+          <p:nvPr>
+            <p:ph type="sldNum" sz="quarter" idx="5"/>
+          </p:nvPr>
+        </p:nvSpPr>
+        <p:spPr>
+          <a:xfrm>
+            <a:off x="3884613" y="8685213"/>
+            <a:ext cx="2971800" cy="458787"/>
+          </a:xfrm>
+          <a:prstGeom prst="rect">
+            <a:avLst/>
+          </a:prstGeom>
+        </p:spPr>
+        <p:txBody>
+          <a:bodyPr vert="horz" lIns="91440" tIns="45720" rIns="91440" bIns="45720" rtlCol="0" anchor="b"/>
+          <a:lstStyle>
+            <a:lvl1pPr algn="r">
+              <a:defRPr sz="1200"/>
+            </a:lvl1pPr>
+          </a:lstStyle>
+          <a:p>
+            <a:fld id="{0F3BF7EE-A40A-4658-8FD2-D56DD0A8585B}" type="slidenum">
+              <a:rPr lang="en-US" smtClean="0"/>
+              <a:t>‹#›</a:t>
+            </a:fld>
+            <a:endParaRPr lang="en-US"/>
+          </a:p>
+        </p:txBody>
+      </p:sp>
+    </p:spTree>
+    <p:extLst>
+      <p:ext uri="{BB962C8B-B14F-4D97-AF65-F5344CB8AC3E}">
+        <p14:creationId xmlns:p14="http://schemas.microsoft.com/office/powerpoint/2010/main" val="1022038451"/>
+      </p:ext>
+    </p:extLst>
+  </p:cSld>
+  <p:clrMap bg1="lt1" tx1="dk1" bg2="lt2" tx2="dk2" accent1="accent1" accent2="accent2" accent3="accent3" accent4="accent4" accent5="accent5" accent6="accent6" hlink="hlink" folHlink="folHlink"/>
+  <p:notesStyle>
+    <a:lvl1pPr marL="0" algn="l" defTabSz="914400" rtl="0" eaLnBrk="1" latinLnBrk="0" hangingPunct="1">
+      <a:defRPr sz="1200" kern="1200">
+        <a:solidFill>
+          <a:schemeClr val="tx1"/>
+        </a:solidFill>
+        <a:latin typeface="+mn-lt"/>
+        <a:ea typeface="+mn-ea"/>
+        <a:cs typeface="+mn-cs"/>
+      </a:defRPr>
+    </a:lvl1pPr>
+    <a:lvl2pPr marL="457200" algn="l" defTabSz="914400" rtl="0" eaLnBrk="1" latinLnBrk="0" hangingPunct="1">
+      <a:defRPr sz="1200" kern="1200">
+        <a:solidFill>
+          <a:schemeClr val="tx1"/>
+        </a:solidFill>
+        <a:latin typeface="+mn-lt"/>
+        <a:ea typeface="+mn-ea"/>
+        <a:cs typeface="+mn-cs"/>
+      </a:defRPr>
+    </a:lvl2pPr>
+    <a:lvl3pPr marL="914400" algn="l" defTabSz="914400" rtl="0" eaLnBrk="1" latinLnBrk="0" hangingPunct="1">
+      <a:defRPr sz="1200" kern="1200">
+        <a:solidFill>
+          <a:schemeClr val="tx1"/>
+        </a:solidFill>
+        <a:latin typeface="+mn-lt"/>
+        <a:ea typeface="+mn-ea"/>
+        <a:cs typeface="+mn-cs"/>
+      </a:defRPr>
+    </a:lvl3pPr>
+    <a:lvl4pPr marL="1371600" algn="l" defTabSz="914400" rtl="0" eaLnBrk="1" latinLnBrk="0" hangingPunct="1">
+      <a:defRPr sz="1200" kern="1200">
+        <a:solidFill>
+          <a:schemeClr val="tx1"/>
+        </a:solidFill>
+        <a:latin typeface="+mn-lt"/>
+        <a:ea typeface="+mn-ea"/>
+        <a:cs typeface="+mn-cs"/>
+      </a:defRPr>
+    </a:lvl4pPr>
+    <a:lvl5pPr marL="1828800" algn="l" defTabSz="914400" rtl="0" eaLnBrk="1" latinLnBrk="0" hangingPunct="1">
+      <a:defRPr sz="1200" kern="1200">
+        <a:solidFill>
+          <a:schemeClr val="tx1"/>
+        </a:solidFill>
+        <a:latin typeface="+mn-lt"/>
+        <a:ea typeface="+mn-ea"/>
+        <a:cs typeface="+mn-cs"/>
+      </a:defRPr>
+    </a:lvl5pPr>
+    <a:lvl6pPr marL="2286000" algn="l" defTabSz="914400" rtl="0" eaLnBrk="1" latinLnBrk="0" hangingPunct="1">
+      <a:defRPr sz="1200" kern="1200">
+        <a:solidFill>
+          <a:schemeClr val="tx1"/>
+        </a:solidFill>
+        <a:latin typeface="+mn-lt"/>
+        <a:ea typeface="+mn-ea"/>
+        <a:cs typeface="+mn-cs"/>
+      </a:defRPr>
+    </a:lvl6pPr>
+    <a:lvl7pPr marL="2743200" algn="l" defTabSz="914400" rtl="0" eaLnBrk="1" latinLnBrk="0" hangingPunct="1">
+      <a:defRPr sz="1200" kern="1200">
+        <a:solidFill>
+          <a:schemeClr val="tx1"/>
+        </a:solidFill>
+        <a:latin typeface="+mn-lt"/>
+        <a:ea typeface="+mn-ea"/>
+        <a:cs typeface="+mn-cs"/>
+      </a:defRPr>
+    </a:lvl7pPr>
+    <a:lvl8pPr marL="3200400" algn="l" defTabSz="914400" rtl="0" eaLnBrk="1" latinLnBrk="0" hangingPunct="1">
+      <a:defRPr sz="1200" kern="1200">
+        <a:solidFill>
+          <a:schemeClr val="tx1"/>
+        </a:solidFill>
+        <a:latin typeface="+mn-lt"/>
+        <a:ea typeface="+mn-ea"/>
+        <a:cs typeface="+mn-cs"/>
+      </a:defRPr>
+    </a:lvl8pPr>
+    <a:lvl9pPr marL="3657600" algn="l" defTabSz="914400" rtl="0" eaLnBrk="1" latinLnBrk="0" hangingPunct="1">
+      <a:defRPr sz="1200" kern="1200">
+        <a:solidFill>
+          <a:schemeClr val="tx1"/>
+        </a:solidFill>
+        <a:latin typeface="+mn-lt"/>
+        <a:ea typeface="+mn-ea"/>
+        <a:cs typeface="+mn-cs"/>
+      </a:defRPr>
+    </a:lvl9pPr>
+  </p:notesStyle>
+</p:notesMaster>
+</file>
+
+<file path=ppt/notesSlides/notesSlide1.xml><?xml version="1.0" encoding="utf-8"?>
+<p:notes xmlns:a="http://schemas.openxmlformats.org/drawingml/2006/main" xmlns:r="http://schemas.openxmlformats.org/officeDocument/2006/relationships" xmlns:p="http://schemas.openxmlformats.org/presentationml/2006/main">
+  <p:cSld>
+    <p:spTree>
+      <p:nvGrpSpPr>
+        <p:cNvPr id="1" name=""/>
+        <p:cNvGrpSpPr/>
+        <p:nvPr/>
+      </p:nvGrpSpPr>
+      <p:grpSpPr>
+        <a:xfrm>
+          <a:off x="0" y="0"/>
+          <a:ext cx="0" cy="0"/>
+          <a:chOff x="0" y="0"/>
+          <a:chExt cx="0" cy="0"/>
+        </a:xfrm>
+      </p:grpSpPr>
+      <p:sp>
+        <p:nvSpPr>
+          <p:cNvPr id="2" name="Slide Image Placeholder 1"/>
+          <p:cNvSpPr>
+            <a:spLocks noGrp="1" noRot="1" noChangeAspect="1"/>
+          </p:cNvSpPr>
+          <p:nvPr>
+            <p:ph type="sldImg"/>
+          </p:nvPr>
+        </p:nvSpPr>
+        <p:spPr/>
+      </p:sp>
+      <p:sp>
+        <p:nvSpPr>
+          <p:cNvPr id="3" name="Notes Placeholder 2"/>
+          <p:cNvSpPr>
+            <a:spLocks noGrp="1"/>
+          </p:cNvSpPr>
+          <p:nvPr>
+            <p:ph type="body" idx="1"/>
+          </p:nvPr>
+        </p:nvSpPr>
+        <p:spPr/>
+        <p:txBody>
+          <a:bodyPr/>
+          <a:lstStyle/>
+          <a:p>
+            <a:r>
+              <a:rPr lang="en-US" dirty="0"/>
+              <a:t>Talk about the next step at the end of the slide.</a:t>
+            </a:r>
+          </a:p>
+        </p:txBody>
+      </p:sp>
+      <p:sp>
+        <p:nvSpPr>
+          <p:cNvPr id="4" name="Slide Number Placeholder 3"/>
+          <p:cNvSpPr>
+            <a:spLocks noGrp="1"/>
+          </p:cNvSpPr>
+          <p:nvPr>
+            <p:ph type="sldNum" sz="quarter" idx="5"/>
+          </p:nvPr>
+        </p:nvSpPr>
+        <p:spPr/>
+        <p:txBody>
+          <a:bodyPr/>
+          <a:lstStyle/>
+          <a:p>
+            <a:fld id="{0F3BF7EE-A40A-4658-8FD2-D56DD0A8585B}" type="slidenum">
+              <a:rPr lang="en-US" smtClean="0"/>
+              <a:t>5</a:t>
+            </a:fld>
+            <a:endParaRPr lang="en-US"/>
+          </a:p>
+        </p:txBody>
+      </p:sp>
+    </p:spTree>
+    <p:extLst>
+      <p:ext uri="{BB962C8B-B14F-4D97-AF65-F5344CB8AC3E}">
+        <p14:creationId xmlns:p14="http://schemas.microsoft.com/office/powerpoint/2010/main" val="1547503646"/>
+      </p:ext>
+    </p:extLst>
+  </p:cSld>
+  <p:clrMapOvr>
+    <a:masterClrMapping/>
+  </p:clrMapOvr>
+</p:notes>
 </file>
 
 <file path=ppt/slideLayouts/slideLayout1.xml><?xml version="1.0" encoding="utf-8"?>
@@ -20950,7 +21389,7 @@
     <p:bg>
       <p:bgPr>
         <a:blipFill rotWithShape="1">
-          <a:blip r:embed="rId2">
+          <a:blip r:embed="rId3">
             <a:duotone>
               <a:schemeClr val="bg2">
                 <a:shade val="76000"/>
@@ -21831,7 +22270,7 @@
             <p:ph idx="1"/>
             <p:extLst>
               <p:ext uri="{D42A27DB-BD31-4B8C-83A1-F6EECF244321}">
-                <p14:modId xmlns:p14="http://schemas.microsoft.com/office/powerpoint/2010/main" val="10950335"/>
+                <p14:modId xmlns:p14="http://schemas.microsoft.com/office/powerpoint/2010/main" val="689754702"/>
               </p:ext>
             </p:extLst>
           </p:nvPr>
@@ -21917,7 +22356,7 @@
             <p:ph idx="1"/>
             <p:extLst>
               <p:ext uri="{D42A27DB-BD31-4B8C-83A1-F6EECF244321}">
-                <p14:modId xmlns:p14="http://schemas.microsoft.com/office/powerpoint/2010/main" val="3817653527"/>
+                <p14:modId xmlns:p14="http://schemas.microsoft.com/office/powerpoint/2010/main" val="3715074093"/>
               </p:ext>
             </p:extLst>
           </p:nvPr>
@@ -23589,4 +24028,299 @@
     </a:ext>
   </a:extLst>
 </a:theme>
+</file>
+
+<file path=ppt/theme/theme2.xml><?xml version="1.0" encoding="utf-8"?>
+<a:theme xmlns:a="http://schemas.openxmlformats.org/drawingml/2006/main" name="Office Theme">
+  <a:themeElements>
+    <a:clrScheme name="Office">
+      <a:dk1>
+        <a:sysClr val="windowText" lastClr="000000"/>
+      </a:dk1>
+      <a:lt1>
+        <a:sysClr val="window" lastClr="FFFFFF"/>
+      </a:lt1>
+      <a:dk2>
+        <a:srgbClr val="44546A"/>
+      </a:dk2>
+      <a:lt2>
+        <a:srgbClr val="E7E6E6"/>
+      </a:lt2>
+      <a:accent1>
+        <a:srgbClr val="4472C4"/>
+      </a:accent1>
+      <a:accent2>
+        <a:srgbClr val="ED7D31"/>
+      </a:accent2>
+      <a:accent3>
+        <a:srgbClr val="A5A5A5"/>
+      </a:accent3>
+      <a:accent4>
+        <a:srgbClr val="FFC000"/>
+      </a:accent4>
+      <a:accent5>
+        <a:srgbClr val="5B9BD5"/>
+      </a:accent5>
+      <a:accent6>
+        <a:srgbClr val="70AD47"/>
+      </a:accent6>
+      <a:hlink>
+        <a:srgbClr val="0563C1"/>
+      </a:hlink>
+      <a:folHlink>
+        <a:srgbClr val="954F72"/>
+      </a:folHlink>
+    </a:clrScheme>
+    <a:fontScheme name="Office">
+      <a:majorFont>
+        <a:latin typeface="Calibri Light" panose="020F0302020204030204"/>
+        <a:ea typeface=""/>
+        <a:cs typeface=""/>
+        <a:font script="Jpan" typeface="游ゴシック Light"/>
+        <a:font script="Hang" typeface="맑은 고딕"/>
+        <a:font script="Hans" typeface="等线 Light"/>
+        <a:font script="Hant" typeface="新細明體"/>
+        <a:font script="Arab" typeface="Times New Roman"/>
+        <a:font script="Hebr" typeface="Times New Roman"/>
+        <a:font script="Thai" typeface="Angsana New"/>
+        <a:font script="Ethi" typeface="Nyala"/>
+        <a:font script="Beng" typeface="Vrinda"/>
+        <a:font script="Gujr" typeface="Shruti"/>
+        <a:font script="Khmr" typeface="MoolBoran"/>
+        <a:font script="Knda" typeface="Tunga"/>
+        <a:font script="Guru" typeface="Raavi"/>
+        <a:font script="Cans" typeface="Euphemia"/>
+        <a:font script="Cher" typeface="Plantagenet Cherokee"/>
+        <a:font script="Yiii" typeface="Microsoft Yi Baiti"/>
+        <a:font script="Tibt" typeface="Microsoft Himalaya"/>
+        <a:font script="Thaa" typeface="MV Boli"/>
+        <a:font script="Deva" typeface="Mangal"/>
+        <a:font script="Telu" typeface="Gautami"/>
+        <a:font script="Taml" typeface="Latha"/>
+        <a:font script="Syrc" typeface="Estrangelo Edessa"/>
+        <a:font script="Orya" typeface="Kalinga"/>
+        <a:font script="Mlym" typeface="Kartika"/>
+        <a:font script="Laoo" typeface="DokChampa"/>
+        <a:font script="Sinh" typeface="Iskoola Pota"/>
+        <a:font script="Mong" typeface="Mongolian Baiti"/>
+        <a:font script="Viet" typeface="Times New Roman"/>
+        <a:font script="Uigh" typeface="Microsoft Uighur"/>
+        <a:font script="Geor" typeface="Sylfaen"/>
+        <a:font script="Armn" typeface="Arial"/>
+        <a:font script="Bugi" typeface="Leelawadee UI"/>
+        <a:font script="Bopo" typeface="Microsoft JhengHei"/>
+        <a:font script="Java" typeface="Javanese Text"/>
+        <a:font script="Lisu" typeface="Segoe UI"/>
+        <a:font script="Mymr" typeface="Myanmar Text"/>
+        <a:font script="Nkoo" typeface="Ebrima"/>
+        <a:font script="Olck" typeface="Nirmala UI"/>
+        <a:font script="Osma" typeface="Ebrima"/>
+        <a:font script="Phag" typeface="Phagspa"/>
+        <a:font script="Syrn" typeface="Estrangelo Edessa"/>
+        <a:font script="Syrj" typeface="Estrangelo Edessa"/>
+        <a:font script="Syre" typeface="Estrangelo Edessa"/>
+        <a:font script="Sora" typeface="Nirmala UI"/>
+        <a:font script="Tale" typeface="Microsoft Tai Le"/>
+        <a:font script="Talu" typeface="Microsoft New Tai Lue"/>
+        <a:font script="Tfng" typeface="Ebrima"/>
+      </a:majorFont>
+      <a:minorFont>
+        <a:latin typeface="Calibri" panose="020F0502020204030204"/>
+        <a:ea typeface=""/>
+        <a:cs typeface=""/>
+        <a:font script="Jpan" typeface="游ゴシック"/>
+        <a:font script="Hang" typeface="맑은 고딕"/>
+        <a:font script="Hans" typeface="等线"/>
+        <a:font script="Hant" typeface="新細明體"/>
+        <a:font script="Arab" typeface="Arial"/>
+        <a:font script="Hebr" typeface="Arial"/>
+        <a:font script="Thai" typeface="Cordia New"/>
+        <a:font script="Ethi" typeface="Nyala"/>
+        <a:font script="Beng" typeface="Vrinda"/>
+        <a:font script="Gujr" typeface="Shruti"/>
+        <a:font script="Khmr" typeface="DaunPenh"/>
+        <a:font script="Knda" typeface="Tunga"/>
+        <a:font script="Guru" typeface="Raavi"/>
+        <a:font script="Cans" typeface="Euphemia"/>
+        <a:font script="Cher" typeface="Plantagenet Cherokee"/>
+        <a:font script="Yiii" typeface="Microsoft Yi Baiti"/>
+        <a:font script="Tibt" typeface="Microsoft Himalaya"/>
+        <a:font script="Thaa" typeface="MV Boli"/>
+        <a:font script="Deva" typeface="Mangal"/>
+        <a:font script="Telu" typeface="Gautami"/>
+        <a:font script="Taml" typeface="Latha"/>
+        <a:font script="Syrc" typeface="Estrangelo Edessa"/>
+        <a:font script="Orya" typeface="Kalinga"/>
+        <a:font script="Mlym" typeface="Kartika"/>
+        <a:font script="Laoo" typeface="DokChampa"/>
+        <a:font script="Sinh" typeface="Iskoola Pota"/>
+        <a:font script="Mong" typeface="Mongolian Baiti"/>
+        <a:font script="Viet" typeface="Arial"/>
+        <a:font script="Uigh" typeface="Microsoft Uighur"/>
+        <a:font script="Geor" typeface="Sylfaen"/>
+        <a:font script="Armn" typeface="Arial"/>
+        <a:font script="Bugi" typeface="Leelawadee UI"/>
+        <a:font script="Bopo" typeface="Microsoft JhengHei"/>
+        <a:font script="Java" typeface="Javanese Text"/>
+        <a:font script="Lisu" typeface="Segoe UI"/>
+        <a:font script="Mymr" typeface="Myanmar Text"/>
+        <a:font script="Nkoo" typeface="Ebrima"/>
+        <a:font script="Olck" typeface="Nirmala UI"/>
+        <a:font script="Osma" typeface="Ebrima"/>
+        <a:font script="Phag" typeface="Phagspa"/>
+        <a:font script="Syrn" typeface="Estrangelo Edessa"/>
+        <a:font script="Syrj" typeface="Estrangelo Edessa"/>
+        <a:font script="Syre" typeface="Estrangelo Edessa"/>
+        <a:font script="Sora" typeface="Nirmala UI"/>
+        <a:font script="Tale" typeface="Microsoft Tai Le"/>
+        <a:font script="Talu" typeface="Microsoft New Tai Lue"/>
+        <a:font script="Tfng" typeface="Ebrima"/>
+      </a:minorFont>
+    </a:fontScheme>
+    <a:fmtScheme name="Office">
+      <a:fillStyleLst>
+        <a:solidFill>
+          <a:schemeClr val="phClr"/>
+        </a:solidFill>
+        <a:gradFill rotWithShape="1">
+          <a:gsLst>
+            <a:gs pos="0">
+              <a:schemeClr val="phClr">
+                <a:lumMod val="110000"/>
+                <a:satMod val="105000"/>
+                <a:tint val="67000"/>
+              </a:schemeClr>
+            </a:gs>
+            <a:gs pos="50000">
+              <a:schemeClr val="phClr">
+                <a:lumMod val="105000"/>
+                <a:satMod val="103000"/>
+                <a:tint val="73000"/>
+              </a:schemeClr>
+            </a:gs>
+            <a:gs pos="100000">
+              <a:schemeClr val="phClr">
+                <a:lumMod val="105000"/>
+                <a:satMod val="109000"/>
+                <a:tint val="81000"/>
+              </a:schemeClr>
+            </a:gs>
+          </a:gsLst>
+          <a:lin ang="5400000" scaled="0"/>
+        </a:gradFill>
+        <a:gradFill rotWithShape="1">
+          <a:gsLst>
+            <a:gs pos="0">
+              <a:schemeClr val="phClr">
+                <a:satMod val="103000"/>
+                <a:lumMod val="102000"/>
+                <a:tint val="94000"/>
+              </a:schemeClr>
+            </a:gs>
+            <a:gs pos="50000">
+              <a:schemeClr val="phClr">
+                <a:satMod val="110000"/>
+                <a:lumMod val="100000"/>
+                <a:shade val="100000"/>
+              </a:schemeClr>
+            </a:gs>
+            <a:gs pos="100000">
+              <a:schemeClr val="phClr">
+                <a:lumMod val="99000"/>
+                <a:satMod val="120000"/>
+                <a:shade val="78000"/>
+              </a:schemeClr>
+            </a:gs>
+          </a:gsLst>
+          <a:lin ang="5400000" scaled="0"/>
+        </a:gradFill>
+      </a:fillStyleLst>
+      <a:lnStyleLst>
+        <a:ln w="6350" cap="flat" cmpd="sng" algn="ctr">
+          <a:solidFill>
+            <a:schemeClr val="phClr"/>
+          </a:solidFill>
+          <a:prstDash val="solid"/>
+          <a:miter lim="800000"/>
+        </a:ln>
+        <a:ln w="12700" cap="flat" cmpd="sng" algn="ctr">
+          <a:solidFill>
+            <a:schemeClr val="phClr"/>
+          </a:solidFill>
+          <a:prstDash val="solid"/>
+          <a:miter lim="800000"/>
+        </a:ln>
+        <a:ln w="19050" cap="flat" cmpd="sng" algn="ctr">
+          <a:solidFill>
+            <a:schemeClr val="phClr"/>
+          </a:solidFill>
+          <a:prstDash val="solid"/>
+          <a:miter lim="800000"/>
+        </a:ln>
+      </a:lnStyleLst>
+      <a:effectStyleLst>
+        <a:effectStyle>
+          <a:effectLst/>
+        </a:effectStyle>
+        <a:effectStyle>
+          <a:effectLst/>
+        </a:effectStyle>
+        <a:effectStyle>
+          <a:effectLst>
+            <a:outerShdw blurRad="57150" dist="19050" dir="5400000" algn="ctr" rotWithShape="0">
+              <a:srgbClr val="000000">
+                <a:alpha val="63000"/>
+              </a:srgbClr>
+            </a:outerShdw>
+          </a:effectLst>
+        </a:effectStyle>
+      </a:effectStyleLst>
+      <a:bgFillStyleLst>
+        <a:solidFill>
+          <a:schemeClr val="phClr"/>
+        </a:solidFill>
+        <a:solidFill>
+          <a:schemeClr val="phClr">
+            <a:tint val="95000"/>
+            <a:satMod val="170000"/>
+          </a:schemeClr>
+        </a:solidFill>
+        <a:gradFill rotWithShape="1">
+          <a:gsLst>
+            <a:gs pos="0">
+              <a:schemeClr val="phClr">
+                <a:tint val="93000"/>
+                <a:satMod val="150000"/>
+                <a:shade val="98000"/>
+                <a:lumMod val="102000"/>
+              </a:schemeClr>
+            </a:gs>
+            <a:gs pos="50000">
+              <a:schemeClr val="phClr">
+                <a:tint val="98000"/>
+                <a:satMod val="130000"/>
+                <a:shade val="90000"/>
+                <a:lumMod val="103000"/>
+              </a:schemeClr>
+            </a:gs>
+            <a:gs pos="100000">
+              <a:schemeClr val="phClr">
+                <a:shade val="63000"/>
+                <a:satMod val="120000"/>
+              </a:schemeClr>
+            </a:gs>
+          </a:gsLst>
+          <a:lin ang="5400000" scaled="0"/>
+        </a:gradFill>
+      </a:bgFillStyleLst>
+    </a:fmtScheme>
+  </a:themeElements>
+  <a:objectDefaults/>
+  <a:extraClrSchemeLst/>
+  <a:extLst>
+    <a:ext uri="{05A4C25C-085E-4340-85A3-A5531E510DB2}">
+      <thm15:themeFamily xmlns:thm15="http://schemas.microsoft.com/office/thememl/2012/main" name="Office Theme" id="{62F939B6-93AF-4DB8-9C6B-D6C7DFDC589F}" vid="{4A3C46E8-61CC-4603-A589-7422A47A8E4A}"/>
+    </a:ext>
+  </a:extLst>
+</a:theme>
 </file>
--- a/De La Riva, Bennett, Calhoun, Young; Tax_Boss.pptx
+++ b/De La Riva, Bennett, Calhoun, Young; Tax_Boss.pptx
@@ -2602,8 +2602,8 @@
             <a:defRPr cap="all"/>
           </a:pPr>
           <a:r>
-            <a:rPr lang="en-US" sz="1600" dirty="0"/>
-            <a:t>Faster spread of the knowledge of Tax Boss and its services to new clients.</a:t>
+            <a:rPr lang="en-US" sz="1600" cap="none" dirty="0"/>
+            <a:t>Faster Spread Of The Knowledge Of Tax Boss And Its Services To New Clients.</a:t>
           </a:r>
         </a:p>
       </dgm:t>
@@ -2641,8 +2641,8 @@
             <a:defRPr cap="all"/>
           </a:pPr>
           <a:r>
-            <a:rPr lang="en-US" sz="1600" dirty="0"/>
-            <a:t>Secure transfer of sensitive documents between Tax Boss and its clients.</a:t>
+            <a:rPr lang="en-US" sz="1600" cap="none" dirty="0"/>
+            <a:t>Secure Transfer Of Sensitive Documents Between Tax Boss And Its Clients.</a:t>
           </a:r>
         </a:p>
       </dgm:t>
@@ -2680,8 +2680,8 @@
             <a:defRPr cap="all"/>
           </a:pPr>
           <a:r>
-            <a:rPr lang="en-US" sz="1600" dirty="0"/>
-            <a:t>An automated system to track time spent and bill clients for this time.</a:t>
+            <a:rPr lang="en-US" sz="1600" cap="none" dirty="0"/>
+            <a:t>An Automated System To Track Time Spent And Bill Clients For This Time.</a:t>
           </a:r>
         </a:p>
       </dgm:t>
@@ -2719,8 +2719,8 @@
             <a:defRPr cap="all"/>
           </a:pPr>
           <a:r>
-            <a:rPr lang="en-US" sz="1600" dirty="0"/>
-            <a:t>A system allowing clients to schedule meetings with Tax Boss.</a:t>
+            <a:rPr lang="en-US" sz="1600" cap="none" dirty="0"/>
+            <a:t>A System Allowing Clients To Schedule Meetings With Tax Boss.</a:t>
           </a:r>
         </a:p>
       </dgm:t>
@@ -2758,8 +2758,8 @@
             <a:defRPr cap="all"/>
           </a:pPr>
           <a:r>
-            <a:rPr lang="en-US" sz="1600" dirty="0"/>
-            <a:t>A notification system alerting Tax Boss to upcoming events, such as meetings.</a:t>
+            <a:rPr lang="en-US" sz="1600" cap="none" dirty="0"/>
+            <a:t>A Notification System Alerting Tax Boss To Upcoming Events, Such As Meetings.</a:t>
           </a:r>
         </a:p>
       </dgm:t>
@@ -3956,7 +3956,7 @@
       </dsp:nvSpPr>
       <dsp:spPr>
         <a:xfrm>
-          <a:off x="1669529" y="142499"/>
+          <a:off x="1669529" y="341280"/>
           <a:ext cx="969328" cy="969328"/>
         </a:xfrm>
         <a:prstGeom prst="round2DiagRect">
@@ -3993,7 +3993,7 @@
       </dsp:nvSpPr>
       <dsp:spPr>
         <a:xfrm>
-          <a:off x="1876107" y="349077"/>
+          <a:off x="1876107" y="547858"/>
           <a:ext cx="556171" cy="556171"/>
         </a:xfrm>
         <a:prstGeom prst="rect">
@@ -4042,8 +4042,8 @@
       </dsp:nvSpPr>
       <dsp:spPr>
         <a:xfrm>
-          <a:off x="1125077" y="1413749"/>
-          <a:ext cx="2058233" cy="1007522"/>
+          <a:off x="1125077" y="1612530"/>
+          <a:ext cx="2058233" cy="808740"/>
         </a:xfrm>
         <a:prstGeom prst="rect">
           <a:avLst/>
@@ -4086,14 +4086,14 @@
             <a:defRPr cap="all"/>
           </a:pPr>
           <a:r>
-            <a:rPr lang="en-US" sz="1600" kern="1200" dirty="0"/>
-            <a:t>Faster spread of the knowledge of Tax Boss and its services to new clients.</a:t>
+            <a:rPr lang="en-US" sz="1600" kern="1200" cap="none" dirty="0"/>
+            <a:t>Faster Spread Of The Knowledge Of Tax Boss And Its Services To New Clients.</a:t>
           </a:r>
         </a:p>
       </dsp:txBody>
       <dsp:txXfrm>
-        <a:off x="1125077" y="1413749"/>
-        <a:ext cx="2058233" cy="1007522"/>
+        <a:off x="1125077" y="1612530"/>
+        <a:ext cx="2058233" cy="808740"/>
       </dsp:txXfrm>
     </dsp:sp>
     <dsp:sp modelId="{CBAFCDC4-128F-4EDB-BC7C-CDBB96B30065}">
@@ -4103,7 +4103,7 @@
       </dsp:nvSpPr>
       <dsp:spPr>
         <a:xfrm>
-          <a:off x="4058256" y="142499"/>
+          <a:off x="4058256" y="341280"/>
           <a:ext cx="969328" cy="969328"/>
         </a:xfrm>
         <a:prstGeom prst="round2DiagRect">
@@ -4143,7 +4143,7 @@
       </dsp:nvSpPr>
       <dsp:spPr>
         <a:xfrm>
-          <a:off x="4264834" y="349077"/>
+          <a:off x="4264834" y="547858"/>
           <a:ext cx="556171" cy="556171"/>
         </a:xfrm>
         <a:prstGeom prst="rect">
@@ -4192,8 +4192,8 @@
       </dsp:nvSpPr>
       <dsp:spPr>
         <a:xfrm>
-          <a:off x="3461396" y="1413749"/>
-          <a:ext cx="2163047" cy="1007522"/>
+          <a:off x="3461396" y="1612530"/>
+          <a:ext cx="2163047" cy="808740"/>
         </a:xfrm>
         <a:prstGeom prst="rect">
           <a:avLst/>
@@ -4236,14 +4236,14 @@
             <a:defRPr cap="all"/>
           </a:pPr>
           <a:r>
-            <a:rPr lang="en-US" sz="1600" kern="1200" dirty="0"/>
-            <a:t>Secure transfer of sensitive documents between Tax Boss and its clients.</a:t>
+            <a:rPr lang="en-US" sz="1600" kern="1200" cap="none" dirty="0"/>
+            <a:t>Secure Transfer Of Sensitive Documents Between Tax Boss And Its Clients.</a:t>
           </a:r>
         </a:p>
       </dsp:txBody>
       <dsp:txXfrm>
-        <a:off x="3461396" y="1413749"/>
-        <a:ext cx="2163047" cy="1007522"/>
+        <a:off x="3461396" y="1612530"/>
+        <a:ext cx="2163047" cy="808740"/>
       </dsp:txXfrm>
     </dsp:sp>
     <dsp:sp modelId="{7B1F12D8-569B-419B-A17D-52CC76AC41AF}">
@@ -4342,7 +4342,7 @@
       <dsp:spPr>
         <a:xfrm>
           <a:off x="576" y="4089786"/>
-          <a:ext cx="2102186" cy="1007522"/>
+          <a:ext cx="2102186" cy="808740"/>
         </a:xfrm>
         <a:prstGeom prst="rect">
           <a:avLst/>
@@ -4385,14 +4385,14 @@
             <a:defRPr cap="all"/>
           </a:pPr>
           <a:r>
-            <a:rPr lang="en-US" sz="1600" kern="1200" dirty="0"/>
-            <a:t>An automated system to track time spent and bill clients for this time.</a:t>
+            <a:rPr lang="en-US" sz="1600" kern="1200" cap="none" dirty="0"/>
+            <a:t>An Automated System To Track Time Spent And Bill Clients For This Time.</a:t>
           </a:r>
         </a:p>
       </dsp:txBody>
       <dsp:txXfrm>
         <a:off x="576" y="4089786"/>
-        <a:ext cx="2102186" cy="1007522"/>
+        <a:ext cx="2102186" cy="808740"/>
       </dsp:txXfrm>
     </dsp:sp>
     <dsp:sp modelId="{8F8A4A5F-DF80-4D89-A5B7-03C75EBC96EF}">
@@ -4491,7 +4491,7 @@
       <dsp:spPr>
         <a:xfrm>
           <a:off x="2380849" y="4089786"/>
-          <a:ext cx="2171485" cy="1007522"/>
+          <a:ext cx="2171485" cy="808740"/>
         </a:xfrm>
         <a:prstGeom prst="rect">
           <a:avLst/>
@@ -4534,14 +4534,14 @@
             <a:defRPr cap="all"/>
           </a:pPr>
           <a:r>
-            <a:rPr lang="en-US" sz="1600" kern="1200" dirty="0"/>
-            <a:t>A system allowing clients to schedule meetings with Tax Boss.</a:t>
+            <a:rPr lang="en-US" sz="1600" kern="1200" cap="none" dirty="0"/>
+            <a:t>A System Allowing Clients To Schedule Meetings With Tax Boss.</a:t>
           </a:r>
         </a:p>
       </dsp:txBody>
       <dsp:txXfrm>
         <a:off x="2380849" y="4089786"/>
-        <a:ext cx="2171485" cy="1007522"/>
+        <a:ext cx="2171485" cy="808740"/>
       </dsp:txXfrm>
     </dsp:sp>
     <dsp:sp modelId="{50257466-CDBE-48AB-B5E5-CDF954AED4F7}">
@@ -4641,7 +4641,7 @@
       <dsp:spPr>
         <a:xfrm>
           <a:off x="4830421" y="4089786"/>
-          <a:ext cx="1918522" cy="1007522"/>
+          <a:ext cx="1918522" cy="808740"/>
         </a:xfrm>
         <a:prstGeom prst="rect">
           <a:avLst/>
@@ -4684,14 +4684,14 @@
             <a:defRPr cap="all"/>
           </a:pPr>
           <a:r>
-            <a:rPr lang="en-US" sz="1600" kern="1200" dirty="0"/>
-            <a:t>A notification system alerting Tax Boss to upcoming events, such as meetings.</a:t>
+            <a:rPr lang="en-US" sz="1600" kern="1200" cap="none" dirty="0"/>
+            <a:t>A Notification System Alerting Tax Boss To Upcoming Events, Such As Meetings.</a:t>
           </a:r>
         </a:p>
       </dsp:txBody>
       <dsp:txXfrm>
         <a:off x="4830421" y="4089786"/>
-        <a:ext cx="1918522" cy="1007522"/>
+        <a:ext cx="1918522" cy="808740"/>
       </dsp:txXfrm>
     </dsp:sp>
   </dsp:spTree>
@@ -19619,7 +19619,7 @@
                     <a:bodyPr/>
                     <a:lstStyle/>
                     <a:p>
-                      <a:endParaRPr lang="en-US" sz="1700"/>
+                      <a:endParaRPr lang="en-US" sz="1700" dirty="0"/>
                     </a:p>
                   </a:txBody>
                   <a:tcPr marL="85056" marR="85056" marT="42528" marB="42528">
@@ -19726,7 +19726,7 @@
                     <a:bodyPr/>
                     <a:lstStyle/>
                     <a:p>
-                      <a:endParaRPr lang="en-US" sz="1700"/>
+                      <a:endParaRPr lang="en-US" sz="1700" dirty="0"/>
                     </a:p>
                   </a:txBody>
                   <a:tcPr marL="85056" marR="85056" marT="42528" marB="42528"/>
@@ -19794,7 +19794,7 @@
         </p:blipFill>
         <p:spPr>
           <a:xfrm>
-            <a:off x="2591085" y="968972"/>
+            <a:off x="2543788" y="1292165"/>
             <a:ext cx="8595360" cy="4068112"/>
           </a:xfrm>
           <a:prstGeom prst="rect">
@@ -22270,7 +22270,7 @@
             <p:ph idx="1"/>
             <p:extLst>
               <p:ext uri="{D42A27DB-BD31-4B8C-83A1-F6EECF244321}">
-                <p14:modId xmlns:p14="http://schemas.microsoft.com/office/powerpoint/2010/main" val="689754702"/>
+                <p14:modId xmlns:p14="http://schemas.microsoft.com/office/powerpoint/2010/main" val="555593138"/>
               </p:ext>
             </p:extLst>
           </p:nvPr>

--- a/De La Riva, Bennett, Calhoun, Young; Tax_Boss.pptx
+++ b/De La Riva, Bennett, Calhoun, Young; Tax_Boss.pptx
@@ -2638,7 +2638,7 @@
             <a:defRPr cap="all"/>
           </a:pPr>
           <a:r>
-            <a:rPr lang="en-US"/>
+            <a:rPr lang="en-US" dirty="0"/>
             <a:t>Secure transfer of sensitive documents between Tax Boss and its clientele.</a:t>
           </a:r>
         </a:p>
@@ -4233,7 +4233,7 @@
             <a:defRPr cap="all"/>
           </a:pPr>
           <a:r>
-            <a:rPr lang="en-US" sz="1200" kern="1200"/>
+            <a:rPr lang="en-US" sz="1200" kern="1200" dirty="0"/>
             <a:t>Secure transfer of sensitive documents between Tax Boss and its clientele.</a:t>
           </a:r>
         </a:p>
@@ -16617,7 +16617,7 @@
                     <a:lstStyle/>
                     <a:p>
                       <a:r>
-                        <a:rPr lang="en-US" sz="1700"/>
+                        <a:rPr lang="en-US" sz="1700" dirty="0"/>
                         <a:t>Document Transfer</a:t>
                       </a:r>
                     </a:p>
@@ -18108,7 +18108,7 @@
                     <a:p>
                       <a:pPr algn="r" rtl="0" fontAlgn="b"/>
                       <a:r>
-                        <a:rPr lang="en-US" sz="1700">
+                        <a:rPr lang="en-US" sz="1700" dirty="0">
                           <a:effectLst/>
                         </a:rPr>
                         <a:t>$5,944</a:t>
@@ -23121,8 +23121,8 @@
         </p:nvSpPr>
         <p:spPr>
           <a:xfrm>
-            <a:off x="1484312" y="402040"/>
-            <a:ext cx="3333495" cy="1504335"/>
+            <a:off x="0" y="66283"/>
+            <a:ext cx="12192000" cy="1504335"/>
           </a:xfrm>
         </p:spPr>
         <p:txBody>
@@ -23132,15 +23132,15 @@
           <a:lstStyle/>
           <a:p>
             <a:r>
-              <a:rPr lang="en-US" sz="2400" dirty="0"/>
+              <a:rPr lang="en-US" dirty="0"/>
               <a:t>Advertising-</a:t>
             </a:r>
             <a:br>
-              <a:rPr lang="en-US" sz="2400" dirty="0"/>
+              <a:rPr lang="en-US" dirty="0"/>
             </a:br>
             <a:r>
-              <a:rPr lang="en-US" sz="2400" dirty="0"/>
-              <a:t>	Social Media</a:t>
+              <a:rPr lang="en-US" dirty="0"/>
+              <a:t>Meta For Business</a:t>
             </a:r>
           </a:p>
         </p:txBody>
@@ -23163,8 +23163,8 @@
         </p:nvSpPr>
         <p:spPr>
           <a:xfrm>
-            <a:off x="1484311" y="1906375"/>
-            <a:ext cx="3333496" cy="3124201"/>
+            <a:off x="1548605" y="1562467"/>
+            <a:ext cx="3333496" cy="3344282"/>
           </a:xfrm>
         </p:spPr>
         <p:txBody>
@@ -23173,89 +23173,13 @@
           </a:bodyPr>
           <a:lstStyle/>
           <a:p>
-            <a:pPr>
+            <a:pPr marL="0" indent="0">
               <a:lnSpc>
                 <a:spcPct val="90000"/>
               </a:lnSpc>
+              <a:buNone/>
             </a:pPr>
-            <a:r>
-              <a:rPr lang="en-US" sz="1900" dirty="0"/>
-              <a:t>Instagram – </a:t>
-            </a:r>
-          </a:p>
-          <a:p>
-            <a:pPr lvl="1">
-              <a:lnSpc>
-                <a:spcPct val="90000"/>
-              </a:lnSpc>
-            </a:pPr>
-            <a:r>
-              <a:rPr lang="en-US" sz="1900" dirty="0"/>
-              <a:t>More personal </a:t>
-            </a:r>
-          </a:p>
-          <a:p>
-            <a:pPr lvl="1">
-              <a:lnSpc>
-                <a:spcPct val="90000"/>
-              </a:lnSpc>
-            </a:pPr>
-            <a:r>
-              <a:rPr lang="en-US" sz="1900" dirty="0"/>
-              <a:t>Multiple ways to post – stories, regular posts, reels , etc. </a:t>
-            </a:r>
-          </a:p>
-          <a:p>
-            <a:pPr lvl="1">
-              <a:lnSpc>
-                <a:spcPct val="90000"/>
-              </a:lnSpc>
-            </a:pPr>
-            <a:endParaRPr lang="en-US" sz="1900" dirty="0"/>
-          </a:p>
-          <a:p>
-            <a:pPr>
-              <a:lnSpc>
-                <a:spcPct val="90000"/>
-              </a:lnSpc>
-            </a:pPr>
-            <a:r>
-              <a:rPr lang="en-US" sz="1900" dirty="0"/>
-              <a:t>Facebook – </a:t>
-            </a:r>
-          </a:p>
-          <a:p>
-            <a:pPr lvl="1">
-              <a:lnSpc>
-                <a:spcPct val="90000"/>
-              </a:lnSpc>
-            </a:pPr>
-            <a:r>
-              <a:rPr lang="en-US" sz="1900" dirty="0"/>
-              <a:t>Better target audience</a:t>
-            </a:r>
-          </a:p>
-          <a:p>
-            <a:pPr lvl="1">
-              <a:lnSpc>
-                <a:spcPct val="90000"/>
-              </a:lnSpc>
-            </a:pPr>
-            <a:r>
-              <a:rPr lang="en-US" sz="1900" dirty="0"/>
-              <a:t>Better algorithms </a:t>
-            </a:r>
-          </a:p>
-          <a:p>
-            <a:pPr lvl="1">
-              <a:lnSpc>
-                <a:spcPct val="90000"/>
-              </a:lnSpc>
-            </a:pPr>
-            <a:r>
-              <a:rPr lang="en-US" sz="1900" dirty="0"/>
-              <a:t>Less expensive ads</a:t>
-            </a:r>
+            <a:endParaRPr lang="en-US" dirty="0"/>
           </a:p>
           <a:p>
             <a:pPr>
@@ -23289,8 +23213,8 @@
         </p:blipFill>
         <p:spPr>
           <a:xfrm>
-            <a:off x="5262033" y="1223008"/>
-            <a:ext cx="6240990" cy="3978631"/>
+            <a:off x="5790670" y="1635919"/>
+            <a:ext cx="6240990" cy="4327668"/>
           </a:xfrm>
           <a:prstGeom prst="roundRect">
             <a:avLst>
@@ -23322,6 +23246,158 @@
           </a:effectLst>
         </p:spPr>
       </p:pic>
+      <p:sp>
+        <p:nvSpPr>
+          <p:cNvPr id="5" name="TextBox 4">
+            <a:extLst>
+              <a:ext uri="{FF2B5EF4-FFF2-40B4-BE49-F238E27FC236}">
+                <a16:creationId xmlns:a16="http://schemas.microsoft.com/office/drawing/2014/main" id="{72F83D28-44D5-4E17-8EF5-BEACF818AF04}"/>
+              </a:ext>
+            </a:extLst>
+          </p:cNvPr>
+          <p:cNvSpPr txBox="1"/>
+          <p:nvPr/>
+        </p:nvSpPr>
+        <p:spPr>
+          <a:xfrm>
+            <a:off x="1548605" y="1539063"/>
+            <a:ext cx="4086076" cy="7109639"/>
+          </a:xfrm>
+          <a:prstGeom prst="rect">
+            <a:avLst/>
+          </a:prstGeom>
+          <a:noFill/>
+        </p:spPr>
+        <p:txBody>
+          <a:bodyPr wrap="square" rtlCol="0">
+            <a:spAutoFit/>
+          </a:bodyPr>
+          <a:lstStyle/>
+          <a:p>
+            <a:pPr marL="457200" indent="-457200">
+              <a:buFont typeface="Arial" panose="020B0604020202020204" pitchFamily="34" charset="0"/>
+              <a:buChar char="•"/>
+            </a:pPr>
+            <a:r>
+              <a:rPr lang="en-US" sz="2800" dirty="0"/>
+              <a:t>Facebook</a:t>
+            </a:r>
+            <a:r>
+              <a:rPr lang="en-US" sz="4000" dirty="0"/>
+              <a:t> - </a:t>
+            </a:r>
+          </a:p>
+          <a:p>
+            <a:pPr marL="800100" lvl="1" indent="-342900">
+              <a:buFont typeface="Arial" panose="020B0604020202020204" pitchFamily="34" charset="0"/>
+              <a:buChar char="•"/>
+            </a:pPr>
+            <a:r>
+              <a:rPr lang="en-US" sz="2400" dirty="0"/>
+              <a:t>Larger audience (70% of adults are on Facebook</a:t>
+            </a:r>
+          </a:p>
+          <a:p>
+            <a:pPr marL="800100" lvl="1" indent="-342900">
+              <a:buFont typeface="Arial" panose="020B0604020202020204" pitchFamily="34" charset="0"/>
+              <a:buChar char="•"/>
+            </a:pPr>
+            <a:r>
+              <a:rPr lang="en-US" sz="2400" dirty="0"/>
+              <a:t>Better targets audience</a:t>
+            </a:r>
+          </a:p>
+          <a:p>
+            <a:pPr marL="800100" lvl="1" indent="-342900">
+              <a:buFont typeface="Arial" panose="020B0604020202020204" pitchFamily="34" charset="0"/>
+              <a:buChar char="•"/>
+            </a:pPr>
+            <a:r>
+              <a:rPr lang="en-US" sz="2400" dirty="0"/>
+              <a:t>Less expensive ads</a:t>
+            </a:r>
+          </a:p>
+          <a:p>
+            <a:pPr marL="914400" lvl="1" indent="-457200">
+              <a:buFont typeface="Arial" panose="020B0604020202020204" pitchFamily="34" charset="0"/>
+              <a:buChar char="•"/>
+            </a:pPr>
+            <a:endParaRPr lang="en-US" sz="2800" dirty="0"/>
+          </a:p>
+          <a:p>
+            <a:pPr marL="457200" indent="-457200">
+              <a:buFont typeface="Arial" panose="020B0604020202020204" pitchFamily="34" charset="0"/>
+              <a:buChar char="•"/>
+            </a:pPr>
+            <a:r>
+              <a:rPr lang="en-US" sz="2800" dirty="0"/>
+              <a:t>Instagram – </a:t>
+            </a:r>
+          </a:p>
+          <a:p>
+            <a:pPr marL="800100" lvl="1" indent="-342900">
+              <a:buFont typeface="Arial" panose="020B0604020202020204" pitchFamily="34" charset="0"/>
+              <a:buChar char="•"/>
+            </a:pPr>
+            <a:r>
+              <a:rPr lang="en-US" sz="2400" dirty="0"/>
+              <a:t>More personal</a:t>
+            </a:r>
+          </a:p>
+          <a:p>
+            <a:pPr marL="800100" lvl="1" indent="-342900">
+              <a:buFont typeface="Arial" panose="020B0604020202020204" pitchFamily="34" charset="0"/>
+              <a:buChar char="•"/>
+            </a:pPr>
+            <a:r>
+              <a:rPr lang="en-US" sz="2400" dirty="0"/>
+              <a:t>Multiple ways to advertise (Regular posts, videos, stories etc.) </a:t>
+            </a:r>
+          </a:p>
+          <a:p>
+            <a:pPr marL="342900" indent="-342900">
+              <a:buFont typeface="Arial" panose="020B0604020202020204" pitchFamily="34" charset="0"/>
+              <a:buChar char="•"/>
+            </a:pPr>
+            <a:endParaRPr lang="en-US" sz="2400" dirty="0"/>
+          </a:p>
+          <a:p>
+            <a:pPr marL="800100" lvl="1" indent="-342900">
+              <a:buFont typeface="Arial" panose="020B0604020202020204" pitchFamily="34" charset="0"/>
+              <a:buChar char="•"/>
+            </a:pPr>
+            <a:endParaRPr lang="en-US" sz="2400" dirty="0"/>
+          </a:p>
+          <a:p>
+            <a:pPr marL="800100" lvl="1" indent="-342900">
+              <a:buFont typeface="Arial" panose="020B0604020202020204" pitchFamily="34" charset="0"/>
+              <a:buChar char="•"/>
+            </a:pPr>
+            <a:endParaRPr lang="en-US" sz="2400" dirty="0"/>
+          </a:p>
+          <a:p>
+            <a:pPr marL="800100" lvl="1" indent="-342900">
+              <a:buFont typeface="Arial" panose="020B0604020202020204" pitchFamily="34" charset="0"/>
+              <a:buChar char="•"/>
+            </a:pPr>
+            <a:endParaRPr lang="en-US" sz="2400" dirty="0"/>
+          </a:p>
+          <a:p>
+            <a:pPr marL="800100" lvl="1" indent="-342900">
+              <a:buFont typeface="Arial" panose="020B0604020202020204" pitchFamily="34" charset="0"/>
+              <a:buChar char="•"/>
+            </a:pPr>
+            <a:endParaRPr lang="en-US" sz="2400" dirty="0"/>
+          </a:p>
+          <a:p>
+            <a:pPr marL="800100" lvl="1" indent="-342900">
+              <a:buFont typeface="Arial" panose="020B0604020202020204" pitchFamily="34" charset="0"/>
+              <a:buChar char="•"/>
+            </a:pPr>
+            <a:endParaRPr lang="en-US" sz="2400" dirty="0"/>
+          </a:p>
+        </p:txBody>
+      </p:sp>
     </p:spTree>
     <p:extLst>
       <p:ext uri="{BB962C8B-B14F-4D97-AF65-F5344CB8AC3E}">

--- a/De La Riva, Bennett, Calhoun, Young; Tax_Boss.pptx
+++ b/De La Riva, Bennett, Calhoun, Young; Tax_Boss.pptx
@@ -4,6 +4,9 @@
   <p:sldMasterIdLst>
     <p:sldMasterId id="2147483732" r:id="rId1"/>
   </p:sldMasterIdLst>
+  <p:notesMasterIdLst>
+    <p:notesMasterId r:id="rId15"/>
+  </p:notesMasterIdLst>
   <p:sldIdLst>
     <p:sldId id="256" r:id="rId2"/>
     <p:sldId id="272" r:id="rId3"/>
@@ -2589,7 +2592,7 @@
       </dgm:t>
     </dgm:pt>
     <dgm:pt modelId="{D5254008-3E02-4017-B48C-9EE1EB8AA4BC}">
-      <dgm:prSet/>
+      <dgm:prSet custT="1"/>
       <dgm:spPr/>
       <dgm:t>
         <a:bodyPr/>
@@ -2599,8 +2602,8 @@
             <a:defRPr cap="all"/>
           </a:pPr>
           <a:r>
-            <a:rPr lang="en-US" dirty="0"/>
-            <a:t>Faster spread of the knowledge of Tax Boss and its services to new clientele.</a:t>
+            <a:rPr lang="en-US" sz="1600" cap="none" dirty="0"/>
+            <a:t>Faster Spread Of The Knowledge Of Tax Boss And Its Services To New Clientele.</a:t>
           </a:r>
         </a:p>
       </dgm:t>
@@ -2628,7 +2631,7 @@
       </dgm:t>
     </dgm:pt>
     <dgm:pt modelId="{B874707C-0894-4298-B189-5328F44C7EE5}">
-      <dgm:prSet/>
+      <dgm:prSet custT="1"/>
       <dgm:spPr/>
       <dgm:t>
         <a:bodyPr/>
@@ -2638,8 +2641,8 @@
             <a:defRPr cap="all"/>
           </a:pPr>
           <a:r>
-            <a:rPr lang="en-US" dirty="0"/>
-            <a:t>Secure transfer of sensitive documents between Tax Boss and its clientele.</a:t>
+            <a:rPr lang="en-US" sz="1600" cap="none" dirty="0"/>
+            <a:t>Secure Transfer Of Sensitive Documents Between Tax Boss And Its Clientele.</a:t>
           </a:r>
         </a:p>
       </dgm:t>
@@ -2667,7 +2670,7 @@
       </dgm:t>
     </dgm:pt>
     <dgm:pt modelId="{8DF69E96-96DD-42C0-9729-7C2ADADAE9AD}">
-      <dgm:prSet/>
+      <dgm:prSet custT="1"/>
       <dgm:spPr/>
       <dgm:t>
         <a:bodyPr/>
@@ -2677,8 +2680,8 @@
             <a:defRPr cap="all"/>
           </a:pPr>
           <a:r>
-            <a:rPr lang="en-US"/>
-            <a:t>An automated system to track time spent and bill clients for this time.</a:t>
+            <a:rPr lang="en-US" sz="1600" cap="none" dirty="0"/>
+            <a:t>An Automated System To Track Time Spent And Bill Clients For This Time.</a:t>
           </a:r>
         </a:p>
       </dgm:t>
@@ -2706,7 +2709,7 @@
       </dgm:t>
     </dgm:pt>
     <dgm:pt modelId="{3D83B2BC-5B41-4BCE-9B80-681E3A9172F5}">
-      <dgm:prSet/>
+      <dgm:prSet custT="1"/>
       <dgm:spPr/>
       <dgm:t>
         <a:bodyPr/>
@@ -2716,8 +2719,8 @@
             <a:defRPr cap="all"/>
           </a:pPr>
           <a:r>
-            <a:rPr lang="en-US"/>
-            <a:t>A system allowing clients to schedule meetings with Tax Boss.</a:t>
+            <a:rPr lang="en-US" sz="1600" cap="none" dirty="0"/>
+            <a:t>A System Allowing Clients To Schedule Meetings With Tax Boss.</a:t>
           </a:r>
         </a:p>
       </dgm:t>
@@ -2745,7 +2748,7 @@
       </dgm:t>
     </dgm:pt>
     <dgm:pt modelId="{E6B62218-1881-4F4B-8C54-FBA0CEDDD008}">
-      <dgm:prSet/>
+      <dgm:prSet custT="1"/>
       <dgm:spPr/>
       <dgm:t>
         <a:bodyPr/>
@@ -2755,8 +2758,8 @@
             <a:defRPr cap="all"/>
           </a:pPr>
           <a:r>
-            <a:rPr lang="en-US"/>
-            <a:t>A notification system alerting Tax Boss to upcoming events, such as meetings.</a:t>
+            <a:rPr lang="en-US" sz="1600" cap="none" dirty="0"/>
+            <a:t>A Notification System Alerting Tax Boss To Upcoming Events, Such As Meetings.</a:t>
           </a:r>
         </a:p>
       </dgm:t>
@@ -3316,8 +3319,8 @@
             </a:lnSpc>
           </a:pPr>
           <a:r>
-            <a:rPr lang="en-US"/>
-            <a:t>Integrates with Google, QuickBooks, Salesforce and others</a:t>
+            <a:rPr lang="en-US" dirty="0"/>
+            <a:t>Integrates with Google</a:t>
           </a:r>
         </a:p>
       </dgm:t>
@@ -3357,10 +3360,9 @@
             </a:lnSpc>
           </a:pPr>
           <a:r>
-            <a:rPr lang="en-US"/>
-            <a:t>Gmail. Meeting, schedule automatically added to the calendar</a:t>
+            <a:rPr lang="en-US" dirty="0"/>
+            <a:t>Meeting schedule automatically added to the calendar</a:t>
           </a:r>
-          <a:endParaRPr lang="en-US" dirty="0"/>
         </a:p>
       </dgm:t>
     </dgm:pt>
@@ -3550,7 +3552,7 @@
       <dgm:spPr/>
     </dgm:pt>
     <dgm:pt modelId="{C847FBC4-D214-4FF4-AA48-46A6805DFD16}" type="pres">
-      <dgm:prSet presAssocID="{D09B6C3C-ECA9-446F-8F00-4F90C44EB875}" presName="bgRect" presStyleLbl="bgShp" presStyleIdx="3" presStyleCnt="5"/>
+      <dgm:prSet presAssocID="{D09B6C3C-ECA9-446F-8F00-4F90C44EB875}" presName="bgRect" presStyleLbl="bgShp" presStyleIdx="3" presStyleCnt="5" custLinFactNeighborX="-1508" custLinFactNeighborY="3141"/>
       <dgm:spPr/>
     </dgm:pt>
     <dgm:pt modelId="{ED8FAA24-DBF2-41B5-9FCB-E38A656BB8C3}" type="pres">
@@ -3688,7 +3690,7 @@
   <dgm:whole/>
   <dgm:extLst>
     <a:ext uri="http://schemas.microsoft.com/office/drawing/2008/diagram">
-      <dsp:dataModelExt xmlns:dsp="http://schemas.microsoft.com/office/drawing/2008/diagram" relId="rId6" minVer="http://schemas.openxmlformats.org/drawingml/2006/diagram"/>
+      <dsp:dataModelExt xmlns:dsp="http://schemas.microsoft.com/office/drawing/2008/diagram" relId="rId8" minVer="http://schemas.openxmlformats.org/drawingml/2006/diagram"/>
     </a:ext>
   </dgm:extLst>
 </dgm:dataModel>
@@ -3953,8 +3955,8 @@
       </dsp:nvSpPr>
       <dsp:spPr>
         <a:xfrm>
-          <a:off x="481845" y="91831"/>
-          <a:ext cx="1192350" cy="1192350"/>
+          <a:off x="874658" y="1554"/>
+          <a:ext cx="1030447" cy="1030447"/>
         </a:xfrm>
         <a:prstGeom prst="round2DiagRect">
           <a:avLst>
@@ -3990,8 +3992,8 @@
       </dsp:nvSpPr>
       <dsp:spPr>
         <a:xfrm>
-          <a:off x="735952" y="345939"/>
-          <a:ext cx="684135" cy="684135"/>
+          <a:off x="1094262" y="221157"/>
+          <a:ext cx="591240" cy="591240"/>
         </a:xfrm>
         <a:prstGeom prst="rect">
           <a:avLst/>
@@ -4039,8 +4041,8 @@
       </dsp:nvSpPr>
       <dsp:spPr>
         <a:xfrm>
-          <a:off x="100684" y="1655569"/>
-          <a:ext cx="1954672" cy="720000"/>
+          <a:off x="545253" y="1352960"/>
+          <a:ext cx="1689257" cy="1055786"/>
         </a:xfrm>
         <a:prstGeom prst="rect">
           <a:avLst/>
@@ -4069,7 +4071,7 @@
         </a:bodyPr>
         <a:lstStyle/>
         <a:p>
-          <a:pPr marL="0" lvl="0" indent="0" algn="ctr" defTabSz="533400">
+          <a:pPr marL="0" lvl="0" indent="0" algn="ctr" defTabSz="711200">
             <a:lnSpc>
               <a:spcPct val="90000"/>
             </a:lnSpc>
@@ -4083,14 +4085,14 @@
             <a:defRPr cap="all"/>
           </a:pPr>
           <a:r>
-            <a:rPr lang="en-US" sz="1200" kern="1200" dirty="0"/>
-            <a:t>Faster spread of the knowledge of Tax Boss and its services to new clientele.</a:t>
+            <a:rPr lang="en-US" sz="1600" kern="1200" cap="none" dirty="0"/>
+            <a:t>Faster Spread Of The Knowledge Of Tax Boss And Its Services To New Clientele.</a:t>
           </a:r>
         </a:p>
       </dsp:txBody>
       <dsp:txXfrm>
-        <a:off x="100684" y="1655569"/>
-        <a:ext cx="1954672" cy="720000"/>
+        <a:off x="545253" y="1352960"/>
+        <a:ext cx="1689257" cy="1055786"/>
       </dsp:txXfrm>
     </dsp:sp>
     <dsp:sp modelId="{CBAFCDC4-128F-4EDB-BC7C-CDBB96B30065}">
@@ -4100,8 +4102,8 @@
       </dsp:nvSpPr>
       <dsp:spPr>
         <a:xfrm>
-          <a:off x="2778585" y="91831"/>
-          <a:ext cx="1192350" cy="1192350"/>
+          <a:off x="2859536" y="1554"/>
+          <a:ext cx="1030447" cy="1030447"/>
         </a:xfrm>
         <a:prstGeom prst="round2DiagRect">
           <a:avLst>
@@ -4140,8 +4142,8 @@
       </dsp:nvSpPr>
       <dsp:spPr>
         <a:xfrm>
-          <a:off x="3032692" y="345939"/>
-          <a:ext cx="684135" cy="684135"/>
+          <a:off x="3079140" y="221157"/>
+          <a:ext cx="591240" cy="591240"/>
         </a:xfrm>
         <a:prstGeom prst="rect">
           <a:avLst/>
@@ -4189,8 +4191,8 @@
       </dsp:nvSpPr>
       <dsp:spPr>
         <a:xfrm>
-          <a:off x="2397424" y="1655569"/>
-          <a:ext cx="1954672" cy="720000"/>
+          <a:off x="2530131" y="1352960"/>
+          <a:ext cx="1689257" cy="1055786"/>
         </a:xfrm>
         <a:prstGeom prst="rect">
           <a:avLst/>
@@ -4219,7 +4221,7 @@
         </a:bodyPr>
         <a:lstStyle/>
         <a:p>
-          <a:pPr marL="0" lvl="0" indent="0" algn="ctr" defTabSz="533400">
+          <a:pPr marL="0" lvl="0" indent="0" algn="ctr" defTabSz="711200">
             <a:lnSpc>
               <a:spcPct val="90000"/>
             </a:lnSpc>
@@ -4233,14 +4235,14 @@
             <a:defRPr cap="all"/>
           </a:pPr>
           <a:r>
-            <a:rPr lang="en-US" sz="1200" kern="1200" dirty="0"/>
-            <a:t>Secure transfer of sensitive documents between Tax Boss and its clientele.</a:t>
+            <a:rPr lang="en-US" sz="1600" kern="1200" cap="none" dirty="0"/>
+            <a:t>Secure Transfer Of Sensitive Documents Between Tax Boss And Its Clientele.</a:t>
           </a:r>
         </a:p>
       </dsp:txBody>
       <dsp:txXfrm>
-        <a:off x="2397424" y="1655569"/>
-        <a:ext cx="1954672" cy="720000"/>
+        <a:off x="2530131" y="1352960"/>
+        <a:ext cx="1689257" cy="1055786"/>
       </dsp:txXfrm>
     </dsp:sp>
     <dsp:sp modelId="{7B1F12D8-569B-419B-A17D-52CC76AC41AF}">
@@ -4250,8 +4252,8 @@
       </dsp:nvSpPr>
       <dsp:spPr>
         <a:xfrm>
-          <a:off x="5075325" y="91831"/>
-          <a:ext cx="1192350" cy="1192350"/>
+          <a:off x="4844414" y="1554"/>
+          <a:ext cx="1030447" cy="1030447"/>
         </a:xfrm>
         <a:prstGeom prst="round2DiagRect">
           <a:avLst>
@@ -4289,8 +4291,8 @@
       </dsp:nvSpPr>
       <dsp:spPr>
         <a:xfrm>
-          <a:off x="5329433" y="345939"/>
-          <a:ext cx="684135" cy="684135"/>
+          <a:off x="5064018" y="221157"/>
+          <a:ext cx="591240" cy="591240"/>
         </a:xfrm>
         <a:prstGeom prst="rect">
           <a:avLst/>
@@ -4338,8 +4340,8 @@
       </dsp:nvSpPr>
       <dsp:spPr>
         <a:xfrm>
-          <a:off x="4694164" y="1655569"/>
-          <a:ext cx="1954672" cy="720000"/>
+          <a:off x="4515009" y="1352960"/>
+          <a:ext cx="1689257" cy="1055786"/>
         </a:xfrm>
         <a:prstGeom prst="rect">
           <a:avLst/>
@@ -4368,7 +4370,7 @@
         </a:bodyPr>
         <a:lstStyle/>
         <a:p>
-          <a:pPr marL="0" lvl="0" indent="0" algn="ctr" defTabSz="533400">
+          <a:pPr marL="0" lvl="0" indent="0" algn="ctr" defTabSz="711200">
             <a:lnSpc>
               <a:spcPct val="90000"/>
             </a:lnSpc>
@@ -4382,14 +4384,14 @@
             <a:defRPr cap="all"/>
           </a:pPr>
           <a:r>
-            <a:rPr lang="en-US" sz="1200" kern="1200"/>
-            <a:t>An automated system to track time spent and bill clients for this time.</a:t>
+            <a:rPr lang="en-US" sz="1600" kern="1200" cap="none" dirty="0"/>
+            <a:t>An Automated System To Track Time Spent And Bill Clients For This Time.</a:t>
           </a:r>
         </a:p>
       </dsp:txBody>
       <dsp:txXfrm>
-        <a:off x="4694164" y="1655569"/>
-        <a:ext cx="1954672" cy="720000"/>
+        <a:off x="4515009" y="1352960"/>
+        <a:ext cx="1689257" cy="1055786"/>
       </dsp:txXfrm>
     </dsp:sp>
     <dsp:sp modelId="{8F8A4A5F-DF80-4D89-A5B7-03C75EBC96EF}">
@@ -4399,8 +4401,8 @@
       </dsp:nvSpPr>
       <dsp:spPr>
         <a:xfrm>
-          <a:off x="1630215" y="2864238"/>
-          <a:ext cx="1192350" cy="1192350"/>
+          <a:off x="1867097" y="2831061"/>
+          <a:ext cx="1030447" cy="1030447"/>
         </a:xfrm>
         <a:prstGeom prst="round2DiagRect">
           <a:avLst>
@@ -4438,8 +4440,8 @@
       </dsp:nvSpPr>
       <dsp:spPr>
         <a:xfrm>
-          <a:off x="1884322" y="3118345"/>
-          <a:ext cx="684135" cy="684135"/>
+          <a:off x="2086701" y="3050664"/>
+          <a:ext cx="591240" cy="591240"/>
         </a:xfrm>
         <a:prstGeom prst="rect">
           <a:avLst/>
@@ -4487,8 +4489,8 @@
       </dsp:nvSpPr>
       <dsp:spPr>
         <a:xfrm>
-          <a:off x="1249054" y="4427976"/>
-          <a:ext cx="1954672" cy="720000"/>
+          <a:off x="1537692" y="4182467"/>
+          <a:ext cx="1689257" cy="1055786"/>
         </a:xfrm>
         <a:prstGeom prst="rect">
           <a:avLst/>
@@ -4517,7 +4519,7 @@
         </a:bodyPr>
         <a:lstStyle/>
         <a:p>
-          <a:pPr marL="0" lvl="0" indent="0" algn="ctr" defTabSz="533400">
+          <a:pPr marL="0" lvl="0" indent="0" algn="ctr" defTabSz="711200">
             <a:lnSpc>
               <a:spcPct val="90000"/>
             </a:lnSpc>
@@ -4531,14 +4533,14 @@
             <a:defRPr cap="all"/>
           </a:pPr>
           <a:r>
-            <a:rPr lang="en-US" sz="1200" kern="1200"/>
-            <a:t>A system allowing clients to schedule meetings with Tax Boss.</a:t>
+            <a:rPr lang="en-US" sz="1600" kern="1200" cap="none" dirty="0"/>
+            <a:t>A System Allowing Clients To Schedule Meetings With Tax Boss.</a:t>
           </a:r>
         </a:p>
       </dsp:txBody>
       <dsp:txXfrm>
-        <a:off x="1249054" y="4427976"/>
-        <a:ext cx="1954672" cy="720000"/>
+        <a:off x="1537692" y="4182467"/>
+        <a:ext cx="1689257" cy="1055786"/>
       </dsp:txXfrm>
     </dsp:sp>
     <dsp:sp modelId="{50257466-CDBE-48AB-B5E5-CDF954AED4F7}">
@@ -4548,8 +4550,8 @@
       </dsp:nvSpPr>
       <dsp:spPr>
         <a:xfrm>
-          <a:off x="3926955" y="2864238"/>
-          <a:ext cx="1192350" cy="1192350"/>
+          <a:off x="3851975" y="2831061"/>
+          <a:ext cx="1030447" cy="1030447"/>
         </a:xfrm>
         <a:prstGeom prst="round2DiagRect">
           <a:avLst>
@@ -4588,8 +4590,8 @@
       </dsp:nvSpPr>
       <dsp:spPr>
         <a:xfrm>
-          <a:off x="4181062" y="3118345"/>
-          <a:ext cx="684135" cy="684135"/>
+          <a:off x="4071579" y="3050664"/>
+          <a:ext cx="591240" cy="591240"/>
         </a:xfrm>
         <a:prstGeom prst="rect">
           <a:avLst/>
@@ -4637,8 +4639,8 @@
       </dsp:nvSpPr>
       <dsp:spPr>
         <a:xfrm>
-          <a:off x="3545794" y="4427976"/>
-          <a:ext cx="1954672" cy="720000"/>
+          <a:off x="3522570" y="4182467"/>
+          <a:ext cx="1689257" cy="1055786"/>
         </a:xfrm>
         <a:prstGeom prst="rect">
           <a:avLst/>
@@ -4667,7 +4669,7 @@
         </a:bodyPr>
         <a:lstStyle/>
         <a:p>
-          <a:pPr marL="0" lvl="0" indent="0" algn="ctr" defTabSz="533400">
+          <a:pPr marL="0" lvl="0" indent="0" algn="ctr" defTabSz="711200">
             <a:lnSpc>
               <a:spcPct val="90000"/>
             </a:lnSpc>
@@ -4681,14 +4683,14 @@
             <a:defRPr cap="all"/>
           </a:pPr>
           <a:r>
-            <a:rPr lang="en-US" sz="1200" kern="1200"/>
-            <a:t>A notification system alerting Tax Boss to upcoming events, such as meetings.</a:t>
+            <a:rPr lang="en-US" sz="1600" kern="1200" cap="none" dirty="0"/>
+            <a:t>A Notification System Alerting Tax Boss To Upcoming Events, Such As Meetings.</a:t>
           </a:r>
         </a:p>
       </dsp:txBody>
       <dsp:txXfrm>
-        <a:off x="3545794" y="4427976"/>
-        <a:ext cx="1954672" cy="720000"/>
+        <a:off x="3522570" y="4182467"/>
+        <a:ext cx="1689257" cy="1055786"/>
       </dsp:txXfrm>
     </dsp:sp>
   </dsp:spTree>
@@ -5184,7 +5186,7 @@
       </dsp:nvSpPr>
       <dsp:spPr>
         <a:xfrm>
-          <a:off x="0" y="1952015"/>
+          <a:off x="0" y="1968345"/>
           <a:ext cx="6913241" cy="519886"/>
         </a:xfrm>
         <a:prstGeom prst="roundRect">
@@ -5325,8 +5327,8 @@
             <a:buNone/>
           </a:pPr>
           <a:r>
-            <a:rPr lang="en-US" sz="1900" kern="1200"/>
-            <a:t>Integrates with Google, QuickBooks, Salesforce and others</a:t>
+            <a:rPr lang="en-US" sz="1900" kern="1200" dirty="0"/>
+            <a:t>Integrates with Google</a:t>
           </a:r>
         </a:p>
       </dsp:txBody>
@@ -5483,10 +5485,9 @@
             <a:buNone/>
           </a:pPr>
           <a:r>
-            <a:rPr lang="en-US" sz="1900" kern="1200"/>
-            <a:t>Gmail. Meeting, schedule automatically added to the calendar</a:t>
+            <a:rPr lang="en-US" sz="1900" kern="1200" dirty="0"/>
+            <a:t>Meeting schedule automatically added to the calendar</a:t>
           </a:r>
-          <a:endParaRPr lang="en-US" sz="1900" kern="1200" dirty="0"/>
         </a:p>
       </dsp:txBody>
       <dsp:txXfrm>
@@ -9606,6 +9607,571 @@
     </dgm:style>
   </dgm:styleLbl>
 </dgm:styleDef>
+</file>
+
+<file path=ppt/notesMasters/notesMaster1.xml><?xml version="1.0" encoding="utf-8"?>
+<p:notesMaster xmlns:a="http://schemas.openxmlformats.org/drawingml/2006/main" xmlns:r="http://schemas.openxmlformats.org/officeDocument/2006/relationships" xmlns:p="http://schemas.openxmlformats.org/presentationml/2006/main">
+  <p:cSld>
+    <p:bg>
+      <p:bgRef idx="1001">
+        <a:schemeClr val="bg1"/>
+      </p:bgRef>
+    </p:bg>
+    <p:spTree>
+      <p:nvGrpSpPr>
+        <p:cNvPr id="1" name=""/>
+        <p:cNvGrpSpPr/>
+        <p:nvPr/>
+      </p:nvGrpSpPr>
+      <p:grpSpPr>
+        <a:xfrm>
+          <a:off x="0" y="0"/>
+          <a:ext cx="0" cy="0"/>
+          <a:chOff x="0" y="0"/>
+          <a:chExt cx="0" cy="0"/>
+        </a:xfrm>
+      </p:grpSpPr>
+      <p:sp>
+        <p:nvSpPr>
+          <p:cNvPr id="2" name="Header Placeholder 1"/>
+          <p:cNvSpPr>
+            <a:spLocks noGrp="1"/>
+          </p:cNvSpPr>
+          <p:nvPr>
+            <p:ph type="hdr" sz="quarter"/>
+          </p:nvPr>
+        </p:nvSpPr>
+        <p:spPr>
+          <a:xfrm>
+            <a:off x="0" y="0"/>
+            <a:ext cx="2971800" cy="458788"/>
+          </a:xfrm>
+          <a:prstGeom prst="rect">
+            <a:avLst/>
+          </a:prstGeom>
+        </p:spPr>
+        <p:txBody>
+          <a:bodyPr vert="horz" lIns="91440" tIns="45720" rIns="91440" bIns="45720" rtlCol="0"/>
+          <a:lstStyle>
+            <a:lvl1pPr algn="l">
+              <a:defRPr sz="1200"/>
+            </a:lvl1pPr>
+          </a:lstStyle>
+          <a:p>
+            <a:endParaRPr lang="en-US"/>
+          </a:p>
+        </p:txBody>
+      </p:sp>
+      <p:sp>
+        <p:nvSpPr>
+          <p:cNvPr id="3" name="Date Placeholder 2"/>
+          <p:cNvSpPr>
+            <a:spLocks noGrp="1"/>
+          </p:cNvSpPr>
+          <p:nvPr>
+            <p:ph type="dt" idx="1"/>
+          </p:nvPr>
+        </p:nvSpPr>
+        <p:spPr>
+          <a:xfrm>
+            <a:off x="3884613" y="0"/>
+            <a:ext cx="2971800" cy="458788"/>
+          </a:xfrm>
+          <a:prstGeom prst="rect">
+            <a:avLst/>
+          </a:prstGeom>
+        </p:spPr>
+        <p:txBody>
+          <a:bodyPr vert="horz" lIns="91440" tIns="45720" rIns="91440" bIns="45720" rtlCol="0"/>
+          <a:lstStyle>
+            <a:lvl1pPr algn="r">
+              <a:defRPr sz="1200"/>
+            </a:lvl1pPr>
+          </a:lstStyle>
+          <a:p>
+            <a:fld id="{94EF8D79-702B-4029-9582-91948B9D5FC8}" type="datetimeFigureOut">
+              <a:rPr lang="en-US" smtClean="0"/>
+              <a:t>4/14/2022</a:t>
+            </a:fld>
+            <a:endParaRPr lang="en-US"/>
+          </a:p>
+        </p:txBody>
+      </p:sp>
+      <p:sp>
+        <p:nvSpPr>
+          <p:cNvPr id="4" name="Slide Image Placeholder 3"/>
+          <p:cNvSpPr>
+            <a:spLocks noGrp="1" noRot="1" noChangeAspect="1"/>
+          </p:cNvSpPr>
+          <p:nvPr>
+            <p:ph type="sldImg" idx="2"/>
+          </p:nvPr>
+        </p:nvSpPr>
+        <p:spPr>
+          <a:xfrm>
+            <a:off x="685800" y="1143000"/>
+            <a:ext cx="5486400" cy="3086100"/>
+          </a:xfrm>
+          <a:prstGeom prst="rect">
+            <a:avLst/>
+          </a:prstGeom>
+          <a:noFill/>
+          <a:ln w="12700">
+            <a:solidFill>
+              <a:prstClr val="black"/>
+            </a:solidFill>
+          </a:ln>
+        </p:spPr>
+        <p:txBody>
+          <a:bodyPr vert="horz" lIns="91440" tIns="45720" rIns="91440" bIns="45720" rtlCol="0" anchor="ctr"/>
+          <a:lstStyle/>
+          <a:p>
+            <a:endParaRPr lang="en-US"/>
+          </a:p>
+        </p:txBody>
+      </p:sp>
+      <p:sp>
+        <p:nvSpPr>
+          <p:cNvPr id="5" name="Notes Placeholder 4"/>
+          <p:cNvSpPr>
+            <a:spLocks noGrp="1"/>
+          </p:cNvSpPr>
+          <p:nvPr>
+            <p:ph type="body" sz="quarter" idx="3"/>
+          </p:nvPr>
+        </p:nvSpPr>
+        <p:spPr>
+          <a:xfrm>
+            <a:off x="685800" y="4400550"/>
+            <a:ext cx="5486400" cy="3600450"/>
+          </a:xfrm>
+          <a:prstGeom prst="rect">
+            <a:avLst/>
+          </a:prstGeom>
+        </p:spPr>
+        <p:txBody>
+          <a:bodyPr vert="horz" lIns="91440" tIns="45720" rIns="91440" bIns="45720" rtlCol="0"/>
+          <a:lstStyle/>
+          <a:p>
+            <a:pPr lvl="0"/>
+            <a:r>
+              <a:rPr lang="en-US"/>
+              <a:t>Click to edit Master text styles</a:t>
+            </a:r>
+          </a:p>
+          <a:p>
+            <a:pPr lvl="1"/>
+            <a:r>
+              <a:rPr lang="en-US"/>
+              <a:t>Second level</a:t>
+            </a:r>
+          </a:p>
+          <a:p>
+            <a:pPr lvl="2"/>
+            <a:r>
+              <a:rPr lang="en-US"/>
+              <a:t>Third level</a:t>
+            </a:r>
+          </a:p>
+          <a:p>
+            <a:pPr lvl="3"/>
+            <a:r>
+              <a:rPr lang="en-US"/>
+              <a:t>Fourth level</a:t>
+            </a:r>
+          </a:p>
+          <a:p>
+            <a:pPr lvl="4"/>
+            <a:r>
+              <a:rPr lang="en-US"/>
+              <a:t>Fifth level</a:t>
+            </a:r>
+          </a:p>
+        </p:txBody>
+      </p:sp>
+      <p:sp>
+        <p:nvSpPr>
+          <p:cNvPr id="6" name="Footer Placeholder 5"/>
+          <p:cNvSpPr>
+            <a:spLocks noGrp="1"/>
+          </p:cNvSpPr>
+          <p:nvPr>
+            <p:ph type="ftr" sz="quarter" idx="4"/>
+          </p:nvPr>
+        </p:nvSpPr>
+        <p:spPr>
+          <a:xfrm>
+            <a:off x="0" y="8685213"/>
+            <a:ext cx="2971800" cy="458787"/>
+          </a:xfrm>
+          <a:prstGeom prst="rect">
+            <a:avLst/>
+          </a:prstGeom>
+        </p:spPr>
+        <p:txBody>
+          <a:bodyPr vert="horz" lIns="91440" tIns="45720" rIns="91440" bIns="45720" rtlCol="0" anchor="b"/>
+          <a:lstStyle>
+            <a:lvl1pPr algn="l">
+              <a:defRPr sz="1200"/>
+            </a:lvl1pPr>
+          </a:lstStyle>
+          <a:p>
+            <a:endParaRPr lang="en-US"/>
+          </a:p>
+        </p:txBody>
+      </p:sp>
+      <p:sp>
+        <p:nvSpPr>
+          <p:cNvPr id="7" name="Slide Number Placeholder 6"/>
+          <p:cNvSpPr>
+            <a:spLocks noGrp="1"/>
+          </p:cNvSpPr>
+          <p:nvPr>
+            <p:ph type="sldNum" sz="quarter" idx="5"/>
+          </p:nvPr>
+        </p:nvSpPr>
+        <p:spPr>
+          <a:xfrm>
+            <a:off x="3884613" y="8685213"/>
+            <a:ext cx="2971800" cy="458787"/>
+          </a:xfrm>
+          <a:prstGeom prst="rect">
+            <a:avLst/>
+          </a:prstGeom>
+        </p:spPr>
+        <p:txBody>
+          <a:bodyPr vert="horz" lIns="91440" tIns="45720" rIns="91440" bIns="45720" rtlCol="0" anchor="b"/>
+          <a:lstStyle>
+            <a:lvl1pPr algn="r">
+              <a:defRPr sz="1200"/>
+            </a:lvl1pPr>
+          </a:lstStyle>
+          <a:p>
+            <a:fld id="{A2D6708C-66EC-44C6-ABE4-E603DED626F3}" type="slidenum">
+              <a:rPr lang="en-US" smtClean="0"/>
+              <a:t>‹#›</a:t>
+            </a:fld>
+            <a:endParaRPr lang="en-US"/>
+          </a:p>
+        </p:txBody>
+      </p:sp>
+    </p:spTree>
+    <p:extLst>
+      <p:ext uri="{BB962C8B-B14F-4D97-AF65-F5344CB8AC3E}">
+        <p14:creationId xmlns:p14="http://schemas.microsoft.com/office/powerpoint/2010/main" val="3878448235"/>
+      </p:ext>
+    </p:extLst>
+  </p:cSld>
+  <p:clrMap bg1="lt1" tx1="dk1" bg2="lt2" tx2="dk2" accent1="accent1" accent2="accent2" accent3="accent3" accent4="accent4" accent5="accent5" accent6="accent6" hlink="hlink" folHlink="folHlink"/>
+  <p:notesStyle>
+    <a:lvl1pPr marL="0" algn="l" defTabSz="914400" rtl="0" eaLnBrk="1" latinLnBrk="0" hangingPunct="1">
+      <a:defRPr sz="1200" kern="1200">
+        <a:solidFill>
+          <a:schemeClr val="tx1"/>
+        </a:solidFill>
+        <a:latin typeface="+mn-lt"/>
+        <a:ea typeface="+mn-ea"/>
+        <a:cs typeface="+mn-cs"/>
+      </a:defRPr>
+    </a:lvl1pPr>
+    <a:lvl2pPr marL="457200" algn="l" defTabSz="914400" rtl="0" eaLnBrk="1" latinLnBrk="0" hangingPunct="1">
+      <a:defRPr sz="1200" kern="1200">
+        <a:solidFill>
+          <a:schemeClr val="tx1"/>
+        </a:solidFill>
+        <a:latin typeface="+mn-lt"/>
+        <a:ea typeface="+mn-ea"/>
+        <a:cs typeface="+mn-cs"/>
+      </a:defRPr>
+    </a:lvl2pPr>
+    <a:lvl3pPr marL="914400" algn="l" defTabSz="914400" rtl="0" eaLnBrk="1" latinLnBrk="0" hangingPunct="1">
+      <a:defRPr sz="1200" kern="1200">
+        <a:solidFill>
+          <a:schemeClr val="tx1"/>
+        </a:solidFill>
+        <a:latin typeface="+mn-lt"/>
+        <a:ea typeface="+mn-ea"/>
+        <a:cs typeface="+mn-cs"/>
+      </a:defRPr>
+    </a:lvl3pPr>
+    <a:lvl4pPr marL="1371600" algn="l" defTabSz="914400" rtl="0" eaLnBrk="1" latinLnBrk="0" hangingPunct="1">
+      <a:defRPr sz="1200" kern="1200">
+        <a:solidFill>
+          <a:schemeClr val="tx1"/>
+        </a:solidFill>
+        <a:latin typeface="+mn-lt"/>
+        <a:ea typeface="+mn-ea"/>
+        <a:cs typeface="+mn-cs"/>
+      </a:defRPr>
+    </a:lvl4pPr>
+    <a:lvl5pPr marL="1828800" algn="l" defTabSz="914400" rtl="0" eaLnBrk="1" latinLnBrk="0" hangingPunct="1">
+      <a:defRPr sz="1200" kern="1200">
+        <a:solidFill>
+          <a:schemeClr val="tx1"/>
+        </a:solidFill>
+        <a:latin typeface="+mn-lt"/>
+        <a:ea typeface="+mn-ea"/>
+        <a:cs typeface="+mn-cs"/>
+      </a:defRPr>
+    </a:lvl5pPr>
+    <a:lvl6pPr marL="2286000" algn="l" defTabSz="914400" rtl="0" eaLnBrk="1" latinLnBrk="0" hangingPunct="1">
+      <a:defRPr sz="1200" kern="1200">
+        <a:solidFill>
+          <a:schemeClr val="tx1"/>
+        </a:solidFill>
+        <a:latin typeface="+mn-lt"/>
+        <a:ea typeface="+mn-ea"/>
+        <a:cs typeface="+mn-cs"/>
+      </a:defRPr>
+    </a:lvl6pPr>
+    <a:lvl7pPr marL="2743200" algn="l" defTabSz="914400" rtl="0" eaLnBrk="1" latinLnBrk="0" hangingPunct="1">
+      <a:defRPr sz="1200" kern="1200">
+        <a:solidFill>
+          <a:schemeClr val="tx1"/>
+        </a:solidFill>
+        <a:latin typeface="+mn-lt"/>
+        <a:ea typeface="+mn-ea"/>
+        <a:cs typeface="+mn-cs"/>
+      </a:defRPr>
+    </a:lvl7pPr>
+    <a:lvl8pPr marL="3200400" algn="l" defTabSz="914400" rtl="0" eaLnBrk="1" latinLnBrk="0" hangingPunct="1">
+      <a:defRPr sz="1200" kern="1200">
+        <a:solidFill>
+          <a:schemeClr val="tx1"/>
+        </a:solidFill>
+        <a:latin typeface="+mn-lt"/>
+        <a:ea typeface="+mn-ea"/>
+        <a:cs typeface="+mn-cs"/>
+      </a:defRPr>
+    </a:lvl8pPr>
+    <a:lvl9pPr marL="3657600" algn="l" defTabSz="914400" rtl="0" eaLnBrk="1" latinLnBrk="0" hangingPunct="1">
+      <a:defRPr sz="1200" kern="1200">
+        <a:solidFill>
+          <a:schemeClr val="tx1"/>
+        </a:solidFill>
+        <a:latin typeface="+mn-lt"/>
+        <a:ea typeface="+mn-ea"/>
+        <a:cs typeface="+mn-cs"/>
+      </a:defRPr>
+    </a:lvl9pPr>
+  </p:notesStyle>
+</p:notesMaster>
+</file>
+
+<file path=ppt/notesSlides/notesSlide1.xml><?xml version="1.0" encoding="utf-8"?>
+<p:notes xmlns:a="http://schemas.openxmlformats.org/drawingml/2006/main" xmlns:r="http://schemas.openxmlformats.org/officeDocument/2006/relationships" xmlns:p="http://schemas.openxmlformats.org/presentationml/2006/main">
+  <p:cSld>
+    <p:spTree>
+      <p:nvGrpSpPr>
+        <p:cNvPr id="1" name=""/>
+        <p:cNvGrpSpPr/>
+        <p:nvPr/>
+      </p:nvGrpSpPr>
+      <p:grpSpPr>
+        <a:xfrm>
+          <a:off x="0" y="0"/>
+          <a:ext cx="0" cy="0"/>
+          <a:chOff x="0" y="0"/>
+          <a:chExt cx="0" cy="0"/>
+        </a:xfrm>
+      </p:grpSpPr>
+      <p:sp>
+        <p:nvSpPr>
+          <p:cNvPr id="2" name="Slide Image Placeholder 1"/>
+          <p:cNvSpPr>
+            <a:spLocks noGrp="1" noRot="1" noChangeAspect="1"/>
+          </p:cNvSpPr>
+          <p:nvPr>
+            <p:ph type="sldImg"/>
+          </p:nvPr>
+        </p:nvSpPr>
+        <p:spPr/>
+      </p:sp>
+      <p:sp>
+        <p:nvSpPr>
+          <p:cNvPr id="3" name="Notes Placeholder 2"/>
+          <p:cNvSpPr>
+            <a:spLocks noGrp="1"/>
+          </p:cNvSpPr>
+          <p:nvPr>
+            <p:ph type="body" idx="1"/>
+          </p:nvPr>
+        </p:nvSpPr>
+        <p:spPr/>
+        <p:txBody>
+          <a:bodyPr/>
+          <a:lstStyle/>
+          <a:p>
+            <a:r>
+              <a:rPr lang="en-US" dirty="0"/>
+              <a:t>Talk </a:t>
+            </a:r>
+            <a:r>
+              <a:rPr lang="en-US" dirty="0" err="1"/>
+              <a:t>bou</a:t>
+            </a:r>
+            <a:r>
+              <a:rPr lang="en-US" dirty="0"/>
+              <a:t> </a:t>
+            </a:r>
+            <a:r>
+              <a:rPr lang="en-US" dirty="0" err="1"/>
+              <a:t>tht</a:t>
+            </a:r>
+            <a:r>
+              <a:rPr lang="en-US" dirty="0"/>
+              <a:t> </a:t>
+            </a:r>
+            <a:r>
+              <a:rPr lang="en-US" dirty="0" err="1"/>
+              <a:t>enext</a:t>
+            </a:r>
+            <a:r>
+              <a:rPr lang="en-US" dirty="0"/>
+              <a:t> steps. What will be in the presentation.</a:t>
+            </a:r>
+          </a:p>
+          <a:p>
+            <a:endParaRPr lang="en-US" dirty="0"/>
+          </a:p>
+        </p:txBody>
+      </p:sp>
+      <p:sp>
+        <p:nvSpPr>
+          <p:cNvPr id="4" name="Slide Number Placeholder 3"/>
+          <p:cNvSpPr>
+            <a:spLocks noGrp="1"/>
+          </p:cNvSpPr>
+          <p:nvPr>
+            <p:ph type="sldNum" sz="quarter" idx="5"/>
+          </p:nvPr>
+        </p:nvSpPr>
+        <p:spPr/>
+        <p:txBody>
+          <a:bodyPr/>
+          <a:lstStyle/>
+          <a:p>
+            <a:fld id="{A2D6708C-66EC-44C6-ABE4-E603DED626F3}" type="slidenum">
+              <a:rPr lang="en-US" smtClean="0"/>
+              <a:t>5</a:t>
+            </a:fld>
+            <a:endParaRPr lang="en-US"/>
+          </a:p>
+        </p:txBody>
+      </p:sp>
+    </p:spTree>
+    <p:extLst>
+      <p:ext uri="{BB962C8B-B14F-4D97-AF65-F5344CB8AC3E}">
+        <p14:creationId xmlns:p14="http://schemas.microsoft.com/office/powerpoint/2010/main" val="1510399081"/>
+      </p:ext>
+    </p:extLst>
+  </p:cSld>
+  <p:clrMapOvr>
+    <a:masterClrMapping/>
+  </p:clrMapOvr>
+</p:notes>
+</file>
+
+<file path=ppt/notesSlides/notesSlide2.xml><?xml version="1.0" encoding="utf-8"?>
+<p:notes xmlns:a="http://schemas.openxmlformats.org/drawingml/2006/main" xmlns:r="http://schemas.openxmlformats.org/officeDocument/2006/relationships" xmlns:p="http://schemas.openxmlformats.org/presentationml/2006/main">
+  <p:cSld>
+    <p:spTree>
+      <p:nvGrpSpPr>
+        <p:cNvPr id="1" name=""/>
+        <p:cNvGrpSpPr/>
+        <p:nvPr/>
+      </p:nvGrpSpPr>
+      <p:grpSpPr>
+        <a:xfrm>
+          <a:off x="0" y="0"/>
+          <a:ext cx="0" cy="0"/>
+          <a:chOff x="0" y="0"/>
+          <a:chExt cx="0" cy="0"/>
+        </a:xfrm>
+      </p:grpSpPr>
+      <p:sp>
+        <p:nvSpPr>
+          <p:cNvPr id="2" name="Slide Image Placeholder 1"/>
+          <p:cNvSpPr>
+            <a:spLocks noGrp="1" noRot="1" noChangeAspect="1"/>
+          </p:cNvSpPr>
+          <p:nvPr>
+            <p:ph type="sldImg"/>
+          </p:nvPr>
+        </p:nvSpPr>
+        <p:spPr/>
+      </p:sp>
+      <p:sp>
+        <p:nvSpPr>
+          <p:cNvPr id="3" name="Notes Placeholder 2"/>
+          <p:cNvSpPr>
+            <a:spLocks noGrp="1"/>
+          </p:cNvSpPr>
+          <p:nvPr>
+            <p:ph type="body" idx="1"/>
+          </p:nvPr>
+        </p:nvSpPr>
+        <p:spPr/>
+        <p:txBody>
+          <a:bodyPr/>
+          <a:lstStyle/>
+          <a:p>
+            <a:r>
+              <a:rPr lang="en-US" dirty="0" err="1"/>
+              <a:t>Breiefly</a:t>
+            </a:r>
+            <a:r>
+              <a:rPr lang="en-US" dirty="0"/>
+              <a:t> mention that google is a solution that </a:t>
+            </a:r>
+            <a:r>
+              <a:rPr lang="en-US" dirty="0" err="1"/>
+              <a:t>shaun</a:t>
+            </a:r>
+            <a:r>
+              <a:rPr lang="en-US" dirty="0"/>
+              <a:t> will be cover.</a:t>
+            </a:r>
+          </a:p>
+          <a:p>
+            <a:endParaRPr lang="en-US" dirty="0"/>
+          </a:p>
+        </p:txBody>
+      </p:sp>
+      <p:sp>
+        <p:nvSpPr>
+          <p:cNvPr id="4" name="Slide Number Placeholder 3"/>
+          <p:cNvSpPr>
+            <a:spLocks noGrp="1"/>
+          </p:cNvSpPr>
+          <p:nvPr>
+            <p:ph type="sldNum" sz="quarter" idx="5"/>
+          </p:nvPr>
+        </p:nvSpPr>
+        <p:spPr/>
+        <p:txBody>
+          <a:bodyPr/>
+          <a:lstStyle/>
+          <a:p>
+            <a:fld id="{A2D6708C-66EC-44C6-ABE4-E603DED626F3}" type="slidenum">
+              <a:rPr lang="en-US" smtClean="0"/>
+              <a:t>7</a:t>
+            </a:fld>
+            <a:endParaRPr lang="en-US"/>
+          </a:p>
+        </p:txBody>
+      </p:sp>
+    </p:spTree>
+    <p:extLst>
+      <p:ext uri="{BB962C8B-B14F-4D97-AF65-F5344CB8AC3E}">
+        <p14:creationId xmlns:p14="http://schemas.microsoft.com/office/powerpoint/2010/main" val="2897720055"/>
+      </p:ext>
+    </p:extLst>
+  </p:cSld>
+  <p:clrMapOvr>
+    <a:masterClrMapping/>
+  </p:clrMapOvr>
+</p:notes>
 </file>
 
 <file path=ppt/slideLayouts/slideLayout1.xml><?xml version="1.0" encoding="utf-8"?>
@@ -20950,7 +21516,7 @@
     <p:bg>
       <p:bgPr>
         <a:blipFill rotWithShape="1">
-          <a:blip r:embed="rId2">
+          <a:blip r:embed="rId3">
             <a:duotone>
               <a:schemeClr val="bg2">
                 <a:shade val="76000"/>
@@ -21831,7 +22397,7 @@
             <p:ph idx="1"/>
             <p:extLst>
               <p:ext uri="{D42A27DB-BD31-4B8C-83A1-F6EECF244321}">
-                <p14:modId xmlns:p14="http://schemas.microsoft.com/office/powerpoint/2010/main" val="10950335"/>
+                <p14:modId xmlns:p14="http://schemas.microsoft.com/office/powerpoint/2010/main" val="145573627"/>
               </p:ext>
             </p:extLst>
           </p:nvPr>
@@ -21876,6 +22442,36 @@
           <a:chExt cx="0" cy="0"/>
         </a:xfrm>
       </p:grpSpPr>
+      <p:pic>
+        <p:nvPicPr>
+          <p:cNvPr id="5" name="Picture 4">
+            <a:extLst>
+              <a:ext uri="{FF2B5EF4-FFF2-40B4-BE49-F238E27FC236}">
+                <a16:creationId xmlns:a16="http://schemas.microsoft.com/office/drawing/2014/main" id="{43AB4750-8F6C-46CF-B8D6-3C6DD9D627D5}"/>
+              </a:ext>
+            </a:extLst>
+          </p:cNvPr>
+          <p:cNvPicPr>
+            <a:picLocks noChangeAspect="1"/>
+          </p:cNvPicPr>
+          <p:nvPr/>
+        </p:nvPicPr>
+        <p:blipFill>
+          <a:blip r:embed="rId3"/>
+          <a:stretch>
+            <a:fillRect/>
+          </a:stretch>
+        </p:blipFill>
+        <p:spPr>
+          <a:xfrm>
+            <a:off x="4473965" y="1971676"/>
+            <a:ext cx="7105259" cy="4200524"/>
+          </a:xfrm>
+          <a:prstGeom prst="rect">
+            <a:avLst/>
+          </a:prstGeom>
+        </p:spPr>
+      </p:pic>
       <p:sp>
         <p:nvSpPr>
           <p:cNvPr id="2" name="Title 1">
@@ -21917,7 +22513,7 @@
             <p:ph idx="1"/>
             <p:extLst>
               <p:ext uri="{D42A27DB-BD31-4B8C-83A1-F6EECF244321}">
-                <p14:modId xmlns:p14="http://schemas.microsoft.com/office/powerpoint/2010/main" val="3817653527"/>
+                <p14:modId xmlns:p14="http://schemas.microsoft.com/office/powerpoint/2010/main" val="1599701933"/>
               </p:ext>
             </p:extLst>
           </p:nvPr>
@@ -21928,40 +22524,10 @@
         </p:xfrm>
         <a:graphic>
           <a:graphicData uri="http://schemas.openxmlformats.org/drawingml/2006/diagram">
-            <dgm:relIds xmlns:dgm="http://schemas.openxmlformats.org/drawingml/2006/diagram" xmlns:r="http://schemas.openxmlformats.org/officeDocument/2006/relationships" r:dm="rId2" r:lo="rId3" r:qs="rId4" r:cs="rId5"/>
+            <dgm:relIds xmlns:dgm="http://schemas.openxmlformats.org/drawingml/2006/diagram" xmlns:r="http://schemas.openxmlformats.org/officeDocument/2006/relationships" r:dm="rId4" r:lo="rId5" r:qs="rId6" r:cs="rId7"/>
           </a:graphicData>
         </a:graphic>
       </p:graphicFrame>
-      <p:pic>
-        <p:nvPicPr>
-          <p:cNvPr id="5" name="Picture 4">
-            <a:extLst>
-              <a:ext uri="{FF2B5EF4-FFF2-40B4-BE49-F238E27FC236}">
-                <a16:creationId xmlns:a16="http://schemas.microsoft.com/office/drawing/2014/main" id="{43AB4750-8F6C-46CF-B8D6-3C6DD9D627D5}"/>
-              </a:ext>
-            </a:extLst>
-          </p:cNvPr>
-          <p:cNvPicPr>
-            <a:picLocks noChangeAspect="1"/>
-          </p:cNvPicPr>
-          <p:nvPr/>
-        </p:nvPicPr>
-        <p:blipFill>
-          <a:blip r:embed="rId7"/>
-          <a:stretch>
-            <a:fillRect/>
-          </a:stretch>
-        </p:blipFill>
-        <p:spPr>
-          <a:xfrm>
-            <a:off x="4473965" y="1971676"/>
-            <a:ext cx="7105259" cy="4200524"/>
-          </a:xfrm>
-          <a:prstGeom prst="rect">
-            <a:avLst/>
-          </a:prstGeom>
-        </p:spPr>
-      </p:pic>
       <p:pic>
         <p:nvPicPr>
           <p:cNvPr id="7" name="Picture 6">
@@ -21977,7 +22543,7 @@
           <p:nvPr/>
         </p:nvPicPr>
         <p:blipFill>
-          <a:blip r:embed="rId8"/>
+          <a:blip r:embed="rId9"/>
           <a:stretch>
             <a:fillRect/>
           </a:stretch>
@@ -23665,4 +24231,299 @@
     </a:ext>
   </a:extLst>
 </a:theme>
+</file>
+
+<file path=ppt/theme/theme2.xml><?xml version="1.0" encoding="utf-8"?>
+<a:theme xmlns:a="http://schemas.openxmlformats.org/drawingml/2006/main" name="Office Theme">
+  <a:themeElements>
+    <a:clrScheme name="Office">
+      <a:dk1>
+        <a:sysClr val="windowText" lastClr="000000"/>
+      </a:dk1>
+      <a:lt1>
+        <a:sysClr val="window" lastClr="FFFFFF"/>
+      </a:lt1>
+      <a:dk2>
+        <a:srgbClr val="44546A"/>
+      </a:dk2>
+      <a:lt2>
+        <a:srgbClr val="E7E6E6"/>
+      </a:lt2>
+      <a:accent1>
+        <a:srgbClr val="4472C4"/>
+      </a:accent1>
+      <a:accent2>
+        <a:srgbClr val="ED7D31"/>
+      </a:accent2>
+      <a:accent3>
+        <a:srgbClr val="A5A5A5"/>
+      </a:accent3>
+      <a:accent4>
+        <a:srgbClr val="FFC000"/>
+      </a:accent4>
+      <a:accent5>
+        <a:srgbClr val="5B9BD5"/>
+      </a:accent5>
+      <a:accent6>
+        <a:srgbClr val="70AD47"/>
+      </a:accent6>
+      <a:hlink>
+        <a:srgbClr val="0563C1"/>
+      </a:hlink>
+      <a:folHlink>
+        <a:srgbClr val="954F72"/>
+      </a:folHlink>
+    </a:clrScheme>
+    <a:fontScheme name="Office">
+      <a:majorFont>
+        <a:latin typeface="Calibri Light" panose="020F0302020204030204"/>
+        <a:ea typeface=""/>
+        <a:cs typeface=""/>
+        <a:font script="Jpan" typeface="游ゴシック Light"/>
+        <a:font script="Hang" typeface="맑은 고딕"/>
+        <a:font script="Hans" typeface="等线 Light"/>
+        <a:font script="Hant" typeface="新細明體"/>
+        <a:font script="Arab" typeface="Times New Roman"/>
+        <a:font script="Hebr" typeface="Times New Roman"/>
+        <a:font script="Thai" typeface="Angsana New"/>
+        <a:font script="Ethi" typeface="Nyala"/>
+        <a:font script="Beng" typeface="Vrinda"/>
+        <a:font script="Gujr" typeface="Shruti"/>
+        <a:font script="Khmr" typeface="MoolBoran"/>
+        <a:font script="Knda" typeface="Tunga"/>
+        <a:font script="Guru" typeface="Raavi"/>
+        <a:font script="Cans" typeface="Euphemia"/>
+        <a:font script="Cher" typeface="Plantagenet Cherokee"/>
+        <a:font script="Yiii" typeface="Microsoft Yi Baiti"/>
+        <a:font script="Tibt" typeface="Microsoft Himalaya"/>
+        <a:font script="Thaa" typeface="MV Boli"/>
+        <a:font script="Deva" typeface="Mangal"/>
+        <a:font script="Telu" typeface="Gautami"/>
+        <a:font script="Taml" typeface="Latha"/>
+        <a:font script="Syrc" typeface="Estrangelo Edessa"/>
+        <a:font script="Orya" typeface="Kalinga"/>
+        <a:font script="Mlym" typeface="Kartika"/>
+        <a:font script="Laoo" typeface="DokChampa"/>
+        <a:font script="Sinh" typeface="Iskoola Pota"/>
+        <a:font script="Mong" typeface="Mongolian Baiti"/>
+        <a:font script="Viet" typeface="Times New Roman"/>
+        <a:font script="Uigh" typeface="Microsoft Uighur"/>
+        <a:font script="Geor" typeface="Sylfaen"/>
+        <a:font script="Armn" typeface="Arial"/>
+        <a:font script="Bugi" typeface="Leelawadee UI"/>
+        <a:font script="Bopo" typeface="Microsoft JhengHei"/>
+        <a:font script="Java" typeface="Javanese Text"/>
+        <a:font script="Lisu" typeface="Segoe UI"/>
+        <a:font script="Mymr" typeface="Myanmar Text"/>
+        <a:font script="Nkoo" typeface="Ebrima"/>
+        <a:font script="Olck" typeface="Nirmala UI"/>
+        <a:font script="Osma" typeface="Ebrima"/>
+        <a:font script="Phag" typeface="Phagspa"/>
+        <a:font script="Syrn" typeface="Estrangelo Edessa"/>
+        <a:font script="Syrj" typeface="Estrangelo Edessa"/>
+        <a:font script="Syre" typeface="Estrangelo Edessa"/>
+        <a:font script="Sora" typeface="Nirmala UI"/>
+        <a:font script="Tale" typeface="Microsoft Tai Le"/>
+        <a:font script="Talu" typeface="Microsoft New Tai Lue"/>
+        <a:font script="Tfng" typeface="Ebrima"/>
+      </a:majorFont>
+      <a:minorFont>
+        <a:latin typeface="Calibri" panose="020F0502020204030204"/>
+        <a:ea typeface=""/>
+        <a:cs typeface=""/>
+        <a:font script="Jpan" typeface="游ゴシック"/>
+        <a:font script="Hang" typeface="맑은 고딕"/>
+        <a:font script="Hans" typeface="等线"/>
+        <a:font script="Hant" typeface="新細明體"/>
+        <a:font script="Arab" typeface="Arial"/>
+        <a:font script="Hebr" typeface="Arial"/>
+        <a:font script="Thai" typeface="Cordia New"/>
+        <a:font script="Ethi" typeface="Nyala"/>
+        <a:font script="Beng" typeface="Vrinda"/>
+        <a:font script="Gujr" typeface="Shruti"/>
+        <a:font script="Khmr" typeface="DaunPenh"/>
+        <a:font script="Knda" typeface="Tunga"/>
+        <a:font script="Guru" typeface="Raavi"/>
+        <a:font script="Cans" typeface="Euphemia"/>
+        <a:font script="Cher" typeface="Plantagenet Cherokee"/>
+        <a:font script="Yiii" typeface="Microsoft Yi Baiti"/>
+        <a:font script="Tibt" typeface="Microsoft Himalaya"/>
+        <a:font script="Thaa" typeface="MV Boli"/>
+        <a:font script="Deva" typeface="Mangal"/>
+        <a:font script="Telu" typeface="Gautami"/>
+        <a:font script="Taml" typeface="Latha"/>
+        <a:font script="Syrc" typeface="Estrangelo Edessa"/>
+        <a:font script="Orya" typeface="Kalinga"/>
+        <a:font script="Mlym" typeface="Kartika"/>
+        <a:font script="Laoo" typeface="DokChampa"/>
+        <a:font script="Sinh" typeface="Iskoola Pota"/>
+        <a:font script="Mong" typeface="Mongolian Baiti"/>
+        <a:font script="Viet" typeface="Arial"/>
+        <a:font script="Uigh" typeface="Microsoft Uighur"/>
+        <a:font script="Geor" typeface="Sylfaen"/>
+        <a:font script="Armn" typeface="Arial"/>
+        <a:font script="Bugi" typeface="Leelawadee UI"/>
+        <a:font script="Bopo" typeface="Microsoft JhengHei"/>
+        <a:font script="Java" typeface="Javanese Text"/>
+        <a:font script="Lisu" typeface="Segoe UI"/>
+        <a:font script="Mymr" typeface="Myanmar Text"/>
+        <a:font script="Nkoo" typeface="Ebrima"/>
+        <a:font script="Olck" typeface="Nirmala UI"/>
+        <a:font script="Osma" typeface="Ebrima"/>
+        <a:font script="Phag" typeface="Phagspa"/>
+        <a:font script="Syrn" typeface="Estrangelo Edessa"/>
+        <a:font script="Syrj" typeface="Estrangelo Edessa"/>
+        <a:font script="Syre" typeface="Estrangelo Edessa"/>
+        <a:font script="Sora" typeface="Nirmala UI"/>
+        <a:font script="Tale" typeface="Microsoft Tai Le"/>
+        <a:font script="Talu" typeface="Microsoft New Tai Lue"/>
+        <a:font script="Tfng" typeface="Ebrima"/>
+      </a:minorFont>
+    </a:fontScheme>
+    <a:fmtScheme name="Office">
+      <a:fillStyleLst>
+        <a:solidFill>
+          <a:schemeClr val="phClr"/>
+        </a:solidFill>
+        <a:gradFill rotWithShape="1">
+          <a:gsLst>
+            <a:gs pos="0">
+              <a:schemeClr val="phClr">
+                <a:lumMod val="110000"/>
+                <a:satMod val="105000"/>
+                <a:tint val="67000"/>
+              </a:schemeClr>
+            </a:gs>
+            <a:gs pos="50000">
+              <a:schemeClr val="phClr">
+                <a:lumMod val="105000"/>
+                <a:satMod val="103000"/>
+                <a:tint val="73000"/>
+              </a:schemeClr>
+            </a:gs>
+            <a:gs pos="100000">
+              <a:schemeClr val="phClr">
+                <a:lumMod val="105000"/>
+                <a:satMod val="109000"/>
+                <a:tint val="81000"/>
+              </a:schemeClr>
+            </a:gs>
+          </a:gsLst>
+          <a:lin ang="5400000" scaled="0"/>
+        </a:gradFill>
+        <a:gradFill rotWithShape="1">
+          <a:gsLst>
+            <a:gs pos="0">
+              <a:schemeClr val="phClr">
+                <a:satMod val="103000"/>
+                <a:lumMod val="102000"/>
+                <a:tint val="94000"/>
+              </a:schemeClr>
+            </a:gs>
+            <a:gs pos="50000">
+              <a:schemeClr val="phClr">
+                <a:satMod val="110000"/>
+                <a:lumMod val="100000"/>
+                <a:shade val="100000"/>
+              </a:schemeClr>
+            </a:gs>
+            <a:gs pos="100000">
+              <a:schemeClr val="phClr">
+                <a:lumMod val="99000"/>
+                <a:satMod val="120000"/>
+                <a:shade val="78000"/>
+              </a:schemeClr>
+            </a:gs>
+          </a:gsLst>
+          <a:lin ang="5400000" scaled="0"/>
+        </a:gradFill>
+      </a:fillStyleLst>
+      <a:lnStyleLst>
+        <a:ln w="6350" cap="flat" cmpd="sng" algn="ctr">
+          <a:solidFill>
+            <a:schemeClr val="phClr"/>
+          </a:solidFill>
+          <a:prstDash val="solid"/>
+          <a:miter lim="800000"/>
+        </a:ln>
+        <a:ln w="12700" cap="flat" cmpd="sng" algn="ctr">
+          <a:solidFill>
+            <a:schemeClr val="phClr"/>
+          </a:solidFill>
+          <a:prstDash val="solid"/>
+          <a:miter lim="800000"/>
+        </a:ln>
+        <a:ln w="19050" cap="flat" cmpd="sng" algn="ctr">
+          <a:solidFill>
+            <a:schemeClr val="phClr"/>
+          </a:solidFill>
+          <a:prstDash val="solid"/>
+          <a:miter lim="800000"/>
+        </a:ln>
+      </a:lnStyleLst>
+      <a:effectStyleLst>
+        <a:effectStyle>
+          <a:effectLst/>
+        </a:effectStyle>
+        <a:effectStyle>
+          <a:effectLst/>
+        </a:effectStyle>
+        <a:effectStyle>
+          <a:effectLst>
+            <a:outerShdw blurRad="57150" dist="19050" dir="5400000" algn="ctr" rotWithShape="0">
+              <a:srgbClr val="000000">
+                <a:alpha val="63000"/>
+              </a:srgbClr>
+            </a:outerShdw>
+          </a:effectLst>
+        </a:effectStyle>
+      </a:effectStyleLst>
+      <a:bgFillStyleLst>
+        <a:solidFill>
+          <a:schemeClr val="phClr"/>
+        </a:solidFill>
+        <a:solidFill>
+          <a:schemeClr val="phClr">
+            <a:tint val="95000"/>
+            <a:satMod val="170000"/>
+          </a:schemeClr>
+        </a:solidFill>
+        <a:gradFill rotWithShape="1">
+          <a:gsLst>
+            <a:gs pos="0">
+              <a:schemeClr val="phClr">
+                <a:tint val="93000"/>
+                <a:satMod val="150000"/>
+                <a:shade val="98000"/>
+                <a:lumMod val="102000"/>
+              </a:schemeClr>
+            </a:gs>
+            <a:gs pos="50000">
+              <a:schemeClr val="phClr">
+                <a:tint val="98000"/>
+                <a:satMod val="130000"/>
+                <a:shade val="90000"/>
+                <a:lumMod val="103000"/>
+              </a:schemeClr>
+            </a:gs>
+            <a:gs pos="100000">
+              <a:schemeClr val="phClr">
+                <a:shade val="63000"/>
+                <a:satMod val="120000"/>
+              </a:schemeClr>
+            </a:gs>
+          </a:gsLst>
+          <a:lin ang="5400000" scaled="0"/>
+        </a:gradFill>
+      </a:bgFillStyleLst>
+    </a:fmtScheme>
+  </a:themeElements>
+  <a:objectDefaults/>
+  <a:extraClrSchemeLst/>
+  <a:extLst>
+    <a:ext uri="{05A4C25C-085E-4340-85A3-A5531E510DB2}">
+      <thm15:themeFamily xmlns:thm15="http://schemas.microsoft.com/office/thememl/2012/main" name="Office Theme" id="{62F939B6-93AF-4DB8-9C6B-D6C7DFDC589F}" vid="{4A3C46E8-61CC-4603-A589-7422A47A8E4A}"/>
+    </a:ext>
+  </a:extLst>
+</a:theme>
 </file>
--- a/De La Riva, Bennett, Calhoun, Young; Tax_Boss.pptx
+++ b/De La Riva, Bennett, Calhoun, Young; Tax_Boss.pptx
@@ -9691,7 +9691,7 @@
           <a:p>
             <a:fld id="{94EF8D79-702B-4029-9582-91948B9D5FC8}" type="datetimeFigureOut">
               <a:rPr lang="en-US" smtClean="0"/>
-              <a:t>4/14/2022</a:t>
+              <a:t>4/17/2022</a:t>
             </a:fld>
             <a:endParaRPr lang="en-US"/>
           </a:p>
@@ -10676,7 +10676,7 @@
           <a:p>
             <a:fld id="{63C8E96C-C792-471B-AF1A-21A2407ECB1C}" type="datetimeFigureOut">
               <a:rPr lang="en-US" smtClean="0"/>
-              <a:t>4/14/2022</a:t>
+              <a:t>4/17/2022</a:t>
             </a:fld>
             <a:endParaRPr lang="en-US"/>
           </a:p>
@@ -10972,7 +10972,7 @@
           <a:p>
             <a:fld id="{63C8E96C-C792-471B-AF1A-21A2407ECB1C}" type="datetimeFigureOut">
               <a:rPr lang="en-US" smtClean="0"/>
-              <a:t>4/14/2022</a:t>
+              <a:t>4/17/2022</a:t>
             </a:fld>
             <a:endParaRPr lang="en-US"/>
           </a:p>
@@ -11220,7 +11220,7 @@
           <a:p>
             <a:fld id="{63C8E96C-C792-471B-AF1A-21A2407ECB1C}" type="datetimeFigureOut">
               <a:rPr lang="en-US" smtClean="0"/>
-              <a:t>4/14/2022</a:t>
+              <a:t>4/17/2022</a:t>
             </a:fld>
             <a:endParaRPr lang="en-US"/>
           </a:p>
@@ -11760,7 +11760,7 @@
           <a:p>
             <a:fld id="{63C8E96C-C792-471B-AF1A-21A2407ECB1C}" type="datetimeFigureOut">
               <a:rPr lang="en-US" smtClean="0"/>
-              <a:t>4/14/2022</a:t>
+              <a:t>4/17/2022</a:t>
             </a:fld>
             <a:endParaRPr lang="en-US"/>
           </a:p>
@@ -12008,7 +12008,7 @@
           <a:p>
             <a:fld id="{63C8E96C-C792-471B-AF1A-21A2407ECB1C}" type="datetimeFigureOut">
               <a:rPr lang="en-US" smtClean="0"/>
-              <a:t>4/14/2022</a:t>
+              <a:t>4/17/2022</a:t>
             </a:fld>
             <a:endParaRPr lang="en-US"/>
           </a:p>
@@ -12540,7 +12540,7 @@
           <a:p>
             <a:fld id="{63C8E96C-C792-471B-AF1A-21A2407ECB1C}" type="datetimeFigureOut">
               <a:rPr lang="en-US" smtClean="0"/>
-              <a:t>4/14/2022</a:t>
+              <a:t>4/17/2022</a:t>
             </a:fld>
             <a:endParaRPr lang="en-US"/>
           </a:p>
@@ -12837,7 +12837,7 @@
           <a:p>
             <a:fld id="{63C8E96C-C792-471B-AF1A-21A2407ECB1C}" type="datetimeFigureOut">
               <a:rPr lang="en-US" smtClean="0"/>
-              <a:t>4/14/2022</a:t>
+              <a:t>4/17/2022</a:t>
             </a:fld>
             <a:endParaRPr lang="en-US"/>
           </a:p>
@@ -13011,7 +13011,7 @@
           <a:p>
             <a:fld id="{63C8E96C-C792-471B-AF1A-21A2407ECB1C}" type="datetimeFigureOut">
               <a:rPr lang="en-US" smtClean="0"/>
-              <a:t>4/14/2022</a:t>
+              <a:t>4/17/2022</a:t>
             </a:fld>
             <a:endParaRPr lang="en-US"/>
           </a:p>
@@ -13191,7 +13191,7 @@
           <a:p>
             <a:fld id="{63C8E96C-C792-471B-AF1A-21A2407ECB1C}" type="datetimeFigureOut">
               <a:rPr lang="en-US" smtClean="0"/>
-              <a:t>4/14/2022</a:t>
+              <a:t>4/17/2022</a:t>
             </a:fld>
             <a:endParaRPr lang="en-US"/>
           </a:p>
@@ -13361,7 +13361,7 @@
           <a:p>
             <a:fld id="{63C8E96C-C792-471B-AF1A-21A2407ECB1C}" type="datetimeFigureOut">
               <a:rPr lang="en-US" smtClean="0"/>
-              <a:t>4/14/2022</a:t>
+              <a:t>4/17/2022</a:t>
             </a:fld>
             <a:endParaRPr lang="en-US"/>
           </a:p>
@@ -13612,7 +13612,7 @@
           <a:p>
             <a:fld id="{63C8E96C-C792-471B-AF1A-21A2407ECB1C}" type="datetimeFigureOut">
               <a:rPr lang="en-US" smtClean="0"/>
-              <a:t>4/14/2022</a:t>
+              <a:t>4/17/2022</a:t>
             </a:fld>
             <a:endParaRPr lang="en-US"/>
           </a:p>
@@ -13909,7 +13909,7 @@
           <a:p>
             <a:fld id="{63C8E96C-C792-471B-AF1A-21A2407ECB1C}" type="datetimeFigureOut">
               <a:rPr lang="en-US" smtClean="0"/>
-              <a:t>4/14/2022</a:t>
+              <a:t>4/17/2022</a:t>
             </a:fld>
             <a:endParaRPr lang="en-US"/>
           </a:p>
@@ -14351,7 +14351,7 @@
           <a:p>
             <a:fld id="{63C8E96C-C792-471B-AF1A-21A2407ECB1C}" type="datetimeFigureOut">
               <a:rPr lang="en-US" smtClean="0"/>
-              <a:t>4/14/2022</a:t>
+              <a:t>4/17/2022</a:t>
             </a:fld>
             <a:endParaRPr lang="en-US"/>
           </a:p>
@@ -14469,7 +14469,7 @@
           <a:p>
             <a:fld id="{63C8E96C-C792-471B-AF1A-21A2407ECB1C}" type="datetimeFigureOut">
               <a:rPr lang="en-US" smtClean="0"/>
-              <a:t>4/14/2022</a:t>
+              <a:t>4/17/2022</a:t>
             </a:fld>
             <a:endParaRPr lang="en-US"/>
           </a:p>
@@ -14564,7 +14564,7 @@
           <a:p>
             <a:fld id="{63C8E96C-C792-471B-AF1A-21A2407ECB1C}" type="datetimeFigureOut">
               <a:rPr lang="en-US" smtClean="0"/>
-              <a:t>4/14/2022</a:t>
+              <a:t>4/17/2022</a:t>
             </a:fld>
             <a:endParaRPr lang="en-US"/>
           </a:p>
@@ -14847,7 +14847,7 @@
           <a:p>
             <a:fld id="{63C8E96C-C792-471B-AF1A-21A2407ECB1C}" type="datetimeFigureOut">
               <a:rPr lang="en-US" smtClean="0"/>
-              <a:t>4/14/2022</a:t>
+              <a:t>4/17/2022</a:t>
             </a:fld>
             <a:endParaRPr lang="en-US"/>
           </a:p>
@@ -15138,7 +15138,7 @@
           <a:p>
             <a:fld id="{63C8E96C-C792-471B-AF1A-21A2407ECB1C}" type="datetimeFigureOut">
               <a:rPr lang="en-US" smtClean="0"/>
-              <a:t>4/14/2022</a:t>
+              <a:t>4/17/2022</a:t>
             </a:fld>
             <a:endParaRPr lang="en-US"/>
           </a:p>
@@ -15668,7 +15668,7 @@
           <a:p>
             <a:fld id="{63C8E96C-C792-471B-AF1A-21A2407ECB1C}" type="datetimeFigureOut">
               <a:rPr lang="en-US" smtClean="0"/>
-              <a:t>4/14/2022</a:t>
+              <a:t>4/17/2022</a:t>
             </a:fld>
             <a:endParaRPr lang="en-US"/>
           </a:p>
@@ -20119,56 +20119,51 @@
           <a:chExt cx="0" cy="0"/>
         </a:xfrm>
       </p:grpSpPr>
-      <p:sp>
-        <p:nvSpPr>
-          <p:cNvPr id="2" name="Title 1">
+      <p:pic>
+        <p:nvPicPr>
+          <p:cNvPr id="1026" name="Picture 2">
             <a:extLst>
               <a:ext uri="{FF2B5EF4-FFF2-40B4-BE49-F238E27FC236}">
-                <a16:creationId xmlns:a16="http://schemas.microsoft.com/office/drawing/2014/main" id="{339E914F-E24F-4285-8262-525617E70789}"/>
+                <a16:creationId xmlns:a16="http://schemas.microsoft.com/office/drawing/2014/main" id="{5A2F3987-F9C6-4F95-A1C5-50415095B444}"/>
               </a:ext>
             </a:extLst>
           </p:cNvPr>
-          <p:cNvSpPr>
-            <a:spLocks noGrp="1"/>
-          </p:cNvSpPr>
-          <p:nvPr>
-            <p:ph type="title"/>
-          </p:nvPr>
-        </p:nvSpPr>
-        <p:spPr/>
-        <p:txBody>
-          <a:bodyPr/>
-          <a:lstStyle/>
-          <a:p>
-            <a:endParaRPr lang="en-US"/>
-          </a:p>
-        </p:txBody>
-      </p:sp>
-      <p:sp>
-        <p:nvSpPr>
-          <p:cNvPr id="3" name="Content Placeholder 2">
+          <p:cNvPicPr>
+            <a:picLocks noChangeAspect="1" noChangeArrowheads="1"/>
+          </p:cNvPicPr>
+          <p:nvPr/>
+        </p:nvPicPr>
+        <p:blipFill rotWithShape="1">
+          <a:blip r:embed="rId2">
             <a:extLst>
-              <a:ext uri="{FF2B5EF4-FFF2-40B4-BE49-F238E27FC236}">
-                <a16:creationId xmlns:a16="http://schemas.microsoft.com/office/drawing/2014/main" id="{A7F06B16-CEB7-4572-B2AE-C944D932DF17}"/>
+              <a:ext uri="{28A0092B-C50C-407E-A947-70E740481C1C}">
+                <a14:useLocalDpi xmlns:a14="http://schemas.microsoft.com/office/drawing/2010/main" val="0"/>
               </a:ext>
             </a:extLst>
-          </p:cNvPr>
-          <p:cNvSpPr>
-            <a:spLocks noGrp="1"/>
-          </p:cNvSpPr>
-          <p:nvPr>
-            <p:ph idx="1"/>
-          </p:nvPr>
-        </p:nvSpPr>
-        <p:spPr/>
-        <p:txBody>
-          <a:bodyPr/>
-          <a:lstStyle/>
-          <a:p>
-            <a:endParaRPr lang="en-US"/>
-          </a:p>
-        </p:txBody>
-      </p:sp>
+          </a:blip>
+          <a:srcRect l="25704"/>
+          <a:stretch/>
+        </p:blipFill>
+        <p:spPr bwMode="auto">
+          <a:xfrm rot="16200000">
+            <a:off x="1721392" y="291423"/>
+            <a:ext cx="2052942" cy="2072397"/>
+          </a:xfrm>
+          <a:prstGeom prst="rect">
+            <a:avLst/>
+          </a:prstGeom>
+          <a:noFill/>
+          <a:extLst>
+            <a:ext uri="{909E8E84-426E-40DD-AFC4-6F175D3DCCD1}">
+              <a14:hiddenFill xmlns:a14="http://schemas.microsoft.com/office/drawing/2010/main">
+                <a:solidFill>
+                  <a:srgbClr val="FFFFFF"/>
+                </a:solidFill>
+              </a14:hiddenFill>
+            </a:ext>
+          </a:extLst>
+        </p:spPr>
+      </p:pic>
     </p:spTree>
     <p:extLst>
       <p:ext uri="{BB962C8B-B14F-4D97-AF65-F5344CB8AC3E}">
